--- a/Australian Marriage Law Postal Survey 2017.pptx
+++ b/Australian Marriage Law Postal Survey 2017.pptx
@@ -13,10 +13,12 @@
     <p:sldId id="263" r:id="rId7"/>
     <p:sldId id="262" r:id="rId8"/>
     <p:sldId id="273" r:id="rId9"/>
-    <p:sldId id="261" r:id="rId10"/>
-    <p:sldId id="264" r:id="rId11"/>
-    <p:sldId id="271" r:id="rId12"/>
-    <p:sldId id="267" r:id="rId13"/>
+    <p:sldId id="275" r:id="rId10"/>
+    <p:sldId id="261" r:id="rId11"/>
+    <p:sldId id="276" r:id="rId12"/>
+    <p:sldId id="264" r:id="rId13"/>
+    <p:sldId id="271" r:id="rId14"/>
+    <p:sldId id="267" r:id="rId15"/>
   </p:sldIdLst>
   <p:sldSz cx="12192000" cy="6858000"/>
   <p:notesSz cx="6858000" cy="9144000"/>
@@ -284,7 +286,7 @@
           <a:p>
             <a:fld id="{224D785E-5515-4125-890C-36660FC47966}" type="datetimeFigureOut">
               <a:rPr lang="en-AU" smtClean="0"/>
-              <a:t>13/04/2021</a:t>
+              <a:t>14/04/2021</a:t>
             </a:fld>
             <a:endParaRPr lang="en-AU"/>
           </a:p>
@@ -484,7 +486,7 @@
           <a:p>
             <a:fld id="{224D785E-5515-4125-890C-36660FC47966}" type="datetimeFigureOut">
               <a:rPr lang="en-AU" smtClean="0"/>
-              <a:t>13/04/2021</a:t>
+              <a:t>14/04/2021</a:t>
             </a:fld>
             <a:endParaRPr lang="en-AU"/>
           </a:p>
@@ -694,7 +696,7 @@
           <a:p>
             <a:fld id="{224D785E-5515-4125-890C-36660FC47966}" type="datetimeFigureOut">
               <a:rPr lang="en-AU" smtClean="0"/>
-              <a:t>13/04/2021</a:t>
+              <a:t>14/04/2021</a:t>
             </a:fld>
             <a:endParaRPr lang="en-AU"/>
           </a:p>
@@ -894,7 +896,7 @@
           <a:p>
             <a:fld id="{224D785E-5515-4125-890C-36660FC47966}" type="datetimeFigureOut">
               <a:rPr lang="en-AU" smtClean="0"/>
-              <a:t>13/04/2021</a:t>
+              <a:t>14/04/2021</a:t>
             </a:fld>
             <a:endParaRPr lang="en-AU"/>
           </a:p>
@@ -1170,7 +1172,7 @@
           <a:p>
             <a:fld id="{224D785E-5515-4125-890C-36660FC47966}" type="datetimeFigureOut">
               <a:rPr lang="en-AU" smtClean="0"/>
-              <a:t>13/04/2021</a:t>
+              <a:t>14/04/2021</a:t>
             </a:fld>
             <a:endParaRPr lang="en-AU"/>
           </a:p>
@@ -1438,7 +1440,7 @@
           <a:p>
             <a:fld id="{224D785E-5515-4125-890C-36660FC47966}" type="datetimeFigureOut">
               <a:rPr lang="en-AU" smtClean="0"/>
-              <a:t>13/04/2021</a:t>
+              <a:t>14/04/2021</a:t>
             </a:fld>
             <a:endParaRPr lang="en-AU"/>
           </a:p>
@@ -1853,7 +1855,7 @@
           <a:p>
             <a:fld id="{224D785E-5515-4125-890C-36660FC47966}" type="datetimeFigureOut">
               <a:rPr lang="en-AU" smtClean="0"/>
-              <a:t>13/04/2021</a:t>
+              <a:t>14/04/2021</a:t>
             </a:fld>
             <a:endParaRPr lang="en-AU"/>
           </a:p>
@@ -1995,7 +1997,7 @@
           <a:p>
             <a:fld id="{224D785E-5515-4125-890C-36660FC47966}" type="datetimeFigureOut">
               <a:rPr lang="en-AU" smtClean="0"/>
-              <a:t>13/04/2021</a:t>
+              <a:t>14/04/2021</a:t>
             </a:fld>
             <a:endParaRPr lang="en-AU"/>
           </a:p>
@@ -2108,7 +2110,7 @@
           <a:p>
             <a:fld id="{224D785E-5515-4125-890C-36660FC47966}" type="datetimeFigureOut">
               <a:rPr lang="en-AU" smtClean="0"/>
-              <a:t>13/04/2021</a:t>
+              <a:t>14/04/2021</a:t>
             </a:fld>
             <a:endParaRPr lang="en-AU"/>
           </a:p>
@@ -2421,7 +2423,7 @@
           <a:p>
             <a:fld id="{224D785E-5515-4125-890C-36660FC47966}" type="datetimeFigureOut">
               <a:rPr lang="en-AU" smtClean="0"/>
-              <a:t>13/04/2021</a:t>
+              <a:t>14/04/2021</a:t>
             </a:fld>
             <a:endParaRPr lang="en-AU"/>
           </a:p>
@@ -2710,7 +2712,7 @@
           <a:p>
             <a:fld id="{224D785E-5515-4125-890C-36660FC47966}" type="datetimeFigureOut">
               <a:rPr lang="en-AU" smtClean="0"/>
-              <a:t>13/04/2021</a:t>
+              <a:t>14/04/2021</a:t>
             </a:fld>
             <a:endParaRPr lang="en-AU"/>
           </a:p>
@@ -2956,7 +2958,7 @@
           <a:p>
             <a:fld id="{224D785E-5515-4125-890C-36660FC47966}" type="datetimeFigureOut">
               <a:rPr lang="en-AU" smtClean="0"/>
-              <a:t>13/04/2021</a:t>
+              <a:t>14/04/2021</a:t>
             </a:fld>
             <a:endParaRPr lang="en-AU"/>
           </a:p>
@@ -3970,18 +3972,19 @@
         </p:nvSpPr>
         <p:spPr>
           <a:xfrm>
-            <a:off x="584049" y="3368585"/>
-            <a:ext cx="3909096" cy="749758"/>
+            <a:off x="405601" y="5424717"/>
+            <a:ext cx="4655399" cy="749758"/>
           </a:xfrm>
         </p:spPr>
         <p:txBody>
           <a:bodyPr vert="horz" lIns="91440" tIns="45720" rIns="91440" bIns="45720" rtlCol="0">
-            <a:normAutofit/>
+            <a:noAutofit/>
           </a:bodyPr>
           <a:lstStyle/>
           <a:p>
+            <a:pPr algn="l"/>
             <a:r>
-              <a:rPr lang="en-US" sz="500">
+              <a:rPr lang="en-US" sz="1600" dirty="0">
                 <a:solidFill>
                   <a:schemeClr val="bg1"/>
                 </a:solidFill>
@@ -3990,15 +3993,9 @@
             </a:r>
           </a:p>
           <a:p>
-            <a:endParaRPr lang="en-US" sz="500">
-              <a:solidFill>
-                <a:schemeClr val="bg1"/>
-              </a:solidFill>
-            </a:endParaRPr>
-          </a:p>
-          <a:p>
+            <a:pPr algn="l"/>
             <a:r>
-              <a:rPr lang="en-US" sz="500">
+              <a:rPr lang="en-US" sz="1600" dirty="0">
                 <a:solidFill>
                   <a:schemeClr val="bg1"/>
                 </a:solidFill>
@@ -4007,8 +4004,9 @@
             </a:r>
           </a:p>
           <a:p>
+            <a:pPr algn="l"/>
             <a:r>
-              <a:rPr lang="en-US" sz="500">
+              <a:rPr lang="en-US" sz="1600" dirty="0">
                 <a:solidFill>
                   <a:schemeClr val="bg1"/>
                 </a:solidFill>
@@ -6028,6 +6026,1016 @@
         </p:spPr>
         <p:txBody>
           <a:bodyPr>
+            <a:normAutofit fontScale="90000"/>
+          </a:bodyPr>
+          <a:lstStyle/>
+          <a:p>
+            <a:r>
+              <a:rPr lang="en-AU" dirty="0"/>
+              <a:t>Visualisations [</a:t>
+            </a:r>
+            <a:r>
+              <a:rPr lang="en-AU" i="1" dirty="0"/>
+              <a:t>insert link once final to show interactivity</a:t>
+            </a:r>
+            <a:r>
+              <a:rPr lang="en-AU" dirty="0"/>
+              <a:t>]</a:t>
+            </a:r>
+            <a:br>
+              <a:rPr lang="en-AU" dirty="0"/>
+            </a:br>
+            <a:endParaRPr lang="en-AU" dirty="0"/>
+          </a:p>
+        </p:txBody>
+      </p:sp>
+      <p:sp>
+        <p:nvSpPr>
+          <p:cNvPr id="3" name="Content Placeholder 2">
+            <a:extLst>
+              <a:ext uri="{FF2B5EF4-FFF2-40B4-BE49-F238E27FC236}">
+                <a16:creationId xmlns:a16="http://schemas.microsoft.com/office/drawing/2014/main" id="{781A5B15-8A90-4059-9825-8DA6A0674BB9}"/>
+              </a:ext>
+            </a:extLst>
+          </p:cNvPr>
+          <p:cNvSpPr>
+            <a:spLocks noGrp="1"/>
+          </p:cNvSpPr>
+          <p:nvPr>
+            <p:ph idx="1"/>
+          </p:nvPr>
+        </p:nvSpPr>
+        <p:spPr>
+          <a:xfrm>
+            <a:off x="1136429" y="2278173"/>
+            <a:ext cx="6467867" cy="4285187"/>
+          </a:xfrm>
+        </p:spPr>
+        <p:txBody>
+          <a:bodyPr anchor="t">
+            <a:normAutofit/>
+          </a:bodyPr>
+          <a:lstStyle/>
+          <a:p>
+            <a:endParaRPr lang="en-AU" sz="2400" dirty="0"/>
+          </a:p>
+          <a:p>
+            <a:endParaRPr lang="en-AU" sz="2400" dirty="0"/>
+          </a:p>
+          <a:p>
+            <a:endParaRPr lang="en-AU" sz="2400" dirty="0"/>
+          </a:p>
+          <a:p>
+            <a:endParaRPr lang="en-AU" sz="2400" dirty="0"/>
+          </a:p>
+          <a:p>
+            <a:endParaRPr lang="en-AU" sz="2400" dirty="0"/>
+          </a:p>
+          <a:p>
+            <a:endParaRPr lang="en-AU" sz="2400" dirty="0"/>
+          </a:p>
+          <a:p>
+            <a:endParaRPr lang="en-AU" sz="2400" dirty="0"/>
+          </a:p>
+          <a:p>
+            <a:endParaRPr lang="en-AU" sz="2400" dirty="0"/>
+          </a:p>
+          <a:p>
+            <a:endParaRPr lang="en-AU" sz="2400" dirty="0"/>
+          </a:p>
+          <a:p>
+            <a:endParaRPr lang="en-AU" sz="2400" dirty="0"/>
+          </a:p>
+        </p:txBody>
+      </p:sp>
+      <p:sp>
+        <p:nvSpPr>
+          <p:cNvPr id="19" name="Rectangle 18">
+            <a:extLst>
+              <a:ext uri="{FF2B5EF4-FFF2-40B4-BE49-F238E27FC236}">
+                <a16:creationId xmlns:a16="http://schemas.microsoft.com/office/drawing/2014/main" id="{59A309A7-1751-4ABE-A3C1-EEC40366AD89}"/>
+              </a:ext>
+              <a:ext uri="{C183D7F6-B498-43B3-948B-1728B52AA6E4}">
+                <adec:decorative xmlns:adec="http://schemas.microsoft.com/office/drawing/2017/decorative" val="1"/>
+              </a:ext>
+            </a:extLst>
+          </p:cNvPr>
+          <p:cNvSpPr>
+            <a:spLocks noGrp="1" noRot="1" noChangeAspect="1" noMove="1" noResize="1" noEditPoints="1" noAdjustHandles="1" noChangeArrowheads="1" noChangeShapeType="1" noTextEdit="1"/>
+          </p:cNvSpPr>
+          <p:nvPr>
+            <p:extLst>
+              <p:ext uri="{386F3935-93C4-4BCD-93E2-E3B085C9AB24}">
+                <p16:designElem xmlns:p16="http://schemas.microsoft.com/office/powerpoint/2015/main" val="1"/>
+              </p:ext>
+            </p:extLst>
+          </p:nvPr>
+        </p:nvSpPr>
+        <p:spPr>
+          <a:xfrm>
+            <a:off x="10088880" y="0"/>
+            <a:ext cx="2103120" cy="6858000"/>
+          </a:xfrm>
+          <a:prstGeom prst="rect">
+            <a:avLst/>
+          </a:prstGeom>
+          <a:solidFill>
+            <a:srgbClr val="524267"/>
+          </a:solidFill>
+          <a:ln>
+            <a:noFill/>
+          </a:ln>
+        </p:spPr>
+        <p:style>
+          <a:lnRef idx="2">
+            <a:schemeClr val="accent1">
+              <a:shade val="50000"/>
+            </a:schemeClr>
+          </a:lnRef>
+          <a:fillRef idx="1">
+            <a:schemeClr val="accent1"/>
+          </a:fillRef>
+          <a:effectRef idx="0">
+            <a:schemeClr val="accent1"/>
+          </a:effectRef>
+          <a:fontRef idx="minor">
+            <a:schemeClr val="lt1"/>
+          </a:fontRef>
+        </p:style>
+        <p:txBody>
+          <a:bodyPr rtlCol="0" anchor="ctr"/>
+          <a:lstStyle/>
+          <a:p>
+            <a:pPr algn="ctr"/>
+            <a:endParaRPr lang="en-US"/>
+          </a:p>
+        </p:txBody>
+      </p:sp>
+      <p:sp>
+        <p:nvSpPr>
+          <p:cNvPr id="21" name="Oval 20">
+            <a:extLst>
+              <a:ext uri="{FF2B5EF4-FFF2-40B4-BE49-F238E27FC236}">
+                <a16:creationId xmlns:a16="http://schemas.microsoft.com/office/drawing/2014/main" id="{967D8EB6-EAE1-4F9C-B398-83321E287204}"/>
+              </a:ext>
+              <a:ext uri="{C183D7F6-B498-43B3-948B-1728B52AA6E4}">
+                <adec:decorative xmlns:adec="http://schemas.microsoft.com/office/drawing/2017/decorative" val="1"/>
+              </a:ext>
+            </a:extLst>
+          </p:cNvPr>
+          <p:cNvSpPr>
+            <a:spLocks noGrp="1" noRot="1" noChangeAspect="1" noMove="1" noResize="1" noEditPoints="1" noAdjustHandles="1" noChangeArrowheads="1" noChangeShapeType="1" noTextEdit="1"/>
+          </p:cNvSpPr>
+          <p:nvPr>
+            <p:extLst>
+              <p:ext uri="{386F3935-93C4-4BCD-93E2-E3B085C9AB24}">
+                <p16:designElem xmlns:p16="http://schemas.microsoft.com/office/powerpoint/2015/main" val="1"/>
+              </p:ext>
+            </p:extLst>
+          </p:nvPr>
+        </p:nvSpPr>
+        <p:spPr>
+          <a:xfrm>
+            <a:off x="8915400" y="2358913"/>
+            <a:ext cx="2140172" cy="2140172"/>
+          </a:xfrm>
+          <a:prstGeom prst="ellipse">
+            <a:avLst/>
+          </a:prstGeom>
+          <a:solidFill>
+            <a:srgbClr val="FFFFFF"/>
+          </a:solidFill>
+          <a:ln w="22225">
+            <a:solidFill>
+              <a:srgbClr val="FEAD2A"/>
+            </a:solidFill>
+          </a:ln>
+        </p:spPr>
+        <p:style>
+          <a:lnRef idx="2">
+            <a:schemeClr val="accent1">
+              <a:shade val="50000"/>
+            </a:schemeClr>
+          </a:lnRef>
+          <a:fillRef idx="1">
+            <a:schemeClr val="accent1"/>
+          </a:fillRef>
+          <a:effectRef idx="0">
+            <a:schemeClr val="accent1"/>
+          </a:effectRef>
+          <a:fontRef idx="minor">
+            <a:schemeClr val="lt1"/>
+          </a:fontRef>
+        </p:style>
+        <p:txBody>
+          <a:bodyPr rtlCol="0" anchor="ctr"/>
+          <a:lstStyle/>
+          <a:p>
+            <a:pPr algn="ctr"/>
+            <a:endParaRPr lang="en-US"/>
+          </a:p>
+        </p:txBody>
+      </p:sp>
+      <p:pic>
+        <p:nvPicPr>
+          <p:cNvPr id="4" name="Picture 3">
+            <a:extLst>
+              <a:ext uri="{FF2B5EF4-FFF2-40B4-BE49-F238E27FC236}">
+                <a16:creationId xmlns:a16="http://schemas.microsoft.com/office/drawing/2014/main" id="{9F0C7C96-DE5B-48E5-B2D7-559F67BBD44A}"/>
+              </a:ext>
+            </a:extLst>
+          </p:cNvPr>
+          <p:cNvPicPr>
+            <a:picLocks noChangeAspect="1"/>
+          </p:cNvPicPr>
+          <p:nvPr/>
+        </p:nvPicPr>
+        <p:blipFill rotWithShape="1">
+          <a:blip r:embed="rId2">
+            <a:alphaModFix/>
+          </a:blip>
+          <a:srcRect l="15620" r="9358" b="3"/>
+          <a:stretch/>
+        </p:blipFill>
+        <p:spPr>
+          <a:xfrm>
+            <a:off x="9030743" y="2474254"/>
+            <a:ext cx="1912560" cy="1909489"/>
+          </a:xfrm>
+          <a:custGeom>
+            <a:avLst/>
+            <a:gdLst/>
+            <a:ahLst/>
+            <a:cxnLst/>
+            <a:rect l="l" t="t" r="r" b="b"/>
+            <a:pathLst>
+              <a:path w="6057610" h="6057610">
+                <a:moveTo>
+                  <a:pt x="3028805" y="0"/>
+                </a:moveTo>
+                <a:cubicBezTo>
+                  <a:pt x="4701568" y="0"/>
+                  <a:pt x="6057610" y="1356042"/>
+                  <a:pt x="6057610" y="3028805"/>
+                </a:cubicBezTo>
+                <a:cubicBezTo>
+                  <a:pt x="6057610" y="4701568"/>
+                  <a:pt x="4701568" y="6057610"/>
+                  <a:pt x="3028805" y="6057610"/>
+                </a:cubicBezTo>
+                <a:cubicBezTo>
+                  <a:pt x="1356042" y="6057610"/>
+                  <a:pt x="0" y="4701568"/>
+                  <a:pt x="0" y="3028805"/>
+                </a:cubicBezTo>
+                <a:cubicBezTo>
+                  <a:pt x="0" y="1356042"/>
+                  <a:pt x="1356042" y="0"/>
+                  <a:pt x="3028805" y="0"/>
+                </a:cubicBezTo>
+                <a:close/>
+              </a:path>
+            </a:pathLst>
+          </a:custGeom>
+          <a:effectLst>
+            <a:softEdge rad="0"/>
+          </a:effectLst>
+        </p:spPr>
+      </p:pic>
+      <p:pic>
+        <p:nvPicPr>
+          <p:cNvPr id="8" name="Picture 7">
+            <a:extLst>
+              <a:ext uri="{FF2B5EF4-FFF2-40B4-BE49-F238E27FC236}">
+                <a16:creationId xmlns:a16="http://schemas.microsoft.com/office/drawing/2014/main" id="{37F1D58C-85A0-4F31-B862-D62E2CEBF469}"/>
+              </a:ext>
+            </a:extLst>
+          </p:cNvPr>
+          <p:cNvPicPr>
+            <a:picLocks noChangeAspect="1"/>
+          </p:cNvPicPr>
+          <p:nvPr/>
+        </p:nvPicPr>
+        <p:blipFill>
+          <a:blip r:embed="rId3"/>
+          <a:stretch>
+            <a:fillRect/>
+          </a:stretch>
+        </p:blipFill>
+        <p:spPr>
+          <a:xfrm>
+            <a:off x="922879" y="1953590"/>
+            <a:ext cx="5289900" cy="4609770"/>
+          </a:xfrm>
+          <a:prstGeom prst="rect">
+            <a:avLst/>
+          </a:prstGeom>
+        </p:spPr>
+      </p:pic>
+    </p:spTree>
+    <p:extLst>
+      <p:ext uri="{BB962C8B-B14F-4D97-AF65-F5344CB8AC3E}">
+        <p14:creationId xmlns:p14="http://schemas.microsoft.com/office/powerpoint/2010/main" val="1681015304"/>
+      </p:ext>
+    </p:extLst>
+  </p:cSld>
+  <p:clrMapOvr>
+    <a:masterClrMapping/>
+  </p:clrMapOvr>
+  <p:timing>
+    <p:tnLst>
+      <p:par>
+        <p:cTn id="1" dur="indefinite" restart="never" nodeType="tmRoot">
+          <p:childTnLst>
+            <p:seq concurrent="1" nextAc="seek">
+              <p:cTn id="2" dur="indefinite" nodeType="mainSeq">
+                <p:childTnLst>
+                  <p:par>
+                    <p:cTn id="3" fill="hold">
+                      <p:stCondLst>
+                        <p:cond delay="indefinite"/>
+                        <p:cond evt="onBegin" delay="0">
+                          <p:tn val="2"/>
+                        </p:cond>
+                      </p:stCondLst>
+                      <p:childTnLst>
+                        <p:par>
+                          <p:cTn id="4" fill="hold">
+                            <p:stCondLst>
+                              <p:cond delay="0"/>
+                            </p:stCondLst>
+                            <p:childTnLst>
+                              <p:par>
+                                <p:cTn id="5" presetID="10" presetClass="entr" presetSubtype="0" fill="hold" nodeType="withEffect">
+                                  <p:stCondLst>
+                                    <p:cond delay="0"/>
+                                  </p:stCondLst>
+                                  <p:iterate>
+                                    <p:tmPct val="10000"/>
+                                  </p:iterate>
+                                  <p:childTnLst>
+                                    <p:set>
+                                      <p:cBhvr>
+                                        <p:cTn id="6" dur="1" fill="hold">
+                                          <p:stCondLst>
+                                            <p:cond delay="0"/>
+                                          </p:stCondLst>
+                                        </p:cTn>
+                                        <p:tgtEl>
+                                          <p:spTgt spid="4"/>
+                                        </p:tgtEl>
+                                        <p:attrNameLst>
+                                          <p:attrName>style.visibility</p:attrName>
+                                        </p:attrNameLst>
+                                      </p:cBhvr>
+                                      <p:to>
+                                        <p:strVal val="visible"/>
+                                      </p:to>
+                                    </p:set>
+                                    <p:animEffect transition="in" filter="fade">
+                                      <p:cBhvr>
+                                        <p:cTn id="7" dur="700"/>
+                                        <p:tgtEl>
+                                          <p:spTgt spid="4"/>
+                                        </p:tgtEl>
+                                      </p:cBhvr>
+                                    </p:animEffect>
+                                  </p:childTnLst>
+                                </p:cTn>
+                              </p:par>
+                              <p:par>
+                                <p:cTn id="8" presetID="10" presetClass="entr" presetSubtype="0" fill="hold" grpId="0" nodeType="withEffect">
+                                  <p:stCondLst>
+                                    <p:cond delay="1000"/>
+                                  </p:stCondLst>
+                                  <p:iterate type="lt">
+                                    <p:tmPct val="10000"/>
+                                  </p:iterate>
+                                  <p:childTnLst>
+                                    <p:set>
+                                      <p:cBhvr>
+                                        <p:cTn id="9" dur="1" fill="hold">
+                                          <p:stCondLst>
+                                            <p:cond delay="0"/>
+                                          </p:stCondLst>
+                                        </p:cTn>
+                                        <p:tgtEl>
+                                          <p:spTgt spid="2"/>
+                                        </p:tgtEl>
+                                        <p:attrNameLst>
+                                          <p:attrName>style.visibility</p:attrName>
+                                        </p:attrNameLst>
+                                      </p:cBhvr>
+                                      <p:to>
+                                        <p:strVal val="visible"/>
+                                      </p:to>
+                                    </p:set>
+                                    <p:animEffect transition="in" filter="fade">
+                                      <p:cBhvr>
+                                        <p:cTn id="10" dur="400"/>
+                                        <p:tgtEl>
+                                          <p:spTgt spid="2"/>
+                                        </p:tgtEl>
+                                      </p:cBhvr>
+                                    </p:animEffect>
+                                  </p:childTnLst>
+                                </p:cTn>
+                              </p:par>
+                            </p:childTnLst>
+                          </p:cTn>
+                        </p:par>
+                      </p:childTnLst>
+                    </p:cTn>
+                  </p:par>
+                </p:childTnLst>
+              </p:cTn>
+              <p:prevCondLst>
+                <p:cond evt="onPrev" delay="0">
+                  <p:tgtEl>
+                    <p:sldTgt/>
+                  </p:tgtEl>
+                </p:cond>
+              </p:prevCondLst>
+              <p:nextCondLst>
+                <p:cond evt="onNext" delay="0">
+                  <p:tgtEl>
+                    <p:sldTgt/>
+                  </p:tgtEl>
+                </p:cond>
+              </p:nextCondLst>
+            </p:seq>
+          </p:childTnLst>
+        </p:cTn>
+      </p:par>
+    </p:tnLst>
+    <p:bldLst>
+      <p:bldP spid="2" grpId="0"/>
+    </p:bldLst>
+  </p:timing>
+</p:sld>
+</file>
+
+<file path=ppt/slides/slide11.xml><?xml version="1.0" encoding="utf-8"?>
+<p:sld xmlns:a="http://schemas.openxmlformats.org/drawingml/2006/main" xmlns:r="http://schemas.openxmlformats.org/officeDocument/2006/relationships" xmlns:p="http://schemas.openxmlformats.org/presentationml/2006/main">
+  <p:cSld>
+    <p:spTree>
+      <p:nvGrpSpPr>
+        <p:cNvPr id="1" name=""/>
+        <p:cNvGrpSpPr/>
+        <p:nvPr/>
+      </p:nvGrpSpPr>
+      <p:grpSpPr>
+        <a:xfrm>
+          <a:off x="0" y="0"/>
+          <a:ext cx="0" cy="0"/>
+          <a:chOff x="0" y="0"/>
+          <a:chExt cx="0" cy="0"/>
+        </a:xfrm>
+      </p:grpSpPr>
+      <p:sp>
+        <p:nvSpPr>
+          <p:cNvPr id="2" name="Title 1">
+            <a:extLst>
+              <a:ext uri="{FF2B5EF4-FFF2-40B4-BE49-F238E27FC236}">
+                <a16:creationId xmlns:a16="http://schemas.microsoft.com/office/drawing/2014/main" id="{FC7C3386-4B94-47B0-96C9-B893A4DF5476}"/>
+              </a:ext>
+            </a:extLst>
+          </p:cNvPr>
+          <p:cNvSpPr>
+            <a:spLocks noGrp="1"/>
+          </p:cNvSpPr>
+          <p:nvPr>
+            <p:ph type="title"/>
+          </p:nvPr>
+        </p:nvSpPr>
+        <p:spPr>
+          <a:xfrm>
+            <a:off x="1136428" y="627564"/>
+            <a:ext cx="7474172" cy="1325563"/>
+          </a:xfrm>
+        </p:spPr>
+        <p:txBody>
+          <a:bodyPr>
+            <a:normAutofit fontScale="90000"/>
+          </a:bodyPr>
+          <a:lstStyle/>
+          <a:p>
+            <a:r>
+              <a:rPr lang="en-AU" dirty="0"/>
+              <a:t>Visualisations [</a:t>
+            </a:r>
+            <a:r>
+              <a:rPr lang="en-AU" i="1" dirty="0"/>
+              <a:t>insert once final to show interactivity</a:t>
+            </a:r>
+            <a:r>
+              <a:rPr lang="en-AU" dirty="0"/>
+              <a:t>]</a:t>
+            </a:r>
+            <a:br>
+              <a:rPr lang="en-AU" dirty="0"/>
+            </a:br>
+            <a:endParaRPr lang="en-AU" dirty="0"/>
+          </a:p>
+        </p:txBody>
+      </p:sp>
+      <p:sp>
+        <p:nvSpPr>
+          <p:cNvPr id="3" name="Content Placeholder 2">
+            <a:extLst>
+              <a:ext uri="{FF2B5EF4-FFF2-40B4-BE49-F238E27FC236}">
+                <a16:creationId xmlns:a16="http://schemas.microsoft.com/office/drawing/2014/main" id="{781A5B15-8A90-4059-9825-8DA6A0674BB9}"/>
+              </a:ext>
+            </a:extLst>
+          </p:cNvPr>
+          <p:cNvSpPr>
+            <a:spLocks noGrp="1"/>
+          </p:cNvSpPr>
+          <p:nvPr>
+            <p:ph idx="1"/>
+          </p:nvPr>
+        </p:nvSpPr>
+        <p:spPr>
+          <a:xfrm>
+            <a:off x="1136429" y="2278173"/>
+            <a:ext cx="6467867" cy="4285187"/>
+          </a:xfrm>
+        </p:spPr>
+        <p:txBody>
+          <a:bodyPr anchor="t">
+            <a:normAutofit/>
+          </a:bodyPr>
+          <a:lstStyle/>
+          <a:p>
+            <a:endParaRPr lang="en-AU" sz="2400" dirty="0"/>
+          </a:p>
+          <a:p>
+            <a:endParaRPr lang="en-AU" sz="2400" dirty="0"/>
+          </a:p>
+          <a:p>
+            <a:endParaRPr lang="en-AU" sz="2400" dirty="0"/>
+          </a:p>
+          <a:p>
+            <a:endParaRPr lang="en-AU" sz="2400" dirty="0"/>
+          </a:p>
+          <a:p>
+            <a:endParaRPr lang="en-AU" sz="2400" dirty="0"/>
+          </a:p>
+          <a:p>
+            <a:endParaRPr lang="en-AU" sz="2400" dirty="0"/>
+          </a:p>
+          <a:p>
+            <a:endParaRPr lang="en-AU" sz="2400" dirty="0"/>
+          </a:p>
+          <a:p>
+            <a:endParaRPr lang="en-AU" sz="2400" dirty="0"/>
+          </a:p>
+          <a:p>
+            <a:endParaRPr lang="en-AU" sz="2400" dirty="0"/>
+          </a:p>
+          <a:p>
+            <a:endParaRPr lang="en-AU" sz="2400" dirty="0"/>
+          </a:p>
+        </p:txBody>
+      </p:sp>
+      <p:sp>
+        <p:nvSpPr>
+          <p:cNvPr id="19" name="Rectangle 18">
+            <a:extLst>
+              <a:ext uri="{FF2B5EF4-FFF2-40B4-BE49-F238E27FC236}">
+                <a16:creationId xmlns:a16="http://schemas.microsoft.com/office/drawing/2014/main" id="{59A309A7-1751-4ABE-A3C1-EEC40366AD89}"/>
+              </a:ext>
+              <a:ext uri="{C183D7F6-B498-43B3-948B-1728B52AA6E4}">
+                <adec:decorative xmlns:adec="http://schemas.microsoft.com/office/drawing/2017/decorative" val="1"/>
+              </a:ext>
+            </a:extLst>
+          </p:cNvPr>
+          <p:cNvSpPr>
+            <a:spLocks noGrp="1" noRot="1" noChangeAspect="1" noMove="1" noResize="1" noEditPoints="1" noAdjustHandles="1" noChangeArrowheads="1" noChangeShapeType="1" noTextEdit="1"/>
+          </p:cNvSpPr>
+          <p:nvPr>
+            <p:extLst>
+              <p:ext uri="{386F3935-93C4-4BCD-93E2-E3B085C9AB24}">
+                <p16:designElem xmlns:p16="http://schemas.microsoft.com/office/powerpoint/2015/main" val="1"/>
+              </p:ext>
+            </p:extLst>
+          </p:nvPr>
+        </p:nvSpPr>
+        <p:spPr>
+          <a:xfrm>
+            <a:off x="10088880" y="0"/>
+            <a:ext cx="2103120" cy="6858000"/>
+          </a:xfrm>
+          <a:prstGeom prst="rect">
+            <a:avLst/>
+          </a:prstGeom>
+          <a:solidFill>
+            <a:srgbClr val="524267"/>
+          </a:solidFill>
+          <a:ln>
+            <a:noFill/>
+          </a:ln>
+        </p:spPr>
+        <p:style>
+          <a:lnRef idx="2">
+            <a:schemeClr val="accent1">
+              <a:shade val="50000"/>
+            </a:schemeClr>
+          </a:lnRef>
+          <a:fillRef idx="1">
+            <a:schemeClr val="accent1"/>
+          </a:fillRef>
+          <a:effectRef idx="0">
+            <a:schemeClr val="accent1"/>
+          </a:effectRef>
+          <a:fontRef idx="minor">
+            <a:schemeClr val="lt1"/>
+          </a:fontRef>
+        </p:style>
+        <p:txBody>
+          <a:bodyPr rtlCol="0" anchor="ctr"/>
+          <a:lstStyle/>
+          <a:p>
+            <a:pPr algn="ctr"/>
+            <a:endParaRPr lang="en-US"/>
+          </a:p>
+        </p:txBody>
+      </p:sp>
+      <p:sp>
+        <p:nvSpPr>
+          <p:cNvPr id="21" name="Oval 20">
+            <a:extLst>
+              <a:ext uri="{FF2B5EF4-FFF2-40B4-BE49-F238E27FC236}">
+                <a16:creationId xmlns:a16="http://schemas.microsoft.com/office/drawing/2014/main" id="{967D8EB6-EAE1-4F9C-B398-83321E287204}"/>
+              </a:ext>
+              <a:ext uri="{C183D7F6-B498-43B3-948B-1728B52AA6E4}">
+                <adec:decorative xmlns:adec="http://schemas.microsoft.com/office/drawing/2017/decorative" val="1"/>
+              </a:ext>
+            </a:extLst>
+          </p:cNvPr>
+          <p:cNvSpPr>
+            <a:spLocks noGrp="1" noRot="1" noChangeAspect="1" noMove="1" noResize="1" noEditPoints="1" noAdjustHandles="1" noChangeArrowheads="1" noChangeShapeType="1" noTextEdit="1"/>
+          </p:cNvSpPr>
+          <p:nvPr>
+            <p:extLst>
+              <p:ext uri="{386F3935-93C4-4BCD-93E2-E3B085C9AB24}">
+                <p16:designElem xmlns:p16="http://schemas.microsoft.com/office/powerpoint/2015/main" val="1"/>
+              </p:ext>
+            </p:extLst>
+          </p:nvPr>
+        </p:nvSpPr>
+        <p:spPr>
+          <a:xfrm>
+            <a:off x="8915400" y="2358913"/>
+            <a:ext cx="2140172" cy="2140172"/>
+          </a:xfrm>
+          <a:prstGeom prst="ellipse">
+            <a:avLst/>
+          </a:prstGeom>
+          <a:solidFill>
+            <a:srgbClr val="FFFFFF"/>
+          </a:solidFill>
+          <a:ln w="22225">
+            <a:solidFill>
+              <a:srgbClr val="FEAD2A"/>
+            </a:solidFill>
+          </a:ln>
+        </p:spPr>
+        <p:style>
+          <a:lnRef idx="2">
+            <a:schemeClr val="accent1">
+              <a:shade val="50000"/>
+            </a:schemeClr>
+          </a:lnRef>
+          <a:fillRef idx="1">
+            <a:schemeClr val="accent1"/>
+          </a:fillRef>
+          <a:effectRef idx="0">
+            <a:schemeClr val="accent1"/>
+          </a:effectRef>
+          <a:fontRef idx="minor">
+            <a:schemeClr val="lt1"/>
+          </a:fontRef>
+        </p:style>
+        <p:txBody>
+          <a:bodyPr rtlCol="0" anchor="ctr"/>
+          <a:lstStyle/>
+          <a:p>
+            <a:pPr algn="ctr"/>
+            <a:endParaRPr lang="en-US"/>
+          </a:p>
+        </p:txBody>
+      </p:sp>
+      <p:pic>
+        <p:nvPicPr>
+          <p:cNvPr id="4" name="Picture 3">
+            <a:extLst>
+              <a:ext uri="{FF2B5EF4-FFF2-40B4-BE49-F238E27FC236}">
+                <a16:creationId xmlns:a16="http://schemas.microsoft.com/office/drawing/2014/main" id="{9F0C7C96-DE5B-48E5-B2D7-559F67BBD44A}"/>
+              </a:ext>
+            </a:extLst>
+          </p:cNvPr>
+          <p:cNvPicPr>
+            <a:picLocks noChangeAspect="1"/>
+          </p:cNvPicPr>
+          <p:nvPr/>
+        </p:nvPicPr>
+        <p:blipFill rotWithShape="1">
+          <a:blip r:embed="rId2">
+            <a:alphaModFix/>
+          </a:blip>
+          <a:srcRect l="15620" r="9358" b="3"/>
+          <a:stretch/>
+        </p:blipFill>
+        <p:spPr>
+          <a:xfrm>
+            <a:off x="9030743" y="2474254"/>
+            <a:ext cx="1912560" cy="1909489"/>
+          </a:xfrm>
+          <a:custGeom>
+            <a:avLst/>
+            <a:gdLst/>
+            <a:ahLst/>
+            <a:cxnLst/>
+            <a:rect l="l" t="t" r="r" b="b"/>
+            <a:pathLst>
+              <a:path w="6057610" h="6057610">
+                <a:moveTo>
+                  <a:pt x="3028805" y="0"/>
+                </a:moveTo>
+                <a:cubicBezTo>
+                  <a:pt x="4701568" y="0"/>
+                  <a:pt x="6057610" y="1356042"/>
+                  <a:pt x="6057610" y="3028805"/>
+                </a:cubicBezTo>
+                <a:cubicBezTo>
+                  <a:pt x="6057610" y="4701568"/>
+                  <a:pt x="4701568" y="6057610"/>
+                  <a:pt x="3028805" y="6057610"/>
+                </a:cubicBezTo>
+                <a:cubicBezTo>
+                  <a:pt x="1356042" y="6057610"/>
+                  <a:pt x="0" y="4701568"/>
+                  <a:pt x="0" y="3028805"/>
+                </a:cubicBezTo>
+                <a:cubicBezTo>
+                  <a:pt x="0" y="1356042"/>
+                  <a:pt x="1356042" y="0"/>
+                  <a:pt x="3028805" y="0"/>
+                </a:cubicBezTo>
+                <a:close/>
+              </a:path>
+            </a:pathLst>
+          </a:custGeom>
+          <a:effectLst>
+            <a:softEdge rad="0"/>
+          </a:effectLst>
+        </p:spPr>
+      </p:pic>
+      <p:pic>
+        <p:nvPicPr>
+          <p:cNvPr id="5" name="Picture 4">
+            <a:extLst>
+              <a:ext uri="{FF2B5EF4-FFF2-40B4-BE49-F238E27FC236}">
+                <a16:creationId xmlns:a16="http://schemas.microsoft.com/office/drawing/2014/main" id="{52AB7E1F-6922-4094-97F5-EF9F73DAE063}"/>
+              </a:ext>
+            </a:extLst>
+          </p:cNvPr>
+          <p:cNvPicPr>
+            <a:picLocks noChangeAspect="1"/>
+          </p:cNvPicPr>
+          <p:nvPr/>
+        </p:nvPicPr>
+        <p:blipFill>
+          <a:blip r:embed="rId3"/>
+          <a:stretch>
+            <a:fillRect/>
+          </a:stretch>
+        </p:blipFill>
+        <p:spPr>
+          <a:xfrm>
+            <a:off x="1135780" y="2278173"/>
+            <a:ext cx="3780275" cy="2220912"/>
+          </a:xfrm>
+          <a:prstGeom prst="rect">
+            <a:avLst/>
+          </a:prstGeom>
+        </p:spPr>
+      </p:pic>
+      <p:pic>
+        <p:nvPicPr>
+          <p:cNvPr id="6" name="Picture 5">
+            <a:extLst>
+              <a:ext uri="{FF2B5EF4-FFF2-40B4-BE49-F238E27FC236}">
+                <a16:creationId xmlns:a16="http://schemas.microsoft.com/office/drawing/2014/main" id="{A14B98BB-686E-4424-834B-42BDFBF1CD47}"/>
+              </a:ext>
+            </a:extLst>
+          </p:cNvPr>
+          <p:cNvPicPr>
+            <a:picLocks noChangeAspect="1"/>
+          </p:cNvPicPr>
+          <p:nvPr/>
+        </p:nvPicPr>
+        <p:blipFill>
+          <a:blip r:embed="rId4"/>
+          <a:stretch>
+            <a:fillRect/>
+          </a:stretch>
+        </p:blipFill>
+        <p:spPr>
+          <a:xfrm>
+            <a:off x="5137539" y="2278173"/>
+            <a:ext cx="3364136" cy="2220912"/>
+          </a:xfrm>
+          <a:prstGeom prst="rect">
+            <a:avLst/>
+          </a:prstGeom>
+        </p:spPr>
+      </p:pic>
+    </p:spTree>
+    <p:extLst>
+      <p:ext uri="{BB962C8B-B14F-4D97-AF65-F5344CB8AC3E}">
+        <p14:creationId xmlns:p14="http://schemas.microsoft.com/office/powerpoint/2010/main" val="3957022896"/>
+      </p:ext>
+    </p:extLst>
+  </p:cSld>
+  <p:clrMapOvr>
+    <a:masterClrMapping/>
+  </p:clrMapOvr>
+  <p:timing>
+    <p:tnLst>
+      <p:par>
+        <p:cTn id="1" dur="indefinite" restart="never" nodeType="tmRoot">
+          <p:childTnLst>
+            <p:seq concurrent="1" nextAc="seek">
+              <p:cTn id="2" dur="indefinite" nodeType="mainSeq">
+                <p:childTnLst>
+                  <p:par>
+                    <p:cTn id="3" fill="hold">
+                      <p:stCondLst>
+                        <p:cond delay="indefinite"/>
+                        <p:cond evt="onBegin" delay="0">
+                          <p:tn val="2"/>
+                        </p:cond>
+                      </p:stCondLst>
+                      <p:childTnLst>
+                        <p:par>
+                          <p:cTn id="4" fill="hold">
+                            <p:stCondLst>
+                              <p:cond delay="0"/>
+                            </p:stCondLst>
+                            <p:childTnLst>
+                              <p:par>
+                                <p:cTn id="5" presetID="10" presetClass="entr" presetSubtype="0" fill="hold" nodeType="withEffect">
+                                  <p:stCondLst>
+                                    <p:cond delay="0"/>
+                                  </p:stCondLst>
+                                  <p:iterate>
+                                    <p:tmPct val="10000"/>
+                                  </p:iterate>
+                                  <p:childTnLst>
+                                    <p:set>
+                                      <p:cBhvr>
+                                        <p:cTn id="6" dur="1" fill="hold">
+                                          <p:stCondLst>
+                                            <p:cond delay="0"/>
+                                          </p:stCondLst>
+                                        </p:cTn>
+                                        <p:tgtEl>
+                                          <p:spTgt spid="4"/>
+                                        </p:tgtEl>
+                                        <p:attrNameLst>
+                                          <p:attrName>style.visibility</p:attrName>
+                                        </p:attrNameLst>
+                                      </p:cBhvr>
+                                      <p:to>
+                                        <p:strVal val="visible"/>
+                                      </p:to>
+                                    </p:set>
+                                    <p:animEffect transition="in" filter="fade">
+                                      <p:cBhvr>
+                                        <p:cTn id="7" dur="700"/>
+                                        <p:tgtEl>
+                                          <p:spTgt spid="4"/>
+                                        </p:tgtEl>
+                                      </p:cBhvr>
+                                    </p:animEffect>
+                                  </p:childTnLst>
+                                </p:cTn>
+                              </p:par>
+                              <p:par>
+                                <p:cTn id="8" presetID="10" presetClass="entr" presetSubtype="0" fill="hold" grpId="0" nodeType="withEffect">
+                                  <p:stCondLst>
+                                    <p:cond delay="1000"/>
+                                  </p:stCondLst>
+                                  <p:iterate type="lt">
+                                    <p:tmPct val="10000"/>
+                                  </p:iterate>
+                                  <p:childTnLst>
+                                    <p:set>
+                                      <p:cBhvr>
+                                        <p:cTn id="9" dur="1" fill="hold">
+                                          <p:stCondLst>
+                                            <p:cond delay="0"/>
+                                          </p:stCondLst>
+                                        </p:cTn>
+                                        <p:tgtEl>
+                                          <p:spTgt spid="2"/>
+                                        </p:tgtEl>
+                                        <p:attrNameLst>
+                                          <p:attrName>style.visibility</p:attrName>
+                                        </p:attrNameLst>
+                                      </p:cBhvr>
+                                      <p:to>
+                                        <p:strVal val="visible"/>
+                                      </p:to>
+                                    </p:set>
+                                    <p:animEffect transition="in" filter="fade">
+                                      <p:cBhvr>
+                                        <p:cTn id="10" dur="400"/>
+                                        <p:tgtEl>
+                                          <p:spTgt spid="2"/>
+                                        </p:tgtEl>
+                                      </p:cBhvr>
+                                    </p:animEffect>
+                                  </p:childTnLst>
+                                </p:cTn>
+                              </p:par>
+                            </p:childTnLst>
+                          </p:cTn>
+                        </p:par>
+                      </p:childTnLst>
+                    </p:cTn>
+                  </p:par>
+                </p:childTnLst>
+              </p:cTn>
+              <p:prevCondLst>
+                <p:cond evt="onPrev" delay="0">
+                  <p:tgtEl>
+                    <p:sldTgt/>
+                  </p:tgtEl>
+                </p:cond>
+              </p:prevCondLst>
+              <p:nextCondLst>
+                <p:cond evt="onNext" delay="0">
+                  <p:tgtEl>
+                    <p:sldTgt/>
+                  </p:tgtEl>
+                </p:cond>
+              </p:nextCondLst>
+            </p:seq>
+          </p:childTnLst>
+        </p:cTn>
+      </p:par>
+    </p:tnLst>
+    <p:bldLst>
+      <p:bldP spid="2" grpId="0"/>
+    </p:bldLst>
+  </p:timing>
+</p:sld>
+</file>
+
+<file path=ppt/slides/slide12.xml><?xml version="1.0" encoding="utf-8"?>
+<p:sld xmlns:a="http://schemas.openxmlformats.org/drawingml/2006/main" xmlns:r="http://schemas.openxmlformats.org/officeDocument/2006/relationships" xmlns:p="http://schemas.openxmlformats.org/presentationml/2006/main">
+  <p:cSld>
+    <p:spTree>
+      <p:nvGrpSpPr>
+        <p:cNvPr id="1" name=""/>
+        <p:cNvGrpSpPr/>
+        <p:nvPr/>
+      </p:nvGrpSpPr>
+      <p:grpSpPr>
+        <a:xfrm>
+          <a:off x="0" y="0"/>
+          <a:ext cx="0" cy="0"/>
+          <a:chOff x="0" y="0"/>
+          <a:chExt cx="0" cy="0"/>
+        </a:xfrm>
+      </p:grpSpPr>
+      <p:sp>
+        <p:nvSpPr>
+          <p:cNvPr id="2" name="Title 1">
+            <a:extLst>
+              <a:ext uri="{FF2B5EF4-FFF2-40B4-BE49-F238E27FC236}">
+                <a16:creationId xmlns:a16="http://schemas.microsoft.com/office/drawing/2014/main" id="{FC7C3386-4B94-47B0-96C9-B893A4DF5476}"/>
+              </a:ext>
+            </a:extLst>
+          </p:cNvPr>
+          <p:cNvSpPr>
+            <a:spLocks noGrp="1"/>
+          </p:cNvSpPr>
+          <p:nvPr>
+            <p:ph type="title"/>
+          </p:nvPr>
+        </p:nvSpPr>
+        <p:spPr>
+          <a:xfrm>
+            <a:off x="1136428" y="627564"/>
+            <a:ext cx="7474172" cy="1325563"/>
+          </a:xfrm>
+        </p:spPr>
+        <p:txBody>
+          <a:bodyPr>
             <a:normAutofit/>
           </a:bodyPr>
           <a:lstStyle/>
@@ -6419,7 +7427,7 @@
 </p:sld>
 </file>
 
-<file path=ppt/slides/slide11.xml><?xml version="1.0" encoding="utf-8"?>
+<file path=ppt/slides/slide13.xml><?xml version="1.0" encoding="utf-8"?>
 <p:sld xmlns:a="http://schemas.openxmlformats.org/drawingml/2006/main" xmlns:r="http://schemas.openxmlformats.org/officeDocument/2006/relationships" xmlns:p="http://schemas.openxmlformats.org/presentationml/2006/main">
   <p:cSld>
     <p:spTree>
@@ -6498,6 +7506,9 @@
             <a:normAutofit/>
           </a:bodyPr>
           <a:lstStyle/>
+          <a:p>
+            <a:endParaRPr lang="en-AU" sz="2400" dirty="0"/>
+          </a:p>
           <a:p>
             <a:endParaRPr lang="en-AU" sz="2400" dirty="0"/>
           </a:p>
@@ -6697,6 +7708,414 @@
           </a:effectLst>
         </p:spPr>
       </p:pic>
+      <p:graphicFrame>
+        <p:nvGraphicFramePr>
+          <p:cNvPr id="7" name="Table 7">
+            <a:extLst>
+              <a:ext uri="{FF2B5EF4-FFF2-40B4-BE49-F238E27FC236}">
+                <a16:creationId xmlns:a16="http://schemas.microsoft.com/office/drawing/2014/main" id="{9722FBD7-B7B4-436A-8802-5A264ACB8CCD}"/>
+              </a:ext>
+            </a:extLst>
+          </p:cNvPr>
+          <p:cNvGraphicFramePr>
+            <a:graphicFrameLocks noGrp="1"/>
+          </p:cNvGraphicFramePr>
+          <p:nvPr>
+            <p:extLst>
+              <p:ext uri="{D42A27DB-BD31-4B8C-83A1-F6EECF244321}">
+                <p14:modId xmlns:p14="http://schemas.microsoft.com/office/powerpoint/2010/main" val="437682994"/>
+              </p:ext>
+            </p:extLst>
+          </p:nvPr>
+        </p:nvGraphicFramePr>
+        <p:xfrm>
+          <a:off x="787400" y="2158703"/>
+          <a:ext cx="6746875" cy="3688080"/>
+        </p:xfrm>
+        <a:graphic>
+          <a:graphicData uri="http://schemas.openxmlformats.org/drawingml/2006/table">
+            <a:tbl>
+              <a:tblPr firstRow="1" bandRow="1">
+                <a:tableStyleId>{0E3FDE45-AF77-4B5C-9715-49D594BDF05E}</a:tableStyleId>
+              </a:tblPr>
+              <a:tblGrid>
+                <a:gridCol w="3375025">
+                  <a:extLst>
+                    <a:ext uri="{9D8B030D-6E8A-4147-A177-3AD203B41FA5}">
+                      <a16:colId xmlns:a16="http://schemas.microsoft.com/office/drawing/2014/main" val="656384092"/>
+                    </a:ext>
+                  </a:extLst>
+                </a:gridCol>
+                <a:gridCol w="3371850">
+                  <a:extLst>
+                    <a:ext uri="{9D8B030D-6E8A-4147-A177-3AD203B41FA5}">
+                      <a16:colId xmlns:a16="http://schemas.microsoft.com/office/drawing/2014/main" val="1957311934"/>
+                    </a:ext>
+                  </a:extLst>
+                </a:gridCol>
+              </a:tblGrid>
+              <a:tr h="370840">
+                <a:tc>
+                  <a:txBody>
+                    <a:bodyPr/>
+                    <a:lstStyle/>
+                    <a:p>
+                      <a:r>
+                        <a:rPr lang="en-AU" dirty="0"/>
+                        <a:t>Enhancements</a:t>
+                      </a:r>
+                    </a:p>
+                  </a:txBody>
+                  <a:tcPr/>
+                </a:tc>
+                <a:tc>
+                  <a:txBody>
+                    <a:bodyPr/>
+                    <a:lstStyle/>
+                    <a:p>
+                      <a:r>
+                        <a:rPr lang="en-AU" dirty="0"/>
+                        <a:t>Challenges</a:t>
+                      </a:r>
+                    </a:p>
+                  </a:txBody>
+                  <a:tcPr/>
+                </a:tc>
+                <a:extLst>
+                  <a:ext uri="{0D108BD9-81ED-4DB2-BD59-A6C34878D82A}">
+                    <a16:rowId xmlns:a16="http://schemas.microsoft.com/office/drawing/2014/main" val="2176207386"/>
+                  </a:ext>
+                </a:extLst>
+              </a:tr>
+              <a:tr h="370840">
+                <a:tc>
+                  <a:txBody>
+                    <a:bodyPr/>
+                    <a:lstStyle/>
+                    <a:p>
+                      <a:pPr marL="0" marR="0" lvl="0" indent="0" algn="l" defTabSz="914400" rtl="0" eaLnBrk="1" fontAlgn="auto" latinLnBrk="0" hangingPunct="1">
+                        <a:lnSpc>
+                          <a:spcPct val="100000"/>
+                        </a:lnSpc>
+                        <a:spcBef>
+                          <a:spcPts val="0"/>
+                        </a:spcBef>
+                        <a:spcAft>
+                          <a:spcPts val="0"/>
+                        </a:spcAft>
+                        <a:buClrTx/>
+                        <a:buSzTx/>
+                        <a:buFontTx/>
+                        <a:buNone/>
+                        <a:tabLst/>
+                        <a:defRPr/>
+                      </a:pPr>
+                      <a:r>
+                        <a:rPr lang="en-AU" sz="1400" dirty="0"/>
+                        <a:t>No colour was shown for certain electorates in the map as the data did not entirely match up</a:t>
+                      </a:r>
+                    </a:p>
+                  </a:txBody>
+                  <a:tcPr/>
+                </a:tc>
+                <a:tc>
+                  <a:txBody>
+                    <a:bodyPr/>
+                    <a:lstStyle/>
+                    <a:p>
+                      <a:r>
+                        <a:rPr lang="en-AU" sz="1400" dirty="0"/>
+                        <a:t>As the dataset did not contain the coordinates of the electorates, the outlining of each of the electorates had to be created using </a:t>
+                      </a:r>
+                      <a:r>
+                        <a:rPr lang="en-AU" sz="1400"/>
+                        <a:t>GeoJSON</a:t>
+                      </a:r>
+                      <a:r>
+                        <a:rPr lang="en-AU" sz="1400" dirty="0"/>
+                        <a:t>. </a:t>
+                      </a:r>
+                    </a:p>
+                  </a:txBody>
+                  <a:tcPr/>
+                </a:tc>
+                <a:extLst>
+                  <a:ext uri="{0D108BD9-81ED-4DB2-BD59-A6C34878D82A}">
+                    <a16:rowId xmlns:a16="http://schemas.microsoft.com/office/drawing/2014/main" val="2574410936"/>
+                  </a:ext>
+                </a:extLst>
+              </a:tr>
+              <a:tr h="370840">
+                <a:tc>
+                  <a:txBody>
+                    <a:bodyPr/>
+                    <a:lstStyle/>
+                    <a:p>
+                      <a:endParaRPr lang="en-AU" sz="1400" dirty="0"/>
+                    </a:p>
+                  </a:txBody>
+                  <a:tcPr/>
+                </a:tc>
+                <a:tc>
+                  <a:txBody>
+                    <a:bodyPr/>
+                    <a:lstStyle/>
+                    <a:p>
+                      <a:pPr marL="0" marR="0" lvl="0" indent="0" algn="l" defTabSz="914400" rtl="0" eaLnBrk="1" fontAlgn="auto" latinLnBrk="0" hangingPunct="1">
+                        <a:lnSpc>
+                          <a:spcPct val="100000"/>
+                        </a:lnSpc>
+                        <a:spcBef>
+                          <a:spcPts val="0"/>
+                        </a:spcBef>
+                        <a:spcAft>
+                          <a:spcPts val="0"/>
+                        </a:spcAft>
+                        <a:buClrTx/>
+                        <a:buSzTx/>
+                        <a:buFontTx/>
+                        <a:buNone/>
+                        <a:tabLst/>
+                        <a:defRPr/>
+                      </a:pPr>
+                      <a:r>
+                        <a:rPr lang="en-AU" sz="1400" dirty="0"/>
+                        <a:t>Open the app on Australia (and not on state level)</a:t>
+                      </a:r>
+                    </a:p>
+                  </a:txBody>
+                  <a:tcPr/>
+                </a:tc>
+                <a:extLst>
+                  <a:ext uri="{0D108BD9-81ED-4DB2-BD59-A6C34878D82A}">
+                    <a16:rowId xmlns:a16="http://schemas.microsoft.com/office/drawing/2014/main" val="2586231188"/>
+                  </a:ext>
+                </a:extLst>
+              </a:tr>
+              <a:tr h="370840">
+                <a:tc>
+                  <a:txBody>
+                    <a:bodyPr/>
+                    <a:lstStyle/>
+                    <a:p>
+                      <a:endParaRPr lang="en-AU" sz="1400" dirty="0"/>
+                    </a:p>
+                  </a:txBody>
+                  <a:tcPr/>
+                </a:tc>
+                <a:tc>
+                  <a:txBody>
+                    <a:bodyPr/>
+                    <a:lstStyle/>
+                    <a:p>
+                      <a:pPr marL="0" marR="0" lvl="0" indent="0" algn="l" defTabSz="914400" rtl="0" eaLnBrk="1" fontAlgn="auto" latinLnBrk="0" hangingPunct="1">
+                        <a:lnSpc>
+                          <a:spcPct val="100000"/>
+                        </a:lnSpc>
+                        <a:spcBef>
+                          <a:spcPts val="0"/>
+                        </a:spcBef>
+                        <a:spcAft>
+                          <a:spcPts val="0"/>
+                        </a:spcAft>
+                        <a:buClrTx/>
+                        <a:buSzTx/>
+                        <a:buFontTx/>
+                        <a:buNone/>
+                        <a:tabLst/>
+                        <a:defRPr/>
+                      </a:pPr>
+                      <a:endParaRPr lang="en-AU" sz="1400" dirty="0"/>
+                    </a:p>
+                  </a:txBody>
+                  <a:tcPr/>
+                </a:tc>
+                <a:extLst>
+                  <a:ext uri="{0D108BD9-81ED-4DB2-BD59-A6C34878D82A}">
+                    <a16:rowId xmlns:a16="http://schemas.microsoft.com/office/drawing/2014/main" val="1026253916"/>
+                  </a:ext>
+                </a:extLst>
+              </a:tr>
+              <a:tr h="370840">
+                <a:tc>
+                  <a:txBody>
+                    <a:bodyPr/>
+                    <a:lstStyle/>
+                    <a:p>
+                      <a:endParaRPr lang="en-AU" sz="1400" dirty="0"/>
+                    </a:p>
+                  </a:txBody>
+                  <a:tcPr/>
+                </a:tc>
+                <a:tc>
+                  <a:txBody>
+                    <a:bodyPr/>
+                    <a:lstStyle/>
+                    <a:p>
+                      <a:pPr marL="0" marR="0" lvl="0" indent="0" algn="l" defTabSz="914400" rtl="0" eaLnBrk="1" fontAlgn="auto" latinLnBrk="0" hangingPunct="1">
+                        <a:lnSpc>
+                          <a:spcPct val="100000"/>
+                        </a:lnSpc>
+                        <a:spcBef>
+                          <a:spcPts val="0"/>
+                        </a:spcBef>
+                        <a:spcAft>
+                          <a:spcPts val="0"/>
+                        </a:spcAft>
+                        <a:buClrTx/>
+                        <a:buSzTx/>
+                        <a:buFontTx/>
+                        <a:buNone/>
+                        <a:tabLst/>
+                        <a:defRPr/>
+                      </a:pPr>
+                      <a:endParaRPr lang="en-AU" sz="1400" dirty="0"/>
+                    </a:p>
+                  </a:txBody>
+                  <a:tcPr/>
+                </a:tc>
+                <a:extLst>
+                  <a:ext uri="{0D108BD9-81ED-4DB2-BD59-A6C34878D82A}">
+                    <a16:rowId xmlns:a16="http://schemas.microsoft.com/office/drawing/2014/main" val="3184453006"/>
+                  </a:ext>
+                </a:extLst>
+              </a:tr>
+              <a:tr h="370840">
+                <a:tc>
+                  <a:txBody>
+                    <a:bodyPr/>
+                    <a:lstStyle/>
+                    <a:p>
+                      <a:endParaRPr lang="en-AU" sz="1400" dirty="0"/>
+                    </a:p>
+                  </a:txBody>
+                  <a:tcPr/>
+                </a:tc>
+                <a:tc>
+                  <a:txBody>
+                    <a:bodyPr/>
+                    <a:lstStyle/>
+                    <a:p>
+                      <a:pPr marL="0" marR="0" lvl="0" indent="0" algn="l" defTabSz="914400" rtl="0" eaLnBrk="1" fontAlgn="auto" latinLnBrk="0" hangingPunct="1">
+                        <a:lnSpc>
+                          <a:spcPct val="100000"/>
+                        </a:lnSpc>
+                        <a:spcBef>
+                          <a:spcPts val="0"/>
+                        </a:spcBef>
+                        <a:spcAft>
+                          <a:spcPts val="0"/>
+                        </a:spcAft>
+                        <a:buClrTx/>
+                        <a:buSzTx/>
+                        <a:buFontTx/>
+                        <a:buNone/>
+                        <a:tabLst/>
+                        <a:defRPr/>
+                      </a:pPr>
+                      <a:endParaRPr lang="en-AU" sz="1400" dirty="0"/>
+                    </a:p>
+                  </a:txBody>
+                  <a:tcPr/>
+                </a:tc>
+                <a:extLst>
+                  <a:ext uri="{0D108BD9-81ED-4DB2-BD59-A6C34878D82A}">
+                    <a16:rowId xmlns:a16="http://schemas.microsoft.com/office/drawing/2014/main" val="2040560376"/>
+                  </a:ext>
+                </a:extLst>
+              </a:tr>
+              <a:tr h="370840">
+                <a:tc>
+                  <a:txBody>
+                    <a:bodyPr/>
+                    <a:lstStyle/>
+                    <a:p>
+                      <a:endParaRPr lang="en-AU" sz="1400" dirty="0"/>
+                    </a:p>
+                  </a:txBody>
+                  <a:tcPr/>
+                </a:tc>
+                <a:tc>
+                  <a:txBody>
+                    <a:bodyPr/>
+                    <a:lstStyle/>
+                    <a:p>
+                      <a:pPr marL="0" marR="0" lvl="0" indent="0" algn="l" defTabSz="914400" rtl="0" eaLnBrk="1" fontAlgn="auto" latinLnBrk="0" hangingPunct="1">
+                        <a:lnSpc>
+                          <a:spcPct val="100000"/>
+                        </a:lnSpc>
+                        <a:spcBef>
+                          <a:spcPts val="0"/>
+                        </a:spcBef>
+                        <a:spcAft>
+                          <a:spcPts val="0"/>
+                        </a:spcAft>
+                        <a:buClrTx/>
+                        <a:buSzTx/>
+                        <a:buFontTx/>
+                        <a:buNone/>
+                        <a:tabLst/>
+                        <a:defRPr/>
+                      </a:pPr>
+                      <a:endParaRPr lang="en-AU" sz="1400" dirty="0"/>
+                    </a:p>
+                  </a:txBody>
+                  <a:tcPr/>
+                </a:tc>
+                <a:extLst>
+                  <a:ext uri="{0D108BD9-81ED-4DB2-BD59-A6C34878D82A}">
+                    <a16:rowId xmlns:a16="http://schemas.microsoft.com/office/drawing/2014/main" val="147852397"/>
+                  </a:ext>
+                </a:extLst>
+              </a:tr>
+              <a:tr h="370840">
+                <a:tc>
+                  <a:txBody>
+                    <a:bodyPr/>
+                    <a:lstStyle/>
+                    <a:p>
+                      <a:endParaRPr lang="en-AU" sz="1400" dirty="0"/>
+                    </a:p>
+                  </a:txBody>
+                  <a:tcPr/>
+                </a:tc>
+                <a:tc>
+                  <a:txBody>
+                    <a:bodyPr/>
+                    <a:lstStyle/>
+                    <a:p>
+                      <a:pPr marL="0" marR="0" lvl="0" indent="0" algn="l" defTabSz="914400" rtl="0" eaLnBrk="1" fontAlgn="auto" latinLnBrk="0" hangingPunct="1">
+                        <a:lnSpc>
+                          <a:spcPct val="100000"/>
+                        </a:lnSpc>
+                        <a:spcBef>
+                          <a:spcPts val="0"/>
+                        </a:spcBef>
+                        <a:spcAft>
+                          <a:spcPts val="0"/>
+                        </a:spcAft>
+                        <a:buClrTx/>
+                        <a:buSzTx/>
+                        <a:buFontTx/>
+                        <a:buNone/>
+                        <a:tabLst/>
+                        <a:defRPr/>
+                      </a:pPr>
+                      <a:endParaRPr lang="en-AU" sz="1400" dirty="0"/>
+                    </a:p>
+                  </a:txBody>
+                  <a:tcPr/>
+                </a:tc>
+                <a:extLst>
+                  <a:ext uri="{0D108BD9-81ED-4DB2-BD59-A6C34878D82A}">
+                    <a16:rowId xmlns:a16="http://schemas.microsoft.com/office/drawing/2014/main" val="3822253465"/>
+                  </a:ext>
+                </a:extLst>
+              </a:tr>
+            </a:tbl>
+          </a:graphicData>
+        </a:graphic>
+      </p:graphicFrame>
     </p:spTree>
     <p:extLst>
       <p:ext uri="{BB962C8B-B14F-4D97-AF65-F5344CB8AC3E}">
@@ -6840,7 +8259,7 @@
 </p:sld>
 </file>
 
-<file path=ppt/slides/slide12.xml><?xml version="1.0" encoding="utf-8"?>
+<file path=ppt/slides/slide14.xml><?xml version="1.0" encoding="utf-8"?>
 <p:sld xmlns:a="http://schemas.openxmlformats.org/drawingml/2006/main" xmlns:r="http://schemas.openxmlformats.org/officeDocument/2006/relationships" xmlns:p="http://schemas.openxmlformats.org/presentationml/2006/main">
   <p:cSld>
     <p:bg>
@@ -8411,14 +9830,14 @@
           <p:nvPr>
             <p:extLst>
               <p:ext uri="{D42A27DB-BD31-4B8C-83A1-F6EECF244321}">
-                <p14:modId xmlns:p14="http://schemas.microsoft.com/office/powerpoint/2010/main" val="1553842071"/>
+                <p14:modId xmlns:p14="http://schemas.microsoft.com/office/powerpoint/2010/main" val="1386027514"/>
               </p:ext>
             </p:extLst>
           </p:nvPr>
         </p:nvGraphicFramePr>
         <p:xfrm>
           <a:off x="787400" y="2158703"/>
-          <a:ext cx="6991572" cy="4805680"/>
+          <a:ext cx="6991572" cy="4445000"/>
         </p:xfrm>
         <a:graphic>
           <a:graphicData uri="http://schemas.openxmlformats.org/drawingml/2006/table">
@@ -8427,21 +9846,21 @@
                 <a:tableStyleId>{0E3FDE45-AF77-4B5C-9715-49D594BDF05E}</a:tableStyleId>
               </a:tblPr>
               <a:tblGrid>
-                <a:gridCol w="2879725">
+                <a:gridCol w="1460500">
                   <a:extLst>
                     <a:ext uri="{9D8B030D-6E8A-4147-A177-3AD203B41FA5}">
                       <a16:colId xmlns:a16="http://schemas.microsoft.com/office/drawing/2014/main" val="656384092"/>
                     </a:ext>
                   </a:extLst>
                 </a:gridCol>
-                <a:gridCol w="2095500">
+                <a:gridCol w="2914650">
                   <a:extLst>
                     <a:ext uri="{9D8B030D-6E8A-4147-A177-3AD203B41FA5}">
                       <a16:colId xmlns:a16="http://schemas.microsoft.com/office/drawing/2014/main" val="1957311934"/>
                     </a:ext>
                   </a:extLst>
                 </a:gridCol>
-                <a:gridCol w="2016347">
+                <a:gridCol w="2616422">
                   <a:extLst>
                     <a:ext uri="{9D8B030D-6E8A-4147-A177-3AD203B41FA5}">
                       <a16:colId xmlns:a16="http://schemas.microsoft.com/office/drawing/2014/main" val="4073411178"/>
@@ -8735,7 +10154,7 @@
                     <a:p>
                       <a:r>
                         <a:rPr lang="en-AU" sz="1400" dirty="0"/>
-                        <a:t>Pandas, </a:t>
+                        <a:t>OS, Pandas, </a:t>
                       </a:r>
                       <a:r>
                         <a:rPr lang="en-AU" sz="1400" dirty="0" err="1"/>
@@ -8767,7 +10186,23 @@
                       </a:r>
                       <a:r>
                         <a:rPr lang="en-AU" sz="1400" dirty="0"/>
-                        <a:t>, CSS, Leaflet</a:t>
+                        <a:t>, CSS, Leaflet, </a:t>
+                      </a:r>
+                      <a:r>
+                        <a:rPr lang="en-AU" sz="1400" dirty="0" err="1"/>
+                        <a:t>Chloropleth</a:t>
+                      </a:r>
+                      <a:r>
+                        <a:rPr lang="en-AU" sz="1400" dirty="0"/>
+                        <a:t>, Bootstrap, </a:t>
+                      </a:r>
+                      <a:r>
+                        <a:rPr lang="en-AU" sz="1400" dirty="0" err="1"/>
+                        <a:t>GeoJson</a:t>
+                      </a:r>
+                      <a:r>
+                        <a:rPr lang="en-AU" sz="1400" dirty="0"/>
+                        <a:t>, D3</a:t>
                       </a:r>
                     </a:p>
                   </a:txBody>
@@ -9293,14 +10728,14 @@
           <p:nvPr>
             <p:extLst>
               <p:ext uri="{D42A27DB-BD31-4B8C-83A1-F6EECF244321}">
-                <p14:modId xmlns:p14="http://schemas.microsoft.com/office/powerpoint/2010/main" val="1574748586"/>
+                <p14:modId xmlns:p14="http://schemas.microsoft.com/office/powerpoint/2010/main" val="308187523"/>
               </p:ext>
             </p:extLst>
           </p:nvPr>
         </p:nvGraphicFramePr>
         <p:xfrm>
           <a:off x="787400" y="2158703"/>
-          <a:ext cx="6991572" cy="3703320"/>
+          <a:ext cx="6991572" cy="3261360"/>
         </p:xfrm>
         <a:graphic>
           <a:graphicData uri="http://schemas.openxmlformats.org/drawingml/2006/table">
@@ -9309,14 +10744,14 @@
                 <a:tableStyleId>{0E3FDE45-AF77-4B5C-9715-49D594BDF05E}</a:tableStyleId>
               </a:tblPr>
               <a:tblGrid>
-                <a:gridCol w="2232025">
+                <a:gridCol w="1460500">
                   <a:extLst>
                     <a:ext uri="{9D8B030D-6E8A-4147-A177-3AD203B41FA5}">
                       <a16:colId xmlns:a16="http://schemas.microsoft.com/office/drawing/2014/main" val="656384092"/>
                     </a:ext>
                   </a:extLst>
                 </a:gridCol>
-                <a:gridCol w="2743200">
+                <a:gridCol w="3514725">
                   <a:extLst>
                     <a:ext uri="{9D8B030D-6E8A-4147-A177-3AD203B41FA5}">
                       <a16:colId xmlns:a16="http://schemas.microsoft.com/office/drawing/2014/main" val="1957311934"/>
@@ -9405,9 +10840,6 @@
                         <a:t>Transformations</a:t>
                       </a:r>
                     </a:p>
-                    <a:p>
-                      <a:endParaRPr lang="en-AU" sz="1400" dirty="0"/>
-                    </a:p>
                   </a:txBody>
                   <a:tcPr/>
                 </a:tc>
@@ -9486,7 +10918,7 @@
                       </a:r>
                       <a:r>
                         <a:rPr lang="en-AU" sz="1400" dirty="0"/>
-                        <a:t> values</a:t>
+                        <a:t> values and duplicates</a:t>
                       </a:r>
                     </a:p>
                   </a:txBody>
@@ -9771,7 +11203,7 @@
                       </a:pPr>
                       <a:r>
                         <a:rPr lang="en-AU" sz="1400" dirty="0"/>
-                        <a:t>Create bins for consistency within all tables</a:t>
+                        <a:t>Recreate bins so that all age bins used within all tables are consistent </a:t>
                       </a:r>
                     </a:p>
                   </a:txBody>
@@ -9857,7 +11289,15 @@
           <a:p>
             <a:r>
               <a:rPr lang="en-AU" dirty="0"/>
-              <a:t>Snapshots code and raw data</a:t>
+              <a:t>Snapshots data </a:t>
+            </a:r>
+            <a:r>
+              <a:rPr lang="en-AU" dirty="0" err="1"/>
+              <a:t>mungling</a:t>
+            </a:r>
+            <a:r>
+              <a:rPr lang="en-AU" dirty="0"/>
+              <a:t> code and raw data</a:t>
             </a:r>
           </a:p>
         </p:txBody>
@@ -10344,7 +11784,7 @@
           <a:p>
             <a:r>
               <a:rPr lang="en-AU" dirty="0"/>
-              <a:t>Snapshots code and raw data</a:t>
+              <a:t>Snapshots code Flask app</a:t>
             </a:r>
           </a:p>
         </p:txBody>
@@ -10382,35 +11822,50 @@
             </a:pPr>
             <a:r>
               <a:rPr lang="en-AU" sz="2400" dirty="0"/>
-              <a:t>The visualisations below are snapshots of the code and raw data of [insert]</a:t>
+              <a:t>The visualisations below are some snapshots of the code to create the Flask app and routes</a:t>
             </a:r>
           </a:p>
           <a:p>
             <a:pPr marL="0" indent="0">
               <a:buNone/>
             </a:pPr>
-            <a:r>
-              <a:rPr lang="en-AU" sz="2400" i="1" dirty="0"/>
-              <a:t>App.py</a:t>
-            </a:r>
+            <a:endParaRPr lang="en-AU" sz="2400" dirty="0"/>
           </a:p>
           <a:p>
             <a:pPr marL="0" indent="0">
               <a:buNone/>
             </a:pPr>
-            <a:r>
-              <a:rPr lang="en-AU" sz="2400" i="1" dirty="0"/>
-              <a:t>App.js</a:t>
-            </a:r>
+            <a:endParaRPr lang="en-AU" sz="2400" dirty="0"/>
           </a:p>
           <a:p>
             <a:pPr marL="0" indent="0">
               <a:buNone/>
             </a:pPr>
-            <a:r>
-              <a:rPr lang="en-AU" sz="2400" i="1" dirty="0"/>
-              <a:t>Insert when final</a:t>
-            </a:r>
+            <a:endParaRPr lang="en-AU" sz="2400" dirty="0"/>
+          </a:p>
+          <a:p>
+            <a:pPr marL="0" indent="0">
+              <a:buNone/>
+            </a:pPr>
+            <a:endParaRPr lang="en-AU" sz="2400" dirty="0"/>
+          </a:p>
+          <a:p>
+            <a:pPr marL="0" indent="0">
+              <a:buNone/>
+            </a:pPr>
+            <a:endParaRPr lang="en-AU" sz="2400" dirty="0"/>
+          </a:p>
+          <a:p>
+            <a:pPr marL="0" indent="0">
+              <a:buNone/>
+            </a:pPr>
+            <a:endParaRPr lang="en-AU" sz="2400" dirty="0"/>
+          </a:p>
+          <a:p>
+            <a:pPr marL="0" indent="0">
+              <a:buNone/>
+            </a:pPr>
+            <a:endParaRPr lang="en-AU" sz="2400" dirty="0"/>
           </a:p>
           <a:p>
             <a:pPr marL="0" indent="0">
@@ -10612,6 +12067,96 @@
           <a:effectLst>
             <a:softEdge rad="0"/>
           </a:effectLst>
+        </p:spPr>
+      </p:pic>
+      <p:pic>
+        <p:nvPicPr>
+          <p:cNvPr id="8" name="Picture 7">
+            <a:extLst>
+              <a:ext uri="{FF2B5EF4-FFF2-40B4-BE49-F238E27FC236}">
+                <a16:creationId xmlns:a16="http://schemas.microsoft.com/office/drawing/2014/main" id="{130D0451-593C-4396-9480-6524F68DD87B}"/>
+              </a:ext>
+            </a:extLst>
+          </p:cNvPr>
+          <p:cNvPicPr>
+            <a:picLocks noChangeAspect="1"/>
+          </p:cNvPicPr>
+          <p:nvPr/>
+        </p:nvPicPr>
+        <p:blipFill>
+          <a:blip r:embed="rId3"/>
+          <a:stretch>
+            <a:fillRect/>
+          </a:stretch>
+        </p:blipFill>
+        <p:spPr>
+          <a:xfrm>
+            <a:off x="1136428" y="5251082"/>
+            <a:ext cx="7350934" cy="1304272"/>
+          </a:xfrm>
+          <a:prstGeom prst="rect">
+            <a:avLst/>
+          </a:prstGeom>
+        </p:spPr>
+      </p:pic>
+      <p:pic>
+        <p:nvPicPr>
+          <p:cNvPr id="12" name="Picture 11">
+            <a:extLst>
+              <a:ext uri="{FF2B5EF4-FFF2-40B4-BE49-F238E27FC236}">
+                <a16:creationId xmlns:a16="http://schemas.microsoft.com/office/drawing/2014/main" id="{1837204B-A897-4AB3-84C5-580782A0510E}"/>
+              </a:ext>
+            </a:extLst>
+          </p:cNvPr>
+          <p:cNvPicPr>
+            <a:picLocks noChangeAspect="1"/>
+          </p:cNvPicPr>
+          <p:nvPr/>
+        </p:nvPicPr>
+        <p:blipFill>
+          <a:blip r:embed="rId4"/>
+          <a:stretch>
+            <a:fillRect/>
+          </a:stretch>
+        </p:blipFill>
+        <p:spPr>
+          <a:xfrm>
+            <a:off x="1136428" y="2994588"/>
+            <a:ext cx="3550953" cy="1389155"/>
+          </a:xfrm>
+          <a:prstGeom prst="rect">
+            <a:avLst/>
+          </a:prstGeom>
+        </p:spPr>
+      </p:pic>
+      <p:pic>
+        <p:nvPicPr>
+          <p:cNvPr id="14" name="Picture 13">
+            <a:extLst>
+              <a:ext uri="{FF2B5EF4-FFF2-40B4-BE49-F238E27FC236}">
+                <a16:creationId xmlns:a16="http://schemas.microsoft.com/office/drawing/2014/main" id="{697D7686-CDFB-4F1D-ACB9-28D39B0CB55F}"/>
+              </a:ext>
+            </a:extLst>
+          </p:cNvPr>
+          <p:cNvPicPr>
+            <a:picLocks noChangeAspect="1"/>
+          </p:cNvPicPr>
+          <p:nvPr/>
+        </p:nvPicPr>
+        <p:blipFill>
+          <a:blip r:embed="rId5"/>
+          <a:stretch>
+            <a:fillRect/>
+          </a:stretch>
+        </p:blipFill>
+        <p:spPr>
+          <a:xfrm>
+            <a:off x="4992182" y="2994588"/>
+            <a:ext cx="3495180" cy="2080884"/>
+          </a:xfrm>
+          <a:prstGeom prst="rect">
+            <a:avLst/>
+          </a:prstGeom>
         </p:spPr>
       </p:pic>
     </p:spTree>
@@ -10779,7 +12324,7 @@
           <p:cNvPr id="2" name="Title 1">
             <a:extLst>
               <a:ext uri="{FF2B5EF4-FFF2-40B4-BE49-F238E27FC236}">
-                <a16:creationId xmlns:a16="http://schemas.microsoft.com/office/drawing/2014/main" id="{FC7C3386-4B94-47B0-96C9-B893A4DF5476}"/>
+                <a16:creationId xmlns:a16="http://schemas.microsoft.com/office/drawing/2014/main" id="{B74D29E5-E187-47E1-BA72-A1F6CA4BA70E}"/>
               </a:ext>
             </a:extLst>
           </p:cNvPr>
@@ -10803,10 +12348,9 @@
           <a:lstStyle/>
           <a:p>
             <a:r>
-              <a:rPr lang="en-AU"/>
-              <a:t>Visualisations</a:t>
+              <a:rPr lang="en-AU" dirty="0"/>
+              <a:t>Snapshots code visualisations</a:t>
             </a:r>
-            <a:endParaRPr lang="en-AU" dirty="0"/>
           </a:p>
         </p:txBody>
       </p:sp>
@@ -10815,7 +12359,7 @@
           <p:cNvPr id="3" name="Content Placeholder 2">
             <a:extLst>
               <a:ext uri="{FF2B5EF4-FFF2-40B4-BE49-F238E27FC236}">
-                <a16:creationId xmlns:a16="http://schemas.microsoft.com/office/drawing/2014/main" id="{781A5B15-8A90-4059-9825-8DA6A0674BB9}"/>
+                <a16:creationId xmlns:a16="http://schemas.microsoft.com/office/drawing/2014/main" id="{9CA07059-F776-4046-AB19-7DCDA994B402}"/>
               </a:ext>
             </a:extLst>
           </p:cNvPr>
@@ -10828,42 +12372,46 @@
         </p:nvSpPr>
         <p:spPr>
           <a:xfrm>
-            <a:off x="1136429" y="2278173"/>
-            <a:ext cx="6467867" cy="3450613"/>
+            <a:off x="1136428" y="2278173"/>
+            <a:ext cx="7474171" cy="3450613"/>
           </a:xfrm>
         </p:spPr>
         <p:txBody>
-          <a:bodyPr anchor="ctr">
+          <a:bodyPr anchor="t">
             <a:normAutofit/>
           </a:bodyPr>
           <a:lstStyle/>
           <a:p>
+            <a:pPr marL="0" indent="0">
+              <a:buNone/>
+            </a:pPr>
             <a:r>
               <a:rPr lang="en-AU" sz="2400" dirty="0"/>
-              <a:t>[</a:t>
+              <a:t>The visualisations below are some snapshots of the code written to create charts using </a:t>
             </a:r>
             <a:r>
-              <a:rPr lang="en-AU" sz="2400" i="1" dirty="0"/>
-              <a:t>insert </a:t>
+              <a:rPr lang="en-AU" sz="2400" dirty="0" err="1"/>
+              <a:t>Javascript</a:t>
             </a:r>
-            <a:r>
-              <a:rPr lang="en-AU" sz="2400" i="1"/>
-              <a:t>link once </a:t>
-            </a:r>
-            <a:r>
-              <a:rPr lang="en-AU" sz="2400" i="1" dirty="0"/>
-              <a:t>final</a:t>
-            </a:r>
-            <a:r>
-              <a:rPr lang="en-AU" sz="2400" dirty="0"/>
-              <a:t>]</a:t>
-            </a:r>
+            <a:endParaRPr lang="en-AU" sz="2400" dirty="0"/>
+          </a:p>
+          <a:p>
+            <a:pPr marL="0" indent="0">
+              <a:buNone/>
+            </a:pPr>
+            <a:endParaRPr lang="en-AU" sz="2400" dirty="0"/>
+          </a:p>
+          <a:p>
+            <a:pPr marL="0" indent="0">
+              <a:buNone/>
+            </a:pPr>
+            <a:endParaRPr lang="en-AU" sz="2400" dirty="0"/>
           </a:p>
         </p:txBody>
       </p:sp>
       <p:sp>
         <p:nvSpPr>
-          <p:cNvPr id="19" name="Rectangle 18">
+          <p:cNvPr id="9" name="Rectangle 8">
             <a:extLst>
               <a:ext uri="{FF2B5EF4-FFF2-40B4-BE49-F238E27FC236}">
                 <a16:creationId xmlns:a16="http://schemas.microsoft.com/office/drawing/2014/main" id="{59A309A7-1751-4ABE-A3C1-EEC40366AD89}"/>
@@ -10926,7 +12474,7 @@
       </p:sp>
       <p:sp>
         <p:nvSpPr>
-          <p:cNvPr id="21" name="Oval 20">
+          <p:cNvPr id="11" name="Oval 10">
             <a:extLst>
               <a:ext uri="{FF2B5EF4-FFF2-40B4-BE49-F238E27FC236}">
                 <a16:creationId xmlns:a16="http://schemas.microsoft.com/office/drawing/2014/main" id="{967D8EB6-EAE1-4F9C-B398-83321E287204}"/>
@@ -10994,7 +12542,7 @@
           <p:cNvPr id="4" name="Picture 3">
             <a:extLst>
               <a:ext uri="{FF2B5EF4-FFF2-40B4-BE49-F238E27FC236}">
-                <a16:creationId xmlns:a16="http://schemas.microsoft.com/office/drawing/2014/main" id="{9F0C7C96-DE5B-48E5-B2D7-559F67BBD44A}"/>
+                <a16:creationId xmlns:a16="http://schemas.microsoft.com/office/drawing/2014/main" id="{AE3F2B0D-1996-47D3-A8B9-91B93A3C4323}"/>
               </a:ext>
             </a:extLst>
           </p:cNvPr>
@@ -11055,10 +12603,70 @@
           </a:effectLst>
         </p:spPr>
       </p:pic>
+      <p:pic>
+        <p:nvPicPr>
+          <p:cNvPr id="10" name="Content Placeholder 4">
+            <a:extLst>
+              <a:ext uri="{FF2B5EF4-FFF2-40B4-BE49-F238E27FC236}">
+                <a16:creationId xmlns:a16="http://schemas.microsoft.com/office/drawing/2014/main" id="{DA7057D3-10A7-48FD-8D1D-C4FB9AFCBBBC}"/>
+              </a:ext>
+            </a:extLst>
+          </p:cNvPr>
+          <p:cNvPicPr>
+            <a:picLocks noChangeAspect="1"/>
+          </p:cNvPicPr>
+          <p:nvPr/>
+        </p:nvPicPr>
+        <p:blipFill>
+          <a:blip r:embed="rId3"/>
+          <a:stretch>
+            <a:fillRect/>
+          </a:stretch>
+        </p:blipFill>
+        <p:spPr>
+          <a:xfrm>
+            <a:off x="1242395" y="3163656"/>
+            <a:ext cx="3486373" cy="2890176"/>
+          </a:xfrm>
+          <a:prstGeom prst="rect">
+            <a:avLst/>
+          </a:prstGeom>
+        </p:spPr>
+      </p:pic>
+      <p:pic>
+        <p:nvPicPr>
+          <p:cNvPr id="6" name="Picture 5">
+            <a:extLst>
+              <a:ext uri="{FF2B5EF4-FFF2-40B4-BE49-F238E27FC236}">
+                <a16:creationId xmlns:a16="http://schemas.microsoft.com/office/drawing/2014/main" id="{595D6E61-3B52-4ED1-B8BF-8C7B205B7256}"/>
+              </a:ext>
+            </a:extLst>
+          </p:cNvPr>
+          <p:cNvPicPr>
+            <a:picLocks noChangeAspect="1"/>
+          </p:cNvPicPr>
+          <p:nvPr/>
+        </p:nvPicPr>
+        <p:blipFill>
+          <a:blip r:embed="rId4"/>
+          <a:stretch>
+            <a:fillRect/>
+          </a:stretch>
+        </p:blipFill>
+        <p:spPr>
+          <a:xfrm>
+            <a:off x="4918226" y="3163656"/>
+            <a:ext cx="2483109" cy="2890176"/>
+          </a:xfrm>
+          <a:prstGeom prst="rect">
+            <a:avLst/>
+          </a:prstGeom>
+        </p:spPr>
+      </p:pic>
     </p:spTree>
     <p:extLst>
       <p:ext uri="{BB962C8B-B14F-4D97-AF65-F5344CB8AC3E}">
-        <p14:creationId xmlns:p14="http://schemas.microsoft.com/office/powerpoint/2010/main" val="1681015304"/>
+        <p14:creationId xmlns:p14="http://schemas.microsoft.com/office/powerpoint/2010/main" val="1934387114"/>
       </p:ext>
     </p:extLst>
   </p:cSld>

--- a/Australian Marriage Law Postal Survey 2017.pptx
+++ b/Australian Marriage Law Postal Survey 2017.pptx
@@ -8,17 +8,23 @@
     <p:sldId id="266" r:id="rId2"/>
     <p:sldId id="257" r:id="rId3"/>
     <p:sldId id="258" r:id="rId4"/>
-    <p:sldId id="268" r:id="rId5"/>
-    <p:sldId id="272" r:id="rId6"/>
+    <p:sldId id="281" r:id="rId5"/>
+    <p:sldId id="268" r:id="rId6"/>
     <p:sldId id="263" r:id="rId7"/>
-    <p:sldId id="262" r:id="rId8"/>
-    <p:sldId id="273" r:id="rId9"/>
-    <p:sldId id="275" r:id="rId10"/>
-    <p:sldId id="261" r:id="rId11"/>
-    <p:sldId id="276" r:id="rId12"/>
-    <p:sldId id="264" r:id="rId13"/>
-    <p:sldId id="271" r:id="rId14"/>
-    <p:sldId id="267" r:id="rId15"/>
+    <p:sldId id="272" r:id="rId8"/>
+    <p:sldId id="282" r:id="rId9"/>
+    <p:sldId id="262" r:id="rId10"/>
+    <p:sldId id="286" r:id="rId11"/>
+    <p:sldId id="287" r:id="rId12"/>
+    <p:sldId id="288" r:id="rId13"/>
+    <p:sldId id="273" r:id="rId14"/>
+    <p:sldId id="275" r:id="rId15"/>
+    <p:sldId id="289" r:id="rId16"/>
+    <p:sldId id="290" r:id="rId17"/>
+    <p:sldId id="276" r:id="rId18"/>
+    <p:sldId id="280" r:id="rId19"/>
+    <p:sldId id="271" r:id="rId20"/>
+    <p:sldId id="267" r:id="rId21"/>
   </p:sldIdLst>
   <p:sldSz cx="12192000" cy="6858000"/>
   <p:notesSz cx="6858000" cy="9144000"/>
@@ -6007,7 +6013,7 @@
           <p:cNvPr id="2" name="Title 1">
             <a:extLst>
               <a:ext uri="{FF2B5EF4-FFF2-40B4-BE49-F238E27FC236}">
-                <a16:creationId xmlns:a16="http://schemas.microsoft.com/office/drawing/2014/main" id="{FC7C3386-4B94-47B0-96C9-B893A4DF5476}"/>
+                <a16:creationId xmlns:a16="http://schemas.microsoft.com/office/drawing/2014/main" id="{B74D29E5-E187-47E1-BA72-A1F6CA4BA70E}"/>
               </a:ext>
             </a:extLst>
           </p:cNvPr>
@@ -6026,26 +6032,14 @@
         </p:spPr>
         <p:txBody>
           <a:bodyPr>
-            <a:normAutofit fontScale="90000"/>
+            <a:normAutofit/>
           </a:bodyPr>
           <a:lstStyle/>
           <a:p>
             <a:r>
               <a:rPr lang="en-AU" dirty="0"/>
-              <a:t>Visualisations [</a:t>
+              <a:t>Snapshots raw data</a:t>
             </a:r>
-            <a:r>
-              <a:rPr lang="en-AU" i="1" dirty="0"/>
-              <a:t>insert link once final to show interactivity</a:t>
-            </a:r>
-            <a:r>
-              <a:rPr lang="en-AU" dirty="0"/>
-              <a:t>]</a:t>
-            </a:r>
-            <a:br>
-              <a:rPr lang="en-AU" dirty="0"/>
-            </a:br>
-            <a:endParaRPr lang="en-AU" dirty="0"/>
           </a:p>
         </p:txBody>
       </p:sp>
@@ -6054,7 +6048,7 @@
           <p:cNvPr id="3" name="Content Placeholder 2">
             <a:extLst>
               <a:ext uri="{FF2B5EF4-FFF2-40B4-BE49-F238E27FC236}">
-                <a16:creationId xmlns:a16="http://schemas.microsoft.com/office/drawing/2014/main" id="{781A5B15-8A90-4059-9825-8DA6A0674BB9}"/>
+                <a16:creationId xmlns:a16="http://schemas.microsoft.com/office/drawing/2014/main" id="{9CA07059-F776-4046-AB19-7DCDA994B402}"/>
               </a:ext>
             </a:extLst>
           </p:cNvPr>
@@ -6067,8 +6061,8 @@
         </p:nvSpPr>
         <p:spPr>
           <a:xfrm>
-            <a:off x="1136429" y="2278173"/>
-            <a:ext cx="6467867" cy="4285187"/>
+            <a:off x="1136428" y="2278173"/>
+            <a:ext cx="7474171" cy="3450613"/>
           </a:xfrm>
         </p:spPr>
         <p:txBody>
@@ -6077,40 +6071,43 @@
           </a:bodyPr>
           <a:lstStyle/>
           <a:p>
+            <a:pPr marL="0" indent="0">
+              <a:buNone/>
+            </a:pPr>
+            <a:r>
+              <a:rPr lang="en-AU" sz="2400" b="1" dirty="0"/>
+              <a:t>Federal Elections</a:t>
+            </a:r>
+          </a:p>
+          <a:p>
+            <a:pPr marL="0" indent="0">
+              <a:buNone/>
+            </a:pPr>
             <a:endParaRPr lang="en-AU" sz="2400" dirty="0"/>
           </a:p>
           <a:p>
+            <a:pPr marL="0" indent="0">
+              <a:buNone/>
+            </a:pPr>
             <a:endParaRPr lang="en-AU" sz="2400" dirty="0"/>
           </a:p>
           <a:p>
+            <a:pPr marL="0" indent="0">
+              <a:buNone/>
+            </a:pPr>
             <a:endParaRPr lang="en-AU" sz="2400" dirty="0"/>
           </a:p>
           <a:p>
-            <a:endParaRPr lang="en-AU" sz="2400" dirty="0"/>
-          </a:p>
-          <a:p>
-            <a:endParaRPr lang="en-AU" sz="2400" dirty="0"/>
-          </a:p>
-          <a:p>
-            <a:endParaRPr lang="en-AU" sz="2400" dirty="0"/>
-          </a:p>
-          <a:p>
-            <a:endParaRPr lang="en-AU" sz="2400" dirty="0"/>
-          </a:p>
-          <a:p>
-            <a:endParaRPr lang="en-AU" sz="2400" dirty="0"/>
-          </a:p>
-          <a:p>
-            <a:endParaRPr lang="en-AU" sz="2400" dirty="0"/>
-          </a:p>
-          <a:p>
+            <a:pPr marL="0" indent="0">
+              <a:buNone/>
+            </a:pPr>
             <a:endParaRPr lang="en-AU" sz="2400" dirty="0"/>
           </a:p>
         </p:txBody>
       </p:sp>
       <p:sp>
         <p:nvSpPr>
-          <p:cNvPr id="19" name="Rectangle 18">
+          <p:cNvPr id="9" name="Rectangle 8">
             <a:extLst>
               <a:ext uri="{FF2B5EF4-FFF2-40B4-BE49-F238E27FC236}">
                 <a16:creationId xmlns:a16="http://schemas.microsoft.com/office/drawing/2014/main" id="{59A309A7-1751-4ABE-A3C1-EEC40366AD89}"/>
@@ -6173,7 +6170,7 @@
       </p:sp>
       <p:sp>
         <p:nvSpPr>
-          <p:cNvPr id="21" name="Oval 20">
+          <p:cNvPr id="11" name="Oval 10">
             <a:extLst>
               <a:ext uri="{FF2B5EF4-FFF2-40B4-BE49-F238E27FC236}">
                 <a16:creationId xmlns:a16="http://schemas.microsoft.com/office/drawing/2014/main" id="{967D8EB6-EAE1-4F9C-B398-83321E287204}"/>
@@ -6241,7 +6238,7 @@
           <p:cNvPr id="4" name="Picture 3">
             <a:extLst>
               <a:ext uri="{FF2B5EF4-FFF2-40B4-BE49-F238E27FC236}">
-                <a16:creationId xmlns:a16="http://schemas.microsoft.com/office/drawing/2014/main" id="{9F0C7C96-DE5B-48E5-B2D7-559F67BBD44A}"/>
+                <a16:creationId xmlns:a16="http://schemas.microsoft.com/office/drawing/2014/main" id="{AE3F2B0D-1996-47D3-A8B9-91B93A3C4323}"/>
               </a:ext>
             </a:extLst>
           </p:cNvPr>
@@ -6304,10 +6301,10 @@
       </p:pic>
       <p:pic>
         <p:nvPicPr>
-          <p:cNvPr id="8" name="Picture 7">
-            <a:extLst>
-              <a:ext uri="{FF2B5EF4-FFF2-40B4-BE49-F238E27FC236}">
-                <a16:creationId xmlns:a16="http://schemas.microsoft.com/office/drawing/2014/main" id="{37F1D58C-85A0-4F31-B862-D62E2CEBF469}"/>
+          <p:cNvPr id="12" name="Picture 11">
+            <a:extLst>
+              <a:ext uri="{FF2B5EF4-FFF2-40B4-BE49-F238E27FC236}">
+                <a16:creationId xmlns:a16="http://schemas.microsoft.com/office/drawing/2014/main" id="{B1D50234-594A-451D-A9F6-FC3F5DD67790}"/>
               </a:ext>
             </a:extLst>
           </p:cNvPr>
@@ -6324,8 +6321,8 @@
         </p:blipFill>
         <p:spPr>
           <a:xfrm>
-            <a:off x="922879" y="1953590"/>
-            <a:ext cx="5289900" cy="4609770"/>
+            <a:off x="1136428" y="2999422"/>
+            <a:ext cx="6100114" cy="1719601"/>
           </a:xfrm>
           <a:prstGeom prst="rect">
             <a:avLst/>
@@ -6335,7 +6332,7 @@
     </p:spTree>
     <p:extLst>
       <p:ext uri="{BB962C8B-B14F-4D97-AF65-F5344CB8AC3E}">
-        <p14:creationId xmlns:p14="http://schemas.microsoft.com/office/powerpoint/2010/main" val="1681015304"/>
+        <p14:creationId xmlns:p14="http://schemas.microsoft.com/office/powerpoint/2010/main" val="1286503720"/>
       </p:ext>
     </p:extLst>
   </p:cSld>
@@ -6497,7 +6494,7 @@
           <p:cNvPr id="2" name="Title 1">
             <a:extLst>
               <a:ext uri="{FF2B5EF4-FFF2-40B4-BE49-F238E27FC236}">
-                <a16:creationId xmlns:a16="http://schemas.microsoft.com/office/drawing/2014/main" id="{FC7C3386-4B94-47B0-96C9-B893A4DF5476}"/>
+                <a16:creationId xmlns:a16="http://schemas.microsoft.com/office/drawing/2014/main" id="{B74D29E5-E187-47E1-BA72-A1F6CA4BA70E}"/>
               </a:ext>
             </a:extLst>
           </p:cNvPr>
@@ -6516,26 +6513,14 @@
         </p:spPr>
         <p:txBody>
           <a:bodyPr>
-            <a:normAutofit fontScale="90000"/>
+            <a:normAutofit/>
           </a:bodyPr>
           <a:lstStyle/>
           <a:p>
             <a:r>
               <a:rPr lang="en-AU" dirty="0"/>
-              <a:t>Visualisations [</a:t>
+              <a:t>Snapshots raw data</a:t>
             </a:r>
-            <a:r>
-              <a:rPr lang="en-AU" i="1" dirty="0"/>
-              <a:t>insert once final to show interactivity</a:t>
-            </a:r>
-            <a:r>
-              <a:rPr lang="en-AU" dirty="0"/>
-              <a:t>]</a:t>
-            </a:r>
-            <a:br>
-              <a:rPr lang="en-AU" dirty="0"/>
-            </a:br>
-            <a:endParaRPr lang="en-AU" dirty="0"/>
           </a:p>
         </p:txBody>
       </p:sp>
@@ -6544,7 +6529,7 @@
           <p:cNvPr id="3" name="Content Placeholder 2">
             <a:extLst>
               <a:ext uri="{FF2B5EF4-FFF2-40B4-BE49-F238E27FC236}">
-                <a16:creationId xmlns:a16="http://schemas.microsoft.com/office/drawing/2014/main" id="{781A5B15-8A90-4059-9825-8DA6A0674BB9}"/>
+                <a16:creationId xmlns:a16="http://schemas.microsoft.com/office/drawing/2014/main" id="{9CA07059-F776-4046-AB19-7DCDA994B402}"/>
               </a:ext>
             </a:extLst>
           </p:cNvPr>
@@ -6557,8 +6542,8 @@
         </p:nvSpPr>
         <p:spPr>
           <a:xfrm>
-            <a:off x="1136429" y="2278173"/>
-            <a:ext cx="6467867" cy="4285187"/>
+            <a:off x="1136428" y="2278173"/>
+            <a:ext cx="7474171" cy="3450613"/>
           </a:xfrm>
         </p:spPr>
         <p:txBody>
@@ -6567,40 +6552,43 @@
           </a:bodyPr>
           <a:lstStyle/>
           <a:p>
+            <a:pPr marL="0" indent="0">
+              <a:buNone/>
+            </a:pPr>
+            <a:r>
+              <a:rPr lang="en-AU" sz="2400" b="1" dirty="0"/>
+              <a:t>Australian Marriage Postal Survey</a:t>
+            </a:r>
+          </a:p>
+          <a:p>
+            <a:pPr marL="0" indent="0">
+              <a:buNone/>
+            </a:pPr>
             <a:endParaRPr lang="en-AU" sz="2400" dirty="0"/>
           </a:p>
           <a:p>
+            <a:pPr marL="0" indent="0">
+              <a:buNone/>
+            </a:pPr>
             <a:endParaRPr lang="en-AU" sz="2400" dirty="0"/>
           </a:p>
           <a:p>
+            <a:pPr marL="0" indent="0">
+              <a:buNone/>
+            </a:pPr>
             <a:endParaRPr lang="en-AU" sz="2400" dirty="0"/>
           </a:p>
           <a:p>
-            <a:endParaRPr lang="en-AU" sz="2400" dirty="0"/>
-          </a:p>
-          <a:p>
-            <a:endParaRPr lang="en-AU" sz="2400" dirty="0"/>
-          </a:p>
-          <a:p>
-            <a:endParaRPr lang="en-AU" sz="2400" dirty="0"/>
-          </a:p>
-          <a:p>
-            <a:endParaRPr lang="en-AU" sz="2400" dirty="0"/>
-          </a:p>
-          <a:p>
-            <a:endParaRPr lang="en-AU" sz="2400" dirty="0"/>
-          </a:p>
-          <a:p>
-            <a:endParaRPr lang="en-AU" sz="2400" dirty="0"/>
-          </a:p>
-          <a:p>
+            <a:pPr marL="0" indent="0">
+              <a:buNone/>
+            </a:pPr>
             <a:endParaRPr lang="en-AU" sz="2400" dirty="0"/>
           </a:p>
         </p:txBody>
       </p:sp>
       <p:sp>
         <p:nvSpPr>
-          <p:cNvPr id="19" name="Rectangle 18">
+          <p:cNvPr id="9" name="Rectangle 8">
             <a:extLst>
               <a:ext uri="{FF2B5EF4-FFF2-40B4-BE49-F238E27FC236}">
                 <a16:creationId xmlns:a16="http://schemas.microsoft.com/office/drawing/2014/main" id="{59A309A7-1751-4ABE-A3C1-EEC40366AD89}"/>
@@ -6663,7 +6651,7 @@
       </p:sp>
       <p:sp>
         <p:nvSpPr>
-          <p:cNvPr id="21" name="Oval 20">
+          <p:cNvPr id="11" name="Oval 10">
             <a:extLst>
               <a:ext uri="{FF2B5EF4-FFF2-40B4-BE49-F238E27FC236}">
                 <a16:creationId xmlns:a16="http://schemas.microsoft.com/office/drawing/2014/main" id="{967D8EB6-EAE1-4F9C-B398-83321E287204}"/>
@@ -6731,7 +6719,7 @@
           <p:cNvPr id="4" name="Picture 3">
             <a:extLst>
               <a:ext uri="{FF2B5EF4-FFF2-40B4-BE49-F238E27FC236}">
-                <a16:creationId xmlns:a16="http://schemas.microsoft.com/office/drawing/2014/main" id="{9F0C7C96-DE5B-48E5-B2D7-559F67BBD44A}"/>
+                <a16:creationId xmlns:a16="http://schemas.microsoft.com/office/drawing/2014/main" id="{AE3F2B0D-1996-47D3-A8B9-91B93A3C4323}"/>
               </a:ext>
             </a:extLst>
           </p:cNvPr>
@@ -6794,10 +6782,10 @@
       </p:pic>
       <p:pic>
         <p:nvPicPr>
-          <p:cNvPr id="5" name="Picture 4">
-            <a:extLst>
-              <a:ext uri="{FF2B5EF4-FFF2-40B4-BE49-F238E27FC236}">
-                <a16:creationId xmlns:a16="http://schemas.microsoft.com/office/drawing/2014/main" id="{52AB7E1F-6922-4094-97F5-EF9F73DAE063}"/>
+          <p:cNvPr id="8" name="Picture 7">
+            <a:extLst>
+              <a:ext uri="{FF2B5EF4-FFF2-40B4-BE49-F238E27FC236}">
+                <a16:creationId xmlns:a16="http://schemas.microsoft.com/office/drawing/2014/main" id="{7A0B68B0-2148-4DA1-BE39-2212A88FF2F0}"/>
               </a:ext>
             </a:extLst>
           </p:cNvPr>
@@ -6814,8 +6802,8 @@
         </p:blipFill>
         <p:spPr>
           <a:xfrm>
-            <a:off x="1135780" y="2278173"/>
-            <a:ext cx="3780275" cy="2220912"/>
+            <a:off x="1234530" y="2864551"/>
+            <a:ext cx="4767868" cy="1909490"/>
           </a:xfrm>
           <a:prstGeom prst="rect">
             <a:avLst/>
@@ -6824,10 +6812,10 @@
       </p:pic>
       <p:pic>
         <p:nvPicPr>
-          <p:cNvPr id="6" name="Picture 5">
-            <a:extLst>
-              <a:ext uri="{FF2B5EF4-FFF2-40B4-BE49-F238E27FC236}">
-                <a16:creationId xmlns:a16="http://schemas.microsoft.com/office/drawing/2014/main" id="{A14B98BB-686E-4424-834B-42BDFBF1CD47}"/>
+          <p:cNvPr id="10" name="Picture 9">
+            <a:extLst>
+              <a:ext uri="{FF2B5EF4-FFF2-40B4-BE49-F238E27FC236}">
+                <a16:creationId xmlns:a16="http://schemas.microsoft.com/office/drawing/2014/main" id="{15D563C5-E5CA-477A-8F68-E8BC436586AA}"/>
               </a:ext>
             </a:extLst>
           </p:cNvPr>
@@ -6844,8 +6832,8 @@
         </p:blipFill>
         <p:spPr>
           <a:xfrm>
-            <a:off x="5137539" y="2278173"/>
-            <a:ext cx="3364136" cy="2220912"/>
+            <a:off x="3970719" y="4774041"/>
+            <a:ext cx="4639880" cy="1909489"/>
           </a:xfrm>
           <a:prstGeom prst="rect">
             <a:avLst/>
@@ -6855,7 +6843,7 @@
     </p:spTree>
     <p:extLst>
       <p:ext uri="{BB962C8B-B14F-4D97-AF65-F5344CB8AC3E}">
-        <p14:creationId xmlns:p14="http://schemas.microsoft.com/office/powerpoint/2010/main" val="3957022896"/>
+        <p14:creationId xmlns:p14="http://schemas.microsoft.com/office/powerpoint/2010/main" val="303653600"/>
       </p:ext>
     </p:extLst>
   </p:cSld>
@@ -7017,7 +7005,7 @@
           <p:cNvPr id="2" name="Title 1">
             <a:extLst>
               <a:ext uri="{FF2B5EF4-FFF2-40B4-BE49-F238E27FC236}">
-                <a16:creationId xmlns:a16="http://schemas.microsoft.com/office/drawing/2014/main" id="{FC7C3386-4B94-47B0-96C9-B893A4DF5476}"/>
+                <a16:creationId xmlns:a16="http://schemas.microsoft.com/office/drawing/2014/main" id="{B74D29E5-E187-47E1-BA72-A1F6CA4BA70E}"/>
               </a:ext>
             </a:extLst>
           </p:cNvPr>
@@ -7042,7 +7030,7 @@
           <a:p>
             <a:r>
               <a:rPr lang="en-AU" dirty="0"/>
-              <a:t>Observations</a:t>
+              <a:t>Snapshots raw data</a:t>
             </a:r>
           </a:p>
         </p:txBody>
@@ -7052,7 +7040,7 @@
           <p:cNvPr id="3" name="Content Placeholder 2">
             <a:extLst>
               <a:ext uri="{FF2B5EF4-FFF2-40B4-BE49-F238E27FC236}">
-                <a16:creationId xmlns:a16="http://schemas.microsoft.com/office/drawing/2014/main" id="{781A5B15-8A90-4059-9825-8DA6A0674BB9}"/>
+                <a16:creationId xmlns:a16="http://schemas.microsoft.com/office/drawing/2014/main" id="{9CA07059-F776-4046-AB19-7DCDA994B402}"/>
               </a:ext>
             </a:extLst>
           </p:cNvPr>
@@ -7065,34 +7053,53 @@
         </p:nvSpPr>
         <p:spPr>
           <a:xfrm>
-            <a:off x="1136429" y="2278173"/>
-            <a:ext cx="6467867" cy="3450613"/>
+            <a:off x="1136428" y="2278173"/>
+            <a:ext cx="7474171" cy="3450613"/>
           </a:xfrm>
         </p:spPr>
         <p:txBody>
-          <a:bodyPr anchor="ctr">
+          <a:bodyPr anchor="t">
             <a:normAutofit/>
           </a:bodyPr>
           <a:lstStyle/>
           <a:p>
+            <a:pPr marL="0" indent="0">
+              <a:buNone/>
+            </a:pPr>
             <a:r>
-              <a:rPr lang="en-AU" sz="2400"/>
-              <a:t>[</a:t>
+              <a:rPr lang="en-AU" sz="2400" b="1" dirty="0"/>
+              <a:t>Commonwealth electorate data</a:t>
             </a:r>
-            <a:r>
-              <a:rPr lang="en-AU" sz="2400" i="1"/>
-              <a:t>insert observations once visualisations are finalised</a:t>
-            </a:r>
-            <a:r>
-              <a:rPr lang="en-AU" sz="2400"/>
-              <a:t>]</a:t>
-            </a:r>
+          </a:p>
+          <a:p>
+            <a:pPr marL="0" indent="0">
+              <a:buNone/>
+            </a:pPr>
+            <a:endParaRPr lang="en-AU" sz="2400" dirty="0"/>
+          </a:p>
+          <a:p>
+            <a:pPr marL="0" indent="0">
+              <a:buNone/>
+            </a:pPr>
+            <a:endParaRPr lang="en-AU" sz="2400" dirty="0"/>
+          </a:p>
+          <a:p>
+            <a:pPr marL="0" indent="0">
+              <a:buNone/>
+            </a:pPr>
+            <a:endParaRPr lang="en-AU" sz="2400" dirty="0"/>
+          </a:p>
+          <a:p>
+            <a:pPr marL="0" indent="0">
+              <a:buNone/>
+            </a:pPr>
+            <a:endParaRPr lang="en-AU" sz="2400" dirty="0"/>
           </a:p>
         </p:txBody>
       </p:sp>
       <p:sp>
         <p:nvSpPr>
-          <p:cNvPr id="16" name="Rectangle 15">
+          <p:cNvPr id="9" name="Rectangle 8">
             <a:extLst>
               <a:ext uri="{FF2B5EF4-FFF2-40B4-BE49-F238E27FC236}">
                 <a16:creationId xmlns:a16="http://schemas.microsoft.com/office/drawing/2014/main" id="{59A309A7-1751-4ABE-A3C1-EEC40366AD89}"/>
@@ -7155,7 +7162,7 @@
       </p:sp>
       <p:sp>
         <p:nvSpPr>
-          <p:cNvPr id="18" name="Oval 17">
+          <p:cNvPr id="11" name="Oval 10">
             <a:extLst>
               <a:ext uri="{FF2B5EF4-FFF2-40B4-BE49-F238E27FC236}">
                 <a16:creationId xmlns:a16="http://schemas.microsoft.com/office/drawing/2014/main" id="{967D8EB6-EAE1-4F9C-B398-83321E287204}"/>
@@ -7220,10 +7227,10 @@
       </p:sp>
       <p:pic>
         <p:nvPicPr>
-          <p:cNvPr id="4" name="Picture 3" descr="Chart&#10;&#10;Description automatically generated">
-            <a:extLst>
-              <a:ext uri="{FF2B5EF4-FFF2-40B4-BE49-F238E27FC236}">
-                <a16:creationId xmlns:a16="http://schemas.microsoft.com/office/drawing/2014/main" id="{DFE03F73-3EFD-405F-8565-2E953978511D}"/>
+          <p:cNvPr id="4" name="Picture 3">
+            <a:extLst>
+              <a:ext uri="{FF2B5EF4-FFF2-40B4-BE49-F238E27FC236}">
+                <a16:creationId xmlns:a16="http://schemas.microsoft.com/office/drawing/2014/main" id="{AE3F2B0D-1996-47D3-A8B9-91B93A3C4323}"/>
               </a:ext>
             </a:extLst>
           </p:cNvPr>
@@ -7284,10 +7291,70 @@
           </a:effectLst>
         </p:spPr>
       </p:pic>
+      <p:pic>
+        <p:nvPicPr>
+          <p:cNvPr id="12" name="Picture 11">
+            <a:extLst>
+              <a:ext uri="{FF2B5EF4-FFF2-40B4-BE49-F238E27FC236}">
+                <a16:creationId xmlns:a16="http://schemas.microsoft.com/office/drawing/2014/main" id="{7618771A-4C34-43F7-BA2D-9646500EABF1}"/>
+              </a:ext>
+            </a:extLst>
+          </p:cNvPr>
+          <p:cNvPicPr>
+            <a:picLocks noChangeAspect="1"/>
+          </p:cNvPicPr>
+          <p:nvPr/>
+        </p:nvPicPr>
+        <p:blipFill>
+          <a:blip r:embed="rId3"/>
+          <a:stretch>
+            <a:fillRect/>
+          </a:stretch>
+        </p:blipFill>
+        <p:spPr>
+          <a:xfrm>
+            <a:off x="1134922" y="2719018"/>
+            <a:ext cx="3738591" cy="2322683"/>
+          </a:xfrm>
+          <a:prstGeom prst="rect">
+            <a:avLst/>
+          </a:prstGeom>
+        </p:spPr>
+      </p:pic>
+      <p:pic>
+        <p:nvPicPr>
+          <p:cNvPr id="13" name="Picture 12">
+            <a:extLst>
+              <a:ext uri="{FF2B5EF4-FFF2-40B4-BE49-F238E27FC236}">
+                <a16:creationId xmlns:a16="http://schemas.microsoft.com/office/drawing/2014/main" id="{1D0EC4CA-EDB6-4DAC-8105-793B4E21C9B3}"/>
+              </a:ext>
+            </a:extLst>
+          </p:cNvPr>
+          <p:cNvPicPr>
+            <a:picLocks noChangeAspect="1"/>
+          </p:cNvPicPr>
+          <p:nvPr/>
+        </p:nvPicPr>
+        <p:blipFill>
+          <a:blip r:embed="rId4"/>
+          <a:stretch>
+            <a:fillRect/>
+          </a:stretch>
+        </p:blipFill>
+        <p:spPr>
+          <a:xfrm>
+            <a:off x="3556785" y="4357732"/>
+            <a:ext cx="5053814" cy="1921674"/>
+          </a:xfrm>
+          <a:prstGeom prst="rect">
+            <a:avLst/>
+          </a:prstGeom>
+        </p:spPr>
+      </p:pic>
     </p:spTree>
     <p:extLst>
       <p:ext uri="{BB962C8B-B14F-4D97-AF65-F5344CB8AC3E}">
-        <p14:creationId xmlns:p14="http://schemas.microsoft.com/office/powerpoint/2010/main" val="1928876445"/>
+        <p14:creationId xmlns:p14="http://schemas.microsoft.com/office/powerpoint/2010/main" val="367704311"/>
       </p:ext>
     </p:extLst>
   </p:cSld>
@@ -7449,6 +7516,3200 @@
           <p:cNvPr id="2" name="Title 1">
             <a:extLst>
               <a:ext uri="{FF2B5EF4-FFF2-40B4-BE49-F238E27FC236}">
+                <a16:creationId xmlns:a16="http://schemas.microsoft.com/office/drawing/2014/main" id="{B74D29E5-E187-47E1-BA72-A1F6CA4BA70E}"/>
+              </a:ext>
+            </a:extLst>
+          </p:cNvPr>
+          <p:cNvSpPr>
+            <a:spLocks noGrp="1"/>
+          </p:cNvSpPr>
+          <p:nvPr>
+            <p:ph type="title"/>
+          </p:nvPr>
+        </p:nvSpPr>
+        <p:spPr>
+          <a:xfrm>
+            <a:off x="1136428" y="627564"/>
+            <a:ext cx="7474172" cy="1325563"/>
+          </a:xfrm>
+        </p:spPr>
+        <p:txBody>
+          <a:bodyPr>
+            <a:normAutofit/>
+          </a:bodyPr>
+          <a:lstStyle/>
+          <a:p>
+            <a:r>
+              <a:rPr lang="en-AU" dirty="0"/>
+              <a:t>Snapshots Flask app</a:t>
+            </a:r>
+          </a:p>
+        </p:txBody>
+      </p:sp>
+      <p:sp>
+        <p:nvSpPr>
+          <p:cNvPr id="3" name="Content Placeholder 2">
+            <a:extLst>
+              <a:ext uri="{FF2B5EF4-FFF2-40B4-BE49-F238E27FC236}">
+                <a16:creationId xmlns:a16="http://schemas.microsoft.com/office/drawing/2014/main" id="{9CA07059-F776-4046-AB19-7DCDA994B402}"/>
+              </a:ext>
+            </a:extLst>
+          </p:cNvPr>
+          <p:cNvSpPr>
+            <a:spLocks noGrp="1"/>
+          </p:cNvSpPr>
+          <p:nvPr>
+            <p:ph idx="1"/>
+          </p:nvPr>
+        </p:nvSpPr>
+        <p:spPr>
+          <a:xfrm>
+            <a:off x="1136428" y="2278173"/>
+            <a:ext cx="7474171" cy="3450613"/>
+          </a:xfrm>
+        </p:spPr>
+        <p:txBody>
+          <a:bodyPr anchor="t">
+            <a:normAutofit/>
+          </a:bodyPr>
+          <a:lstStyle/>
+          <a:p>
+            <a:pPr marL="0" indent="0">
+              <a:buNone/>
+            </a:pPr>
+            <a:r>
+              <a:rPr lang="en-AU" sz="2400" b="1" dirty="0"/>
+              <a:t>Flask app and routes</a:t>
+            </a:r>
+          </a:p>
+          <a:p>
+            <a:pPr marL="0" indent="0">
+              <a:buNone/>
+            </a:pPr>
+            <a:endParaRPr lang="en-AU" sz="2400" dirty="0"/>
+          </a:p>
+          <a:p>
+            <a:pPr marL="0" indent="0">
+              <a:buNone/>
+            </a:pPr>
+            <a:endParaRPr lang="en-AU" sz="2400" dirty="0"/>
+          </a:p>
+          <a:p>
+            <a:pPr marL="0" indent="0">
+              <a:buNone/>
+            </a:pPr>
+            <a:endParaRPr lang="en-AU" sz="2400" dirty="0"/>
+          </a:p>
+          <a:p>
+            <a:pPr marL="0" indent="0">
+              <a:buNone/>
+            </a:pPr>
+            <a:endParaRPr lang="en-AU" sz="2400" dirty="0"/>
+          </a:p>
+          <a:p>
+            <a:pPr marL="0" indent="0">
+              <a:buNone/>
+            </a:pPr>
+            <a:endParaRPr lang="en-AU" sz="2400" dirty="0"/>
+          </a:p>
+          <a:p>
+            <a:pPr marL="0" indent="0">
+              <a:buNone/>
+            </a:pPr>
+            <a:endParaRPr lang="en-AU" sz="2400" dirty="0"/>
+          </a:p>
+          <a:p>
+            <a:pPr marL="0" indent="0">
+              <a:buNone/>
+            </a:pPr>
+            <a:endParaRPr lang="en-AU" sz="2400" dirty="0"/>
+          </a:p>
+          <a:p>
+            <a:pPr marL="0" indent="0">
+              <a:buNone/>
+            </a:pPr>
+            <a:endParaRPr lang="en-AU" sz="2400" dirty="0"/>
+          </a:p>
+        </p:txBody>
+      </p:sp>
+      <p:sp>
+        <p:nvSpPr>
+          <p:cNvPr id="9" name="Rectangle 8">
+            <a:extLst>
+              <a:ext uri="{FF2B5EF4-FFF2-40B4-BE49-F238E27FC236}">
+                <a16:creationId xmlns:a16="http://schemas.microsoft.com/office/drawing/2014/main" id="{59A309A7-1751-4ABE-A3C1-EEC40366AD89}"/>
+              </a:ext>
+              <a:ext uri="{C183D7F6-B498-43B3-948B-1728B52AA6E4}">
+                <adec:decorative xmlns:adec="http://schemas.microsoft.com/office/drawing/2017/decorative" val="1"/>
+              </a:ext>
+            </a:extLst>
+          </p:cNvPr>
+          <p:cNvSpPr>
+            <a:spLocks noGrp="1" noRot="1" noChangeAspect="1" noMove="1" noResize="1" noEditPoints="1" noAdjustHandles="1" noChangeArrowheads="1" noChangeShapeType="1" noTextEdit="1"/>
+          </p:cNvSpPr>
+          <p:nvPr>
+            <p:extLst>
+              <p:ext uri="{386F3935-93C4-4BCD-93E2-E3B085C9AB24}">
+                <p16:designElem xmlns:p16="http://schemas.microsoft.com/office/powerpoint/2015/main" val="1"/>
+              </p:ext>
+            </p:extLst>
+          </p:nvPr>
+        </p:nvSpPr>
+        <p:spPr>
+          <a:xfrm>
+            <a:off x="10088880" y="0"/>
+            <a:ext cx="2103120" cy="6858000"/>
+          </a:xfrm>
+          <a:prstGeom prst="rect">
+            <a:avLst/>
+          </a:prstGeom>
+          <a:solidFill>
+            <a:srgbClr val="524267"/>
+          </a:solidFill>
+          <a:ln>
+            <a:noFill/>
+          </a:ln>
+        </p:spPr>
+        <p:style>
+          <a:lnRef idx="2">
+            <a:schemeClr val="accent1">
+              <a:shade val="50000"/>
+            </a:schemeClr>
+          </a:lnRef>
+          <a:fillRef idx="1">
+            <a:schemeClr val="accent1"/>
+          </a:fillRef>
+          <a:effectRef idx="0">
+            <a:schemeClr val="accent1"/>
+          </a:effectRef>
+          <a:fontRef idx="minor">
+            <a:schemeClr val="lt1"/>
+          </a:fontRef>
+        </p:style>
+        <p:txBody>
+          <a:bodyPr rtlCol="0" anchor="ctr"/>
+          <a:lstStyle/>
+          <a:p>
+            <a:pPr algn="ctr"/>
+            <a:endParaRPr lang="en-US"/>
+          </a:p>
+        </p:txBody>
+      </p:sp>
+      <p:sp>
+        <p:nvSpPr>
+          <p:cNvPr id="11" name="Oval 10">
+            <a:extLst>
+              <a:ext uri="{FF2B5EF4-FFF2-40B4-BE49-F238E27FC236}">
+                <a16:creationId xmlns:a16="http://schemas.microsoft.com/office/drawing/2014/main" id="{967D8EB6-EAE1-4F9C-B398-83321E287204}"/>
+              </a:ext>
+              <a:ext uri="{C183D7F6-B498-43B3-948B-1728B52AA6E4}">
+                <adec:decorative xmlns:adec="http://schemas.microsoft.com/office/drawing/2017/decorative" val="1"/>
+              </a:ext>
+            </a:extLst>
+          </p:cNvPr>
+          <p:cNvSpPr>
+            <a:spLocks noGrp="1" noRot="1" noChangeAspect="1" noMove="1" noResize="1" noEditPoints="1" noAdjustHandles="1" noChangeArrowheads="1" noChangeShapeType="1" noTextEdit="1"/>
+          </p:cNvSpPr>
+          <p:nvPr>
+            <p:extLst>
+              <p:ext uri="{386F3935-93C4-4BCD-93E2-E3B085C9AB24}">
+                <p16:designElem xmlns:p16="http://schemas.microsoft.com/office/powerpoint/2015/main" val="1"/>
+              </p:ext>
+            </p:extLst>
+          </p:nvPr>
+        </p:nvSpPr>
+        <p:spPr>
+          <a:xfrm>
+            <a:off x="8915400" y="2358913"/>
+            <a:ext cx="2140172" cy="2140172"/>
+          </a:xfrm>
+          <a:prstGeom prst="ellipse">
+            <a:avLst/>
+          </a:prstGeom>
+          <a:solidFill>
+            <a:srgbClr val="FFFFFF"/>
+          </a:solidFill>
+          <a:ln w="22225">
+            <a:solidFill>
+              <a:srgbClr val="FEAD2A"/>
+            </a:solidFill>
+          </a:ln>
+        </p:spPr>
+        <p:style>
+          <a:lnRef idx="2">
+            <a:schemeClr val="accent1">
+              <a:shade val="50000"/>
+            </a:schemeClr>
+          </a:lnRef>
+          <a:fillRef idx="1">
+            <a:schemeClr val="accent1"/>
+          </a:fillRef>
+          <a:effectRef idx="0">
+            <a:schemeClr val="accent1"/>
+          </a:effectRef>
+          <a:fontRef idx="minor">
+            <a:schemeClr val="lt1"/>
+          </a:fontRef>
+        </p:style>
+        <p:txBody>
+          <a:bodyPr rtlCol="0" anchor="ctr"/>
+          <a:lstStyle/>
+          <a:p>
+            <a:pPr algn="ctr"/>
+            <a:endParaRPr lang="en-US"/>
+          </a:p>
+        </p:txBody>
+      </p:sp>
+      <p:pic>
+        <p:nvPicPr>
+          <p:cNvPr id="4" name="Picture 3">
+            <a:extLst>
+              <a:ext uri="{FF2B5EF4-FFF2-40B4-BE49-F238E27FC236}">
+                <a16:creationId xmlns:a16="http://schemas.microsoft.com/office/drawing/2014/main" id="{AE3F2B0D-1996-47D3-A8B9-91B93A3C4323}"/>
+              </a:ext>
+            </a:extLst>
+          </p:cNvPr>
+          <p:cNvPicPr>
+            <a:picLocks noChangeAspect="1"/>
+          </p:cNvPicPr>
+          <p:nvPr/>
+        </p:nvPicPr>
+        <p:blipFill rotWithShape="1">
+          <a:blip r:embed="rId2">
+            <a:alphaModFix/>
+          </a:blip>
+          <a:srcRect l="15620" r="9358" b="3"/>
+          <a:stretch/>
+        </p:blipFill>
+        <p:spPr>
+          <a:xfrm>
+            <a:off x="9030743" y="2474254"/>
+            <a:ext cx="1912560" cy="1909489"/>
+          </a:xfrm>
+          <a:custGeom>
+            <a:avLst/>
+            <a:gdLst/>
+            <a:ahLst/>
+            <a:cxnLst/>
+            <a:rect l="l" t="t" r="r" b="b"/>
+            <a:pathLst>
+              <a:path w="6057610" h="6057610">
+                <a:moveTo>
+                  <a:pt x="3028805" y="0"/>
+                </a:moveTo>
+                <a:cubicBezTo>
+                  <a:pt x="4701568" y="0"/>
+                  <a:pt x="6057610" y="1356042"/>
+                  <a:pt x="6057610" y="3028805"/>
+                </a:cubicBezTo>
+                <a:cubicBezTo>
+                  <a:pt x="6057610" y="4701568"/>
+                  <a:pt x="4701568" y="6057610"/>
+                  <a:pt x="3028805" y="6057610"/>
+                </a:cubicBezTo>
+                <a:cubicBezTo>
+                  <a:pt x="1356042" y="6057610"/>
+                  <a:pt x="0" y="4701568"/>
+                  <a:pt x="0" y="3028805"/>
+                </a:cubicBezTo>
+                <a:cubicBezTo>
+                  <a:pt x="0" y="1356042"/>
+                  <a:pt x="1356042" y="0"/>
+                  <a:pt x="3028805" y="0"/>
+                </a:cubicBezTo>
+                <a:close/>
+              </a:path>
+            </a:pathLst>
+          </a:custGeom>
+          <a:effectLst>
+            <a:softEdge rad="0"/>
+          </a:effectLst>
+        </p:spPr>
+      </p:pic>
+      <p:pic>
+        <p:nvPicPr>
+          <p:cNvPr id="8" name="Picture 7">
+            <a:extLst>
+              <a:ext uri="{FF2B5EF4-FFF2-40B4-BE49-F238E27FC236}">
+                <a16:creationId xmlns:a16="http://schemas.microsoft.com/office/drawing/2014/main" id="{130D0451-593C-4396-9480-6524F68DD87B}"/>
+              </a:ext>
+            </a:extLst>
+          </p:cNvPr>
+          <p:cNvPicPr>
+            <a:picLocks noChangeAspect="1"/>
+          </p:cNvPicPr>
+          <p:nvPr/>
+        </p:nvPicPr>
+        <p:blipFill>
+          <a:blip r:embed="rId3"/>
+          <a:stretch>
+            <a:fillRect/>
+          </a:stretch>
+        </p:blipFill>
+        <p:spPr>
+          <a:xfrm>
+            <a:off x="1136428" y="5251082"/>
+            <a:ext cx="7350934" cy="1304272"/>
+          </a:xfrm>
+          <a:prstGeom prst="rect">
+            <a:avLst/>
+          </a:prstGeom>
+        </p:spPr>
+      </p:pic>
+      <p:pic>
+        <p:nvPicPr>
+          <p:cNvPr id="12" name="Picture 11">
+            <a:extLst>
+              <a:ext uri="{FF2B5EF4-FFF2-40B4-BE49-F238E27FC236}">
+                <a16:creationId xmlns:a16="http://schemas.microsoft.com/office/drawing/2014/main" id="{1837204B-A897-4AB3-84C5-580782A0510E}"/>
+              </a:ext>
+            </a:extLst>
+          </p:cNvPr>
+          <p:cNvPicPr>
+            <a:picLocks noChangeAspect="1"/>
+          </p:cNvPicPr>
+          <p:nvPr/>
+        </p:nvPicPr>
+        <p:blipFill>
+          <a:blip r:embed="rId4"/>
+          <a:stretch>
+            <a:fillRect/>
+          </a:stretch>
+        </p:blipFill>
+        <p:spPr>
+          <a:xfrm>
+            <a:off x="1136428" y="2994588"/>
+            <a:ext cx="3550953" cy="1389155"/>
+          </a:xfrm>
+          <a:prstGeom prst="rect">
+            <a:avLst/>
+          </a:prstGeom>
+        </p:spPr>
+      </p:pic>
+      <p:pic>
+        <p:nvPicPr>
+          <p:cNvPr id="14" name="Picture 13">
+            <a:extLst>
+              <a:ext uri="{FF2B5EF4-FFF2-40B4-BE49-F238E27FC236}">
+                <a16:creationId xmlns:a16="http://schemas.microsoft.com/office/drawing/2014/main" id="{697D7686-CDFB-4F1D-ACB9-28D39B0CB55F}"/>
+              </a:ext>
+            </a:extLst>
+          </p:cNvPr>
+          <p:cNvPicPr>
+            <a:picLocks noChangeAspect="1"/>
+          </p:cNvPicPr>
+          <p:nvPr/>
+        </p:nvPicPr>
+        <p:blipFill>
+          <a:blip r:embed="rId5"/>
+          <a:stretch>
+            <a:fillRect/>
+          </a:stretch>
+        </p:blipFill>
+        <p:spPr>
+          <a:xfrm>
+            <a:off x="4992182" y="2994588"/>
+            <a:ext cx="3495180" cy="2080884"/>
+          </a:xfrm>
+          <a:prstGeom prst="rect">
+            <a:avLst/>
+          </a:prstGeom>
+        </p:spPr>
+      </p:pic>
+    </p:spTree>
+    <p:extLst>
+      <p:ext uri="{BB962C8B-B14F-4D97-AF65-F5344CB8AC3E}">
+        <p14:creationId xmlns:p14="http://schemas.microsoft.com/office/powerpoint/2010/main" val="3936000936"/>
+      </p:ext>
+    </p:extLst>
+  </p:cSld>
+  <p:clrMapOvr>
+    <a:masterClrMapping/>
+  </p:clrMapOvr>
+  <p:timing>
+    <p:tnLst>
+      <p:par>
+        <p:cTn id="1" dur="indefinite" restart="never" nodeType="tmRoot">
+          <p:childTnLst>
+            <p:seq concurrent="1" nextAc="seek">
+              <p:cTn id="2" dur="indefinite" nodeType="mainSeq">
+                <p:childTnLst>
+                  <p:par>
+                    <p:cTn id="3" fill="hold">
+                      <p:stCondLst>
+                        <p:cond delay="indefinite"/>
+                        <p:cond evt="onBegin" delay="0">
+                          <p:tn val="2"/>
+                        </p:cond>
+                      </p:stCondLst>
+                      <p:childTnLst>
+                        <p:par>
+                          <p:cTn id="4" fill="hold">
+                            <p:stCondLst>
+                              <p:cond delay="0"/>
+                            </p:stCondLst>
+                            <p:childTnLst>
+                              <p:par>
+                                <p:cTn id="5" presetID="10" presetClass="entr" presetSubtype="0" fill="hold" nodeType="withEffect">
+                                  <p:stCondLst>
+                                    <p:cond delay="0"/>
+                                  </p:stCondLst>
+                                  <p:iterate>
+                                    <p:tmPct val="10000"/>
+                                  </p:iterate>
+                                  <p:childTnLst>
+                                    <p:set>
+                                      <p:cBhvr>
+                                        <p:cTn id="6" dur="1" fill="hold">
+                                          <p:stCondLst>
+                                            <p:cond delay="0"/>
+                                          </p:stCondLst>
+                                        </p:cTn>
+                                        <p:tgtEl>
+                                          <p:spTgt spid="4"/>
+                                        </p:tgtEl>
+                                        <p:attrNameLst>
+                                          <p:attrName>style.visibility</p:attrName>
+                                        </p:attrNameLst>
+                                      </p:cBhvr>
+                                      <p:to>
+                                        <p:strVal val="visible"/>
+                                      </p:to>
+                                    </p:set>
+                                    <p:animEffect transition="in" filter="fade">
+                                      <p:cBhvr>
+                                        <p:cTn id="7" dur="700"/>
+                                        <p:tgtEl>
+                                          <p:spTgt spid="4"/>
+                                        </p:tgtEl>
+                                      </p:cBhvr>
+                                    </p:animEffect>
+                                  </p:childTnLst>
+                                </p:cTn>
+                              </p:par>
+                              <p:par>
+                                <p:cTn id="8" presetID="10" presetClass="entr" presetSubtype="0" fill="hold" grpId="0" nodeType="withEffect">
+                                  <p:stCondLst>
+                                    <p:cond delay="1000"/>
+                                  </p:stCondLst>
+                                  <p:iterate type="lt">
+                                    <p:tmPct val="10000"/>
+                                  </p:iterate>
+                                  <p:childTnLst>
+                                    <p:set>
+                                      <p:cBhvr>
+                                        <p:cTn id="9" dur="1" fill="hold">
+                                          <p:stCondLst>
+                                            <p:cond delay="0"/>
+                                          </p:stCondLst>
+                                        </p:cTn>
+                                        <p:tgtEl>
+                                          <p:spTgt spid="2"/>
+                                        </p:tgtEl>
+                                        <p:attrNameLst>
+                                          <p:attrName>style.visibility</p:attrName>
+                                        </p:attrNameLst>
+                                      </p:cBhvr>
+                                      <p:to>
+                                        <p:strVal val="visible"/>
+                                      </p:to>
+                                    </p:set>
+                                    <p:animEffect transition="in" filter="fade">
+                                      <p:cBhvr>
+                                        <p:cTn id="10" dur="400"/>
+                                        <p:tgtEl>
+                                          <p:spTgt spid="2"/>
+                                        </p:tgtEl>
+                                      </p:cBhvr>
+                                    </p:animEffect>
+                                  </p:childTnLst>
+                                </p:cTn>
+                              </p:par>
+                            </p:childTnLst>
+                          </p:cTn>
+                        </p:par>
+                      </p:childTnLst>
+                    </p:cTn>
+                  </p:par>
+                </p:childTnLst>
+              </p:cTn>
+              <p:prevCondLst>
+                <p:cond evt="onPrev" delay="0">
+                  <p:tgtEl>
+                    <p:sldTgt/>
+                  </p:tgtEl>
+                </p:cond>
+              </p:prevCondLst>
+              <p:nextCondLst>
+                <p:cond evt="onNext" delay="0">
+                  <p:tgtEl>
+                    <p:sldTgt/>
+                  </p:tgtEl>
+                </p:cond>
+              </p:nextCondLst>
+            </p:seq>
+          </p:childTnLst>
+        </p:cTn>
+      </p:par>
+    </p:tnLst>
+    <p:bldLst>
+      <p:bldP spid="2" grpId="0"/>
+    </p:bldLst>
+  </p:timing>
+</p:sld>
+</file>
+
+<file path=ppt/slides/slide14.xml><?xml version="1.0" encoding="utf-8"?>
+<p:sld xmlns:a="http://schemas.openxmlformats.org/drawingml/2006/main" xmlns:r="http://schemas.openxmlformats.org/officeDocument/2006/relationships" xmlns:p="http://schemas.openxmlformats.org/presentationml/2006/main">
+  <p:cSld>
+    <p:spTree>
+      <p:nvGrpSpPr>
+        <p:cNvPr id="1" name=""/>
+        <p:cNvGrpSpPr/>
+        <p:nvPr/>
+      </p:nvGrpSpPr>
+      <p:grpSpPr>
+        <a:xfrm>
+          <a:off x="0" y="0"/>
+          <a:ext cx="0" cy="0"/>
+          <a:chOff x="0" y="0"/>
+          <a:chExt cx="0" cy="0"/>
+        </a:xfrm>
+      </p:grpSpPr>
+      <p:sp>
+        <p:nvSpPr>
+          <p:cNvPr id="2" name="Title 1">
+            <a:extLst>
+              <a:ext uri="{FF2B5EF4-FFF2-40B4-BE49-F238E27FC236}">
+                <a16:creationId xmlns:a16="http://schemas.microsoft.com/office/drawing/2014/main" id="{B74D29E5-E187-47E1-BA72-A1F6CA4BA70E}"/>
+              </a:ext>
+            </a:extLst>
+          </p:cNvPr>
+          <p:cNvSpPr>
+            <a:spLocks noGrp="1"/>
+          </p:cNvSpPr>
+          <p:nvPr>
+            <p:ph type="title"/>
+          </p:nvPr>
+        </p:nvSpPr>
+        <p:spPr>
+          <a:xfrm>
+            <a:off x="1136428" y="627564"/>
+            <a:ext cx="7474172" cy="1325563"/>
+          </a:xfrm>
+        </p:spPr>
+        <p:txBody>
+          <a:bodyPr>
+            <a:normAutofit/>
+          </a:bodyPr>
+          <a:lstStyle/>
+          <a:p>
+            <a:r>
+              <a:rPr lang="en-AU" dirty="0"/>
+              <a:t>Snapshots code visualisations</a:t>
+            </a:r>
+          </a:p>
+        </p:txBody>
+      </p:sp>
+      <p:sp>
+        <p:nvSpPr>
+          <p:cNvPr id="3" name="Content Placeholder 2">
+            <a:extLst>
+              <a:ext uri="{FF2B5EF4-FFF2-40B4-BE49-F238E27FC236}">
+                <a16:creationId xmlns:a16="http://schemas.microsoft.com/office/drawing/2014/main" id="{9CA07059-F776-4046-AB19-7DCDA994B402}"/>
+              </a:ext>
+            </a:extLst>
+          </p:cNvPr>
+          <p:cNvSpPr>
+            <a:spLocks noGrp="1"/>
+          </p:cNvSpPr>
+          <p:nvPr>
+            <p:ph idx="1"/>
+          </p:nvPr>
+        </p:nvSpPr>
+        <p:spPr>
+          <a:xfrm>
+            <a:off x="1136428" y="2278173"/>
+            <a:ext cx="7474171" cy="3450613"/>
+          </a:xfrm>
+        </p:spPr>
+        <p:txBody>
+          <a:bodyPr anchor="t">
+            <a:normAutofit/>
+          </a:bodyPr>
+          <a:lstStyle/>
+          <a:p>
+            <a:pPr marL="0" indent="0">
+              <a:buNone/>
+            </a:pPr>
+            <a:r>
+              <a:rPr lang="en-AU" sz="2400" b="1" dirty="0"/>
+              <a:t>Bubble chart</a:t>
+            </a:r>
+          </a:p>
+          <a:p>
+            <a:pPr marL="0" indent="0">
+              <a:buNone/>
+            </a:pPr>
+            <a:endParaRPr lang="en-AU" sz="2400" dirty="0"/>
+          </a:p>
+          <a:p>
+            <a:pPr marL="0" indent="0">
+              <a:buNone/>
+            </a:pPr>
+            <a:endParaRPr lang="en-AU" sz="2400" dirty="0"/>
+          </a:p>
+        </p:txBody>
+      </p:sp>
+      <p:sp>
+        <p:nvSpPr>
+          <p:cNvPr id="9" name="Rectangle 8">
+            <a:extLst>
+              <a:ext uri="{FF2B5EF4-FFF2-40B4-BE49-F238E27FC236}">
+                <a16:creationId xmlns:a16="http://schemas.microsoft.com/office/drawing/2014/main" id="{59A309A7-1751-4ABE-A3C1-EEC40366AD89}"/>
+              </a:ext>
+              <a:ext uri="{C183D7F6-B498-43B3-948B-1728B52AA6E4}">
+                <adec:decorative xmlns:adec="http://schemas.microsoft.com/office/drawing/2017/decorative" val="1"/>
+              </a:ext>
+            </a:extLst>
+          </p:cNvPr>
+          <p:cNvSpPr>
+            <a:spLocks noGrp="1" noRot="1" noChangeAspect="1" noMove="1" noResize="1" noEditPoints="1" noAdjustHandles="1" noChangeArrowheads="1" noChangeShapeType="1" noTextEdit="1"/>
+          </p:cNvSpPr>
+          <p:nvPr>
+            <p:extLst>
+              <p:ext uri="{386F3935-93C4-4BCD-93E2-E3B085C9AB24}">
+                <p16:designElem xmlns:p16="http://schemas.microsoft.com/office/powerpoint/2015/main" val="1"/>
+              </p:ext>
+            </p:extLst>
+          </p:nvPr>
+        </p:nvSpPr>
+        <p:spPr>
+          <a:xfrm>
+            <a:off x="10088880" y="0"/>
+            <a:ext cx="2103120" cy="6858000"/>
+          </a:xfrm>
+          <a:prstGeom prst="rect">
+            <a:avLst/>
+          </a:prstGeom>
+          <a:solidFill>
+            <a:srgbClr val="524267"/>
+          </a:solidFill>
+          <a:ln>
+            <a:noFill/>
+          </a:ln>
+        </p:spPr>
+        <p:style>
+          <a:lnRef idx="2">
+            <a:schemeClr val="accent1">
+              <a:shade val="50000"/>
+            </a:schemeClr>
+          </a:lnRef>
+          <a:fillRef idx="1">
+            <a:schemeClr val="accent1"/>
+          </a:fillRef>
+          <a:effectRef idx="0">
+            <a:schemeClr val="accent1"/>
+          </a:effectRef>
+          <a:fontRef idx="minor">
+            <a:schemeClr val="lt1"/>
+          </a:fontRef>
+        </p:style>
+        <p:txBody>
+          <a:bodyPr rtlCol="0" anchor="ctr"/>
+          <a:lstStyle/>
+          <a:p>
+            <a:pPr algn="ctr"/>
+            <a:endParaRPr lang="en-US"/>
+          </a:p>
+        </p:txBody>
+      </p:sp>
+      <p:sp>
+        <p:nvSpPr>
+          <p:cNvPr id="11" name="Oval 10">
+            <a:extLst>
+              <a:ext uri="{FF2B5EF4-FFF2-40B4-BE49-F238E27FC236}">
+                <a16:creationId xmlns:a16="http://schemas.microsoft.com/office/drawing/2014/main" id="{967D8EB6-EAE1-4F9C-B398-83321E287204}"/>
+              </a:ext>
+              <a:ext uri="{C183D7F6-B498-43B3-948B-1728B52AA6E4}">
+                <adec:decorative xmlns:adec="http://schemas.microsoft.com/office/drawing/2017/decorative" val="1"/>
+              </a:ext>
+            </a:extLst>
+          </p:cNvPr>
+          <p:cNvSpPr>
+            <a:spLocks noGrp="1" noRot="1" noChangeAspect="1" noMove="1" noResize="1" noEditPoints="1" noAdjustHandles="1" noChangeArrowheads="1" noChangeShapeType="1" noTextEdit="1"/>
+          </p:cNvSpPr>
+          <p:nvPr>
+            <p:extLst>
+              <p:ext uri="{386F3935-93C4-4BCD-93E2-E3B085C9AB24}">
+                <p16:designElem xmlns:p16="http://schemas.microsoft.com/office/powerpoint/2015/main" val="1"/>
+              </p:ext>
+            </p:extLst>
+          </p:nvPr>
+        </p:nvSpPr>
+        <p:spPr>
+          <a:xfrm>
+            <a:off x="8915400" y="2358913"/>
+            <a:ext cx="2140172" cy="2140172"/>
+          </a:xfrm>
+          <a:prstGeom prst="ellipse">
+            <a:avLst/>
+          </a:prstGeom>
+          <a:solidFill>
+            <a:srgbClr val="FFFFFF"/>
+          </a:solidFill>
+          <a:ln w="22225">
+            <a:solidFill>
+              <a:srgbClr val="FEAD2A"/>
+            </a:solidFill>
+          </a:ln>
+        </p:spPr>
+        <p:style>
+          <a:lnRef idx="2">
+            <a:schemeClr val="accent1">
+              <a:shade val="50000"/>
+            </a:schemeClr>
+          </a:lnRef>
+          <a:fillRef idx="1">
+            <a:schemeClr val="accent1"/>
+          </a:fillRef>
+          <a:effectRef idx="0">
+            <a:schemeClr val="accent1"/>
+          </a:effectRef>
+          <a:fontRef idx="minor">
+            <a:schemeClr val="lt1"/>
+          </a:fontRef>
+        </p:style>
+        <p:txBody>
+          <a:bodyPr rtlCol="0" anchor="ctr"/>
+          <a:lstStyle/>
+          <a:p>
+            <a:pPr algn="ctr"/>
+            <a:endParaRPr lang="en-US"/>
+          </a:p>
+        </p:txBody>
+      </p:sp>
+      <p:pic>
+        <p:nvPicPr>
+          <p:cNvPr id="4" name="Picture 3">
+            <a:extLst>
+              <a:ext uri="{FF2B5EF4-FFF2-40B4-BE49-F238E27FC236}">
+                <a16:creationId xmlns:a16="http://schemas.microsoft.com/office/drawing/2014/main" id="{AE3F2B0D-1996-47D3-A8B9-91B93A3C4323}"/>
+              </a:ext>
+            </a:extLst>
+          </p:cNvPr>
+          <p:cNvPicPr>
+            <a:picLocks noChangeAspect="1"/>
+          </p:cNvPicPr>
+          <p:nvPr/>
+        </p:nvPicPr>
+        <p:blipFill rotWithShape="1">
+          <a:blip r:embed="rId2">
+            <a:alphaModFix/>
+          </a:blip>
+          <a:srcRect l="15620" r="9358" b="3"/>
+          <a:stretch/>
+        </p:blipFill>
+        <p:spPr>
+          <a:xfrm>
+            <a:off x="9030743" y="2474254"/>
+            <a:ext cx="1912560" cy="1909489"/>
+          </a:xfrm>
+          <a:custGeom>
+            <a:avLst/>
+            <a:gdLst/>
+            <a:ahLst/>
+            <a:cxnLst/>
+            <a:rect l="l" t="t" r="r" b="b"/>
+            <a:pathLst>
+              <a:path w="6057610" h="6057610">
+                <a:moveTo>
+                  <a:pt x="3028805" y="0"/>
+                </a:moveTo>
+                <a:cubicBezTo>
+                  <a:pt x="4701568" y="0"/>
+                  <a:pt x="6057610" y="1356042"/>
+                  <a:pt x="6057610" y="3028805"/>
+                </a:cubicBezTo>
+                <a:cubicBezTo>
+                  <a:pt x="6057610" y="4701568"/>
+                  <a:pt x="4701568" y="6057610"/>
+                  <a:pt x="3028805" y="6057610"/>
+                </a:cubicBezTo>
+                <a:cubicBezTo>
+                  <a:pt x="1356042" y="6057610"/>
+                  <a:pt x="0" y="4701568"/>
+                  <a:pt x="0" y="3028805"/>
+                </a:cubicBezTo>
+                <a:cubicBezTo>
+                  <a:pt x="0" y="1356042"/>
+                  <a:pt x="1356042" y="0"/>
+                  <a:pt x="3028805" y="0"/>
+                </a:cubicBezTo>
+                <a:close/>
+              </a:path>
+            </a:pathLst>
+          </a:custGeom>
+          <a:effectLst>
+            <a:softEdge rad="0"/>
+          </a:effectLst>
+        </p:spPr>
+      </p:pic>
+      <p:pic>
+        <p:nvPicPr>
+          <p:cNvPr id="10" name="Content Placeholder 4">
+            <a:extLst>
+              <a:ext uri="{FF2B5EF4-FFF2-40B4-BE49-F238E27FC236}">
+                <a16:creationId xmlns:a16="http://schemas.microsoft.com/office/drawing/2014/main" id="{DA7057D3-10A7-48FD-8D1D-C4FB9AFCBBBC}"/>
+              </a:ext>
+            </a:extLst>
+          </p:cNvPr>
+          <p:cNvPicPr>
+            <a:picLocks noChangeAspect="1"/>
+          </p:cNvPicPr>
+          <p:nvPr/>
+        </p:nvPicPr>
+        <p:blipFill>
+          <a:blip r:embed="rId3"/>
+          <a:stretch>
+            <a:fillRect/>
+          </a:stretch>
+        </p:blipFill>
+        <p:spPr>
+          <a:xfrm>
+            <a:off x="1136428" y="2838610"/>
+            <a:ext cx="3486373" cy="2890176"/>
+          </a:xfrm>
+          <a:prstGeom prst="rect">
+            <a:avLst/>
+          </a:prstGeom>
+        </p:spPr>
+      </p:pic>
+      <p:pic>
+        <p:nvPicPr>
+          <p:cNvPr id="6" name="Picture 5">
+            <a:extLst>
+              <a:ext uri="{FF2B5EF4-FFF2-40B4-BE49-F238E27FC236}">
+                <a16:creationId xmlns:a16="http://schemas.microsoft.com/office/drawing/2014/main" id="{595D6E61-3B52-4ED1-B8BF-8C7B205B7256}"/>
+              </a:ext>
+            </a:extLst>
+          </p:cNvPr>
+          <p:cNvPicPr>
+            <a:picLocks noChangeAspect="1"/>
+          </p:cNvPicPr>
+          <p:nvPr/>
+        </p:nvPicPr>
+        <p:blipFill>
+          <a:blip r:embed="rId4"/>
+          <a:stretch>
+            <a:fillRect/>
+          </a:stretch>
+        </p:blipFill>
+        <p:spPr>
+          <a:xfrm>
+            <a:off x="4927602" y="2838610"/>
+            <a:ext cx="2483109" cy="2890176"/>
+          </a:xfrm>
+          <a:prstGeom prst="rect">
+            <a:avLst/>
+          </a:prstGeom>
+        </p:spPr>
+      </p:pic>
+    </p:spTree>
+    <p:extLst>
+      <p:ext uri="{BB962C8B-B14F-4D97-AF65-F5344CB8AC3E}">
+        <p14:creationId xmlns:p14="http://schemas.microsoft.com/office/powerpoint/2010/main" val="1934387114"/>
+      </p:ext>
+    </p:extLst>
+  </p:cSld>
+  <p:clrMapOvr>
+    <a:masterClrMapping/>
+  </p:clrMapOvr>
+  <p:timing>
+    <p:tnLst>
+      <p:par>
+        <p:cTn id="1" dur="indefinite" restart="never" nodeType="tmRoot">
+          <p:childTnLst>
+            <p:seq concurrent="1" nextAc="seek">
+              <p:cTn id="2" dur="indefinite" nodeType="mainSeq">
+                <p:childTnLst>
+                  <p:par>
+                    <p:cTn id="3" fill="hold">
+                      <p:stCondLst>
+                        <p:cond delay="indefinite"/>
+                        <p:cond evt="onBegin" delay="0">
+                          <p:tn val="2"/>
+                        </p:cond>
+                      </p:stCondLst>
+                      <p:childTnLst>
+                        <p:par>
+                          <p:cTn id="4" fill="hold">
+                            <p:stCondLst>
+                              <p:cond delay="0"/>
+                            </p:stCondLst>
+                            <p:childTnLst>
+                              <p:par>
+                                <p:cTn id="5" presetID="10" presetClass="entr" presetSubtype="0" fill="hold" nodeType="withEffect">
+                                  <p:stCondLst>
+                                    <p:cond delay="0"/>
+                                  </p:stCondLst>
+                                  <p:iterate>
+                                    <p:tmPct val="10000"/>
+                                  </p:iterate>
+                                  <p:childTnLst>
+                                    <p:set>
+                                      <p:cBhvr>
+                                        <p:cTn id="6" dur="1" fill="hold">
+                                          <p:stCondLst>
+                                            <p:cond delay="0"/>
+                                          </p:stCondLst>
+                                        </p:cTn>
+                                        <p:tgtEl>
+                                          <p:spTgt spid="4"/>
+                                        </p:tgtEl>
+                                        <p:attrNameLst>
+                                          <p:attrName>style.visibility</p:attrName>
+                                        </p:attrNameLst>
+                                      </p:cBhvr>
+                                      <p:to>
+                                        <p:strVal val="visible"/>
+                                      </p:to>
+                                    </p:set>
+                                    <p:animEffect transition="in" filter="fade">
+                                      <p:cBhvr>
+                                        <p:cTn id="7" dur="700"/>
+                                        <p:tgtEl>
+                                          <p:spTgt spid="4"/>
+                                        </p:tgtEl>
+                                      </p:cBhvr>
+                                    </p:animEffect>
+                                  </p:childTnLst>
+                                </p:cTn>
+                              </p:par>
+                              <p:par>
+                                <p:cTn id="8" presetID="10" presetClass="entr" presetSubtype="0" fill="hold" grpId="0" nodeType="withEffect">
+                                  <p:stCondLst>
+                                    <p:cond delay="1000"/>
+                                  </p:stCondLst>
+                                  <p:iterate type="lt">
+                                    <p:tmPct val="10000"/>
+                                  </p:iterate>
+                                  <p:childTnLst>
+                                    <p:set>
+                                      <p:cBhvr>
+                                        <p:cTn id="9" dur="1" fill="hold">
+                                          <p:stCondLst>
+                                            <p:cond delay="0"/>
+                                          </p:stCondLst>
+                                        </p:cTn>
+                                        <p:tgtEl>
+                                          <p:spTgt spid="2"/>
+                                        </p:tgtEl>
+                                        <p:attrNameLst>
+                                          <p:attrName>style.visibility</p:attrName>
+                                        </p:attrNameLst>
+                                      </p:cBhvr>
+                                      <p:to>
+                                        <p:strVal val="visible"/>
+                                      </p:to>
+                                    </p:set>
+                                    <p:animEffect transition="in" filter="fade">
+                                      <p:cBhvr>
+                                        <p:cTn id="10" dur="400"/>
+                                        <p:tgtEl>
+                                          <p:spTgt spid="2"/>
+                                        </p:tgtEl>
+                                      </p:cBhvr>
+                                    </p:animEffect>
+                                  </p:childTnLst>
+                                </p:cTn>
+                              </p:par>
+                            </p:childTnLst>
+                          </p:cTn>
+                        </p:par>
+                      </p:childTnLst>
+                    </p:cTn>
+                  </p:par>
+                </p:childTnLst>
+              </p:cTn>
+              <p:prevCondLst>
+                <p:cond evt="onPrev" delay="0">
+                  <p:tgtEl>
+                    <p:sldTgt/>
+                  </p:tgtEl>
+                </p:cond>
+              </p:prevCondLst>
+              <p:nextCondLst>
+                <p:cond evt="onNext" delay="0">
+                  <p:tgtEl>
+                    <p:sldTgt/>
+                  </p:tgtEl>
+                </p:cond>
+              </p:nextCondLst>
+            </p:seq>
+          </p:childTnLst>
+        </p:cTn>
+      </p:par>
+    </p:tnLst>
+    <p:bldLst>
+      <p:bldP spid="2" grpId="0"/>
+    </p:bldLst>
+  </p:timing>
+</p:sld>
+</file>
+
+<file path=ppt/slides/slide15.xml><?xml version="1.0" encoding="utf-8"?>
+<p:sld xmlns:a="http://schemas.openxmlformats.org/drawingml/2006/main" xmlns:r="http://schemas.openxmlformats.org/officeDocument/2006/relationships" xmlns:p="http://schemas.openxmlformats.org/presentationml/2006/main">
+  <p:cSld>
+    <p:spTree>
+      <p:nvGrpSpPr>
+        <p:cNvPr id="1" name=""/>
+        <p:cNvGrpSpPr/>
+        <p:nvPr/>
+      </p:nvGrpSpPr>
+      <p:grpSpPr>
+        <a:xfrm>
+          <a:off x="0" y="0"/>
+          <a:ext cx="0" cy="0"/>
+          <a:chOff x="0" y="0"/>
+          <a:chExt cx="0" cy="0"/>
+        </a:xfrm>
+      </p:grpSpPr>
+      <p:sp>
+        <p:nvSpPr>
+          <p:cNvPr id="2" name="Title 1">
+            <a:extLst>
+              <a:ext uri="{FF2B5EF4-FFF2-40B4-BE49-F238E27FC236}">
+                <a16:creationId xmlns:a16="http://schemas.microsoft.com/office/drawing/2014/main" id="{FC7C3386-4B94-47B0-96C9-B893A4DF5476}"/>
+              </a:ext>
+            </a:extLst>
+          </p:cNvPr>
+          <p:cNvSpPr>
+            <a:spLocks noGrp="1"/>
+          </p:cNvSpPr>
+          <p:nvPr>
+            <p:ph type="title"/>
+          </p:nvPr>
+        </p:nvSpPr>
+        <p:spPr>
+          <a:xfrm>
+            <a:off x="1136428" y="627564"/>
+            <a:ext cx="7474172" cy="1325563"/>
+          </a:xfrm>
+        </p:spPr>
+        <p:txBody>
+          <a:bodyPr>
+            <a:normAutofit/>
+          </a:bodyPr>
+          <a:lstStyle/>
+          <a:p>
+            <a:r>
+              <a:rPr lang="en-AU" dirty="0"/>
+              <a:t>Snapshots visualisations</a:t>
+            </a:r>
+            <a:br>
+              <a:rPr lang="en-AU" dirty="0"/>
+            </a:br>
+            <a:endParaRPr lang="en-AU" dirty="0"/>
+          </a:p>
+        </p:txBody>
+      </p:sp>
+      <p:sp>
+        <p:nvSpPr>
+          <p:cNvPr id="3" name="Content Placeholder 2">
+            <a:extLst>
+              <a:ext uri="{FF2B5EF4-FFF2-40B4-BE49-F238E27FC236}">
+                <a16:creationId xmlns:a16="http://schemas.microsoft.com/office/drawing/2014/main" id="{781A5B15-8A90-4059-9825-8DA6A0674BB9}"/>
+              </a:ext>
+            </a:extLst>
+          </p:cNvPr>
+          <p:cNvSpPr>
+            <a:spLocks noGrp="1"/>
+          </p:cNvSpPr>
+          <p:nvPr>
+            <p:ph idx="1"/>
+          </p:nvPr>
+        </p:nvSpPr>
+        <p:spPr>
+          <a:xfrm>
+            <a:off x="1136429" y="2278173"/>
+            <a:ext cx="6467867" cy="4285187"/>
+          </a:xfrm>
+        </p:spPr>
+        <p:txBody>
+          <a:bodyPr anchor="t">
+            <a:normAutofit/>
+          </a:bodyPr>
+          <a:lstStyle/>
+          <a:p>
+            <a:endParaRPr lang="en-AU" sz="2400" dirty="0"/>
+          </a:p>
+          <a:p>
+            <a:endParaRPr lang="en-AU" sz="2400" dirty="0"/>
+          </a:p>
+          <a:p>
+            <a:endParaRPr lang="en-AU" sz="2400" dirty="0"/>
+          </a:p>
+          <a:p>
+            <a:endParaRPr lang="en-AU" sz="2400" dirty="0"/>
+          </a:p>
+          <a:p>
+            <a:endParaRPr lang="en-AU" sz="2400" dirty="0"/>
+          </a:p>
+          <a:p>
+            <a:endParaRPr lang="en-AU" sz="2400" dirty="0"/>
+          </a:p>
+          <a:p>
+            <a:endParaRPr lang="en-AU" sz="2400" dirty="0"/>
+          </a:p>
+          <a:p>
+            <a:endParaRPr lang="en-AU" sz="2400" dirty="0"/>
+          </a:p>
+          <a:p>
+            <a:endParaRPr lang="en-AU" sz="2400" dirty="0"/>
+          </a:p>
+          <a:p>
+            <a:endParaRPr lang="en-AU" sz="2400" dirty="0"/>
+          </a:p>
+        </p:txBody>
+      </p:sp>
+      <p:sp>
+        <p:nvSpPr>
+          <p:cNvPr id="19" name="Rectangle 18">
+            <a:extLst>
+              <a:ext uri="{FF2B5EF4-FFF2-40B4-BE49-F238E27FC236}">
+                <a16:creationId xmlns:a16="http://schemas.microsoft.com/office/drawing/2014/main" id="{59A309A7-1751-4ABE-A3C1-EEC40366AD89}"/>
+              </a:ext>
+              <a:ext uri="{C183D7F6-B498-43B3-948B-1728B52AA6E4}">
+                <adec:decorative xmlns:adec="http://schemas.microsoft.com/office/drawing/2017/decorative" val="1"/>
+              </a:ext>
+            </a:extLst>
+          </p:cNvPr>
+          <p:cNvSpPr>
+            <a:spLocks noGrp="1" noRot="1" noChangeAspect="1" noMove="1" noResize="1" noEditPoints="1" noAdjustHandles="1" noChangeArrowheads="1" noChangeShapeType="1" noTextEdit="1"/>
+          </p:cNvSpPr>
+          <p:nvPr>
+            <p:extLst>
+              <p:ext uri="{386F3935-93C4-4BCD-93E2-E3B085C9AB24}">
+                <p16:designElem xmlns:p16="http://schemas.microsoft.com/office/powerpoint/2015/main" val="1"/>
+              </p:ext>
+            </p:extLst>
+          </p:nvPr>
+        </p:nvSpPr>
+        <p:spPr>
+          <a:xfrm>
+            <a:off x="10088880" y="0"/>
+            <a:ext cx="2103120" cy="6858000"/>
+          </a:xfrm>
+          <a:prstGeom prst="rect">
+            <a:avLst/>
+          </a:prstGeom>
+          <a:solidFill>
+            <a:srgbClr val="524267"/>
+          </a:solidFill>
+          <a:ln>
+            <a:noFill/>
+          </a:ln>
+        </p:spPr>
+        <p:style>
+          <a:lnRef idx="2">
+            <a:schemeClr val="accent1">
+              <a:shade val="50000"/>
+            </a:schemeClr>
+          </a:lnRef>
+          <a:fillRef idx="1">
+            <a:schemeClr val="accent1"/>
+          </a:fillRef>
+          <a:effectRef idx="0">
+            <a:schemeClr val="accent1"/>
+          </a:effectRef>
+          <a:fontRef idx="minor">
+            <a:schemeClr val="lt1"/>
+          </a:fontRef>
+        </p:style>
+        <p:txBody>
+          <a:bodyPr rtlCol="0" anchor="ctr"/>
+          <a:lstStyle/>
+          <a:p>
+            <a:pPr algn="ctr"/>
+            <a:endParaRPr lang="en-US"/>
+          </a:p>
+        </p:txBody>
+      </p:sp>
+      <p:sp>
+        <p:nvSpPr>
+          <p:cNvPr id="21" name="Oval 20">
+            <a:extLst>
+              <a:ext uri="{FF2B5EF4-FFF2-40B4-BE49-F238E27FC236}">
+                <a16:creationId xmlns:a16="http://schemas.microsoft.com/office/drawing/2014/main" id="{967D8EB6-EAE1-4F9C-B398-83321E287204}"/>
+              </a:ext>
+              <a:ext uri="{C183D7F6-B498-43B3-948B-1728B52AA6E4}">
+                <adec:decorative xmlns:adec="http://schemas.microsoft.com/office/drawing/2017/decorative" val="1"/>
+              </a:ext>
+            </a:extLst>
+          </p:cNvPr>
+          <p:cNvSpPr>
+            <a:spLocks noGrp="1" noRot="1" noChangeAspect="1" noMove="1" noResize="1" noEditPoints="1" noAdjustHandles="1" noChangeArrowheads="1" noChangeShapeType="1" noTextEdit="1"/>
+          </p:cNvSpPr>
+          <p:nvPr>
+            <p:extLst>
+              <p:ext uri="{386F3935-93C4-4BCD-93E2-E3B085C9AB24}">
+                <p16:designElem xmlns:p16="http://schemas.microsoft.com/office/powerpoint/2015/main" val="1"/>
+              </p:ext>
+            </p:extLst>
+          </p:nvPr>
+        </p:nvSpPr>
+        <p:spPr>
+          <a:xfrm>
+            <a:off x="8915400" y="2358913"/>
+            <a:ext cx="2140172" cy="2140172"/>
+          </a:xfrm>
+          <a:prstGeom prst="ellipse">
+            <a:avLst/>
+          </a:prstGeom>
+          <a:solidFill>
+            <a:srgbClr val="FFFFFF"/>
+          </a:solidFill>
+          <a:ln w="22225">
+            <a:solidFill>
+              <a:srgbClr val="FEAD2A"/>
+            </a:solidFill>
+          </a:ln>
+        </p:spPr>
+        <p:style>
+          <a:lnRef idx="2">
+            <a:schemeClr val="accent1">
+              <a:shade val="50000"/>
+            </a:schemeClr>
+          </a:lnRef>
+          <a:fillRef idx="1">
+            <a:schemeClr val="accent1"/>
+          </a:fillRef>
+          <a:effectRef idx="0">
+            <a:schemeClr val="accent1"/>
+          </a:effectRef>
+          <a:fontRef idx="minor">
+            <a:schemeClr val="lt1"/>
+          </a:fontRef>
+        </p:style>
+        <p:txBody>
+          <a:bodyPr rtlCol="0" anchor="ctr"/>
+          <a:lstStyle/>
+          <a:p>
+            <a:pPr algn="ctr"/>
+            <a:endParaRPr lang="en-US"/>
+          </a:p>
+        </p:txBody>
+      </p:sp>
+      <p:pic>
+        <p:nvPicPr>
+          <p:cNvPr id="4" name="Picture 3">
+            <a:extLst>
+              <a:ext uri="{FF2B5EF4-FFF2-40B4-BE49-F238E27FC236}">
+                <a16:creationId xmlns:a16="http://schemas.microsoft.com/office/drawing/2014/main" id="{9F0C7C96-DE5B-48E5-B2D7-559F67BBD44A}"/>
+              </a:ext>
+            </a:extLst>
+          </p:cNvPr>
+          <p:cNvPicPr>
+            <a:picLocks noChangeAspect="1"/>
+          </p:cNvPicPr>
+          <p:nvPr/>
+        </p:nvPicPr>
+        <p:blipFill rotWithShape="1">
+          <a:blip r:embed="rId2">
+            <a:alphaModFix/>
+          </a:blip>
+          <a:srcRect l="15620" r="9358" b="3"/>
+          <a:stretch/>
+        </p:blipFill>
+        <p:spPr>
+          <a:xfrm>
+            <a:off x="9030743" y="2474254"/>
+            <a:ext cx="1912560" cy="1909489"/>
+          </a:xfrm>
+          <a:custGeom>
+            <a:avLst/>
+            <a:gdLst/>
+            <a:ahLst/>
+            <a:cxnLst/>
+            <a:rect l="l" t="t" r="r" b="b"/>
+            <a:pathLst>
+              <a:path w="6057610" h="6057610">
+                <a:moveTo>
+                  <a:pt x="3028805" y="0"/>
+                </a:moveTo>
+                <a:cubicBezTo>
+                  <a:pt x="4701568" y="0"/>
+                  <a:pt x="6057610" y="1356042"/>
+                  <a:pt x="6057610" y="3028805"/>
+                </a:cubicBezTo>
+                <a:cubicBezTo>
+                  <a:pt x="6057610" y="4701568"/>
+                  <a:pt x="4701568" y="6057610"/>
+                  <a:pt x="3028805" y="6057610"/>
+                </a:cubicBezTo>
+                <a:cubicBezTo>
+                  <a:pt x="1356042" y="6057610"/>
+                  <a:pt x="0" y="4701568"/>
+                  <a:pt x="0" y="3028805"/>
+                </a:cubicBezTo>
+                <a:cubicBezTo>
+                  <a:pt x="0" y="1356042"/>
+                  <a:pt x="1356042" y="0"/>
+                  <a:pt x="3028805" y="0"/>
+                </a:cubicBezTo>
+                <a:close/>
+              </a:path>
+            </a:pathLst>
+          </a:custGeom>
+          <a:effectLst>
+            <a:softEdge rad="0"/>
+          </a:effectLst>
+        </p:spPr>
+      </p:pic>
+      <p:pic>
+        <p:nvPicPr>
+          <p:cNvPr id="11" name="Picture 10">
+            <a:extLst>
+              <a:ext uri="{FF2B5EF4-FFF2-40B4-BE49-F238E27FC236}">
+                <a16:creationId xmlns:a16="http://schemas.microsoft.com/office/drawing/2014/main" id="{2BB6A34E-F3BB-4964-8439-5E7AB230F5F0}"/>
+              </a:ext>
+            </a:extLst>
+          </p:cNvPr>
+          <p:cNvPicPr>
+            <a:picLocks noChangeAspect="1"/>
+          </p:cNvPicPr>
+          <p:nvPr/>
+        </p:nvPicPr>
+        <p:blipFill>
+          <a:blip r:embed="rId3"/>
+          <a:stretch>
+            <a:fillRect/>
+          </a:stretch>
+        </p:blipFill>
+        <p:spPr>
+          <a:xfrm>
+            <a:off x="1135388" y="1783374"/>
+            <a:ext cx="7250943" cy="3647782"/>
+          </a:xfrm>
+          <a:prstGeom prst="rect">
+            <a:avLst/>
+          </a:prstGeom>
+        </p:spPr>
+      </p:pic>
+    </p:spTree>
+    <p:extLst>
+      <p:ext uri="{BB962C8B-B14F-4D97-AF65-F5344CB8AC3E}">
+        <p14:creationId xmlns:p14="http://schemas.microsoft.com/office/powerpoint/2010/main" val="3523698063"/>
+      </p:ext>
+    </p:extLst>
+  </p:cSld>
+  <p:clrMapOvr>
+    <a:masterClrMapping/>
+  </p:clrMapOvr>
+  <p:timing>
+    <p:tnLst>
+      <p:par>
+        <p:cTn id="1" dur="indefinite" restart="never" nodeType="tmRoot">
+          <p:childTnLst>
+            <p:seq concurrent="1" nextAc="seek">
+              <p:cTn id="2" dur="indefinite" nodeType="mainSeq">
+                <p:childTnLst>
+                  <p:par>
+                    <p:cTn id="3" fill="hold">
+                      <p:stCondLst>
+                        <p:cond delay="indefinite"/>
+                        <p:cond evt="onBegin" delay="0">
+                          <p:tn val="2"/>
+                        </p:cond>
+                      </p:stCondLst>
+                      <p:childTnLst>
+                        <p:par>
+                          <p:cTn id="4" fill="hold">
+                            <p:stCondLst>
+                              <p:cond delay="0"/>
+                            </p:stCondLst>
+                            <p:childTnLst>
+                              <p:par>
+                                <p:cTn id="5" presetID="10" presetClass="entr" presetSubtype="0" fill="hold" nodeType="withEffect">
+                                  <p:stCondLst>
+                                    <p:cond delay="0"/>
+                                  </p:stCondLst>
+                                  <p:iterate>
+                                    <p:tmPct val="10000"/>
+                                  </p:iterate>
+                                  <p:childTnLst>
+                                    <p:set>
+                                      <p:cBhvr>
+                                        <p:cTn id="6" dur="1" fill="hold">
+                                          <p:stCondLst>
+                                            <p:cond delay="0"/>
+                                          </p:stCondLst>
+                                        </p:cTn>
+                                        <p:tgtEl>
+                                          <p:spTgt spid="4"/>
+                                        </p:tgtEl>
+                                        <p:attrNameLst>
+                                          <p:attrName>style.visibility</p:attrName>
+                                        </p:attrNameLst>
+                                      </p:cBhvr>
+                                      <p:to>
+                                        <p:strVal val="visible"/>
+                                      </p:to>
+                                    </p:set>
+                                    <p:animEffect transition="in" filter="fade">
+                                      <p:cBhvr>
+                                        <p:cTn id="7" dur="700"/>
+                                        <p:tgtEl>
+                                          <p:spTgt spid="4"/>
+                                        </p:tgtEl>
+                                      </p:cBhvr>
+                                    </p:animEffect>
+                                  </p:childTnLst>
+                                </p:cTn>
+                              </p:par>
+                              <p:par>
+                                <p:cTn id="8" presetID="10" presetClass="entr" presetSubtype="0" fill="hold" grpId="0" nodeType="withEffect">
+                                  <p:stCondLst>
+                                    <p:cond delay="1000"/>
+                                  </p:stCondLst>
+                                  <p:iterate type="lt">
+                                    <p:tmPct val="10000"/>
+                                  </p:iterate>
+                                  <p:childTnLst>
+                                    <p:set>
+                                      <p:cBhvr>
+                                        <p:cTn id="9" dur="1" fill="hold">
+                                          <p:stCondLst>
+                                            <p:cond delay="0"/>
+                                          </p:stCondLst>
+                                        </p:cTn>
+                                        <p:tgtEl>
+                                          <p:spTgt spid="2"/>
+                                        </p:tgtEl>
+                                        <p:attrNameLst>
+                                          <p:attrName>style.visibility</p:attrName>
+                                        </p:attrNameLst>
+                                      </p:cBhvr>
+                                      <p:to>
+                                        <p:strVal val="visible"/>
+                                      </p:to>
+                                    </p:set>
+                                    <p:animEffect transition="in" filter="fade">
+                                      <p:cBhvr>
+                                        <p:cTn id="10" dur="400"/>
+                                        <p:tgtEl>
+                                          <p:spTgt spid="2"/>
+                                        </p:tgtEl>
+                                      </p:cBhvr>
+                                    </p:animEffect>
+                                  </p:childTnLst>
+                                </p:cTn>
+                              </p:par>
+                            </p:childTnLst>
+                          </p:cTn>
+                        </p:par>
+                      </p:childTnLst>
+                    </p:cTn>
+                  </p:par>
+                </p:childTnLst>
+              </p:cTn>
+              <p:prevCondLst>
+                <p:cond evt="onPrev" delay="0">
+                  <p:tgtEl>
+                    <p:sldTgt/>
+                  </p:tgtEl>
+                </p:cond>
+              </p:prevCondLst>
+              <p:nextCondLst>
+                <p:cond evt="onNext" delay="0">
+                  <p:tgtEl>
+                    <p:sldTgt/>
+                  </p:tgtEl>
+                </p:cond>
+              </p:nextCondLst>
+            </p:seq>
+          </p:childTnLst>
+        </p:cTn>
+      </p:par>
+    </p:tnLst>
+    <p:bldLst>
+      <p:bldP spid="2" grpId="0"/>
+    </p:bldLst>
+  </p:timing>
+</p:sld>
+</file>
+
+<file path=ppt/slides/slide16.xml><?xml version="1.0" encoding="utf-8"?>
+<p:sld xmlns:a="http://schemas.openxmlformats.org/drawingml/2006/main" xmlns:r="http://schemas.openxmlformats.org/officeDocument/2006/relationships" xmlns:p="http://schemas.openxmlformats.org/presentationml/2006/main">
+  <p:cSld>
+    <p:spTree>
+      <p:nvGrpSpPr>
+        <p:cNvPr id="1" name=""/>
+        <p:cNvGrpSpPr/>
+        <p:nvPr/>
+      </p:nvGrpSpPr>
+      <p:grpSpPr>
+        <a:xfrm>
+          <a:off x="0" y="0"/>
+          <a:ext cx="0" cy="0"/>
+          <a:chOff x="0" y="0"/>
+          <a:chExt cx="0" cy="0"/>
+        </a:xfrm>
+      </p:grpSpPr>
+      <p:sp>
+        <p:nvSpPr>
+          <p:cNvPr id="2" name="Title 1">
+            <a:extLst>
+              <a:ext uri="{FF2B5EF4-FFF2-40B4-BE49-F238E27FC236}">
+                <a16:creationId xmlns:a16="http://schemas.microsoft.com/office/drawing/2014/main" id="{FC7C3386-4B94-47B0-96C9-B893A4DF5476}"/>
+              </a:ext>
+            </a:extLst>
+          </p:cNvPr>
+          <p:cNvSpPr>
+            <a:spLocks noGrp="1"/>
+          </p:cNvSpPr>
+          <p:nvPr>
+            <p:ph type="title"/>
+          </p:nvPr>
+        </p:nvSpPr>
+        <p:spPr>
+          <a:xfrm>
+            <a:off x="1136428" y="627564"/>
+            <a:ext cx="7474172" cy="1325563"/>
+          </a:xfrm>
+        </p:spPr>
+        <p:txBody>
+          <a:bodyPr>
+            <a:normAutofit/>
+          </a:bodyPr>
+          <a:lstStyle/>
+          <a:p>
+            <a:r>
+              <a:rPr lang="en-AU" dirty="0"/>
+              <a:t>Snapshots visualisations</a:t>
+            </a:r>
+            <a:br>
+              <a:rPr lang="en-AU" dirty="0"/>
+            </a:br>
+            <a:endParaRPr lang="en-AU" dirty="0"/>
+          </a:p>
+        </p:txBody>
+      </p:sp>
+      <p:sp>
+        <p:nvSpPr>
+          <p:cNvPr id="3" name="Content Placeholder 2">
+            <a:extLst>
+              <a:ext uri="{FF2B5EF4-FFF2-40B4-BE49-F238E27FC236}">
+                <a16:creationId xmlns:a16="http://schemas.microsoft.com/office/drawing/2014/main" id="{781A5B15-8A90-4059-9825-8DA6A0674BB9}"/>
+              </a:ext>
+            </a:extLst>
+          </p:cNvPr>
+          <p:cNvSpPr>
+            <a:spLocks noGrp="1"/>
+          </p:cNvSpPr>
+          <p:nvPr>
+            <p:ph idx="1"/>
+          </p:nvPr>
+        </p:nvSpPr>
+        <p:spPr>
+          <a:xfrm>
+            <a:off x="1136429" y="2278173"/>
+            <a:ext cx="6467867" cy="4285187"/>
+          </a:xfrm>
+        </p:spPr>
+        <p:txBody>
+          <a:bodyPr anchor="t">
+            <a:normAutofit/>
+          </a:bodyPr>
+          <a:lstStyle/>
+          <a:p>
+            <a:endParaRPr lang="en-AU" sz="2400" dirty="0"/>
+          </a:p>
+          <a:p>
+            <a:endParaRPr lang="en-AU" sz="2400" dirty="0"/>
+          </a:p>
+          <a:p>
+            <a:endParaRPr lang="en-AU" sz="2400" dirty="0"/>
+          </a:p>
+          <a:p>
+            <a:endParaRPr lang="en-AU" sz="2400" dirty="0"/>
+          </a:p>
+          <a:p>
+            <a:endParaRPr lang="en-AU" sz="2400" dirty="0"/>
+          </a:p>
+          <a:p>
+            <a:endParaRPr lang="en-AU" sz="2400" dirty="0"/>
+          </a:p>
+          <a:p>
+            <a:endParaRPr lang="en-AU" sz="2400" dirty="0"/>
+          </a:p>
+          <a:p>
+            <a:endParaRPr lang="en-AU" sz="2400" dirty="0"/>
+          </a:p>
+          <a:p>
+            <a:endParaRPr lang="en-AU" sz="2400" dirty="0"/>
+          </a:p>
+          <a:p>
+            <a:endParaRPr lang="en-AU" sz="2400" dirty="0"/>
+          </a:p>
+        </p:txBody>
+      </p:sp>
+      <p:sp>
+        <p:nvSpPr>
+          <p:cNvPr id="19" name="Rectangle 18">
+            <a:extLst>
+              <a:ext uri="{FF2B5EF4-FFF2-40B4-BE49-F238E27FC236}">
+                <a16:creationId xmlns:a16="http://schemas.microsoft.com/office/drawing/2014/main" id="{59A309A7-1751-4ABE-A3C1-EEC40366AD89}"/>
+              </a:ext>
+              <a:ext uri="{C183D7F6-B498-43B3-948B-1728B52AA6E4}">
+                <adec:decorative xmlns:adec="http://schemas.microsoft.com/office/drawing/2017/decorative" val="1"/>
+              </a:ext>
+            </a:extLst>
+          </p:cNvPr>
+          <p:cNvSpPr>
+            <a:spLocks noGrp="1" noRot="1" noChangeAspect="1" noMove="1" noResize="1" noEditPoints="1" noAdjustHandles="1" noChangeArrowheads="1" noChangeShapeType="1" noTextEdit="1"/>
+          </p:cNvSpPr>
+          <p:nvPr>
+            <p:extLst>
+              <p:ext uri="{386F3935-93C4-4BCD-93E2-E3B085C9AB24}">
+                <p16:designElem xmlns:p16="http://schemas.microsoft.com/office/powerpoint/2015/main" val="1"/>
+              </p:ext>
+            </p:extLst>
+          </p:nvPr>
+        </p:nvSpPr>
+        <p:spPr>
+          <a:xfrm>
+            <a:off x="10088880" y="0"/>
+            <a:ext cx="2103120" cy="6858000"/>
+          </a:xfrm>
+          <a:prstGeom prst="rect">
+            <a:avLst/>
+          </a:prstGeom>
+          <a:solidFill>
+            <a:srgbClr val="524267"/>
+          </a:solidFill>
+          <a:ln>
+            <a:noFill/>
+          </a:ln>
+        </p:spPr>
+        <p:style>
+          <a:lnRef idx="2">
+            <a:schemeClr val="accent1">
+              <a:shade val="50000"/>
+            </a:schemeClr>
+          </a:lnRef>
+          <a:fillRef idx="1">
+            <a:schemeClr val="accent1"/>
+          </a:fillRef>
+          <a:effectRef idx="0">
+            <a:schemeClr val="accent1"/>
+          </a:effectRef>
+          <a:fontRef idx="minor">
+            <a:schemeClr val="lt1"/>
+          </a:fontRef>
+        </p:style>
+        <p:txBody>
+          <a:bodyPr rtlCol="0" anchor="ctr"/>
+          <a:lstStyle/>
+          <a:p>
+            <a:pPr algn="ctr"/>
+            <a:endParaRPr lang="en-US"/>
+          </a:p>
+        </p:txBody>
+      </p:sp>
+      <p:sp>
+        <p:nvSpPr>
+          <p:cNvPr id="21" name="Oval 20">
+            <a:extLst>
+              <a:ext uri="{FF2B5EF4-FFF2-40B4-BE49-F238E27FC236}">
+                <a16:creationId xmlns:a16="http://schemas.microsoft.com/office/drawing/2014/main" id="{967D8EB6-EAE1-4F9C-B398-83321E287204}"/>
+              </a:ext>
+              <a:ext uri="{C183D7F6-B498-43B3-948B-1728B52AA6E4}">
+                <adec:decorative xmlns:adec="http://schemas.microsoft.com/office/drawing/2017/decorative" val="1"/>
+              </a:ext>
+            </a:extLst>
+          </p:cNvPr>
+          <p:cNvSpPr>
+            <a:spLocks noGrp="1" noRot="1" noChangeAspect="1" noMove="1" noResize="1" noEditPoints="1" noAdjustHandles="1" noChangeArrowheads="1" noChangeShapeType="1" noTextEdit="1"/>
+          </p:cNvSpPr>
+          <p:nvPr>
+            <p:extLst>
+              <p:ext uri="{386F3935-93C4-4BCD-93E2-E3B085C9AB24}">
+                <p16:designElem xmlns:p16="http://schemas.microsoft.com/office/powerpoint/2015/main" val="1"/>
+              </p:ext>
+            </p:extLst>
+          </p:nvPr>
+        </p:nvSpPr>
+        <p:spPr>
+          <a:xfrm>
+            <a:off x="8915400" y="2358913"/>
+            <a:ext cx="2140172" cy="2140172"/>
+          </a:xfrm>
+          <a:prstGeom prst="ellipse">
+            <a:avLst/>
+          </a:prstGeom>
+          <a:solidFill>
+            <a:srgbClr val="FFFFFF"/>
+          </a:solidFill>
+          <a:ln w="22225">
+            <a:solidFill>
+              <a:srgbClr val="FEAD2A"/>
+            </a:solidFill>
+          </a:ln>
+        </p:spPr>
+        <p:style>
+          <a:lnRef idx="2">
+            <a:schemeClr val="accent1">
+              <a:shade val="50000"/>
+            </a:schemeClr>
+          </a:lnRef>
+          <a:fillRef idx="1">
+            <a:schemeClr val="accent1"/>
+          </a:fillRef>
+          <a:effectRef idx="0">
+            <a:schemeClr val="accent1"/>
+          </a:effectRef>
+          <a:fontRef idx="minor">
+            <a:schemeClr val="lt1"/>
+          </a:fontRef>
+        </p:style>
+        <p:txBody>
+          <a:bodyPr rtlCol="0" anchor="ctr"/>
+          <a:lstStyle/>
+          <a:p>
+            <a:pPr algn="ctr"/>
+            <a:endParaRPr lang="en-US"/>
+          </a:p>
+        </p:txBody>
+      </p:sp>
+      <p:pic>
+        <p:nvPicPr>
+          <p:cNvPr id="4" name="Picture 3">
+            <a:extLst>
+              <a:ext uri="{FF2B5EF4-FFF2-40B4-BE49-F238E27FC236}">
+                <a16:creationId xmlns:a16="http://schemas.microsoft.com/office/drawing/2014/main" id="{9F0C7C96-DE5B-48E5-B2D7-559F67BBD44A}"/>
+              </a:ext>
+            </a:extLst>
+          </p:cNvPr>
+          <p:cNvPicPr>
+            <a:picLocks noChangeAspect="1"/>
+          </p:cNvPicPr>
+          <p:nvPr/>
+        </p:nvPicPr>
+        <p:blipFill rotWithShape="1">
+          <a:blip r:embed="rId2">
+            <a:alphaModFix/>
+          </a:blip>
+          <a:srcRect l="15620" r="9358" b="3"/>
+          <a:stretch/>
+        </p:blipFill>
+        <p:spPr>
+          <a:xfrm>
+            <a:off x="9030743" y="2474254"/>
+            <a:ext cx="1912560" cy="1909489"/>
+          </a:xfrm>
+          <a:custGeom>
+            <a:avLst/>
+            <a:gdLst/>
+            <a:ahLst/>
+            <a:cxnLst/>
+            <a:rect l="l" t="t" r="r" b="b"/>
+            <a:pathLst>
+              <a:path w="6057610" h="6057610">
+                <a:moveTo>
+                  <a:pt x="3028805" y="0"/>
+                </a:moveTo>
+                <a:cubicBezTo>
+                  <a:pt x="4701568" y="0"/>
+                  <a:pt x="6057610" y="1356042"/>
+                  <a:pt x="6057610" y="3028805"/>
+                </a:cubicBezTo>
+                <a:cubicBezTo>
+                  <a:pt x="6057610" y="4701568"/>
+                  <a:pt x="4701568" y="6057610"/>
+                  <a:pt x="3028805" y="6057610"/>
+                </a:cubicBezTo>
+                <a:cubicBezTo>
+                  <a:pt x="1356042" y="6057610"/>
+                  <a:pt x="0" y="4701568"/>
+                  <a:pt x="0" y="3028805"/>
+                </a:cubicBezTo>
+                <a:cubicBezTo>
+                  <a:pt x="0" y="1356042"/>
+                  <a:pt x="1356042" y="0"/>
+                  <a:pt x="3028805" y="0"/>
+                </a:cubicBezTo>
+                <a:close/>
+              </a:path>
+            </a:pathLst>
+          </a:custGeom>
+          <a:effectLst>
+            <a:softEdge rad="0"/>
+          </a:effectLst>
+        </p:spPr>
+      </p:pic>
+      <p:pic>
+        <p:nvPicPr>
+          <p:cNvPr id="9" name="Picture 8">
+            <a:extLst>
+              <a:ext uri="{FF2B5EF4-FFF2-40B4-BE49-F238E27FC236}">
+                <a16:creationId xmlns:a16="http://schemas.microsoft.com/office/drawing/2014/main" id="{40600F4B-5D75-4415-95BD-A00DCE649117}"/>
+              </a:ext>
+            </a:extLst>
+          </p:cNvPr>
+          <p:cNvPicPr>
+            <a:picLocks noChangeAspect="1"/>
+          </p:cNvPicPr>
+          <p:nvPr/>
+        </p:nvPicPr>
+        <p:blipFill>
+          <a:blip r:embed="rId3"/>
+          <a:stretch>
+            <a:fillRect/>
+          </a:stretch>
+        </p:blipFill>
+        <p:spPr>
+          <a:xfrm>
+            <a:off x="952548" y="1725893"/>
+            <a:ext cx="7658052" cy="4044987"/>
+          </a:xfrm>
+          <a:prstGeom prst="rect">
+            <a:avLst/>
+          </a:prstGeom>
+        </p:spPr>
+      </p:pic>
+    </p:spTree>
+    <p:extLst>
+      <p:ext uri="{BB962C8B-B14F-4D97-AF65-F5344CB8AC3E}">
+        <p14:creationId xmlns:p14="http://schemas.microsoft.com/office/powerpoint/2010/main" val="2846529453"/>
+      </p:ext>
+    </p:extLst>
+  </p:cSld>
+  <p:clrMapOvr>
+    <a:masterClrMapping/>
+  </p:clrMapOvr>
+  <p:timing>
+    <p:tnLst>
+      <p:par>
+        <p:cTn id="1" dur="indefinite" restart="never" nodeType="tmRoot">
+          <p:childTnLst>
+            <p:seq concurrent="1" nextAc="seek">
+              <p:cTn id="2" dur="indefinite" nodeType="mainSeq">
+                <p:childTnLst>
+                  <p:par>
+                    <p:cTn id="3" fill="hold">
+                      <p:stCondLst>
+                        <p:cond delay="indefinite"/>
+                        <p:cond evt="onBegin" delay="0">
+                          <p:tn val="2"/>
+                        </p:cond>
+                      </p:stCondLst>
+                      <p:childTnLst>
+                        <p:par>
+                          <p:cTn id="4" fill="hold">
+                            <p:stCondLst>
+                              <p:cond delay="0"/>
+                            </p:stCondLst>
+                            <p:childTnLst>
+                              <p:par>
+                                <p:cTn id="5" presetID="10" presetClass="entr" presetSubtype="0" fill="hold" nodeType="withEffect">
+                                  <p:stCondLst>
+                                    <p:cond delay="0"/>
+                                  </p:stCondLst>
+                                  <p:iterate>
+                                    <p:tmPct val="10000"/>
+                                  </p:iterate>
+                                  <p:childTnLst>
+                                    <p:set>
+                                      <p:cBhvr>
+                                        <p:cTn id="6" dur="1" fill="hold">
+                                          <p:stCondLst>
+                                            <p:cond delay="0"/>
+                                          </p:stCondLst>
+                                        </p:cTn>
+                                        <p:tgtEl>
+                                          <p:spTgt spid="4"/>
+                                        </p:tgtEl>
+                                        <p:attrNameLst>
+                                          <p:attrName>style.visibility</p:attrName>
+                                        </p:attrNameLst>
+                                      </p:cBhvr>
+                                      <p:to>
+                                        <p:strVal val="visible"/>
+                                      </p:to>
+                                    </p:set>
+                                    <p:animEffect transition="in" filter="fade">
+                                      <p:cBhvr>
+                                        <p:cTn id="7" dur="700"/>
+                                        <p:tgtEl>
+                                          <p:spTgt spid="4"/>
+                                        </p:tgtEl>
+                                      </p:cBhvr>
+                                    </p:animEffect>
+                                  </p:childTnLst>
+                                </p:cTn>
+                              </p:par>
+                              <p:par>
+                                <p:cTn id="8" presetID="10" presetClass="entr" presetSubtype="0" fill="hold" grpId="0" nodeType="withEffect">
+                                  <p:stCondLst>
+                                    <p:cond delay="1000"/>
+                                  </p:stCondLst>
+                                  <p:iterate type="lt">
+                                    <p:tmPct val="10000"/>
+                                  </p:iterate>
+                                  <p:childTnLst>
+                                    <p:set>
+                                      <p:cBhvr>
+                                        <p:cTn id="9" dur="1" fill="hold">
+                                          <p:stCondLst>
+                                            <p:cond delay="0"/>
+                                          </p:stCondLst>
+                                        </p:cTn>
+                                        <p:tgtEl>
+                                          <p:spTgt spid="2"/>
+                                        </p:tgtEl>
+                                        <p:attrNameLst>
+                                          <p:attrName>style.visibility</p:attrName>
+                                        </p:attrNameLst>
+                                      </p:cBhvr>
+                                      <p:to>
+                                        <p:strVal val="visible"/>
+                                      </p:to>
+                                    </p:set>
+                                    <p:animEffect transition="in" filter="fade">
+                                      <p:cBhvr>
+                                        <p:cTn id="10" dur="400"/>
+                                        <p:tgtEl>
+                                          <p:spTgt spid="2"/>
+                                        </p:tgtEl>
+                                      </p:cBhvr>
+                                    </p:animEffect>
+                                  </p:childTnLst>
+                                </p:cTn>
+                              </p:par>
+                            </p:childTnLst>
+                          </p:cTn>
+                        </p:par>
+                      </p:childTnLst>
+                    </p:cTn>
+                  </p:par>
+                </p:childTnLst>
+              </p:cTn>
+              <p:prevCondLst>
+                <p:cond evt="onPrev" delay="0">
+                  <p:tgtEl>
+                    <p:sldTgt/>
+                  </p:tgtEl>
+                </p:cond>
+              </p:prevCondLst>
+              <p:nextCondLst>
+                <p:cond evt="onNext" delay="0">
+                  <p:tgtEl>
+                    <p:sldTgt/>
+                  </p:tgtEl>
+                </p:cond>
+              </p:nextCondLst>
+            </p:seq>
+          </p:childTnLst>
+        </p:cTn>
+      </p:par>
+    </p:tnLst>
+    <p:bldLst>
+      <p:bldP spid="2" grpId="0"/>
+    </p:bldLst>
+  </p:timing>
+</p:sld>
+</file>
+
+<file path=ppt/slides/slide17.xml><?xml version="1.0" encoding="utf-8"?>
+<p:sld xmlns:a="http://schemas.openxmlformats.org/drawingml/2006/main" xmlns:r="http://schemas.openxmlformats.org/officeDocument/2006/relationships" xmlns:p="http://schemas.openxmlformats.org/presentationml/2006/main">
+  <p:cSld>
+    <p:spTree>
+      <p:nvGrpSpPr>
+        <p:cNvPr id="1" name=""/>
+        <p:cNvGrpSpPr/>
+        <p:nvPr/>
+      </p:nvGrpSpPr>
+      <p:grpSpPr>
+        <a:xfrm>
+          <a:off x="0" y="0"/>
+          <a:ext cx="0" cy="0"/>
+          <a:chOff x="0" y="0"/>
+          <a:chExt cx="0" cy="0"/>
+        </a:xfrm>
+      </p:grpSpPr>
+      <p:sp>
+        <p:nvSpPr>
+          <p:cNvPr id="2" name="Title 1">
+            <a:extLst>
+              <a:ext uri="{FF2B5EF4-FFF2-40B4-BE49-F238E27FC236}">
+                <a16:creationId xmlns:a16="http://schemas.microsoft.com/office/drawing/2014/main" id="{FC7C3386-4B94-47B0-96C9-B893A4DF5476}"/>
+              </a:ext>
+            </a:extLst>
+          </p:cNvPr>
+          <p:cNvSpPr>
+            <a:spLocks noGrp="1"/>
+          </p:cNvSpPr>
+          <p:nvPr>
+            <p:ph type="title"/>
+          </p:nvPr>
+        </p:nvSpPr>
+        <p:spPr>
+          <a:xfrm>
+            <a:off x="1136428" y="627564"/>
+            <a:ext cx="7474172" cy="1325563"/>
+          </a:xfrm>
+        </p:spPr>
+        <p:txBody>
+          <a:bodyPr>
+            <a:normAutofit/>
+          </a:bodyPr>
+          <a:lstStyle/>
+          <a:p>
+            <a:r>
+              <a:rPr lang="en-AU" dirty="0"/>
+              <a:t>Snapshots visualisations</a:t>
+            </a:r>
+            <a:br>
+              <a:rPr lang="en-AU" dirty="0"/>
+            </a:br>
+            <a:endParaRPr lang="en-AU" dirty="0"/>
+          </a:p>
+        </p:txBody>
+      </p:sp>
+      <p:sp>
+        <p:nvSpPr>
+          <p:cNvPr id="3" name="Content Placeholder 2">
+            <a:extLst>
+              <a:ext uri="{FF2B5EF4-FFF2-40B4-BE49-F238E27FC236}">
+                <a16:creationId xmlns:a16="http://schemas.microsoft.com/office/drawing/2014/main" id="{781A5B15-8A90-4059-9825-8DA6A0674BB9}"/>
+              </a:ext>
+            </a:extLst>
+          </p:cNvPr>
+          <p:cNvSpPr>
+            <a:spLocks noGrp="1"/>
+          </p:cNvSpPr>
+          <p:nvPr>
+            <p:ph idx="1"/>
+          </p:nvPr>
+        </p:nvSpPr>
+        <p:spPr>
+          <a:xfrm>
+            <a:off x="1136429" y="2278173"/>
+            <a:ext cx="6467867" cy="4285187"/>
+          </a:xfrm>
+        </p:spPr>
+        <p:txBody>
+          <a:bodyPr anchor="t">
+            <a:normAutofit/>
+          </a:bodyPr>
+          <a:lstStyle/>
+          <a:p>
+            <a:endParaRPr lang="en-AU" sz="2400" dirty="0"/>
+          </a:p>
+          <a:p>
+            <a:endParaRPr lang="en-AU" sz="2400" dirty="0"/>
+          </a:p>
+          <a:p>
+            <a:endParaRPr lang="en-AU" sz="2400" dirty="0"/>
+          </a:p>
+          <a:p>
+            <a:endParaRPr lang="en-AU" sz="2400" dirty="0"/>
+          </a:p>
+          <a:p>
+            <a:endParaRPr lang="en-AU" sz="2400" dirty="0"/>
+          </a:p>
+          <a:p>
+            <a:endParaRPr lang="en-AU" sz="2400" dirty="0"/>
+          </a:p>
+          <a:p>
+            <a:endParaRPr lang="en-AU" sz="2400" dirty="0"/>
+          </a:p>
+          <a:p>
+            <a:endParaRPr lang="en-AU" sz="2400" dirty="0"/>
+          </a:p>
+          <a:p>
+            <a:endParaRPr lang="en-AU" sz="2400" dirty="0"/>
+          </a:p>
+          <a:p>
+            <a:endParaRPr lang="en-AU" sz="2400" dirty="0"/>
+          </a:p>
+        </p:txBody>
+      </p:sp>
+      <p:sp>
+        <p:nvSpPr>
+          <p:cNvPr id="19" name="Rectangle 18">
+            <a:extLst>
+              <a:ext uri="{FF2B5EF4-FFF2-40B4-BE49-F238E27FC236}">
+                <a16:creationId xmlns:a16="http://schemas.microsoft.com/office/drawing/2014/main" id="{59A309A7-1751-4ABE-A3C1-EEC40366AD89}"/>
+              </a:ext>
+              <a:ext uri="{C183D7F6-B498-43B3-948B-1728B52AA6E4}">
+                <adec:decorative xmlns:adec="http://schemas.microsoft.com/office/drawing/2017/decorative" val="1"/>
+              </a:ext>
+            </a:extLst>
+          </p:cNvPr>
+          <p:cNvSpPr>
+            <a:spLocks noGrp="1" noRot="1" noChangeAspect="1" noMove="1" noResize="1" noEditPoints="1" noAdjustHandles="1" noChangeArrowheads="1" noChangeShapeType="1" noTextEdit="1"/>
+          </p:cNvSpPr>
+          <p:nvPr>
+            <p:extLst>
+              <p:ext uri="{386F3935-93C4-4BCD-93E2-E3B085C9AB24}">
+                <p16:designElem xmlns:p16="http://schemas.microsoft.com/office/powerpoint/2015/main" val="1"/>
+              </p:ext>
+            </p:extLst>
+          </p:nvPr>
+        </p:nvSpPr>
+        <p:spPr>
+          <a:xfrm>
+            <a:off x="10088880" y="0"/>
+            <a:ext cx="2103120" cy="6858000"/>
+          </a:xfrm>
+          <a:prstGeom prst="rect">
+            <a:avLst/>
+          </a:prstGeom>
+          <a:solidFill>
+            <a:srgbClr val="524267"/>
+          </a:solidFill>
+          <a:ln>
+            <a:noFill/>
+          </a:ln>
+        </p:spPr>
+        <p:style>
+          <a:lnRef idx="2">
+            <a:schemeClr val="accent1">
+              <a:shade val="50000"/>
+            </a:schemeClr>
+          </a:lnRef>
+          <a:fillRef idx="1">
+            <a:schemeClr val="accent1"/>
+          </a:fillRef>
+          <a:effectRef idx="0">
+            <a:schemeClr val="accent1"/>
+          </a:effectRef>
+          <a:fontRef idx="minor">
+            <a:schemeClr val="lt1"/>
+          </a:fontRef>
+        </p:style>
+        <p:txBody>
+          <a:bodyPr rtlCol="0" anchor="ctr"/>
+          <a:lstStyle/>
+          <a:p>
+            <a:pPr algn="ctr"/>
+            <a:endParaRPr lang="en-US"/>
+          </a:p>
+        </p:txBody>
+      </p:sp>
+      <p:sp>
+        <p:nvSpPr>
+          <p:cNvPr id="21" name="Oval 20">
+            <a:extLst>
+              <a:ext uri="{FF2B5EF4-FFF2-40B4-BE49-F238E27FC236}">
+                <a16:creationId xmlns:a16="http://schemas.microsoft.com/office/drawing/2014/main" id="{967D8EB6-EAE1-4F9C-B398-83321E287204}"/>
+              </a:ext>
+              <a:ext uri="{C183D7F6-B498-43B3-948B-1728B52AA6E4}">
+                <adec:decorative xmlns:adec="http://schemas.microsoft.com/office/drawing/2017/decorative" val="1"/>
+              </a:ext>
+            </a:extLst>
+          </p:cNvPr>
+          <p:cNvSpPr>
+            <a:spLocks noGrp="1" noRot="1" noChangeAspect="1" noMove="1" noResize="1" noEditPoints="1" noAdjustHandles="1" noChangeArrowheads="1" noChangeShapeType="1" noTextEdit="1"/>
+          </p:cNvSpPr>
+          <p:nvPr>
+            <p:extLst>
+              <p:ext uri="{386F3935-93C4-4BCD-93E2-E3B085C9AB24}">
+                <p16:designElem xmlns:p16="http://schemas.microsoft.com/office/powerpoint/2015/main" val="1"/>
+              </p:ext>
+            </p:extLst>
+          </p:nvPr>
+        </p:nvSpPr>
+        <p:spPr>
+          <a:xfrm>
+            <a:off x="8915400" y="2358913"/>
+            <a:ext cx="2140172" cy="2140172"/>
+          </a:xfrm>
+          <a:prstGeom prst="ellipse">
+            <a:avLst/>
+          </a:prstGeom>
+          <a:solidFill>
+            <a:srgbClr val="FFFFFF"/>
+          </a:solidFill>
+          <a:ln w="22225">
+            <a:solidFill>
+              <a:srgbClr val="FEAD2A"/>
+            </a:solidFill>
+          </a:ln>
+        </p:spPr>
+        <p:style>
+          <a:lnRef idx="2">
+            <a:schemeClr val="accent1">
+              <a:shade val="50000"/>
+            </a:schemeClr>
+          </a:lnRef>
+          <a:fillRef idx="1">
+            <a:schemeClr val="accent1"/>
+          </a:fillRef>
+          <a:effectRef idx="0">
+            <a:schemeClr val="accent1"/>
+          </a:effectRef>
+          <a:fontRef idx="minor">
+            <a:schemeClr val="lt1"/>
+          </a:fontRef>
+        </p:style>
+        <p:txBody>
+          <a:bodyPr rtlCol="0" anchor="ctr"/>
+          <a:lstStyle/>
+          <a:p>
+            <a:pPr algn="ctr"/>
+            <a:endParaRPr lang="en-US"/>
+          </a:p>
+        </p:txBody>
+      </p:sp>
+      <p:pic>
+        <p:nvPicPr>
+          <p:cNvPr id="4" name="Picture 3">
+            <a:extLst>
+              <a:ext uri="{FF2B5EF4-FFF2-40B4-BE49-F238E27FC236}">
+                <a16:creationId xmlns:a16="http://schemas.microsoft.com/office/drawing/2014/main" id="{9F0C7C96-DE5B-48E5-B2D7-559F67BBD44A}"/>
+              </a:ext>
+            </a:extLst>
+          </p:cNvPr>
+          <p:cNvPicPr>
+            <a:picLocks noChangeAspect="1"/>
+          </p:cNvPicPr>
+          <p:nvPr/>
+        </p:nvPicPr>
+        <p:blipFill rotWithShape="1">
+          <a:blip r:embed="rId2">
+            <a:alphaModFix/>
+          </a:blip>
+          <a:srcRect l="15620" r="9358" b="3"/>
+          <a:stretch/>
+        </p:blipFill>
+        <p:spPr>
+          <a:xfrm>
+            <a:off x="9030743" y="2474254"/>
+            <a:ext cx="1912560" cy="1909489"/>
+          </a:xfrm>
+          <a:custGeom>
+            <a:avLst/>
+            <a:gdLst/>
+            <a:ahLst/>
+            <a:cxnLst/>
+            <a:rect l="l" t="t" r="r" b="b"/>
+            <a:pathLst>
+              <a:path w="6057610" h="6057610">
+                <a:moveTo>
+                  <a:pt x="3028805" y="0"/>
+                </a:moveTo>
+                <a:cubicBezTo>
+                  <a:pt x="4701568" y="0"/>
+                  <a:pt x="6057610" y="1356042"/>
+                  <a:pt x="6057610" y="3028805"/>
+                </a:cubicBezTo>
+                <a:cubicBezTo>
+                  <a:pt x="6057610" y="4701568"/>
+                  <a:pt x="4701568" y="6057610"/>
+                  <a:pt x="3028805" y="6057610"/>
+                </a:cubicBezTo>
+                <a:cubicBezTo>
+                  <a:pt x="1356042" y="6057610"/>
+                  <a:pt x="0" y="4701568"/>
+                  <a:pt x="0" y="3028805"/>
+                </a:cubicBezTo>
+                <a:cubicBezTo>
+                  <a:pt x="0" y="1356042"/>
+                  <a:pt x="1356042" y="0"/>
+                  <a:pt x="3028805" y="0"/>
+                </a:cubicBezTo>
+                <a:close/>
+              </a:path>
+            </a:pathLst>
+          </a:custGeom>
+          <a:effectLst>
+            <a:softEdge rad="0"/>
+          </a:effectLst>
+        </p:spPr>
+      </p:pic>
+      <p:pic>
+        <p:nvPicPr>
+          <p:cNvPr id="7" name="Picture 6">
+            <a:extLst>
+              <a:ext uri="{FF2B5EF4-FFF2-40B4-BE49-F238E27FC236}">
+                <a16:creationId xmlns:a16="http://schemas.microsoft.com/office/drawing/2014/main" id="{0EE1E221-79AC-4418-AB75-FE2CD71C924F}"/>
+              </a:ext>
+            </a:extLst>
+          </p:cNvPr>
+          <p:cNvPicPr>
+            <a:picLocks noChangeAspect="1"/>
+          </p:cNvPicPr>
+          <p:nvPr/>
+        </p:nvPicPr>
+        <p:blipFill>
+          <a:blip r:embed="rId3"/>
+          <a:stretch>
+            <a:fillRect/>
+          </a:stretch>
+        </p:blipFill>
+        <p:spPr>
+          <a:xfrm>
+            <a:off x="1024159" y="1953127"/>
+            <a:ext cx="3912220" cy="2005013"/>
+          </a:xfrm>
+          <a:prstGeom prst="rect">
+            <a:avLst/>
+          </a:prstGeom>
+        </p:spPr>
+      </p:pic>
+      <p:pic>
+        <p:nvPicPr>
+          <p:cNvPr id="9" name="Picture 8">
+            <a:extLst>
+              <a:ext uri="{FF2B5EF4-FFF2-40B4-BE49-F238E27FC236}">
+                <a16:creationId xmlns:a16="http://schemas.microsoft.com/office/drawing/2014/main" id="{6722F0A8-0428-4A83-9CAD-0883854A6353}"/>
+              </a:ext>
+            </a:extLst>
+          </p:cNvPr>
+          <p:cNvPicPr>
+            <a:picLocks noChangeAspect="1"/>
+          </p:cNvPicPr>
+          <p:nvPr/>
+        </p:nvPicPr>
+        <p:blipFill>
+          <a:blip r:embed="rId4"/>
+          <a:stretch>
+            <a:fillRect/>
+          </a:stretch>
+        </p:blipFill>
+        <p:spPr>
+          <a:xfrm>
+            <a:off x="5214046" y="3958140"/>
+            <a:ext cx="3448387" cy="2667998"/>
+          </a:xfrm>
+          <a:prstGeom prst="rect">
+            <a:avLst/>
+          </a:prstGeom>
+        </p:spPr>
+      </p:pic>
+    </p:spTree>
+    <p:extLst>
+      <p:ext uri="{BB962C8B-B14F-4D97-AF65-F5344CB8AC3E}">
+        <p14:creationId xmlns:p14="http://schemas.microsoft.com/office/powerpoint/2010/main" val="3957022896"/>
+      </p:ext>
+    </p:extLst>
+  </p:cSld>
+  <p:clrMapOvr>
+    <a:masterClrMapping/>
+  </p:clrMapOvr>
+  <p:timing>
+    <p:tnLst>
+      <p:par>
+        <p:cTn id="1" dur="indefinite" restart="never" nodeType="tmRoot">
+          <p:childTnLst>
+            <p:seq concurrent="1" nextAc="seek">
+              <p:cTn id="2" dur="indefinite" nodeType="mainSeq">
+                <p:childTnLst>
+                  <p:par>
+                    <p:cTn id="3" fill="hold">
+                      <p:stCondLst>
+                        <p:cond delay="indefinite"/>
+                        <p:cond evt="onBegin" delay="0">
+                          <p:tn val="2"/>
+                        </p:cond>
+                      </p:stCondLst>
+                      <p:childTnLst>
+                        <p:par>
+                          <p:cTn id="4" fill="hold">
+                            <p:stCondLst>
+                              <p:cond delay="0"/>
+                            </p:stCondLst>
+                            <p:childTnLst>
+                              <p:par>
+                                <p:cTn id="5" presetID="10" presetClass="entr" presetSubtype="0" fill="hold" nodeType="withEffect">
+                                  <p:stCondLst>
+                                    <p:cond delay="0"/>
+                                  </p:stCondLst>
+                                  <p:iterate>
+                                    <p:tmPct val="10000"/>
+                                  </p:iterate>
+                                  <p:childTnLst>
+                                    <p:set>
+                                      <p:cBhvr>
+                                        <p:cTn id="6" dur="1" fill="hold">
+                                          <p:stCondLst>
+                                            <p:cond delay="0"/>
+                                          </p:stCondLst>
+                                        </p:cTn>
+                                        <p:tgtEl>
+                                          <p:spTgt spid="4"/>
+                                        </p:tgtEl>
+                                        <p:attrNameLst>
+                                          <p:attrName>style.visibility</p:attrName>
+                                        </p:attrNameLst>
+                                      </p:cBhvr>
+                                      <p:to>
+                                        <p:strVal val="visible"/>
+                                      </p:to>
+                                    </p:set>
+                                    <p:animEffect transition="in" filter="fade">
+                                      <p:cBhvr>
+                                        <p:cTn id="7" dur="700"/>
+                                        <p:tgtEl>
+                                          <p:spTgt spid="4"/>
+                                        </p:tgtEl>
+                                      </p:cBhvr>
+                                    </p:animEffect>
+                                  </p:childTnLst>
+                                </p:cTn>
+                              </p:par>
+                              <p:par>
+                                <p:cTn id="8" presetID="10" presetClass="entr" presetSubtype="0" fill="hold" grpId="0" nodeType="withEffect">
+                                  <p:stCondLst>
+                                    <p:cond delay="1000"/>
+                                  </p:stCondLst>
+                                  <p:iterate type="lt">
+                                    <p:tmPct val="10000"/>
+                                  </p:iterate>
+                                  <p:childTnLst>
+                                    <p:set>
+                                      <p:cBhvr>
+                                        <p:cTn id="9" dur="1" fill="hold">
+                                          <p:stCondLst>
+                                            <p:cond delay="0"/>
+                                          </p:stCondLst>
+                                        </p:cTn>
+                                        <p:tgtEl>
+                                          <p:spTgt spid="2"/>
+                                        </p:tgtEl>
+                                        <p:attrNameLst>
+                                          <p:attrName>style.visibility</p:attrName>
+                                        </p:attrNameLst>
+                                      </p:cBhvr>
+                                      <p:to>
+                                        <p:strVal val="visible"/>
+                                      </p:to>
+                                    </p:set>
+                                    <p:animEffect transition="in" filter="fade">
+                                      <p:cBhvr>
+                                        <p:cTn id="10" dur="400"/>
+                                        <p:tgtEl>
+                                          <p:spTgt spid="2"/>
+                                        </p:tgtEl>
+                                      </p:cBhvr>
+                                    </p:animEffect>
+                                  </p:childTnLst>
+                                </p:cTn>
+                              </p:par>
+                            </p:childTnLst>
+                          </p:cTn>
+                        </p:par>
+                      </p:childTnLst>
+                    </p:cTn>
+                  </p:par>
+                </p:childTnLst>
+              </p:cTn>
+              <p:prevCondLst>
+                <p:cond evt="onPrev" delay="0">
+                  <p:tgtEl>
+                    <p:sldTgt/>
+                  </p:tgtEl>
+                </p:cond>
+              </p:prevCondLst>
+              <p:nextCondLst>
+                <p:cond evt="onNext" delay="0">
+                  <p:tgtEl>
+                    <p:sldTgt/>
+                  </p:tgtEl>
+                </p:cond>
+              </p:nextCondLst>
+            </p:seq>
+          </p:childTnLst>
+        </p:cTn>
+      </p:par>
+    </p:tnLst>
+    <p:bldLst>
+      <p:bldP spid="2" grpId="0"/>
+    </p:bldLst>
+  </p:timing>
+</p:sld>
+</file>
+
+<file path=ppt/slides/slide18.xml><?xml version="1.0" encoding="utf-8"?>
+<p:sld xmlns:a="http://schemas.openxmlformats.org/drawingml/2006/main" xmlns:r="http://schemas.openxmlformats.org/officeDocument/2006/relationships" xmlns:p="http://schemas.openxmlformats.org/presentationml/2006/main">
+  <p:cSld>
+    <p:spTree>
+      <p:nvGrpSpPr>
+        <p:cNvPr id="1" name=""/>
+        <p:cNvGrpSpPr/>
+        <p:nvPr/>
+      </p:nvGrpSpPr>
+      <p:grpSpPr>
+        <a:xfrm>
+          <a:off x="0" y="0"/>
+          <a:ext cx="0" cy="0"/>
+          <a:chOff x="0" y="0"/>
+          <a:chExt cx="0" cy="0"/>
+        </a:xfrm>
+      </p:grpSpPr>
+      <p:sp>
+        <p:nvSpPr>
+          <p:cNvPr id="2" name="Title 1">
+            <a:extLst>
+              <a:ext uri="{FF2B5EF4-FFF2-40B4-BE49-F238E27FC236}">
+                <a16:creationId xmlns:a16="http://schemas.microsoft.com/office/drawing/2014/main" id="{FC7C3386-4B94-47B0-96C9-B893A4DF5476}"/>
+              </a:ext>
+            </a:extLst>
+          </p:cNvPr>
+          <p:cNvSpPr>
+            <a:spLocks noGrp="1"/>
+          </p:cNvSpPr>
+          <p:nvPr>
+            <p:ph type="title"/>
+          </p:nvPr>
+        </p:nvSpPr>
+        <p:spPr>
+          <a:xfrm>
+            <a:off x="1136428" y="627564"/>
+            <a:ext cx="7474172" cy="1325563"/>
+          </a:xfrm>
+        </p:spPr>
+        <p:txBody>
+          <a:bodyPr>
+            <a:normAutofit/>
+          </a:bodyPr>
+          <a:lstStyle/>
+          <a:p>
+            <a:r>
+              <a:rPr lang="en-AU" dirty="0"/>
+              <a:t>Demonstration and observations</a:t>
+            </a:r>
+          </a:p>
+        </p:txBody>
+      </p:sp>
+      <p:sp>
+        <p:nvSpPr>
+          <p:cNvPr id="3" name="Content Placeholder 2">
+            <a:extLst>
+              <a:ext uri="{FF2B5EF4-FFF2-40B4-BE49-F238E27FC236}">
+                <a16:creationId xmlns:a16="http://schemas.microsoft.com/office/drawing/2014/main" id="{781A5B15-8A90-4059-9825-8DA6A0674BB9}"/>
+              </a:ext>
+            </a:extLst>
+          </p:cNvPr>
+          <p:cNvSpPr>
+            <a:spLocks noGrp="1"/>
+          </p:cNvSpPr>
+          <p:nvPr>
+            <p:ph idx="1"/>
+          </p:nvPr>
+        </p:nvSpPr>
+        <p:spPr>
+          <a:xfrm>
+            <a:off x="1136429" y="2278173"/>
+            <a:ext cx="6467867" cy="4285187"/>
+          </a:xfrm>
+        </p:spPr>
+        <p:txBody>
+          <a:bodyPr anchor="t">
+            <a:normAutofit/>
+          </a:bodyPr>
+          <a:lstStyle/>
+          <a:p>
+            <a:endParaRPr lang="en-AU" sz="2400" dirty="0"/>
+          </a:p>
+          <a:p>
+            <a:endParaRPr lang="en-AU" sz="2400" dirty="0"/>
+          </a:p>
+          <a:p>
+            <a:endParaRPr lang="en-AU" sz="2400" dirty="0"/>
+          </a:p>
+          <a:p>
+            <a:endParaRPr lang="en-AU" sz="2400" dirty="0"/>
+          </a:p>
+          <a:p>
+            <a:endParaRPr lang="en-AU" sz="2400" dirty="0"/>
+          </a:p>
+          <a:p>
+            <a:endParaRPr lang="en-AU" sz="2400" dirty="0"/>
+          </a:p>
+          <a:p>
+            <a:endParaRPr lang="en-AU" sz="2400" dirty="0"/>
+          </a:p>
+          <a:p>
+            <a:endParaRPr lang="en-AU" sz="2400" dirty="0"/>
+          </a:p>
+          <a:p>
+            <a:endParaRPr lang="en-AU" sz="2400" dirty="0"/>
+          </a:p>
+          <a:p>
+            <a:endParaRPr lang="en-AU" sz="2400" dirty="0"/>
+          </a:p>
+        </p:txBody>
+      </p:sp>
+      <p:sp>
+        <p:nvSpPr>
+          <p:cNvPr id="19" name="Rectangle 18">
+            <a:extLst>
+              <a:ext uri="{FF2B5EF4-FFF2-40B4-BE49-F238E27FC236}">
+                <a16:creationId xmlns:a16="http://schemas.microsoft.com/office/drawing/2014/main" id="{59A309A7-1751-4ABE-A3C1-EEC40366AD89}"/>
+              </a:ext>
+              <a:ext uri="{C183D7F6-B498-43B3-948B-1728B52AA6E4}">
+                <adec:decorative xmlns:adec="http://schemas.microsoft.com/office/drawing/2017/decorative" val="1"/>
+              </a:ext>
+            </a:extLst>
+          </p:cNvPr>
+          <p:cNvSpPr>
+            <a:spLocks noGrp="1" noRot="1" noChangeAspect="1" noMove="1" noResize="1" noEditPoints="1" noAdjustHandles="1" noChangeArrowheads="1" noChangeShapeType="1" noTextEdit="1"/>
+          </p:cNvSpPr>
+          <p:nvPr>
+            <p:extLst>
+              <p:ext uri="{386F3935-93C4-4BCD-93E2-E3B085C9AB24}">
+                <p16:designElem xmlns:p16="http://schemas.microsoft.com/office/powerpoint/2015/main" val="1"/>
+              </p:ext>
+            </p:extLst>
+          </p:nvPr>
+        </p:nvSpPr>
+        <p:spPr>
+          <a:xfrm>
+            <a:off x="10088880" y="0"/>
+            <a:ext cx="2103120" cy="6858000"/>
+          </a:xfrm>
+          <a:prstGeom prst="rect">
+            <a:avLst/>
+          </a:prstGeom>
+          <a:solidFill>
+            <a:srgbClr val="524267"/>
+          </a:solidFill>
+          <a:ln>
+            <a:noFill/>
+          </a:ln>
+        </p:spPr>
+        <p:style>
+          <a:lnRef idx="2">
+            <a:schemeClr val="accent1">
+              <a:shade val="50000"/>
+            </a:schemeClr>
+          </a:lnRef>
+          <a:fillRef idx="1">
+            <a:schemeClr val="accent1"/>
+          </a:fillRef>
+          <a:effectRef idx="0">
+            <a:schemeClr val="accent1"/>
+          </a:effectRef>
+          <a:fontRef idx="minor">
+            <a:schemeClr val="lt1"/>
+          </a:fontRef>
+        </p:style>
+        <p:txBody>
+          <a:bodyPr rtlCol="0" anchor="ctr"/>
+          <a:lstStyle/>
+          <a:p>
+            <a:pPr algn="ctr"/>
+            <a:endParaRPr lang="en-US"/>
+          </a:p>
+        </p:txBody>
+      </p:sp>
+      <p:sp>
+        <p:nvSpPr>
+          <p:cNvPr id="21" name="Oval 20">
+            <a:extLst>
+              <a:ext uri="{FF2B5EF4-FFF2-40B4-BE49-F238E27FC236}">
+                <a16:creationId xmlns:a16="http://schemas.microsoft.com/office/drawing/2014/main" id="{967D8EB6-EAE1-4F9C-B398-83321E287204}"/>
+              </a:ext>
+              <a:ext uri="{C183D7F6-B498-43B3-948B-1728B52AA6E4}">
+                <adec:decorative xmlns:adec="http://schemas.microsoft.com/office/drawing/2017/decorative" val="1"/>
+              </a:ext>
+            </a:extLst>
+          </p:cNvPr>
+          <p:cNvSpPr>
+            <a:spLocks noGrp="1" noRot="1" noChangeAspect="1" noMove="1" noResize="1" noEditPoints="1" noAdjustHandles="1" noChangeArrowheads="1" noChangeShapeType="1" noTextEdit="1"/>
+          </p:cNvSpPr>
+          <p:nvPr>
+            <p:extLst>
+              <p:ext uri="{386F3935-93C4-4BCD-93E2-E3B085C9AB24}">
+                <p16:designElem xmlns:p16="http://schemas.microsoft.com/office/powerpoint/2015/main" val="1"/>
+              </p:ext>
+            </p:extLst>
+          </p:nvPr>
+        </p:nvSpPr>
+        <p:spPr>
+          <a:xfrm>
+            <a:off x="8915400" y="2358913"/>
+            <a:ext cx="2140172" cy="2140172"/>
+          </a:xfrm>
+          <a:prstGeom prst="ellipse">
+            <a:avLst/>
+          </a:prstGeom>
+          <a:solidFill>
+            <a:srgbClr val="FFFFFF"/>
+          </a:solidFill>
+          <a:ln w="22225">
+            <a:solidFill>
+              <a:srgbClr val="FEAD2A"/>
+            </a:solidFill>
+          </a:ln>
+        </p:spPr>
+        <p:style>
+          <a:lnRef idx="2">
+            <a:schemeClr val="accent1">
+              <a:shade val="50000"/>
+            </a:schemeClr>
+          </a:lnRef>
+          <a:fillRef idx="1">
+            <a:schemeClr val="accent1"/>
+          </a:fillRef>
+          <a:effectRef idx="0">
+            <a:schemeClr val="accent1"/>
+          </a:effectRef>
+          <a:fontRef idx="minor">
+            <a:schemeClr val="lt1"/>
+          </a:fontRef>
+        </p:style>
+        <p:txBody>
+          <a:bodyPr rtlCol="0" anchor="ctr"/>
+          <a:lstStyle/>
+          <a:p>
+            <a:pPr algn="ctr"/>
+            <a:endParaRPr lang="en-US"/>
+          </a:p>
+        </p:txBody>
+      </p:sp>
+      <p:pic>
+        <p:nvPicPr>
+          <p:cNvPr id="4" name="Picture 3">
+            <a:extLst>
+              <a:ext uri="{FF2B5EF4-FFF2-40B4-BE49-F238E27FC236}">
+                <a16:creationId xmlns:a16="http://schemas.microsoft.com/office/drawing/2014/main" id="{9F0C7C96-DE5B-48E5-B2D7-559F67BBD44A}"/>
+              </a:ext>
+            </a:extLst>
+          </p:cNvPr>
+          <p:cNvPicPr>
+            <a:picLocks noChangeAspect="1"/>
+          </p:cNvPicPr>
+          <p:nvPr/>
+        </p:nvPicPr>
+        <p:blipFill rotWithShape="1">
+          <a:blip r:embed="rId2">
+            <a:alphaModFix/>
+          </a:blip>
+          <a:srcRect l="15620" r="9358" b="3"/>
+          <a:stretch/>
+        </p:blipFill>
+        <p:spPr>
+          <a:xfrm>
+            <a:off x="9030743" y="2474254"/>
+            <a:ext cx="1912560" cy="1909489"/>
+          </a:xfrm>
+          <a:custGeom>
+            <a:avLst/>
+            <a:gdLst/>
+            <a:ahLst/>
+            <a:cxnLst/>
+            <a:rect l="l" t="t" r="r" b="b"/>
+            <a:pathLst>
+              <a:path w="6057610" h="6057610">
+                <a:moveTo>
+                  <a:pt x="3028805" y="0"/>
+                </a:moveTo>
+                <a:cubicBezTo>
+                  <a:pt x="4701568" y="0"/>
+                  <a:pt x="6057610" y="1356042"/>
+                  <a:pt x="6057610" y="3028805"/>
+                </a:cubicBezTo>
+                <a:cubicBezTo>
+                  <a:pt x="6057610" y="4701568"/>
+                  <a:pt x="4701568" y="6057610"/>
+                  <a:pt x="3028805" y="6057610"/>
+                </a:cubicBezTo>
+                <a:cubicBezTo>
+                  <a:pt x="1356042" y="6057610"/>
+                  <a:pt x="0" y="4701568"/>
+                  <a:pt x="0" y="3028805"/>
+                </a:cubicBezTo>
+                <a:cubicBezTo>
+                  <a:pt x="0" y="1356042"/>
+                  <a:pt x="1356042" y="0"/>
+                  <a:pt x="3028805" y="0"/>
+                </a:cubicBezTo>
+                <a:close/>
+              </a:path>
+            </a:pathLst>
+          </a:custGeom>
+          <a:effectLst>
+            <a:softEdge rad="0"/>
+          </a:effectLst>
+        </p:spPr>
+      </p:pic>
+      <p:sp>
+        <p:nvSpPr>
+          <p:cNvPr id="9" name="Content Placeholder 2">
+            <a:extLst>
+              <a:ext uri="{FF2B5EF4-FFF2-40B4-BE49-F238E27FC236}">
+                <a16:creationId xmlns:a16="http://schemas.microsoft.com/office/drawing/2014/main" id="{E7C0C5DB-61CB-406D-BF73-D2B7D24EFEBF}"/>
+              </a:ext>
+            </a:extLst>
+          </p:cNvPr>
+          <p:cNvSpPr txBox="1">
+            <a:spLocks/>
+          </p:cNvSpPr>
+          <p:nvPr/>
+        </p:nvSpPr>
+        <p:spPr>
+          <a:xfrm>
+            <a:off x="1136429" y="2278173"/>
+            <a:ext cx="6467867" cy="3450613"/>
+          </a:xfrm>
+          <a:prstGeom prst="rect">
+            <a:avLst/>
+          </a:prstGeom>
+        </p:spPr>
+        <p:txBody>
+          <a:bodyPr vert="horz" lIns="91440" tIns="45720" rIns="91440" bIns="45720" rtlCol="0" anchor="t">
+            <a:normAutofit/>
+          </a:bodyPr>
+          <a:lstStyle>
+            <a:lvl1pPr marL="228600" indent="-228600" algn="l" defTabSz="914400" rtl="0" eaLnBrk="1" latinLnBrk="0" hangingPunct="1">
+              <a:lnSpc>
+                <a:spcPct val="90000"/>
+              </a:lnSpc>
+              <a:spcBef>
+                <a:spcPts val="1000"/>
+              </a:spcBef>
+              <a:buFont typeface="Arial" panose="020B0604020202020204" pitchFamily="34" charset="0"/>
+              <a:buChar char="•"/>
+              <a:defRPr sz="2800" kern="1200">
+                <a:solidFill>
+                  <a:schemeClr val="tx1"/>
+                </a:solidFill>
+                <a:latin typeface="+mn-lt"/>
+                <a:ea typeface="+mn-ea"/>
+                <a:cs typeface="+mn-cs"/>
+              </a:defRPr>
+            </a:lvl1pPr>
+            <a:lvl2pPr marL="685800" indent="-228600" algn="l" defTabSz="914400" rtl="0" eaLnBrk="1" latinLnBrk="0" hangingPunct="1">
+              <a:lnSpc>
+                <a:spcPct val="90000"/>
+              </a:lnSpc>
+              <a:spcBef>
+                <a:spcPts val="500"/>
+              </a:spcBef>
+              <a:buFont typeface="Arial" panose="020B0604020202020204" pitchFamily="34" charset="0"/>
+              <a:buChar char="•"/>
+              <a:defRPr sz="2400" kern="1200">
+                <a:solidFill>
+                  <a:schemeClr val="tx1"/>
+                </a:solidFill>
+                <a:latin typeface="+mn-lt"/>
+                <a:ea typeface="+mn-ea"/>
+                <a:cs typeface="+mn-cs"/>
+              </a:defRPr>
+            </a:lvl2pPr>
+            <a:lvl3pPr marL="1143000" indent="-228600" algn="l" defTabSz="914400" rtl="0" eaLnBrk="1" latinLnBrk="0" hangingPunct="1">
+              <a:lnSpc>
+                <a:spcPct val="90000"/>
+              </a:lnSpc>
+              <a:spcBef>
+                <a:spcPts val="500"/>
+              </a:spcBef>
+              <a:buFont typeface="Arial" panose="020B0604020202020204" pitchFamily="34" charset="0"/>
+              <a:buChar char="•"/>
+              <a:defRPr sz="2000" kern="1200">
+                <a:solidFill>
+                  <a:schemeClr val="tx1"/>
+                </a:solidFill>
+                <a:latin typeface="+mn-lt"/>
+                <a:ea typeface="+mn-ea"/>
+                <a:cs typeface="+mn-cs"/>
+              </a:defRPr>
+            </a:lvl3pPr>
+            <a:lvl4pPr marL="1600200" indent="-228600" algn="l" defTabSz="914400" rtl="0" eaLnBrk="1" latinLnBrk="0" hangingPunct="1">
+              <a:lnSpc>
+                <a:spcPct val="90000"/>
+              </a:lnSpc>
+              <a:spcBef>
+                <a:spcPts val="500"/>
+              </a:spcBef>
+              <a:buFont typeface="Arial" panose="020B0604020202020204" pitchFamily="34" charset="0"/>
+              <a:buChar char="•"/>
+              <a:defRPr sz="1800" kern="1200">
+                <a:solidFill>
+                  <a:schemeClr val="tx1"/>
+                </a:solidFill>
+                <a:latin typeface="+mn-lt"/>
+                <a:ea typeface="+mn-ea"/>
+                <a:cs typeface="+mn-cs"/>
+              </a:defRPr>
+            </a:lvl4pPr>
+            <a:lvl5pPr marL="2057400" indent="-228600" algn="l" defTabSz="914400" rtl="0" eaLnBrk="1" latinLnBrk="0" hangingPunct="1">
+              <a:lnSpc>
+                <a:spcPct val="90000"/>
+              </a:lnSpc>
+              <a:spcBef>
+                <a:spcPts val="500"/>
+              </a:spcBef>
+              <a:buFont typeface="Arial" panose="020B0604020202020204" pitchFamily="34" charset="0"/>
+              <a:buChar char="•"/>
+              <a:defRPr sz="1800" kern="1200">
+                <a:solidFill>
+                  <a:schemeClr val="tx1"/>
+                </a:solidFill>
+                <a:latin typeface="+mn-lt"/>
+                <a:ea typeface="+mn-ea"/>
+                <a:cs typeface="+mn-cs"/>
+              </a:defRPr>
+            </a:lvl5pPr>
+            <a:lvl6pPr marL="2514600" indent="-228600" algn="l" defTabSz="914400" rtl="0" eaLnBrk="1" latinLnBrk="0" hangingPunct="1">
+              <a:lnSpc>
+                <a:spcPct val="90000"/>
+              </a:lnSpc>
+              <a:spcBef>
+                <a:spcPts val="500"/>
+              </a:spcBef>
+              <a:buFont typeface="Arial" panose="020B0604020202020204" pitchFamily="34" charset="0"/>
+              <a:buChar char="•"/>
+              <a:defRPr sz="1800" kern="1200">
+                <a:solidFill>
+                  <a:schemeClr val="tx1"/>
+                </a:solidFill>
+                <a:latin typeface="+mn-lt"/>
+                <a:ea typeface="+mn-ea"/>
+                <a:cs typeface="+mn-cs"/>
+              </a:defRPr>
+            </a:lvl6pPr>
+            <a:lvl7pPr marL="2971800" indent="-228600" algn="l" defTabSz="914400" rtl="0" eaLnBrk="1" latinLnBrk="0" hangingPunct="1">
+              <a:lnSpc>
+                <a:spcPct val="90000"/>
+              </a:lnSpc>
+              <a:spcBef>
+                <a:spcPts val="500"/>
+              </a:spcBef>
+              <a:buFont typeface="Arial" panose="020B0604020202020204" pitchFamily="34" charset="0"/>
+              <a:buChar char="•"/>
+              <a:defRPr sz="1800" kern="1200">
+                <a:solidFill>
+                  <a:schemeClr val="tx1"/>
+                </a:solidFill>
+                <a:latin typeface="+mn-lt"/>
+                <a:ea typeface="+mn-ea"/>
+                <a:cs typeface="+mn-cs"/>
+              </a:defRPr>
+            </a:lvl7pPr>
+            <a:lvl8pPr marL="3429000" indent="-228600" algn="l" defTabSz="914400" rtl="0" eaLnBrk="1" latinLnBrk="0" hangingPunct="1">
+              <a:lnSpc>
+                <a:spcPct val="90000"/>
+              </a:lnSpc>
+              <a:spcBef>
+                <a:spcPts val="500"/>
+              </a:spcBef>
+              <a:buFont typeface="Arial" panose="020B0604020202020204" pitchFamily="34" charset="0"/>
+              <a:buChar char="•"/>
+              <a:defRPr sz="1800" kern="1200">
+                <a:solidFill>
+                  <a:schemeClr val="tx1"/>
+                </a:solidFill>
+                <a:latin typeface="+mn-lt"/>
+                <a:ea typeface="+mn-ea"/>
+                <a:cs typeface="+mn-cs"/>
+              </a:defRPr>
+            </a:lvl8pPr>
+            <a:lvl9pPr marL="3886200" indent="-228600" algn="l" defTabSz="914400" rtl="0" eaLnBrk="1" latinLnBrk="0" hangingPunct="1">
+              <a:lnSpc>
+                <a:spcPct val="90000"/>
+              </a:lnSpc>
+              <a:spcBef>
+                <a:spcPts val="500"/>
+              </a:spcBef>
+              <a:buFont typeface="Arial" panose="020B0604020202020204" pitchFamily="34" charset="0"/>
+              <a:buChar char="•"/>
+              <a:defRPr sz="1800" kern="1200">
+                <a:solidFill>
+                  <a:schemeClr val="tx1"/>
+                </a:solidFill>
+                <a:latin typeface="+mn-lt"/>
+                <a:ea typeface="+mn-ea"/>
+                <a:cs typeface="+mn-cs"/>
+              </a:defRPr>
+            </a:lvl9pPr>
+          </a:lstStyle>
+          <a:p>
+            <a:pPr>
+              <a:buFont typeface="Arial" panose="020B0604020202020204" pitchFamily="34" charset="0"/>
+              <a:buBlip>
+                <a:blip r:embed="rId3"/>
+              </a:buBlip>
+            </a:pPr>
+            <a:r>
+              <a:rPr lang="en-AU" sz="1700" dirty="0"/>
+              <a:t>TBD</a:t>
+            </a:r>
+            <a:endParaRPr lang="en-US" sz="1700" dirty="0"/>
+          </a:p>
+        </p:txBody>
+      </p:sp>
+    </p:spTree>
+    <p:extLst>
+      <p:ext uri="{BB962C8B-B14F-4D97-AF65-F5344CB8AC3E}">
+        <p14:creationId xmlns:p14="http://schemas.microsoft.com/office/powerpoint/2010/main" val="2027781849"/>
+      </p:ext>
+    </p:extLst>
+  </p:cSld>
+  <p:clrMapOvr>
+    <a:masterClrMapping/>
+  </p:clrMapOvr>
+  <p:timing>
+    <p:tnLst>
+      <p:par>
+        <p:cTn id="1" dur="indefinite" restart="never" nodeType="tmRoot">
+          <p:childTnLst>
+            <p:seq concurrent="1" nextAc="seek">
+              <p:cTn id="2" dur="indefinite" nodeType="mainSeq">
+                <p:childTnLst>
+                  <p:par>
+                    <p:cTn id="3" fill="hold">
+                      <p:stCondLst>
+                        <p:cond delay="indefinite"/>
+                        <p:cond evt="onBegin" delay="0">
+                          <p:tn val="2"/>
+                        </p:cond>
+                      </p:stCondLst>
+                      <p:childTnLst>
+                        <p:par>
+                          <p:cTn id="4" fill="hold">
+                            <p:stCondLst>
+                              <p:cond delay="0"/>
+                            </p:stCondLst>
+                            <p:childTnLst>
+                              <p:par>
+                                <p:cTn id="5" presetID="10" presetClass="entr" presetSubtype="0" fill="hold" nodeType="withEffect">
+                                  <p:stCondLst>
+                                    <p:cond delay="0"/>
+                                  </p:stCondLst>
+                                  <p:iterate>
+                                    <p:tmPct val="10000"/>
+                                  </p:iterate>
+                                  <p:childTnLst>
+                                    <p:set>
+                                      <p:cBhvr>
+                                        <p:cTn id="6" dur="1" fill="hold">
+                                          <p:stCondLst>
+                                            <p:cond delay="0"/>
+                                          </p:stCondLst>
+                                        </p:cTn>
+                                        <p:tgtEl>
+                                          <p:spTgt spid="4"/>
+                                        </p:tgtEl>
+                                        <p:attrNameLst>
+                                          <p:attrName>style.visibility</p:attrName>
+                                        </p:attrNameLst>
+                                      </p:cBhvr>
+                                      <p:to>
+                                        <p:strVal val="visible"/>
+                                      </p:to>
+                                    </p:set>
+                                    <p:animEffect transition="in" filter="fade">
+                                      <p:cBhvr>
+                                        <p:cTn id="7" dur="700"/>
+                                        <p:tgtEl>
+                                          <p:spTgt spid="4"/>
+                                        </p:tgtEl>
+                                      </p:cBhvr>
+                                    </p:animEffect>
+                                  </p:childTnLst>
+                                </p:cTn>
+                              </p:par>
+                              <p:par>
+                                <p:cTn id="8" presetID="10" presetClass="entr" presetSubtype="0" fill="hold" grpId="0" nodeType="withEffect">
+                                  <p:stCondLst>
+                                    <p:cond delay="1000"/>
+                                  </p:stCondLst>
+                                  <p:iterate type="lt">
+                                    <p:tmPct val="10000"/>
+                                  </p:iterate>
+                                  <p:childTnLst>
+                                    <p:set>
+                                      <p:cBhvr>
+                                        <p:cTn id="9" dur="1" fill="hold">
+                                          <p:stCondLst>
+                                            <p:cond delay="0"/>
+                                          </p:stCondLst>
+                                        </p:cTn>
+                                        <p:tgtEl>
+                                          <p:spTgt spid="2"/>
+                                        </p:tgtEl>
+                                        <p:attrNameLst>
+                                          <p:attrName>style.visibility</p:attrName>
+                                        </p:attrNameLst>
+                                      </p:cBhvr>
+                                      <p:to>
+                                        <p:strVal val="visible"/>
+                                      </p:to>
+                                    </p:set>
+                                    <p:animEffect transition="in" filter="fade">
+                                      <p:cBhvr>
+                                        <p:cTn id="10" dur="400"/>
+                                        <p:tgtEl>
+                                          <p:spTgt spid="2"/>
+                                        </p:tgtEl>
+                                      </p:cBhvr>
+                                    </p:animEffect>
+                                  </p:childTnLst>
+                                </p:cTn>
+                              </p:par>
+                            </p:childTnLst>
+                          </p:cTn>
+                        </p:par>
+                      </p:childTnLst>
+                    </p:cTn>
+                  </p:par>
+                </p:childTnLst>
+              </p:cTn>
+              <p:prevCondLst>
+                <p:cond evt="onPrev" delay="0">
+                  <p:tgtEl>
+                    <p:sldTgt/>
+                  </p:tgtEl>
+                </p:cond>
+              </p:prevCondLst>
+              <p:nextCondLst>
+                <p:cond evt="onNext" delay="0">
+                  <p:tgtEl>
+                    <p:sldTgt/>
+                  </p:tgtEl>
+                </p:cond>
+              </p:nextCondLst>
+            </p:seq>
+          </p:childTnLst>
+        </p:cTn>
+      </p:par>
+    </p:tnLst>
+    <p:bldLst>
+      <p:bldP spid="2" grpId="0"/>
+    </p:bldLst>
+  </p:timing>
+</p:sld>
+</file>
+
+<file path=ppt/slides/slide19.xml><?xml version="1.0" encoding="utf-8"?>
+<p:sld xmlns:a="http://schemas.openxmlformats.org/drawingml/2006/main" xmlns:r="http://schemas.openxmlformats.org/officeDocument/2006/relationships" xmlns:p="http://schemas.openxmlformats.org/presentationml/2006/main">
+  <p:cSld>
+    <p:spTree>
+      <p:nvGrpSpPr>
+        <p:cNvPr id="1" name=""/>
+        <p:cNvGrpSpPr/>
+        <p:nvPr/>
+      </p:nvGrpSpPr>
+      <p:grpSpPr>
+        <a:xfrm>
+          <a:off x="0" y="0"/>
+          <a:ext cx="0" cy="0"/>
+          <a:chOff x="0" y="0"/>
+          <a:chExt cx="0" cy="0"/>
+        </a:xfrm>
+      </p:grpSpPr>
+      <p:sp>
+        <p:nvSpPr>
+          <p:cNvPr id="2" name="Title 1">
+            <a:extLst>
+              <a:ext uri="{FF2B5EF4-FFF2-40B4-BE49-F238E27FC236}">
                 <a16:creationId xmlns:a16="http://schemas.microsoft.com/office/drawing/2014/main" id="{FC7C3386-4B94-47B0-96C9-B893A4DF5476}"/>
               </a:ext>
             </a:extLst>
@@ -7723,14 +10984,14 @@
           <p:nvPr>
             <p:extLst>
               <p:ext uri="{D42A27DB-BD31-4B8C-83A1-F6EECF244321}">
-                <p14:modId xmlns:p14="http://schemas.microsoft.com/office/powerpoint/2010/main" val="437682994"/>
+                <p14:modId xmlns:p14="http://schemas.microsoft.com/office/powerpoint/2010/main" val="2273533780"/>
               </p:ext>
             </p:extLst>
           </p:nvPr>
         </p:nvGraphicFramePr>
         <p:xfrm>
           <a:off x="787400" y="2158703"/>
-          <a:ext cx="6746875" cy="3688080"/>
+          <a:ext cx="6746875" cy="3418840"/>
         </p:xfrm>
         <a:graphic>
           <a:graphicData uri="http://schemas.openxmlformats.org/drawingml/2006/table">
@@ -7762,7 +11023,7 @@
                     <a:p>
                       <a:r>
                         <a:rPr lang="en-AU" dirty="0"/>
-                        <a:t>Enhancements</a:t>
+                        <a:t>Challenges</a:t>
                       </a:r>
                     </a:p>
                   </a:txBody>
@@ -7775,7 +11036,7 @@
                     <a:p>
                       <a:r>
                         <a:rPr lang="en-AU" dirty="0"/>
-                        <a:t>Challenges</a:t>
+                        <a:t>Improvements</a:t>
                       </a:r>
                     </a:p>
                   </a:txBody>
@@ -7784,6 +11045,67 @@
                 <a:extLst>
                   <a:ext uri="{0D108BD9-81ED-4DB2-BD59-A6C34878D82A}">
                     <a16:rowId xmlns:a16="http://schemas.microsoft.com/office/drawing/2014/main" val="2176207386"/>
+                  </a:ext>
+                </a:extLst>
+              </a:tr>
+              <a:tr h="370840">
+                <a:tc>
+                  <a:txBody>
+                    <a:bodyPr/>
+                    <a:lstStyle/>
+                    <a:p>
+                      <a:r>
+                        <a:rPr lang="en-AU" sz="1400" dirty="0"/>
+                        <a:t>As the dataset did not contain the coordinates of the electorates, the outlining of each of the electorates had to be created using </a:t>
+                      </a:r>
+                      <a:r>
+                        <a:rPr lang="en-AU" sz="1400" dirty="0" err="1"/>
+                        <a:t>GeoJSON</a:t>
+                      </a:r>
+                      <a:r>
+                        <a:rPr lang="en-AU" sz="1400" dirty="0"/>
+                        <a:t>. </a:t>
+                      </a:r>
+                    </a:p>
+                  </a:txBody>
+                  <a:tcPr/>
+                </a:tc>
+                <a:tc>
+                  <a:txBody>
+                    <a:bodyPr/>
+                    <a:lstStyle/>
+                    <a:p>
+                      <a:pPr marL="0" marR="0" lvl="0" indent="0" algn="l" defTabSz="914400" rtl="0" eaLnBrk="1" fontAlgn="auto" latinLnBrk="0" hangingPunct="1">
+                        <a:lnSpc>
+                          <a:spcPct val="100000"/>
+                        </a:lnSpc>
+                        <a:spcBef>
+                          <a:spcPts val="0"/>
+                        </a:spcBef>
+                        <a:spcAft>
+                          <a:spcPts val="0"/>
+                        </a:spcAft>
+                        <a:buClrTx/>
+                        <a:buSzTx/>
+                        <a:buFontTx/>
+                        <a:buNone/>
+                        <a:tabLst/>
+                        <a:defRPr/>
+                      </a:pPr>
+                      <a:r>
+                        <a:rPr lang="en-AU" sz="1400" dirty="0"/>
+                        <a:t>No colour was shown for certain electorates in the map as some data was missing in part of the data sources</a:t>
+                      </a:r>
+                    </a:p>
+                    <a:p>
+                      <a:endParaRPr lang="en-AU" sz="1400" dirty="0"/>
+                    </a:p>
+                  </a:txBody>
+                  <a:tcPr/>
+                </a:tc>
+                <a:extLst>
+                  <a:ext uri="{0D108BD9-81ED-4DB2-BD59-A6C34878D82A}">
+                    <a16:rowId xmlns:a16="http://schemas.microsoft.com/office/drawing/2014/main" val="2574410936"/>
                   </a:ext>
                 </a:extLst>
               </a:tr>
@@ -7812,46 +11134,8 @@
                       </a:pPr>
                       <a:r>
                         <a:rPr lang="en-AU" sz="1400" dirty="0"/>
-                        <a:t>No colour was shown for certain electorates in the map as the data did not entirely match up</a:t>
+                        <a:t>Opening the app on Australia (and not on state level)</a:t>
                       </a:r>
-                    </a:p>
-                  </a:txBody>
-                  <a:tcPr/>
-                </a:tc>
-                <a:tc>
-                  <a:txBody>
-                    <a:bodyPr/>
-                    <a:lstStyle/>
-                    <a:p>
-                      <a:r>
-                        <a:rPr lang="en-AU" sz="1400" dirty="0"/>
-                        <a:t>As the dataset did not contain the coordinates of the electorates, the outlining of each of the electorates had to be created using </a:t>
-                      </a:r>
-                      <a:r>
-                        <a:rPr lang="en-AU" sz="1400"/>
-                        <a:t>GeoJSON</a:t>
-                      </a:r>
-                      <a:r>
-                        <a:rPr lang="en-AU" sz="1400" dirty="0"/>
-                        <a:t>. </a:t>
-                      </a:r>
-                    </a:p>
-                  </a:txBody>
-                  <a:tcPr/>
-                </a:tc>
-                <a:extLst>
-                  <a:ext uri="{0D108BD9-81ED-4DB2-BD59-A6C34878D82A}">
-                    <a16:rowId xmlns:a16="http://schemas.microsoft.com/office/drawing/2014/main" val="2574410936"/>
-                  </a:ext>
-                </a:extLst>
-              </a:tr>
-              <a:tr h="370840">
-                <a:tc>
-                  <a:txBody>
-                    <a:bodyPr/>
-                    <a:lstStyle/>
-                    <a:p>
-                      <a:endParaRPr lang="en-AU" sz="1400" dirty="0"/>
                     </a:p>
                   </a:txBody>
                   <a:tcPr/>
@@ -7880,7 +11164,7 @@
                       </a:pPr>
                       <a:r>
                         <a:rPr lang="en-AU" sz="1400" dirty="0"/>
-                        <a:t>Open the app on Australia (and not on state level)</a:t>
+                        <a:t>Trend analysis at a glance whether a similar trend can be identified between age, education and voting behaviour across all states or whether the trend is different within each state</a:t>
                       </a:r>
                     </a:p>
                   </a:txBody>
@@ -7898,7 +11182,27 @@
                     <a:bodyPr/>
                     <a:lstStyle/>
                     <a:p>
-                      <a:endParaRPr lang="en-AU" sz="1400" dirty="0"/>
+                      <a:pPr marL="0" marR="0" lvl="0" indent="0" algn="l" defTabSz="914400" rtl="0" eaLnBrk="1" fontAlgn="auto" latinLnBrk="0" hangingPunct="1">
+                        <a:lnSpc>
+                          <a:spcPct val="100000"/>
+                        </a:lnSpc>
+                        <a:spcBef>
+                          <a:spcPts val="0"/>
+                        </a:spcBef>
+                        <a:spcAft>
+                          <a:spcPts val="0"/>
+                        </a:spcAft>
+                        <a:buClrTx/>
+                        <a:buSzTx/>
+                        <a:buFontTx/>
+                        <a:buNone/>
+                        <a:tabLst/>
+                        <a:defRPr/>
+                      </a:pPr>
+                      <a:r>
+                        <a:rPr lang="en-AU" sz="1400" dirty="0"/>
+                        <a:t>Various data sources have slightly different names for certain electorates which resulted in a mismatch in number of data entry points</a:t>
+                      </a:r>
                     </a:p>
                   </a:txBody>
                   <a:tcPr/>
@@ -7933,182 +11237,6 @@
                 <a:extLst>
                   <a:ext uri="{0D108BD9-81ED-4DB2-BD59-A6C34878D82A}">
                     <a16:rowId xmlns:a16="http://schemas.microsoft.com/office/drawing/2014/main" val="1026253916"/>
-                  </a:ext>
-                </a:extLst>
-              </a:tr>
-              <a:tr h="370840">
-                <a:tc>
-                  <a:txBody>
-                    <a:bodyPr/>
-                    <a:lstStyle/>
-                    <a:p>
-                      <a:endParaRPr lang="en-AU" sz="1400" dirty="0"/>
-                    </a:p>
-                  </a:txBody>
-                  <a:tcPr/>
-                </a:tc>
-                <a:tc>
-                  <a:txBody>
-                    <a:bodyPr/>
-                    <a:lstStyle/>
-                    <a:p>
-                      <a:pPr marL="0" marR="0" lvl="0" indent="0" algn="l" defTabSz="914400" rtl="0" eaLnBrk="1" fontAlgn="auto" latinLnBrk="0" hangingPunct="1">
-                        <a:lnSpc>
-                          <a:spcPct val="100000"/>
-                        </a:lnSpc>
-                        <a:spcBef>
-                          <a:spcPts val="0"/>
-                        </a:spcBef>
-                        <a:spcAft>
-                          <a:spcPts val="0"/>
-                        </a:spcAft>
-                        <a:buClrTx/>
-                        <a:buSzTx/>
-                        <a:buFontTx/>
-                        <a:buNone/>
-                        <a:tabLst/>
-                        <a:defRPr/>
-                      </a:pPr>
-                      <a:endParaRPr lang="en-AU" sz="1400" dirty="0"/>
-                    </a:p>
-                  </a:txBody>
-                  <a:tcPr/>
-                </a:tc>
-                <a:extLst>
-                  <a:ext uri="{0D108BD9-81ED-4DB2-BD59-A6C34878D82A}">
-                    <a16:rowId xmlns:a16="http://schemas.microsoft.com/office/drawing/2014/main" val="3184453006"/>
-                  </a:ext>
-                </a:extLst>
-              </a:tr>
-              <a:tr h="370840">
-                <a:tc>
-                  <a:txBody>
-                    <a:bodyPr/>
-                    <a:lstStyle/>
-                    <a:p>
-                      <a:endParaRPr lang="en-AU" sz="1400" dirty="0"/>
-                    </a:p>
-                  </a:txBody>
-                  <a:tcPr/>
-                </a:tc>
-                <a:tc>
-                  <a:txBody>
-                    <a:bodyPr/>
-                    <a:lstStyle/>
-                    <a:p>
-                      <a:pPr marL="0" marR="0" lvl="0" indent="0" algn="l" defTabSz="914400" rtl="0" eaLnBrk="1" fontAlgn="auto" latinLnBrk="0" hangingPunct="1">
-                        <a:lnSpc>
-                          <a:spcPct val="100000"/>
-                        </a:lnSpc>
-                        <a:spcBef>
-                          <a:spcPts val="0"/>
-                        </a:spcBef>
-                        <a:spcAft>
-                          <a:spcPts val="0"/>
-                        </a:spcAft>
-                        <a:buClrTx/>
-                        <a:buSzTx/>
-                        <a:buFontTx/>
-                        <a:buNone/>
-                        <a:tabLst/>
-                        <a:defRPr/>
-                      </a:pPr>
-                      <a:endParaRPr lang="en-AU" sz="1400" dirty="0"/>
-                    </a:p>
-                  </a:txBody>
-                  <a:tcPr/>
-                </a:tc>
-                <a:extLst>
-                  <a:ext uri="{0D108BD9-81ED-4DB2-BD59-A6C34878D82A}">
-                    <a16:rowId xmlns:a16="http://schemas.microsoft.com/office/drawing/2014/main" val="2040560376"/>
-                  </a:ext>
-                </a:extLst>
-              </a:tr>
-              <a:tr h="370840">
-                <a:tc>
-                  <a:txBody>
-                    <a:bodyPr/>
-                    <a:lstStyle/>
-                    <a:p>
-                      <a:endParaRPr lang="en-AU" sz="1400" dirty="0"/>
-                    </a:p>
-                  </a:txBody>
-                  <a:tcPr/>
-                </a:tc>
-                <a:tc>
-                  <a:txBody>
-                    <a:bodyPr/>
-                    <a:lstStyle/>
-                    <a:p>
-                      <a:pPr marL="0" marR="0" lvl="0" indent="0" algn="l" defTabSz="914400" rtl="0" eaLnBrk="1" fontAlgn="auto" latinLnBrk="0" hangingPunct="1">
-                        <a:lnSpc>
-                          <a:spcPct val="100000"/>
-                        </a:lnSpc>
-                        <a:spcBef>
-                          <a:spcPts val="0"/>
-                        </a:spcBef>
-                        <a:spcAft>
-                          <a:spcPts val="0"/>
-                        </a:spcAft>
-                        <a:buClrTx/>
-                        <a:buSzTx/>
-                        <a:buFontTx/>
-                        <a:buNone/>
-                        <a:tabLst/>
-                        <a:defRPr/>
-                      </a:pPr>
-                      <a:endParaRPr lang="en-AU" sz="1400" dirty="0"/>
-                    </a:p>
-                  </a:txBody>
-                  <a:tcPr/>
-                </a:tc>
-                <a:extLst>
-                  <a:ext uri="{0D108BD9-81ED-4DB2-BD59-A6C34878D82A}">
-                    <a16:rowId xmlns:a16="http://schemas.microsoft.com/office/drawing/2014/main" val="147852397"/>
-                  </a:ext>
-                </a:extLst>
-              </a:tr>
-              <a:tr h="370840">
-                <a:tc>
-                  <a:txBody>
-                    <a:bodyPr/>
-                    <a:lstStyle/>
-                    <a:p>
-                      <a:endParaRPr lang="en-AU" sz="1400" dirty="0"/>
-                    </a:p>
-                  </a:txBody>
-                  <a:tcPr/>
-                </a:tc>
-                <a:tc>
-                  <a:txBody>
-                    <a:bodyPr/>
-                    <a:lstStyle/>
-                    <a:p>
-                      <a:pPr marL="0" marR="0" lvl="0" indent="0" algn="l" defTabSz="914400" rtl="0" eaLnBrk="1" fontAlgn="auto" latinLnBrk="0" hangingPunct="1">
-                        <a:lnSpc>
-                          <a:spcPct val="100000"/>
-                        </a:lnSpc>
-                        <a:spcBef>
-                          <a:spcPts val="0"/>
-                        </a:spcBef>
-                        <a:spcAft>
-                          <a:spcPts val="0"/>
-                        </a:spcAft>
-                        <a:buClrTx/>
-                        <a:buSzTx/>
-                        <a:buFontTx/>
-                        <a:buNone/>
-                        <a:tabLst/>
-                        <a:defRPr/>
-                      </a:pPr>
-                      <a:endParaRPr lang="en-AU" sz="1400" dirty="0"/>
-                    </a:p>
-                  </a:txBody>
-                  <a:tcPr/>
-                </a:tc>
-                <a:extLst>
-                  <a:ext uri="{0D108BD9-81ED-4DB2-BD59-A6C34878D82A}">
-                    <a16:rowId xmlns:a16="http://schemas.microsoft.com/office/drawing/2014/main" val="3822253465"/>
                   </a:ext>
                 </a:extLst>
               </a:tr>
@@ -8259,7 +11387,7 @@
 </p:sld>
 </file>
 
-<file path=ppt/slides/slide14.xml><?xml version="1.0" encoding="utf-8"?>
+<file path=ppt/slides/slide2.xml><?xml version="1.0" encoding="utf-8"?>
 <p:sld xmlns:a="http://schemas.openxmlformats.org/drawingml/2006/main" xmlns:r="http://schemas.openxmlformats.org/officeDocument/2006/relationships" xmlns:p="http://schemas.openxmlformats.org/presentationml/2006/main">
   <p:cSld>
     <p:bg>
@@ -8289,7 +11417,7 @@
           <p:cNvPr id="2" name="Title 1">
             <a:extLst>
               <a:ext uri="{FF2B5EF4-FFF2-40B4-BE49-F238E27FC236}">
-                <a16:creationId xmlns:a16="http://schemas.microsoft.com/office/drawing/2014/main" id="{CE1BF6F0-38DF-4C23-8D33-D1DD64AFD9B2}"/>
+                <a16:creationId xmlns:a16="http://schemas.microsoft.com/office/drawing/2014/main" id="{6E263BEE-3E7B-4F91-A901-B9B1ECB34029}"/>
               </a:ext>
             </a:extLst>
           </p:cNvPr>
@@ -8313,9 +11441,10 @@
           <a:lstStyle/>
           <a:p>
             <a:r>
-              <a:rPr lang="en-AU" dirty="0"/>
-              <a:t>Questions?</a:t>
+              <a:rPr lang="en-AU"/>
+              <a:t>Agenda</a:t>
             </a:r>
+            <a:endParaRPr lang="en-AU" dirty="0"/>
           </a:p>
         </p:txBody>
       </p:sp>
@@ -8324,7 +11453,7 @@
           <p:cNvPr id="3" name="Content Placeholder 2">
             <a:extLst>
               <a:ext uri="{FF2B5EF4-FFF2-40B4-BE49-F238E27FC236}">
-                <a16:creationId xmlns:a16="http://schemas.microsoft.com/office/drawing/2014/main" id="{6E308B2B-BF74-45EC-8E39-3CE63BA26D6A}"/>
+                <a16:creationId xmlns:a16="http://schemas.microsoft.com/office/drawing/2014/main" id="{4B153D44-032C-4EE8-9373-F409D6877ECA}"/>
               </a:ext>
             </a:extLst>
           </p:cNvPr>
@@ -8342,12 +11471,378 @@
           </a:xfrm>
         </p:spPr>
         <p:txBody>
-          <a:bodyPr anchor="ctr">
+          <a:bodyPr anchor="t">
+            <a:normAutofit fontScale="92500" lnSpcReduction="20000"/>
+          </a:bodyPr>
+          <a:lstStyle/>
+          <a:p>
+            <a:pPr>
+              <a:buBlip>
+                <a:blip r:embed="rId2"/>
+              </a:buBlip>
+            </a:pPr>
+            <a:r>
+              <a:rPr lang="en-AU" sz="2400" dirty="0"/>
+              <a:t>Theme and purpose </a:t>
+            </a:r>
+          </a:p>
+          <a:p>
+            <a:pPr>
+              <a:buBlip>
+                <a:blip r:embed="rId2"/>
+              </a:buBlip>
+            </a:pPr>
+            <a:r>
+              <a:rPr lang="en-AU" sz="2400" dirty="0"/>
+              <a:t>Project overview </a:t>
+            </a:r>
+          </a:p>
+          <a:p>
+            <a:pPr>
+              <a:buBlip>
+                <a:blip r:embed="rId2"/>
+              </a:buBlip>
+            </a:pPr>
+            <a:r>
+              <a:rPr lang="en-AU" sz="2400" dirty="0"/>
+              <a:t>Data sources</a:t>
+            </a:r>
+          </a:p>
+          <a:p>
+            <a:pPr>
+              <a:buBlip>
+                <a:blip r:embed="rId2"/>
+              </a:buBlip>
+            </a:pPr>
+            <a:r>
+              <a:rPr lang="en-AU" sz="2400" dirty="0"/>
+              <a:t>Extract, Transform and Load</a:t>
+            </a:r>
+          </a:p>
+          <a:p>
+            <a:pPr>
+              <a:buBlip>
+                <a:blip r:embed="rId2"/>
+              </a:buBlip>
+            </a:pPr>
+            <a:r>
+              <a:rPr lang="en-AU" sz="2400" dirty="0"/>
+              <a:t>Coding approach </a:t>
+            </a:r>
+          </a:p>
+          <a:p>
+            <a:pPr>
+              <a:buBlip>
+                <a:blip r:embed="rId2"/>
+              </a:buBlip>
+            </a:pPr>
+            <a:r>
+              <a:rPr lang="en-AU" sz="2400" dirty="0"/>
+              <a:t>Snapshots code, raw data and visualisations</a:t>
+            </a:r>
+          </a:p>
+          <a:p>
+            <a:pPr>
+              <a:buBlip>
+                <a:blip r:embed="rId2"/>
+              </a:buBlip>
+            </a:pPr>
+            <a:r>
+              <a:rPr lang="en-AU" sz="2400" dirty="0"/>
+              <a:t>Demonstration and observations</a:t>
+            </a:r>
+          </a:p>
+          <a:p>
+            <a:pPr>
+              <a:buBlip>
+                <a:blip r:embed="rId2"/>
+              </a:buBlip>
+            </a:pPr>
+            <a:r>
+              <a:rPr lang="en-AU" sz="2400" dirty="0"/>
+              <a:t>Enhancements and challenges</a:t>
+            </a:r>
+          </a:p>
+          <a:p>
+            <a:pPr>
+              <a:buBlip>
+                <a:blip r:embed="rId2"/>
+              </a:buBlip>
+            </a:pPr>
+            <a:r>
+              <a:rPr lang="en-AU" sz="2400" dirty="0"/>
+              <a:t>Questions</a:t>
+            </a:r>
+          </a:p>
+          <a:p>
+            <a:endParaRPr lang="en-AU" sz="2400" dirty="0"/>
+          </a:p>
+        </p:txBody>
+      </p:sp>
+      <p:sp>
+        <p:nvSpPr>
+          <p:cNvPr id="26" name="Rectangle 25">
+            <a:extLst>
+              <a:ext uri="{FF2B5EF4-FFF2-40B4-BE49-F238E27FC236}">
+                <a16:creationId xmlns:a16="http://schemas.microsoft.com/office/drawing/2014/main" id="{59A309A7-1751-4ABE-A3C1-EEC40366AD89}"/>
+              </a:ext>
+              <a:ext uri="{C183D7F6-B498-43B3-948B-1728B52AA6E4}">
+                <adec:decorative xmlns:adec="http://schemas.microsoft.com/office/drawing/2017/decorative" val="1"/>
+              </a:ext>
+            </a:extLst>
+          </p:cNvPr>
+          <p:cNvSpPr>
+            <a:spLocks noGrp="1" noRot="1" noChangeAspect="1" noMove="1" noResize="1" noEditPoints="1" noAdjustHandles="1" noChangeArrowheads="1" noChangeShapeType="1" noTextEdit="1"/>
+          </p:cNvSpPr>
+          <p:nvPr>
+            <p:extLst>
+              <p:ext uri="{386F3935-93C4-4BCD-93E2-E3B085C9AB24}">
+                <p16:designElem xmlns:p16="http://schemas.microsoft.com/office/powerpoint/2015/main" val="1"/>
+              </p:ext>
+            </p:extLst>
+          </p:nvPr>
+        </p:nvSpPr>
+        <p:spPr>
+          <a:xfrm>
+            <a:off x="10088880" y="0"/>
+            <a:ext cx="2103120" cy="6858000"/>
+          </a:xfrm>
+          <a:prstGeom prst="rect">
+            <a:avLst/>
+          </a:prstGeom>
+          <a:solidFill>
+            <a:srgbClr val="524267"/>
+          </a:solidFill>
+          <a:ln>
+            <a:noFill/>
+          </a:ln>
+        </p:spPr>
+        <p:style>
+          <a:lnRef idx="2">
+            <a:schemeClr val="accent1">
+              <a:shade val="50000"/>
+            </a:schemeClr>
+          </a:lnRef>
+          <a:fillRef idx="1">
+            <a:schemeClr val="accent1"/>
+          </a:fillRef>
+          <a:effectRef idx="0">
+            <a:schemeClr val="accent1"/>
+          </a:effectRef>
+          <a:fontRef idx="minor">
+            <a:schemeClr val="lt1"/>
+          </a:fontRef>
+        </p:style>
+        <p:txBody>
+          <a:bodyPr rtlCol="0" anchor="ctr"/>
+          <a:lstStyle/>
+          <a:p>
+            <a:pPr algn="ctr"/>
+            <a:endParaRPr lang="en-US"/>
+          </a:p>
+        </p:txBody>
+      </p:sp>
+      <p:sp>
+        <p:nvSpPr>
+          <p:cNvPr id="28" name="Oval 27">
+            <a:extLst>
+              <a:ext uri="{FF2B5EF4-FFF2-40B4-BE49-F238E27FC236}">
+                <a16:creationId xmlns:a16="http://schemas.microsoft.com/office/drawing/2014/main" id="{967D8EB6-EAE1-4F9C-B398-83321E287204}"/>
+              </a:ext>
+              <a:ext uri="{C183D7F6-B498-43B3-948B-1728B52AA6E4}">
+                <adec:decorative xmlns:adec="http://schemas.microsoft.com/office/drawing/2017/decorative" val="1"/>
+              </a:ext>
+            </a:extLst>
+          </p:cNvPr>
+          <p:cNvSpPr>
+            <a:spLocks noGrp="1" noRot="1" noChangeAspect="1" noMove="1" noResize="1" noEditPoints="1" noAdjustHandles="1" noChangeArrowheads="1" noChangeShapeType="1" noTextEdit="1"/>
+          </p:cNvSpPr>
+          <p:nvPr>
+            <p:extLst>
+              <p:ext uri="{386F3935-93C4-4BCD-93E2-E3B085C9AB24}">
+                <p16:designElem xmlns:p16="http://schemas.microsoft.com/office/powerpoint/2015/main" val="1"/>
+              </p:ext>
+            </p:extLst>
+          </p:nvPr>
+        </p:nvSpPr>
+        <p:spPr>
+          <a:xfrm>
+            <a:off x="8915400" y="2358913"/>
+            <a:ext cx="2140172" cy="2140172"/>
+          </a:xfrm>
+          <a:prstGeom prst="ellipse">
+            <a:avLst/>
+          </a:prstGeom>
+          <a:solidFill>
+            <a:srgbClr val="FFFFFF"/>
+          </a:solidFill>
+          <a:ln w="22225">
+            <a:solidFill>
+              <a:srgbClr val="FEAD2A"/>
+            </a:solidFill>
+          </a:ln>
+        </p:spPr>
+        <p:style>
+          <a:lnRef idx="2">
+            <a:schemeClr val="accent1">
+              <a:shade val="50000"/>
+            </a:schemeClr>
+          </a:lnRef>
+          <a:fillRef idx="1">
+            <a:schemeClr val="accent1"/>
+          </a:fillRef>
+          <a:effectRef idx="0">
+            <a:schemeClr val="accent1"/>
+          </a:effectRef>
+          <a:fontRef idx="minor">
+            <a:schemeClr val="lt1"/>
+          </a:fontRef>
+        </p:style>
+        <p:txBody>
+          <a:bodyPr rtlCol="0" anchor="ctr"/>
+          <a:lstStyle/>
+          <a:p>
+            <a:pPr algn="ctr"/>
+            <a:endParaRPr lang="en-US"/>
+          </a:p>
+        </p:txBody>
+      </p:sp>
+      <p:pic>
+        <p:nvPicPr>
+          <p:cNvPr id="16" name="Picture 15">
+            <a:extLst>
+              <a:ext uri="{FF2B5EF4-FFF2-40B4-BE49-F238E27FC236}">
+                <a16:creationId xmlns:a16="http://schemas.microsoft.com/office/drawing/2014/main" id="{661CDCA0-D0D5-4990-BA7B-DBA604DB36EB}"/>
+              </a:ext>
+            </a:extLst>
+          </p:cNvPr>
+          <p:cNvPicPr>
+            <a:picLocks noChangeAspect="1"/>
+          </p:cNvPicPr>
+          <p:nvPr/>
+        </p:nvPicPr>
+        <p:blipFill rotWithShape="1">
+          <a:blip r:embed="rId3">
+            <a:alphaModFix/>
+          </a:blip>
+          <a:srcRect l="15620" r="9358" b="3"/>
+          <a:stretch/>
+        </p:blipFill>
+        <p:spPr>
+          <a:xfrm>
+            <a:off x="9030743" y="2474254"/>
+            <a:ext cx="1912560" cy="1909489"/>
+          </a:xfrm>
+          <a:custGeom>
+            <a:avLst/>
+            <a:gdLst/>
+            <a:ahLst/>
+            <a:cxnLst/>
+            <a:rect l="l" t="t" r="r" b="b"/>
+            <a:pathLst>
+              <a:path w="6057610" h="6057610">
+                <a:moveTo>
+                  <a:pt x="3028805" y="0"/>
+                </a:moveTo>
+                <a:cubicBezTo>
+                  <a:pt x="4701568" y="0"/>
+                  <a:pt x="6057610" y="1356042"/>
+                  <a:pt x="6057610" y="3028805"/>
+                </a:cubicBezTo>
+                <a:cubicBezTo>
+                  <a:pt x="6057610" y="4701568"/>
+                  <a:pt x="4701568" y="6057610"/>
+                  <a:pt x="3028805" y="6057610"/>
+                </a:cubicBezTo>
+                <a:cubicBezTo>
+                  <a:pt x="1356042" y="6057610"/>
+                  <a:pt x="0" y="4701568"/>
+                  <a:pt x="0" y="3028805"/>
+                </a:cubicBezTo>
+                <a:cubicBezTo>
+                  <a:pt x="0" y="1356042"/>
+                  <a:pt x="1356042" y="0"/>
+                  <a:pt x="3028805" y="0"/>
+                </a:cubicBezTo>
+                <a:close/>
+              </a:path>
+            </a:pathLst>
+          </a:custGeom>
+          <a:effectLst>
+            <a:softEdge rad="0"/>
+          </a:effectLst>
+        </p:spPr>
+      </p:pic>
+    </p:spTree>
+    <p:extLst>
+      <p:ext uri="{BB962C8B-B14F-4D97-AF65-F5344CB8AC3E}">
+        <p14:creationId xmlns:p14="http://schemas.microsoft.com/office/powerpoint/2010/main" val="799136852"/>
+      </p:ext>
+    </p:extLst>
+  </p:cSld>
+  <p:clrMapOvr>
+    <a:masterClrMapping/>
+  </p:clrMapOvr>
+</p:sld>
+</file>
+
+<file path=ppt/slides/slide20.xml><?xml version="1.0" encoding="utf-8"?>
+<p:sld xmlns:a="http://schemas.openxmlformats.org/drawingml/2006/main" xmlns:r="http://schemas.openxmlformats.org/officeDocument/2006/relationships" xmlns:p="http://schemas.openxmlformats.org/presentationml/2006/main">
+  <p:cSld>
+    <p:bg>
+      <p:bgPr>
+        <a:solidFill>
+          <a:schemeClr val="bg1"/>
+        </a:solidFill>
+        <a:effectLst/>
+      </p:bgPr>
+    </p:bg>
+    <p:spTree>
+      <p:nvGrpSpPr>
+        <p:cNvPr id="1" name=""/>
+        <p:cNvGrpSpPr/>
+        <p:nvPr/>
+      </p:nvGrpSpPr>
+      <p:grpSpPr>
+        <a:xfrm>
+          <a:off x="0" y="0"/>
+          <a:ext cx="0" cy="0"/>
+          <a:chOff x="0" y="0"/>
+          <a:chExt cx="0" cy="0"/>
+        </a:xfrm>
+      </p:grpSpPr>
+      <p:sp>
+        <p:nvSpPr>
+          <p:cNvPr id="2" name="Title 1">
+            <a:extLst>
+              <a:ext uri="{FF2B5EF4-FFF2-40B4-BE49-F238E27FC236}">
+                <a16:creationId xmlns:a16="http://schemas.microsoft.com/office/drawing/2014/main" id="{CE1BF6F0-38DF-4C23-8D33-D1DD64AFD9B2}"/>
+              </a:ext>
+            </a:extLst>
+          </p:cNvPr>
+          <p:cNvSpPr>
+            <a:spLocks noGrp="1"/>
+          </p:cNvSpPr>
+          <p:nvPr>
+            <p:ph type="title"/>
+          </p:nvPr>
+        </p:nvSpPr>
+        <p:spPr>
+          <a:xfrm>
+            <a:off x="1136428" y="627564"/>
+            <a:ext cx="7474172" cy="1325563"/>
+          </a:xfrm>
+        </p:spPr>
+        <p:txBody>
+          <a:bodyPr>
             <a:normAutofit/>
           </a:bodyPr>
           <a:lstStyle/>
           <a:p>
-            <a:endParaRPr lang="en-AU" sz="2400"/>
+            <a:r>
+              <a:rPr lang="en-AU" dirty="0"/>
+              <a:t>Questions</a:t>
+            </a:r>
           </a:p>
         </p:txBody>
       </p:sp>
@@ -8558,17 +12053,9 @@
 </p:sld>
 </file>
 
-<file path=ppt/slides/slide2.xml><?xml version="1.0" encoding="utf-8"?>
+<file path=ppt/slides/slide3.xml><?xml version="1.0" encoding="utf-8"?>
 <p:sld xmlns:a="http://schemas.openxmlformats.org/drawingml/2006/main" xmlns:r="http://schemas.openxmlformats.org/officeDocument/2006/relationships" xmlns:p="http://schemas.openxmlformats.org/presentationml/2006/main">
   <p:cSld>
-    <p:bg>
-      <p:bgPr>
-        <a:solidFill>
-          <a:schemeClr val="bg1"/>
-        </a:solidFill>
-        <a:effectLst/>
-      </p:bgPr>
-    </p:bg>
     <p:spTree>
       <p:nvGrpSpPr>
         <p:cNvPr id="1" name=""/>
@@ -8588,7 +12075,7 @@
           <p:cNvPr id="2" name="Title 1">
             <a:extLst>
               <a:ext uri="{FF2B5EF4-FFF2-40B4-BE49-F238E27FC236}">
-                <a16:creationId xmlns:a16="http://schemas.microsoft.com/office/drawing/2014/main" id="{6E263BEE-3E7B-4F91-A901-B9B1ECB34029}"/>
+                <a16:creationId xmlns:a16="http://schemas.microsoft.com/office/drawing/2014/main" id="{883AF314-110A-449F-8710-10679D2A9648}"/>
               </a:ext>
             </a:extLst>
           </p:cNvPr>
@@ -8607,13 +12094,13 @@
         </p:spPr>
         <p:txBody>
           <a:bodyPr>
-            <a:normAutofit/>
+            <a:normAutofit fontScale="90000"/>
           </a:bodyPr>
           <a:lstStyle/>
           <a:p>
             <a:r>
-              <a:rPr lang="en-AU"/>
-              <a:t>Agenda</a:t>
+              <a:rPr lang="en-US" dirty="0"/>
+              <a:t>Trend analysis of Federal Election and Marriage Law Postal Survey results</a:t>
             </a:r>
             <a:endParaRPr lang="en-AU" dirty="0"/>
           </a:p>
@@ -8624,7 +12111,7 @@
           <p:cNvPr id="3" name="Content Placeholder 2">
             <a:extLst>
               <a:ext uri="{FF2B5EF4-FFF2-40B4-BE49-F238E27FC236}">
-                <a16:creationId xmlns:a16="http://schemas.microsoft.com/office/drawing/2014/main" id="{4B153D44-032C-4EE8-9373-F409D6877ECA}"/>
+                <a16:creationId xmlns:a16="http://schemas.microsoft.com/office/drawing/2014/main" id="{F214F27D-158B-426C-8111-58CCA939A432}"/>
               </a:ext>
             </a:extLst>
           </p:cNvPr>
@@ -8642,48 +12129,119 @@
           </a:xfrm>
         </p:spPr>
         <p:txBody>
-          <a:bodyPr anchor="ctr">
-            <a:normAutofit/>
+          <a:bodyPr anchor="t">
+            <a:normAutofit fontScale="92500" lnSpcReduction="20000"/>
           </a:bodyPr>
           <a:lstStyle/>
           <a:p>
+            <a:pPr>
+              <a:buBlip>
+                <a:blip r:embed="rId2"/>
+              </a:buBlip>
+            </a:pPr>
             <a:r>
-              <a:rPr lang="en-AU" sz="2400"/>
-              <a:t>Theme and purpose</a:t>
+              <a:rPr lang="en-US" sz="1700" dirty="0"/>
+              <a:t>2016: Federal Elections</a:t>
             </a:r>
           </a:p>
           <a:p>
+            <a:pPr>
+              <a:buBlip>
+                <a:blip r:embed="rId2"/>
+              </a:buBlip>
+            </a:pPr>
             <a:r>
-              <a:rPr lang="en-AU" sz="2400"/>
-              <a:t>Coding approach</a:t>
+              <a:rPr lang="en-US" sz="1700" dirty="0"/>
+              <a:t>2017: Australian Marriage Postal Survey: “Should the law be changed to allow same-sex couples to marry?”</a:t>
             </a:r>
           </a:p>
           <a:p>
+            <a:pPr>
+              <a:buBlip>
+                <a:blip r:embed="rId2"/>
+              </a:buBlip>
+            </a:pPr>
             <a:r>
-              <a:rPr lang="en-AU" sz="2400"/>
-              <a:t>Data mungling process</a:t>
+              <a:rPr lang="en-US" sz="1700" dirty="0"/>
+              <a:t>Theme: How is the outcome of the federal elections in 2016 reflected in the outcome of the Australian Marriage Law Postal Survey (“MPS”)? Is there a relationship between these outcomes and socio-economic factors such as age and education?</a:t>
             </a:r>
           </a:p>
           <a:p>
+            <a:pPr>
+              <a:buBlip>
+                <a:blip r:embed="rId2"/>
+              </a:buBlip>
+            </a:pPr>
             <a:r>
-              <a:rPr lang="en-AU" sz="2400"/>
-              <a:t>Visualisations</a:t>
+              <a:rPr lang="en-US" sz="1700" dirty="0"/>
+              <a:t>Purpose: This analysis can provide valuable insights for political parties and campaign </a:t>
             </a:r>
-          </a:p>
-          <a:p>
             <a:r>
-              <a:rPr lang="en-AU" sz="2400"/>
-              <a:t>Observations</a:t>
+              <a:rPr lang="en-US" sz="1700" dirty="0" err="1"/>
+              <a:t>organisers</a:t>
             </a:r>
-          </a:p>
-          <a:p>
-            <a:endParaRPr lang="en-AU" sz="2400"/>
+            <a:r>
+              <a:rPr lang="en-US" sz="1700" dirty="0"/>
+              <a:t> for future federal elections and surveys when running their campaigns</a:t>
+            </a:r>
+          </a:p>
+          <a:p>
+            <a:pPr>
+              <a:buBlip>
+                <a:blip r:embed="rId2"/>
+              </a:buBlip>
+            </a:pPr>
+            <a:r>
+              <a:rPr lang="en-US" sz="1700" dirty="0"/>
+              <a:t>The following relationships can be </a:t>
+            </a:r>
+            <a:r>
+              <a:rPr lang="en-AU" sz="1700" dirty="0"/>
+              <a:t>analysed</a:t>
+            </a:r>
+            <a:r>
+              <a:rPr lang="en-US" sz="1700" dirty="0"/>
+              <a:t>:</a:t>
+            </a:r>
+          </a:p>
+          <a:p>
+            <a:pPr lvl="1">
+              <a:buBlip>
+                <a:blip r:embed="rId2"/>
+              </a:buBlip>
+            </a:pPr>
+            <a:r>
+              <a:rPr lang="en-AU" sz="1700" dirty="0"/>
+              <a:t>Do highly educated people tend to vote for same-sex marriage?</a:t>
+            </a:r>
+          </a:p>
+          <a:p>
+            <a:pPr lvl="1">
+              <a:buBlip>
+                <a:blip r:embed="rId2"/>
+              </a:buBlip>
+            </a:pPr>
+            <a:r>
+              <a:rPr lang="en-AU" sz="1700" dirty="0"/>
+              <a:t>Do young(er) people tend to vote for same-sex marriage?</a:t>
+            </a:r>
+          </a:p>
+          <a:p>
+            <a:pPr lvl="1">
+              <a:buBlip>
+                <a:blip r:embed="rId2"/>
+              </a:buBlip>
+            </a:pPr>
+            <a:r>
+              <a:rPr lang="en-US" sz="1700" dirty="0"/>
+              <a:t>Is there a relationship between the above and elected party within the states and electorates? </a:t>
+            </a:r>
           </a:p>
         </p:txBody>
       </p:sp>
       <p:sp>
         <p:nvSpPr>
-          <p:cNvPr id="26" name="Rectangle 25">
+          <p:cNvPr id="9" name="Rectangle 8">
             <a:extLst>
               <a:ext uri="{FF2B5EF4-FFF2-40B4-BE49-F238E27FC236}">
                 <a16:creationId xmlns:a16="http://schemas.microsoft.com/office/drawing/2014/main" id="{59A309A7-1751-4ABE-A3C1-EEC40366AD89}"/>
@@ -8746,7 +12304,7 @@
       </p:sp>
       <p:sp>
         <p:nvSpPr>
-          <p:cNvPr id="28" name="Oval 27">
+          <p:cNvPr id="11" name="Oval 10">
             <a:extLst>
               <a:ext uri="{FF2B5EF4-FFF2-40B4-BE49-F238E27FC236}">
                 <a16:creationId xmlns:a16="http://schemas.microsoft.com/office/drawing/2014/main" id="{967D8EB6-EAE1-4F9C-B398-83321E287204}"/>
@@ -8811,10 +12369,10 @@
       </p:sp>
       <p:pic>
         <p:nvPicPr>
-          <p:cNvPr id="16" name="Picture 15">
-            <a:extLst>
-              <a:ext uri="{FF2B5EF4-FFF2-40B4-BE49-F238E27FC236}">
-                <a16:creationId xmlns:a16="http://schemas.microsoft.com/office/drawing/2014/main" id="{661CDCA0-D0D5-4990-BA7B-DBA604DB36EB}"/>
+          <p:cNvPr id="4" name="Picture 3">
+            <a:extLst>
+              <a:ext uri="{FF2B5EF4-FFF2-40B4-BE49-F238E27FC236}">
+                <a16:creationId xmlns:a16="http://schemas.microsoft.com/office/drawing/2014/main" id="{85AB331E-612D-4EF3-A464-A41A0A2B72FB}"/>
               </a:ext>
             </a:extLst>
           </p:cNvPr>
@@ -8824,368 +12382,7 @@
           <p:nvPr/>
         </p:nvPicPr>
         <p:blipFill rotWithShape="1">
-          <a:blip r:embed="rId2">
-            <a:alphaModFix/>
-          </a:blip>
-          <a:srcRect l="15620" r="9358" b="3"/>
-          <a:stretch/>
-        </p:blipFill>
-        <p:spPr>
-          <a:xfrm>
-            <a:off x="9030743" y="2474254"/>
-            <a:ext cx="1912560" cy="1909489"/>
-          </a:xfrm>
-          <a:custGeom>
-            <a:avLst/>
-            <a:gdLst/>
-            <a:ahLst/>
-            <a:cxnLst/>
-            <a:rect l="l" t="t" r="r" b="b"/>
-            <a:pathLst>
-              <a:path w="6057610" h="6057610">
-                <a:moveTo>
-                  <a:pt x="3028805" y="0"/>
-                </a:moveTo>
-                <a:cubicBezTo>
-                  <a:pt x="4701568" y="0"/>
-                  <a:pt x="6057610" y="1356042"/>
-                  <a:pt x="6057610" y="3028805"/>
-                </a:cubicBezTo>
-                <a:cubicBezTo>
-                  <a:pt x="6057610" y="4701568"/>
-                  <a:pt x="4701568" y="6057610"/>
-                  <a:pt x="3028805" y="6057610"/>
-                </a:cubicBezTo>
-                <a:cubicBezTo>
-                  <a:pt x="1356042" y="6057610"/>
-                  <a:pt x="0" y="4701568"/>
-                  <a:pt x="0" y="3028805"/>
-                </a:cubicBezTo>
-                <a:cubicBezTo>
-                  <a:pt x="0" y="1356042"/>
-                  <a:pt x="1356042" y="0"/>
-                  <a:pt x="3028805" y="0"/>
-                </a:cubicBezTo>
-                <a:close/>
-              </a:path>
-            </a:pathLst>
-          </a:custGeom>
-          <a:effectLst>
-            <a:softEdge rad="0"/>
-          </a:effectLst>
-        </p:spPr>
-      </p:pic>
-    </p:spTree>
-    <p:extLst>
-      <p:ext uri="{BB962C8B-B14F-4D97-AF65-F5344CB8AC3E}">
-        <p14:creationId xmlns:p14="http://schemas.microsoft.com/office/powerpoint/2010/main" val="799136852"/>
-      </p:ext>
-    </p:extLst>
-  </p:cSld>
-  <p:clrMapOvr>
-    <a:masterClrMapping/>
-  </p:clrMapOvr>
-</p:sld>
-</file>
-
-<file path=ppt/slides/slide3.xml><?xml version="1.0" encoding="utf-8"?>
-<p:sld xmlns:a="http://schemas.openxmlformats.org/drawingml/2006/main" xmlns:r="http://schemas.openxmlformats.org/officeDocument/2006/relationships" xmlns:p="http://schemas.openxmlformats.org/presentationml/2006/main">
-  <p:cSld>
-    <p:spTree>
-      <p:nvGrpSpPr>
-        <p:cNvPr id="1" name=""/>
-        <p:cNvGrpSpPr/>
-        <p:nvPr/>
-      </p:nvGrpSpPr>
-      <p:grpSpPr>
-        <a:xfrm>
-          <a:off x="0" y="0"/>
-          <a:ext cx="0" cy="0"/>
-          <a:chOff x="0" y="0"/>
-          <a:chExt cx="0" cy="0"/>
-        </a:xfrm>
-      </p:grpSpPr>
-      <p:sp>
-        <p:nvSpPr>
-          <p:cNvPr id="2" name="Title 1">
-            <a:extLst>
-              <a:ext uri="{FF2B5EF4-FFF2-40B4-BE49-F238E27FC236}">
-                <a16:creationId xmlns:a16="http://schemas.microsoft.com/office/drawing/2014/main" id="{883AF314-110A-449F-8710-10679D2A9648}"/>
-              </a:ext>
-            </a:extLst>
-          </p:cNvPr>
-          <p:cNvSpPr>
-            <a:spLocks noGrp="1"/>
-          </p:cNvSpPr>
-          <p:nvPr>
-            <p:ph type="title"/>
-          </p:nvPr>
-        </p:nvSpPr>
-        <p:spPr>
-          <a:xfrm>
-            <a:off x="1136428" y="627564"/>
-            <a:ext cx="7474172" cy="1325563"/>
-          </a:xfrm>
-        </p:spPr>
-        <p:txBody>
-          <a:bodyPr>
-            <a:normAutofit fontScale="90000"/>
-          </a:bodyPr>
-          <a:lstStyle/>
-          <a:p>
-            <a:r>
-              <a:rPr lang="en-US" dirty="0"/>
-              <a:t>Trend analysis of Federal Election and Marriage Law Postal Survey results</a:t>
-            </a:r>
-            <a:endParaRPr lang="en-AU" dirty="0"/>
-          </a:p>
-        </p:txBody>
-      </p:sp>
-      <p:sp>
-        <p:nvSpPr>
-          <p:cNvPr id="3" name="Content Placeholder 2">
-            <a:extLst>
-              <a:ext uri="{FF2B5EF4-FFF2-40B4-BE49-F238E27FC236}">
-                <a16:creationId xmlns:a16="http://schemas.microsoft.com/office/drawing/2014/main" id="{F214F27D-158B-426C-8111-58CCA939A432}"/>
-              </a:ext>
-            </a:extLst>
-          </p:cNvPr>
-          <p:cNvSpPr>
-            <a:spLocks noGrp="1"/>
-          </p:cNvSpPr>
-          <p:nvPr>
-            <p:ph idx="1"/>
-          </p:nvPr>
-        </p:nvSpPr>
-        <p:spPr>
-          <a:xfrm>
-            <a:off x="1136429" y="2278173"/>
-            <a:ext cx="6467867" cy="3450613"/>
-          </a:xfrm>
-        </p:spPr>
-        <p:txBody>
-          <a:bodyPr anchor="ctr">
-            <a:normAutofit/>
-          </a:bodyPr>
-          <a:lstStyle/>
-          <a:p>
-            <a:r>
-              <a:rPr lang="en-US" sz="1700" dirty="0"/>
-              <a:t>Trend analysis on 2016 </a:t>
-            </a:r>
-            <a:r>
-              <a:rPr lang="en-AU" sz="1700" dirty="0"/>
-              <a:t>Federal Elections </a:t>
-            </a:r>
-            <a:r>
-              <a:rPr lang="en-US" sz="1700" dirty="0"/>
-              <a:t>results and 2017 Marriage Law Postal Survey results from the Australian electoral divisions in each state</a:t>
-            </a:r>
-          </a:p>
-          <a:p>
-            <a:r>
-              <a:rPr lang="en-US" sz="1700" dirty="0"/>
-              <a:t>This analysis can provide valuable insights for political parties and campaign </a:t>
-            </a:r>
-            <a:r>
-              <a:rPr lang="en-US" sz="1700" dirty="0" err="1"/>
-              <a:t>organisers</a:t>
-            </a:r>
-            <a:r>
-              <a:rPr lang="en-US" sz="1700" dirty="0"/>
-              <a:t> for future federal elections and surveys when running their campaigns</a:t>
-            </a:r>
-          </a:p>
-          <a:p>
-            <a:r>
-              <a:rPr lang="en-US" sz="1700" dirty="0"/>
-              <a:t>The following relationships have been </a:t>
-            </a:r>
-            <a:r>
-              <a:rPr lang="en-AU" sz="1700" dirty="0"/>
-              <a:t>analysed</a:t>
-            </a:r>
-            <a:r>
-              <a:rPr lang="en-US" sz="1700" dirty="0"/>
-              <a:t>:</a:t>
-            </a:r>
-          </a:p>
-          <a:p>
-            <a:pPr lvl="1"/>
-            <a:r>
-              <a:rPr lang="en-AU" sz="1700" dirty="0"/>
-              <a:t>Federal Elections </a:t>
-            </a:r>
-            <a:r>
-              <a:rPr lang="en-US" sz="1700" dirty="0"/>
-              <a:t>results and Marriage Law Postal Survey results</a:t>
-            </a:r>
-          </a:p>
-          <a:p>
-            <a:pPr lvl="1"/>
-            <a:r>
-              <a:rPr lang="en-AU" sz="1700" dirty="0"/>
-              <a:t>Federal Elections </a:t>
-            </a:r>
-            <a:r>
-              <a:rPr lang="en-US" sz="1700" dirty="0"/>
-              <a:t>results, Marriage Law Postal Survey results and socio-economic factors (age and education)</a:t>
-            </a:r>
-          </a:p>
-          <a:p>
-            <a:pPr lvl="1"/>
-            <a:r>
-              <a:rPr lang="en-US" sz="1700" dirty="0"/>
-              <a:t>socio-economic factors and the way of voting (postal or in person)</a:t>
-            </a:r>
-            <a:endParaRPr lang="en-AU" sz="1700" dirty="0"/>
-          </a:p>
-        </p:txBody>
-      </p:sp>
-      <p:sp>
-        <p:nvSpPr>
-          <p:cNvPr id="9" name="Rectangle 8">
-            <a:extLst>
-              <a:ext uri="{FF2B5EF4-FFF2-40B4-BE49-F238E27FC236}">
-                <a16:creationId xmlns:a16="http://schemas.microsoft.com/office/drawing/2014/main" id="{59A309A7-1751-4ABE-A3C1-EEC40366AD89}"/>
-              </a:ext>
-              <a:ext uri="{C183D7F6-B498-43B3-948B-1728B52AA6E4}">
-                <adec:decorative xmlns:adec="http://schemas.microsoft.com/office/drawing/2017/decorative" val="1"/>
-              </a:ext>
-            </a:extLst>
-          </p:cNvPr>
-          <p:cNvSpPr>
-            <a:spLocks noGrp="1" noRot="1" noChangeAspect="1" noMove="1" noResize="1" noEditPoints="1" noAdjustHandles="1" noChangeArrowheads="1" noChangeShapeType="1" noTextEdit="1"/>
-          </p:cNvSpPr>
-          <p:nvPr>
-            <p:extLst>
-              <p:ext uri="{386F3935-93C4-4BCD-93E2-E3B085C9AB24}">
-                <p16:designElem xmlns:p16="http://schemas.microsoft.com/office/powerpoint/2015/main" val="1"/>
-              </p:ext>
-            </p:extLst>
-          </p:nvPr>
-        </p:nvSpPr>
-        <p:spPr>
-          <a:xfrm>
-            <a:off x="10088880" y="0"/>
-            <a:ext cx="2103120" cy="6858000"/>
-          </a:xfrm>
-          <a:prstGeom prst="rect">
-            <a:avLst/>
-          </a:prstGeom>
-          <a:solidFill>
-            <a:srgbClr val="524267"/>
-          </a:solidFill>
-          <a:ln>
-            <a:noFill/>
-          </a:ln>
-        </p:spPr>
-        <p:style>
-          <a:lnRef idx="2">
-            <a:schemeClr val="accent1">
-              <a:shade val="50000"/>
-            </a:schemeClr>
-          </a:lnRef>
-          <a:fillRef idx="1">
-            <a:schemeClr val="accent1"/>
-          </a:fillRef>
-          <a:effectRef idx="0">
-            <a:schemeClr val="accent1"/>
-          </a:effectRef>
-          <a:fontRef idx="minor">
-            <a:schemeClr val="lt1"/>
-          </a:fontRef>
-        </p:style>
-        <p:txBody>
-          <a:bodyPr rtlCol="0" anchor="ctr"/>
-          <a:lstStyle/>
-          <a:p>
-            <a:pPr algn="ctr"/>
-            <a:endParaRPr lang="en-US"/>
-          </a:p>
-        </p:txBody>
-      </p:sp>
-      <p:sp>
-        <p:nvSpPr>
-          <p:cNvPr id="11" name="Oval 10">
-            <a:extLst>
-              <a:ext uri="{FF2B5EF4-FFF2-40B4-BE49-F238E27FC236}">
-                <a16:creationId xmlns:a16="http://schemas.microsoft.com/office/drawing/2014/main" id="{967D8EB6-EAE1-4F9C-B398-83321E287204}"/>
-              </a:ext>
-              <a:ext uri="{C183D7F6-B498-43B3-948B-1728B52AA6E4}">
-                <adec:decorative xmlns:adec="http://schemas.microsoft.com/office/drawing/2017/decorative" val="1"/>
-              </a:ext>
-            </a:extLst>
-          </p:cNvPr>
-          <p:cNvSpPr>
-            <a:spLocks noGrp="1" noRot="1" noChangeAspect="1" noMove="1" noResize="1" noEditPoints="1" noAdjustHandles="1" noChangeArrowheads="1" noChangeShapeType="1" noTextEdit="1"/>
-          </p:cNvSpPr>
-          <p:nvPr>
-            <p:extLst>
-              <p:ext uri="{386F3935-93C4-4BCD-93E2-E3B085C9AB24}">
-                <p16:designElem xmlns:p16="http://schemas.microsoft.com/office/powerpoint/2015/main" val="1"/>
-              </p:ext>
-            </p:extLst>
-          </p:nvPr>
-        </p:nvSpPr>
-        <p:spPr>
-          <a:xfrm>
-            <a:off x="8915400" y="2358913"/>
-            <a:ext cx="2140172" cy="2140172"/>
-          </a:xfrm>
-          <a:prstGeom prst="ellipse">
-            <a:avLst/>
-          </a:prstGeom>
-          <a:solidFill>
-            <a:srgbClr val="FFFFFF"/>
-          </a:solidFill>
-          <a:ln w="22225">
-            <a:solidFill>
-              <a:srgbClr val="FEAD2A"/>
-            </a:solidFill>
-          </a:ln>
-        </p:spPr>
-        <p:style>
-          <a:lnRef idx="2">
-            <a:schemeClr val="accent1">
-              <a:shade val="50000"/>
-            </a:schemeClr>
-          </a:lnRef>
-          <a:fillRef idx="1">
-            <a:schemeClr val="accent1"/>
-          </a:fillRef>
-          <a:effectRef idx="0">
-            <a:schemeClr val="accent1"/>
-          </a:effectRef>
-          <a:fontRef idx="minor">
-            <a:schemeClr val="lt1"/>
-          </a:fontRef>
-        </p:style>
-        <p:txBody>
-          <a:bodyPr rtlCol="0" anchor="ctr"/>
-          <a:lstStyle/>
-          <a:p>
-            <a:pPr algn="ctr"/>
-            <a:endParaRPr lang="en-US"/>
-          </a:p>
-        </p:txBody>
-      </p:sp>
-      <p:pic>
-        <p:nvPicPr>
-          <p:cNvPr id="4" name="Picture 3">
-            <a:extLst>
-              <a:ext uri="{FF2B5EF4-FFF2-40B4-BE49-F238E27FC236}">
-                <a16:creationId xmlns:a16="http://schemas.microsoft.com/office/drawing/2014/main" id="{85AB331E-612D-4EF3-A464-A41A0A2B72FB}"/>
-              </a:ext>
-            </a:extLst>
-          </p:cNvPr>
-          <p:cNvPicPr>
-            <a:picLocks noChangeAspect="1"/>
-          </p:cNvPicPr>
-          <p:nvPr/>
-        </p:nvPicPr>
-        <p:blipFill rotWithShape="1">
-          <a:blip r:embed="rId2">
+          <a:blip r:embed="rId3">
             <a:alphaModFix/>
           </a:blip>
           <a:srcRect l="15620" r="9358" b="3"/>
@@ -9296,7 +12493,7 @@
           <a:p>
             <a:r>
               <a:rPr lang="en-US" dirty="0"/>
-              <a:t>Data sources</a:t>
+              <a:t>Project overview</a:t>
             </a:r>
             <a:endParaRPr lang="en-AU" dirty="0"/>
           </a:p>
@@ -9326,38 +12523,139 @@
         </p:spPr>
         <p:txBody>
           <a:bodyPr anchor="t">
-            <a:normAutofit/>
+            <a:normAutofit lnSpcReduction="10000"/>
           </a:bodyPr>
           <a:lstStyle/>
           <a:p>
+            <a:pPr>
+              <a:buBlip>
+                <a:blip r:embed="rId2"/>
+              </a:buBlip>
+            </a:pPr>
+            <a:r>
+              <a:rPr lang="en-AU" sz="1700" dirty="0"/>
+              <a:t>ETL Project</a:t>
+            </a:r>
+          </a:p>
+          <a:p>
+            <a:pPr lvl="1">
+              <a:buBlip>
+                <a:blip r:embed="rId2"/>
+              </a:buBlip>
+            </a:pPr>
+            <a:r>
+              <a:rPr lang="en-US" sz="1300" dirty="0"/>
+              <a:t>Extract, transform and load data related to the federal elections held in Australia 2016 and the MPS held in 2017. </a:t>
+            </a:r>
+          </a:p>
+          <a:p>
+            <a:pPr lvl="1">
+              <a:buBlip>
+                <a:blip r:embed="rId2"/>
+              </a:buBlip>
+            </a:pPr>
+            <a:r>
+              <a:rPr lang="en-AU" sz="1300" dirty="0"/>
+              <a:t>The </a:t>
+            </a:r>
+            <a:r>
+              <a:rPr lang="en-US" sz="1300" dirty="0"/>
+              <a:t>ETL project generated a database that can be used for trend analysis on federal election and MPS results in states/electoral divisions</a:t>
+            </a:r>
+          </a:p>
+          <a:p>
+            <a:pPr>
+              <a:buBlip>
+                <a:blip r:embed="rId2"/>
+              </a:buBlip>
+            </a:pPr>
             <a:r>
               <a:rPr lang="en-US" sz="1700" dirty="0"/>
-              <a:t>Australian Electoral Commission: 2016 Federal Election Vote Types by Division</a:t>
+              <a:t>Set up a Flask app that creates routes to underlying data in the created database </a:t>
             </a:r>
           </a:p>
           <a:p>
+            <a:pPr>
+              <a:buBlip>
+                <a:blip r:embed="rId2"/>
+              </a:buBlip>
+            </a:pPr>
             <a:r>
               <a:rPr lang="en-US" sz="1700" dirty="0"/>
-              <a:t>Australian Electoral Commission: 2016 Federal Election Results</a:t>
+              <a:t>Create </a:t>
             </a:r>
-          </a:p>
-          <a:p>
+            <a:r>
+              <a:rPr lang="en-US" sz="1700" dirty="0" err="1"/>
+              <a:t>visualisations</a:t>
+            </a:r>
             <a:r>
               <a:rPr lang="en-US" sz="1700" dirty="0"/>
-              <a:t>Kaggle: Australian Marriage Law Postal Survey Electorate Results</a:t>
+              <a:t> </a:t>
             </a:r>
-          </a:p>
-          <a:p>
             <a:r>
-              <a:rPr lang="en-US" sz="1700" dirty="0"/>
-              <a:t>Kaggle: Australian Marriage Law Postal Survey Participant Information</a:t>
+              <a:rPr lang="en-AU" sz="1700" dirty="0"/>
+              <a:t>– upon selection of a state in the dropdown menu:</a:t>
             </a:r>
           </a:p>
           <a:p>
+            <a:pPr lvl="1">
+              <a:buBlip>
+                <a:blip r:embed="rId2"/>
+              </a:buBlip>
+            </a:pPr>
             <a:r>
-              <a:rPr lang="en-US" sz="1700" dirty="0"/>
-              <a:t>Australian Bureau of Statistics: Commonwealth Electorate Data</a:t>
+              <a:rPr lang="en-AU" sz="1300" dirty="0"/>
+              <a:t>The  bar chart will reflect the MPS respondents classified by age</a:t>
             </a:r>
+          </a:p>
+          <a:p>
+            <a:pPr lvl="1">
+              <a:buBlip>
+                <a:blip r:embed="rId2"/>
+              </a:buBlip>
+            </a:pPr>
+            <a:r>
+              <a:rPr lang="en-AU" sz="1300" dirty="0"/>
+              <a:t>The pie chart will reflect the percentage of votes for a change in law (“yes votes”)</a:t>
+            </a:r>
+          </a:p>
+          <a:p>
+            <a:pPr lvl="1">
+              <a:buBlip>
+                <a:blip r:embed="rId2"/>
+              </a:buBlip>
+            </a:pPr>
+            <a:r>
+              <a:rPr lang="en-AU" sz="1300" dirty="0"/>
+              <a:t>The bubble chart will reflect the % of yes votes, the % of votes for the </a:t>
+            </a:r>
+            <a:r>
+              <a:rPr lang="en-AU" sz="1300" dirty="0" err="1"/>
+              <a:t>Labor</a:t>
+            </a:r>
+            <a:r>
+              <a:rPr lang="en-AU" sz="1300" dirty="0"/>
+              <a:t> Party and the % of population that with a higher education</a:t>
+            </a:r>
+          </a:p>
+          <a:p>
+            <a:pPr lvl="1">
+              <a:buBlip>
+                <a:blip r:embed="rId2"/>
+              </a:buBlip>
+            </a:pPr>
+            <a:r>
+              <a:rPr lang="en-AU" sz="1300" dirty="0"/>
+              <a:t>The map will reflect the electorates within each state, the elected political party, the % of yes votes and the participation rate in the MPS</a:t>
+            </a:r>
+          </a:p>
+          <a:p>
+            <a:pPr lvl="1">
+              <a:buBlip>
+                <a:blip r:embed="rId2"/>
+              </a:buBlip>
+            </a:pPr>
+            <a:endParaRPr lang="en-AU" sz="1300" dirty="0"/>
           </a:p>
         </p:txBody>
       </p:sp>
@@ -9504,7 +12802,351 @@
           <p:nvPr/>
         </p:nvPicPr>
         <p:blipFill rotWithShape="1">
-          <a:blip r:embed="rId2">
+          <a:blip r:embed="rId3">
+            <a:alphaModFix/>
+          </a:blip>
+          <a:srcRect l="15620" r="9358" b="3"/>
+          <a:stretch/>
+        </p:blipFill>
+        <p:spPr>
+          <a:xfrm>
+            <a:off x="9030743" y="2474254"/>
+            <a:ext cx="1912560" cy="1909489"/>
+          </a:xfrm>
+          <a:custGeom>
+            <a:avLst/>
+            <a:gdLst/>
+            <a:ahLst/>
+            <a:cxnLst/>
+            <a:rect l="l" t="t" r="r" b="b"/>
+            <a:pathLst>
+              <a:path w="6057610" h="6057610">
+                <a:moveTo>
+                  <a:pt x="3028805" y="0"/>
+                </a:moveTo>
+                <a:cubicBezTo>
+                  <a:pt x="4701568" y="0"/>
+                  <a:pt x="6057610" y="1356042"/>
+                  <a:pt x="6057610" y="3028805"/>
+                </a:cubicBezTo>
+                <a:cubicBezTo>
+                  <a:pt x="6057610" y="4701568"/>
+                  <a:pt x="4701568" y="6057610"/>
+                  <a:pt x="3028805" y="6057610"/>
+                </a:cubicBezTo>
+                <a:cubicBezTo>
+                  <a:pt x="1356042" y="6057610"/>
+                  <a:pt x="0" y="4701568"/>
+                  <a:pt x="0" y="3028805"/>
+                </a:cubicBezTo>
+                <a:cubicBezTo>
+                  <a:pt x="0" y="1356042"/>
+                  <a:pt x="1356042" y="0"/>
+                  <a:pt x="3028805" y="0"/>
+                </a:cubicBezTo>
+                <a:close/>
+              </a:path>
+            </a:pathLst>
+          </a:custGeom>
+          <a:effectLst>
+            <a:softEdge rad="0"/>
+          </a:effectLst>
+        </p:spPr>
+      </p:pic>
+    </p:spTree>
+    <p:extLst>
+      <p:ext uri="{BB962C8B-B14F-4D97-AF65-F5344CB8AC3E}">
+        <p14:creationId xmlns:p14="http://schemas.microsoft.com/office/powerpoint/2010/main" val="2045376555"/>
+      </p:ext>
+    </p:extLst>
+  </p:cSld>
+  <p:clrMapOvr>
+    <a:masterClrMapping/>
+  </p:clrMapOvr>
+</p:sld>
+</file>
+
+<file path=ppt/slides/slide5.xml><?xml version="1.0" encoding="utf-8"?>
+<p:sld xmlns:a="http://schemas.openxmlformats.org/drawingml/2006/main" xmlns:r="http://schemas.openxmlformats.org/officeDocument/2006/relationships" xmlns:p="http://schemas.openxmlformats.org/presentationml/2006/main">
+  <p:cSld>
+    <p:spTree>
+      <p:nvGrpSpPr>
+        <p:cNvPr id="1" name=""/>
+        <p:cNvGrpSpPr/>
+        <p:nvPr/>
+      </p:nvGrpSpPr>
+      <p:grpSpPr>
+        <a:xfrm>
+          <a:off x="0" y="0"/>
+          <a:ext cx="0" cy="0"/>
+          <a:chOff x="0" y="0"/>
+          <a:chExt cx="0" cy="0"/>
+        </a:xfrm>
+      </p:grpSpPr>
+      <p:sp>
+        <p:nvSpPr>
+          <p:cNvPr id="2" name="Title 1">
+            <a:extLst>
+              <a:ext uri="{FF2B5EF4-FFF2-40B4-BE49-F238E27FC236}">
+                <a16:creationId xmlns:a16="http://schemas.microsoft.com/office/drawing/2014/main" id="{883AF314-110A-449F-8710-10679D2A9648}"/>
+              </a:ext>
+            </a:extLst>
+          </p:cNvPr>
+          <p:cNvSpPr>
+            <a:spLocks noGrp="1"/>
+          </p:cNvSpPr>
+          <p:nvPr>
+            <p:ph type="title"/>
+          </p:nvPr>
+        </p:nvSpPr>
+        <p:spPr>
+          <a:xfrm>
+            <a:off x="1136428" y="627564"/>
+            <a:ext cx="7474172" cy="1325563"/>
+          </a:xfrm>
+        </p:spPr>
+        <p:txBody>
+          <a:bodyPr>
+            <a:normAutofit/>
+          </a:bodyPr>
+          <a:lstStyle/>
+          <a:p>
+            <a:r>
+              <a:rPr lang="en-US" dirty="0"/>
+              <a:t>Data sources</a:t>
+            </a:r>
+            <a:endParaRPr lang="en-AU" dirty="0"/>
+          </a:p>
+        </p:txBody>
+      </p:sp>
+      <p:sp>
+        <p:nvSpPr>
+          <p:cNvPr id="3" name="Content Placeholder 2">
+            <a:extLst>
+              <a:ext uri="{FF2B5EF4-FFF2-40B4-BE49-F238E27FC236}">
+                <a16:creationId xmlns:a16="http://schemas.microsoft.com/office/drawing/2014/main" id="{F214F27D-158B-426C-8111-58CCA939A432}"/>
+              </a:ext>
+            </a:extLst>
+          </p:cNvPr>
+          <p:cNvSpPr>
+            <a:spLocks noGrp="1"/>
+          </p:cNvSpPr>
+          <p:nvPr>
+            <p:ph idx="1"/>
+          </p:nvPr>
+        </p:nvSpPr>
+        <p:spPr>
+          <a:xfrm>
+            <a:off x="1136428" y="2278173"/>
+            <a:ext cx="7340821" cy="3450613"/>
+          </a:xfrm>
+        </p:spPr>
+        <p:txBody>
+          <a:bodyPr anchor="t">
+            <a:normAutofit/>
+          </a:bodyPr>
+          <a:lstStyle/>
+          <a:p>
+            <a:pPr>
+              <a:buBlip>
+                <a:blip r:embed="rId2"/>
+              </a:buBlip>
+            </a:pPr>
+            <a:r>
+              <a:rPr lang="en-US" sz="1700" dirty="0"/>
+              <a:t>Australian Electoral Commission: 2016 Federal Election Vote Types by Division</a:t>
+            </a:r>
+          </a:p>
+          <a:p>
+            <a:pPr>
+              <a:buBlip>
+                <a:blip r:embed="rId2"/>
+              </a:buBlip>
+            </a:pPr>
+            <a:r>
+              <a:rPr lang="en-US" sz="1700" dirty="0"/>
+              <a:t>Australian Electoral Commission: 2016 Federal Election Results</a:t>
+            </a:r>
+          </a:p>
+          <a:p>
+            <a:pPr>
+              <a:buBlip>
+                <a:blip r:embed="rId2"/>
+              </a:buBlip>
+            </a:pPr>
+            <a:r>
+              <a:rPr lang="en-US" sz="1700" dirty="0"/>
+              <a:t>Kaggle: Australian Marriage Law Postal Survey Electorate Results</a:t>
+            </a:r>
+          </a:p>
+          <a:p>
+            <a:pPr>
+              <a:buBlip>
+                <a:blip r:embed="rId2"/>
+              </a:buBlip>
+            </a:pPr>
+            <a:r>
+              <a:rPr lang="en-US" sz="1700" dirty="0"/>
+              <a:t>Kaggle: Australian Marriage Law Postal Survey Participant Information</a:t>
+            </a:r>
+          </a:p>
+          <a:p>
+            <a:pPr>
+              <a:buBlip>
+                <a:blip r:embed="rId2"/>
+              </a:buBlip>
+            </a:pPr>
+            <a:r>
+              <a:rPr lang="en-US" sz="1700" dirty="0"/>
+              <a:t>Australian Bureau of Statistics: Commonwealth Electorate Data</a:t>
+            </a:r>
+          </a:p>
+        </p:txBody>
+      </p:sp>
+      <p:sp>
+        <p:nvSpPr>
+          <p:cNvPr id="9" name="Rectangle 8">
+            <a:extLst>
+              <a:ext uri="{FF2B5EF4-FFF2-40B4-BE49-F238E27FC236}">
+                <a16:creationId xmlns:a16="http://schemas.microsoft.com/office/drawing/2014/main" id="{59A309A7-1751-4ABE-A3C1-EEC40366AD89}"/>
+              </a:ext>
+              <a:ext uri="{C183D7F6-B498-43B3-948B-1728B52AA6E4}">
+                <adec:decorative xmlns:adec="http://schemas.microsoft.com/office/drawing/2017/decorative" val="1"/>
+              </a:ext>
+            </a:extLst>
+          </p:cNvPr>
+          <p:cNvSpPr>
+            <a:spLocks noGrp="1" noRot="1" noChangeAspect="1" noMove="1" noResize="1" noEditPoints="1" noAdjustHandles="1" noChangeArrowheads="1" noChangeShapeType="1" noTextEdit="1"/>
+          </p:cNvSpPr>
+          <p:nvPr>
+            <p:extLst>
+              <p:ext uri="{386F3935-93C4-4BCD-93E2-E3B085C9AB24}">
+                <p16:designElem xmlns:p16="http://schemas.microsoft.com/office/powerpoint/2015/main" val="1"/>
+              </p:ext>
+            </p:extLst>
+          </p:nvPr>
+        </p:nvSpPr>
+        <p:spPr>
+          <a:xfrm>
+            <a:off x="10088880" y="0"/>
+            <a:ext cx="2103120" cy="6858000"/>
+          </a:xfrm>
+          <a:prstGeom prst="rect">
+            <a:avLst/>
+          </a:prstGeom>
+          <a:solidFill>
+            <a:srgbClr val="524267"/>
+          </a:solidFill>
+          <a:ln>
+            <a:noFill/>
+          </a:ln>
+        </p:spPr>
+        <p:style>
+          <a:lnRef idx="2">
+            <a:schemeClr val="accent1">
+              <a:shade val="50000"/>
+            </a:schemeClr>
+          </a:lnRef>
+          <a:fillRef idx="1">
+            <a:schemeClr val="accent1"/>
+          </a:fillRef>
+          <a:effectRef idx="0">
+            <a:schemeClr val="accent1"/>
+          </a:effectRef>
+          <a:fontRef idx="minor">
+            <a:schemeClr val="lt1"/>
+          </a:fontRef>
+        </p:style>
+        <p:txBody>
+          <a:bodyPr rtlCol="0" anchor="ctr"/>
+          <a:lstStyle/>
+          <a:p>
+            <a:pPr algn="ctr"/>
+            <a:endParaRPr lang="en-US"/>
+          </a:p>
+        </p:txBody>
+      </p:sp>
+      <p:sp>
+        <p:nvSpPr>
+          <p:cNvPr id="11" name="Oval 10">
+            <a:extLst>
+              <a:ext uri="{FF2B5EF4-FFF2-40B4-BE49-F238E27FC236}">
+                <a16:creationId xmlns:a16="http://schemas.microsoft.com/office/drawing/2014/main" id="{967D8EB6-EAE1-4F9C-B398-83321E287204}"/>
+              </a:ext>
+              <a:ext uri="{C183D7F6-B498-43B3-948B-1728B52AA6E4}">
+                <adec:decorative xmlns:adec="http://schemas.microsoft.com/office/drawing/2017/decorative" val="1"/>
+              </a:ext>
+            </a:extLst>
+          </p:cNvPr>
+          <p:cNvSpPr>
+            <a:spLocks noGrp="1" noRot="1" noChangeAspect="1" noMove="1" noResize="1" noEditPoints="1" noAdjustHandles="1" noChangeArrowheads="1" noChangeShapeType="1" noTextEdit="1"/>
+          </p:cNvSpPr>
+          <p:nvPr>
+            <p:extLst>
+              <p:ext uri="{386F3935-93C4-4BCD-93E2-E3B085C9AB24}">
+                <p16:designElem xmlns:p16="http://schemas.microsoft.com/office/powerpoint/2015/main" val="1"/>
+              </p:ext>
+            </p:extLst>
+          </p:nvPr>
+        </p:nvSpPr>
+        <p:spPr>
+          <a:xfrm>
+            <a:off x="8915400" y="2358913"/>
+            <a:ext cx="2140172" cy="2140172"/>
+          </a:xfrm>
+          <a:prstGeom prst="ellipse">
+            <a:avLst/>
+          </a:prstGeom>
+          <a:solidFill>
+            <a:srgbClr val="FFFFFF"/>
+          </a:solidFill>
+          <a:ln w="22225">
+            <a:solidFill>
+              <a:srgbClr val="FEAD2A"/>
+            </a:solidFill>
+          </a:ln>
+        </p:spPr>
+        <p:style>
+          <a:lnRef idx="2">
+            <a:schemeClr val="accent1">
+              <a:shade val="50000"/>
+            </a:schemeClr>
+          </a:lnRef>
+          <a:fillRef idx="1">
+            <a:schemeClr val="accent1"/>
+          </a:fillRef>
+          <a:effectRef idx="0">
+            <a:schemeClr val="accent1"/>
+          </a:effectRef>
+          <a:fontRef idx="minor">
+            <a:schemeClr val="lt1"/>
+          </a:fontRef>
+        </p:style>
+        <p:txBody>
+          <a:bodyPr rtlCol="0" anchor="ctr"/>
+          <a:lstStyle/>
+          <a:p>
+            <a:pPr algn="ctr"/>
+            <a:endParaRPr lang="en-US"/>
+          </a:p>
+        </p:txBody>
+      </p:sp>
+      <p:pic>
+        <p:nvPicPr>
+          <p:cNvPr id="4" name="Picture 3">
+            <a:extLst>
+              <a:ext uri="{FF2B5EF4-FFF2-40B4-BE49-F238E27FC236}">
+                <a16:creationId xmlns:a16="http://schemas.microsoft.com/office/drawing/2014/main" id="{85AB331E-612D-4EF3-A464-A41A0A2B72FB}"/>
+              </a:ext>
+            </a:extLst>
+          </p:cNvPr>
+          <p:cNvPicPr>
+            <a:picLocks noChangeAspect="1"/>
+          </p:cNvPicPr>
+          <p:nvPr/>
+        </p:nvPicPr>
+        <p:blipFill rotWithShape="1">
+          <a:blip r:embed="rId3">
             <a:alphaModFix/>
           </a:blip>
           <a:srcRect l="15620" r="9358" b="3"/>
@@ -9568,7 +13210,7 @@
 </p:sld>
 </file>
 
-<file path=ppt/slides/slide5.xml><?xml version="1.0" encoding="utf-8"?>
+<file path=ppt/slides/slide6.xml><?xml version="1.0" encoding="utf-8"?>
 <p:sld xmlns:a="http://schemas.openxmlformats.org/drawingml/2006/main" xmlns:r="http://schemas.openxmlformats.org/officeDocument/2006/relationships" xmlns:p="http://schemas.openxmlformats.org/presentationml/2006/main">
   <p:cSld>
     <p:spTree>
@@ -9590,7 +13232,7 @@
           <p:cNvPr id="2" name="Title 1">
             <a:extLst>
               <a:ext uri="{FF2B5EF4-FFF2-40B4-BE49-F238E27FC236}">
-                <a16:creationId xmlns:a16="http://schemas.microsoft.com/office/drawing/2014/main" id="{883AF314-110A-449F-8710-10679D2A9648}"/>
+                <a16:creationId xmlns:a16="http://schemas.microsoft.com/office/drawing/2014/main" id="{04C75990-627A-46E0-9ED9-F7AA38F4BF7A}"/>
               </a:ext>
             </a:extLst>
           </p:cNvPr>
@@ -9614,10 +13256,9 @@
           <a:lstStyle/>
           <a:p>
             <a:r>
-              <a:rPr lang="en-US" dirty="0"/>
-              <a:t>Coding approach</a:t>
+              <a:rPr lang="en-AU" dirty="0"/>
+              <a:t>Extract, Transform and Load</a:t>
             </a:r>
-            <a:endParaRPr lang="en-AU" dirty="0"/>
           </a:p>
         </p:txBody>
       </p:sp>
@@ -9754,7 +13395,7 @@
           <p:cNvPr id="4" name="Picture 3">
             <a:extLst>
               <a:ext uri="{FF2B5EF4-FFF2-40B4-BE49-F238E27FC236}">
-                <a16:creationId xmlns:a16="http://schemas.microsoft.com/office/drawing/2014/main" id="{85AB331E-612D-4EF3-A464-A41A0A2B72FB}"/>
+                <a16:creationId xmlns:a16="http://schemas.microsoft.com/office/drawing/2014/main" id="{37E7B464-040D-4F0C-870C-FA433CAE08A1}"/>
               </a:ext>
             </a:extLst>
           </p:cNvPr>
@@ -9817,10 +13458,10 @@
       </p:pic>
       <p:graphicFrame>
         <p:nvGraphicFramePr>
-          <p:cNvPr id="6" name="Table 7">
-            <a:extLst>
-              <a:ext uri="{FF2B5EF4-FFF2-40B4-BE49-F238E27FC236}">
-                <a16:creationId xmlns:a16="http://schemas.microsoft.com/office/drawing/2014/main" id="{0D8B3164-51D8-41E1-9DE7-3C8743332858}"/>
+          <p:cNvPr id="12" name="Table 7">
+            <a:extLst>
+              <a:ext uri="{FF2B5EF4-FFF2-40B4-BE49-F238E27FC236}">
+                <a16:creationId xmlns:a16="http://schemas.microsoft.com/office/drawing/2014/main" id="{8035CF60-0DC5-4031-87DF-CDEB323AA169}"/>
               </a:ext>
             </a:extLst>
           </p:cNvPr>
@@ -9830,14 +13471,14 @@
           <p:nvPr>
             <p:extLst>
               <p:ext uri="{D42A27DB-BD31-4B8C-83A1-F6EECF244321}">
-                <p14:modId xmlns:p14="http://schemas.microsoft.com/office/powerpoint/2010/main" val="1386027514"/>
+                <p14:modId xmlns:p14="http://schemas.microsoft.com/office/powerpoint/2010/main" val="803800346"/>
               </p:ext>
             </p:extLst>
           </p:nvPr>
         </p:nvGraphicFramePr>
         <p:xfrm>
           <a:off x="787400" y="2158703"/>
-          <a:ext cx="6991572" cy="4445000"/>
+          <a:ext cx="7823200" cy="4668520"/>
         </p:xfrm>
         <a:graphic>
           <a:graphicData uri="http://schemas.openxmlformats.org/drawingml/2006/table">
@@ -9846,21 +13487,21 @@
                 <a:tableStyleId>{0E3FDE45-AF77-4B5C-9715-49D594BDF05E}</a:tableStyleId>
               </a:tblPr>
               <a:tblGrid>
-                <a:gridCol w="1460500">
+                <a:gridCol w="2012950">
                   <a:extLst>
                     <a:ext uri="{9D8B030D-6E8A-4147-A177-3AD203B41FA5}">
                       <a16:colId xmlns:a16="http://schemas.microsoft.com/office/drawing/2014/main" val="656384092"/>
                     </a:ext>
                   </a:extLst>
                 </a:gridCol>
-                <a:gridCol w="2914650">
+                <a:gridCol w="3409950">
                   <a:extLst>
                     <a:ext uri="{9D8B030D-6E8A-4147-A177-3AD203B41FA5}">
                       <a16:colId xmlns:a16="http://schemas.microsoft.com/office/drawing/2014/main" val="1957311934"/>
                     </a:ext>
                   </a:extLst>
                 </a:gridCol>
-                <a:gridCol w="2616422">
+                <a:gridCol w="2400300">
                   <a:extLst>
                     <a:ext uri="{9D8B030D-6E8A-4147-A177-3AD203B41FA5}">
                       <a16:colId xmlns:a16="http://schemas.microsoft.com/office/drawing/2014/main" val="4073411178"/>
@@ -9922,52 +13563,6 @@
                     <a:p>
                       <a:r>
                         <a:rPr lang="en-AU" sz="1400" dirty="0"/>
-                        <a:t>Exploratory data analysis</a:t>
-                      </a:r>
-                    </a:p>
-                  </a:txBody>
-                  <a:tcPr/>
-                </a:tc>
-                <a:tc>
-                  <a:txBody>
-                    <a:bodyPr/>
-                    <a:lstStyle/>
-                    <a:p>
-                      <a:r>
-                        <a:rPr lang="en-AU" sz="1400" dirty="0"/>
-                        <a:t>Summary statistics and visualisations</a:t>
-                      </a:r>
-                    </a:p>
-                  </a:txBody>
-                  <a:tcPr/>
-                </a:tc>
-                <a:tc>
-                  <a:txBody>
-                    <a:bodyPr/>
-                    <a:lstStyle/>
-                    <a:p>
-                      <a:r>
-                        <a:rPr lang="en-AU" sz="1400" dirty="0"/>
-                        <a:t>Pandas, Matplotlib</a:t>
-                      </a:r>
-                    </a:p>
-                  </a:txBody>
-                  <a:tcPr/>
-                </a:tc>
-                <a:extLst>
-                  <a:ext uri="{0D108BD9-81ED-4DB2-BD59-A6C34878D82A}">
-                    <a16:rowId xmlns:a16="http://schemas.microsoft.com/office/drawing/2014/main" val="1809215924"/>
-                  </a:ext>
-                </a:extLst>
-              </a:tr>
-              <a:tr h="370840">
-                <a:tc>
-                  <a:txBody>
-                    <a:bodyPr/>
-                    <a:lstStyle/>
-                    <a:p>
-                      <a:r>
-                        <a:rPr lang="en-AU" sz="1400" dirty="0"/>
                         <a:t>Extract</a:t>
                       </a:r>
                     </a:p>
@@ -10002,813 +13597,7 @@
                 </a:tc>
                 <a:extLst>
                   <a:ext uri="{0D108BD9-81ED-4DB2-BD59-A6C34878D82A}">
-                    <a16:rowId xmlns:a16="http://schemas.microsoft.com/office/drawing/2014/main" val="1355513333"/>
-                  </a:ext>
-                </a:extLst>
-              </a:tr>
-              <a:tr h="370840">
-                <a:tc>
-                  <a:txBody>
-                    <a:bodyPr/>
-                    <a:lstStyle/>
-                    <a:p>
-                      <a:r>
-                        <a:rPr lang="en-AU" sz="1400" dirty="0"/>
-                        <a:t>Transform</a:t>
-                      </a:r>
-                    </a:p>
-                  </a:txBody>
-                  <a:tcPr/>
-                </a:tc>
-                <a:tc>
-                  <a:txBody>
-                    <a:bodyPr/>
-                    <a:lstStyle/>
-                    <a:p>
-                      <a:r>
-                        <a:rPr lang="en-AU" sz="1400" dirty="0"/>
-                        <a:t>Make data fit for analysis</a:t>
-                      </a:r>
-                    </a:p>
-                  </a:txBody>
-                  <a:tcPr/>
-                </a:tc>
-                <a:tc>
-                  <a:txBody>
-                    <a:bodyPr/>
-                    <a:lstStyle/>
-                    <a:p>
-                      <a:r>
-                        <a:rPr lang="en-AU" sz="1400" dirty="0"/>
-                        <a:t>Pandas</a:t>
-                      </a:r>
-                    </a:p>
-                  </a:txBody>
-                  <a:tcPr/>
-                </a:tc>
-                <a:extLst>
-                  <a:ext uri="{0D108BD9-81ED-4DB2-BD59-A6C34878D82A}">
-                    <a16:rowId xmlns:a16="http://schemas.microsoft.com/office/drawing/2014/main" val="3515619946"/>
-                  </a:ext>
-                </a:extLst>
-              </a:tr>
-              <a:tr h="370840">
-                <a:tc>
-                  <a:txBody>
-                    <a:bodyPr/>
-                    <a:lstStyle/>
-                    <a:p>
-                      <a:r>
-                        <a:rPr lang="en-AU" sz="1400" dirty="0"/>
-                        <a:t>Load</a:t>
-                      </a:r>
-                    </a:p>
-                  </a:txBody>
-                  <a:tcPr/>
-                </a:tc>
-                <a:tc>
-                  <a:txBody>
-                    <a:bodyPr/>
-                    <a:lstStyle/>
-                    <a:p>
-                      <a:r>
-                        <a:rPr lang="en-AU" sz="1400" dirty="0"/>
-                        <a:t>Create database structure and load data</a:t>
-                      </a:r>
-                    </a:p>
-                  </a:txBody>
-                  <a:tcPr/>
-                </a:tc>
-                <a:tc>
-                  <a:txBody>
-                    <a:bodyPr/>
-                    <a:lstStyle/>
-                    <a:p>
-                      <a:r>
-                        <a:rPr lang="en-AU" sz="1400" dirty="0"/>
-                        <a:t>PostgreSQL, </a:t>
-                      </a:r>
-                      <a:r>
-                        <a:rPr lang="en-AU" sz="1400" dirty="0" err="1"/>
-                        <a:t>PgAdmin</a:t>
-                      </a:r>
-                      <a:r>
-                        <a:rPr lang="en-AU" sz="1400" dirty="0"/>
-                        <a:t>, Pandas</a:t>
-                      </a:r>
-                    </a:p>
-                  </a:txBody>
-                  <a:tcPr/>
-                </a:tc>
-                <a:extLst>
-                  <a:ext uri="{0D108BD9-81ED-4DB2-BD59-A6C34878D82A}">
-                    <a16:rowId xmlns:a16="http://schemas.microsoft.com/office/drawing/2014/main" val="2574410936"/>
-                  </a:ext>
-                </a:extLst>
-              </a:tr>
-              <a:tr h="370840">
-                <a:tc>
-                  <a:txBody>
-                    <a:bodyPr/>
-                    <a:lstStyle/>
-                    <a:p>
-                      <a:endParaRPr lang="en-AU" sz="1400" dirty="0"/>
-                    </a:p>
-                  </a:txBody>
-                  <a:tcPr/>
-                </a:tc>
-                <a:tc>
-                  <a:txBody>
-                    <a:bodyPr/>
-                    <a:lstStyle/>
-                    <a:p>
-                      <a:pPr marL="0" marR="0" lvl="0" indent="0" algn="l" defTabSz="914400" rtl="0" eaLnBrk="1" fontAlgn="auto" latinLnBrk="0" hangingPunct="1">
-                        <a:lnSpc>
-                          <a:spcPct val="100000"/>
-                        </a:lnSpc>
-                        <a:spcBef>
-                          <a:spcPts val="0"/>
-                        </a:spcBef>
-                        <a:spcAft>
-                          <a:spcPts val="0"/>
-                        </a:spcAft>
-                        <a:buClrTx/>
-                        <a:buSzTx/>
-                        <a:buFontTx/>
-                        <a:buNone/>
-                        <a:tabLst/>
-                        <a:defRPr/>
-                      </a:pPr>
-                      <a:r>
-                        <a:rPr lang="en-AU" sz="1400" dirty="0"/>
-                        <a:t>Flask app</a:t>
-                      </a:r>
-                    </a:p>
-                  </a:txBody>
-                  <a:tcPr/>
-                </a:tc>
-                <a:tc rowSpan="5">
-                  <a:txBody>
-                    <a:bodyPr/>
-                    <a:lstStyle/>
-                    <a:p>
-                      <a:r>
-                        <a:rPr lang="en-AU" sz="1400" dirty="0"/>
-                        <a:t>OS, Pandas, </a:t>
-                      </a:r>
-                      <a:r>
-                        <a:rPr lang="en-AU" sz="1400" dirty="0" err="1"/>
-                        <a:t>Numpy</a:t>
-                      </a:r>
-                      <a:r>
-                        <a:rPr lang="en-AU" sz="1400" dirty="0"/>
-                        <a:t>, </a:t>
-                      </a:r>
-                      <a:r>
-                        <a:rPr lang="en-AU" sz="1400" dirty="0" err="1"/>
-                        <a:t>SQLAlchemy</a:t>
-                      </a:r>
-                      <a:r>
-                        <a:rPr lang="en-AU" sz="1400" dirty="0"/>
-                        <a:t>, Flask, </a:t>
-                      </a:r>
-                      <a:r>
-                        <a:rPr lang="en-AU" sz="1400" dirty="0" err="1"/>
-                        <a:t>SimpleJson</a:t>
-                      </a:r>
-                      <a:r>
-                        <a:rPr lang="en-AU" sz="1400" dirty="0"/>
-                        <a:t>, </a:t>
-                      </a:r>
-                      <a:r>
-                        <a:rPr lang="en-AU" sz="1400" dirty="0" err="1"/>
-                        <a:t>Javascript</a:t>
-                      </a:r>
-                      <a:r>
-                        <a:rPr lang="en-AU" sz="1400" dirty="0"/>
-                        <a:t>, CSS, Leaflet, </a:t>
-                      </a:r>
-                      <a:r>
-                        <a:rPr lang="en-AU" sz="1400" dirty="0" err="1"/>
-                        <a:t>Chloropleth</a:t>
-                      </a:r>
-                      <a:r>
-                        <a:rPr lang="en-AU" sz="1400" dirty="0"/>
-                        <a:t>, Bootstrap, </a:t>
-                      </a:r>
-                      <a:r>
-                        <a:rPr lang="en-AU" sz="1400" dirty="0" err="1"/>
-                        <a:t>GeoJson</a:t>
-                      </a:r>
-                      <a:r>
-                        <a:rPr lang="en-AU" sz="1400" dirty="0"/>
-                        <a:t>, D3</a:t>
-                      </a:r>
-                    </a:p>
-                  </a:txBody>
-                  <a:tcPr/>
-                </a:tc>
-                <a:extLst>
-                  <a:ext uri="{0D108BD9-81ED-4DB2-BD59-A6C34878D82A}">
-                    <a16:rowId xmlns:a16="http://schemas.microsoft.com/office/drawing/2014/main" val="2586231188"/>
-                  </a:ext>
-                </a:extLst>
-              </a:tr>
-              <a:tr h="370840">
-                <a:tc>
-                  <a:txBody>
-                    <a:bodyPr/>
-                    <a:lstStyle/>
-                    <a:p>
-                      <a:endParaRPr lang="en-AU" sz="1400" dirty="0"/>
-                    </a:p>
-                  </a:txBody>
-                  <a:tcPr/>
-                </a:tc>
-                <a:tc>
-                  <a:txBody>
-                    <a:bodyPr/>
-                    <a:lstStyle/>
-                    <a:p>
-                      <a:pPr marL="0" marR="0" lvl="0" indent="0" algn="l" defTabSz="914400" rtl="0" eaLnBrk="1" fontAlgn="auto" latinLnBrk="0" hangingPunct="1">
-                        <a:lnSpc>
-                          <a:spcPct val="100000"/>
-                        </a:lnSpc>
-                        <a:spcBef>
-                          <a:spcPts val="0"/>
-                        </a:spcBef>
-                        <a:spcAft>
-                          <a:spcPts val="0"/>
-                        </a:spcAft>
-                        <a:buClrTx/>
-                        <a:buSzTx/>
-                        <a:buFontTx/>
-                        <a:buNone/>
-                        <a:tabLst/>
-                        <a:defRPr/>
-                      </a:pPr>
-                      <a:r>
-                        <a:rPr lang="en-AU" sz="1400" dirty="0"/>
-                        <a:t>Connecting to and reflecting database</a:t>
-                      </a:r>
-                    </a:p>
-                  </a:txBody>
-                  <a:tcPr/>
-                </a:tc>
-                <a:tc vMerge="1">
-                  <a:txBody>
-                    <a:bodyPr/>
-                    <a:lstStyle/>
-                    <a:p>
-                      <a:endParaRPr lang="en-AU" sz="1400" dirty="0"/>
-                    </a:p>
-                  </a:txBody>
-                  <a:tcPr/>
-                </a:tc>
-                <a:extLst>
-                  <a:ext uri="{0D108BD9-81ED-4DB2-BD59-A6C34878D82A}">
-                    <a16:rowId xmlns:a16="http://schemas.microsoft.com/office/drawing/2014/main" val="1026253916"/>
-                  </a:ext>
-                </a:extLst>
-              </a:tr>
-              <a:tr h="370840">
-                <a:tc>
-                  <a:txBody>
-                    <a:bodyPr/>
-                    <a:lstStyle/>
-                    <a:p>
-                      <a:endParaRPr lang="en-AU" sz="1400" dirty="0"/>
-                    </a:p>
-                  </a:txBody>
-                  <a:tcPr/>
-                </a:tc>
-                <a:tc>
-                  <a:txBody>
-                    <a:bodyPr/>
-                    <a:lstStyle/>
-                    <a:p>
-                      <a:pPr marL="0" marR="0" lvl="0" indent="0" algn="l" defTabSz="914400" rtl="0" eaLnBrk="1" fontAlgn="auto" latinLnBrk="0" hangingPunct="1">
-                        <a:lnSpc>
-                          <a:spcPct val="100000"/>
-                        </a:lnSpc>
-                        <a:spcBef>
-                          <a:spcPts val="0"/>
-                        </a:spcBef>
-                        <a:spcAft>
-                          <a:spcPts val="0"/>
-                        </a:spcAft>
-                        <a:buClrTx/>
-                        <a:buSzTx/>
-                        <a:buFontTx/>
-                        <a:buNone/>
-                        <a:tabLst/>
-                        <a:defRPr/>
-                      </a:pPr>
-                      <a:r>
-                        <a:rPr lang="en-AU" sz="1400" dirty="0"/>
-                        <a:t>Creating routes for rendering index.html, tables and visualisations</a:t>
-                      </a:r>
-                    </a:p>
-                  </a:txBody>
-                  <a:tcPr/>
-                </a:tc>
-                <a:tc vMerge="1">
-                  <a:txBody>
-                    <a:bodyPr/>
-                    <a:lstStyle/>
-                    <a:p>
-                      <a:endParaRPr lang="en-AU" sz="1400" dirty="0"/>
-                    </a:p>
-                  </a:txBody>
-                  <a:tcPr/>
-                </a:tc>
-                <a:extLst>
-                  <a:ext uri="{0D108BD9-81ED-4DB2-BD59-A6C34878D82A}">
-                    <a16:rowId xmlns:a16="http://schemas.microsoft.com/office/drawing/2014/main" val="3184453006"/>
-                  </a:ext>
-                </a:extLst>
-              </a:tr>
-              <a:tr h="370840">
-                <a:tc>
-                  <a:txBody>
-                    <a:bodyPr/>
-                    <a:lstStyle/>
-                    <a:p>
-                      <a:endParaRPr lang="en-AU" sz="1400" dirty="0"/>
-                    </a:p>
-                  </a:txBody>
-                  <a:tcPr/>
-                </a:tc>
-                <a:tc>
-                  <a:txBody>
-                    <a:bodyPr/>
-                    <a:lstStyle/>
-                    <a:p>
-                      <a:pPr marL="0" marR="0" lvl="0" indent="0" algn="l" defTabSz="914400" rtl="0" eaLnBrk="1" fontAlgn="auto" latinLnBrk="0" hangingPunct="1">
-                        <a:lnSpc>
-                          <a:spcPct val="100000"/>
-                        </a:lnSpc>
-                        <a:spcBef>
-                          <a:spcPts val="0"/>
-                        </a:spcBef>
-                        <a:spcAft>
-                          <a:spcPts val="0"/>
-                        </a:spcAft>
-                        <a:buClrTx/>
-                        <a:buSzTx/>
-                        <a:buFontTx/>
-                        <a:buNone/>
-                        <a:tabLst/>
-                        <a:defRPr/>
-                      </a:pPr>
-                      <a:r>
-                        <a:rPr lang="en-AU" sz="1400" dirty="0"/>
-                        <a:t>Conversion of results to JSON</a:t>
-                      </a:r>
-                    </a:p>
-                  </a:txBody>
-                  <a:tcPr/>
-                </a:tc>
-                <a:tc vMerge="1">
-                  <a:txBody>
-                    <a:bodyPr/>
-                    <a:lstStyle/>
-                    <a:p>
-                      <a:endParaRPr lang="en-AU" sz="1400" dirty="0"/>
-                    </a:p>
-                  </a:txBody>
-                  <a:tcPr/>
-                </a:tc>
-                <a:extLst>
-                  <a:ext uri="{0D108BD9-81ED-4DB2-BD59-A6C34878D82A}">
-                    <a16:rowId xmlns:a16="http://schemas.microsoft.com/office/drawing/2014/main" val="2040560376"/>
-                  </a:ext>
-                </a:extLst>
-              </a:tr>
-              <a:tr h="370840">
-                <a:tc>
-                  <a:txBody>
-                    <a:bodyPr/>
-                    <a:lstStyle/>
-                    <a:p>
-                      <a:endParaRPr lang="en-AU" sz="1400" dirty="0"/>
-                    </a:p>
-                  </a:txBody>
-                  <a:tcPr/>
-                </a:tc>
-                <a:tc>
-                  <a:txBody>
-                    <a:bodyPr/>
-                    <a:lstStyle/>
-                    <a:p>
-                      <a:pPr marL="0" marR="0" lvl="0" indent="0" algn="l" defTabSz="914400" rtl="0" eaLnBrk="1" fontAlgn="auto" latinLnBrk="0" hangingPunct="1">
-                        <a:lnSpc>
-                          <a:spcPct val="100000"/>
-                        </a:lnSpc>
-                        <a:spcBef>
-                          <a:spcPts val="0"/>
-                        </a:spcBef>
-                        <a:spcAft>
-                          <a:spcPts val="0"/>
-                        </a:spcAft>
-                        <a:buClrTx/>
-                        <a:buSzTx/>
-                        <a:buFontTx/>
-                        <a:buNone/>
-                        <a:tabLst/>
-                        <a:defRPr/>
-                      </a:pPr>
-                      <a:r>
-                        <a:rPr lang="en-AU" sz="1400" dirty="0"/>
-                        <a:t>Create visualisations</a:t>
-                      </a:r>
-                    </a:p>
-                  </a:txBody>
-                  <a:tcPr/>
-                </a:tc>
-                <a:tc vMerge="1">
-                  <a:txBody>
-                    <a:bodyPr/>
-                    <a:lstStyle/>
-                    <a:p>
-                      <a:endParaRPr lang="en-AU" sz="1400" dirty="0"/>
-                    </a:p>
-                  </a:txBody>
-                  <a:tcPr/>
-                </a:tc>
-                <a:extLst>
-                  <a:ext uri="{0D108BD9-81ED-4DB2-BD59-A6C34878D82A}">
-                    <a16:rowId xmlns:a16="http://schemas.microsoft.com/office/drawing/2014/main" val="147852397"/>
-                  </a:ext>
-                </a:extLst>
-              </a:tr>
-            </a:tbl>
-          </a:graphicData>
-        </a:graphic>
-      </p:graphicFrame>
-    </p:spTree>
-    <p:extLst>
-      <p:ext uri="{BB962C8B-B14F-4D97-AF65-F5344CB8AC3E}">
-        <p14:creationId xmlns:p14="http://schemas.microsoft.com/office/powerpoint/2010/main" val="2561568762"/>
-      </p:ext>
-    </p:extLst>
-  </p:cSld>
-  <p:clrMapOvr>
-    <a:masterClrMapping/>
-  </p:clrMapOvr>
-</p:sld>
-</file>
-
-<file path=ppt/slides/slide6.xml><?xml version="1.0" encoding="utf-8"?>
-<p:sld xmlns:a="http://schemas.openxmlformats.org/drawingml/2006/main" xmlns:r="http://schemas.openxmlformats.org/officeDocument/2006/relationships" xmlns:p="http://schemas.openxmlformats.org/presentationml/2006/main">
-  <p:cSld>
-    <p:spTree>
-      <p:nvGrpSpPr>
-        <p:cNvPr id="1" name=""/>
-        <p:cNvGrpSpPr/>
-        <p:nvPr/>
-      </p:nvGrpSpPr>
-      <p:grpSpPr>
-        <a:xfrm>
-          <a:off x="0" y="0"/>
-          <a:ext cx="0" cy="0"/>
-          <a:chOff x="0" y="0"/>
-          <a:chExt cx="0" cy="0"/>
-        </a:xfrm>
-      </p:grpSpPr>
-      <p:sp>
-        <p:nvSpPr>
-          <p:cNvPr id="2" name="Title 1">
-            <a:extLst>
-              <a:ext uri="{FF2B5EF4-FFF2-40B4-BE49-F238E27FC236}">
-                <a16:creationId xmlns:a16="http://schemas.microsoft.com/office/drawing/2014/main" id="{04C75990-627A-46E0-9ED9-F7AA38F4BF7A}"/>
-              </a:ext>
-            </a:extLst>
-          </p:cNvPr>
-          <p:cNvSpPr>
-            <a:spLocks noGrp="1"/>
-          </p:cNvSpPr>
-          <p:nvPr>
-            <p:ph type="title"/>
-          </p:nvPr>
-        </p:nvSpPr>
-        <p:spPr>
-          <a:xfrm>
-            <a:off x="1136428" y="627564"/>
-            <a:ext cx="7474172" cy="1325563"/>
-          </a:xfrm>
-        </p:spPr>
-        <p:txBody>
-          <a:bodyPr>
-            <a:normAutofit/>
-          </a:bodyPr>
-          <a:lstStyle/>
-          <a:p>
-            <a:r>
-              <a:rPr lang="en-AU" dirty="0"/>
-              <a:t>Data </a:t>
-            </a:r>
-            <a:r>
-              <a:rPr lang="en-AU" dirty="0" err="1"/>
-              <a:t>mungling</a:t>
-            </a:r>
-            <a:r>
-              <a:rPr lang="en-AU" dirty="0"/>
-              <a:t> techniques</a:t>
-            </a:r>
-          </a:p>
-        </p:txBody>
-      </p:sp>
-      <p:sp>
-        <p:nvSpPr>
-          <p:cNvPr id="9" name="Rectangle 8">
-            <a:extLst>
-              <a:ext uri="{FF2B5EF4-FFF2-40B4-BE49-F238E27FC236}">
-                <a16:creationId xmlns:a16="http://schemas.microsoft.com/office/drawing/2014/main" id="{59A309A7-1751-4ABE-A3C1-EEC40366AD89}"/>
-              </a:ext>
-              <a:ext uri="{C183D7F6-B498-43B3-948B-1728B52AA6E4}">
-                <adec:decorative xmlns:adec="http://schemas.microsoft.com/office/drawing/2017/decorative" val="1"/>
-              </a:ext>
-            </a:extLst>
-          </p:cNvPr>
-          <p:cNvSpPr>
-            <a:spLocks noGrp="1" noRot="1" noChangeAspect="1" noMove="1" noResize="1" noEditPoints="1" noAdjustHandles="1" noChangeArrowheads="1" noChangeShapeType="1" noTextEdit="1"/>
-          </p:cNvSpPr>
-          <p:nvPr>
-            <p:extLst>
-              <p:ext uri="{386F3935-93C4-4BCD-93E2-E3B085C9AB24}">
-                <p16:designElem xmlns:p16="http://schemas.microsoft.com/office/powerpoint/2015/main" val="1"/>
-              </p:ext>
-            </p:extLst>
-          </p:nvPr>
-        </p:nvSpPr>
-        <p:spPr>
-          <a:xfrm>
-            <a:off x="10088880" y="0"/>
-            <a:ext cx="2103120" cy="6858000"/>
-          </a:xfrm>
-          <a:prstGeom prst="rect">
-            <a:avLst/>
-          </a:prstGeom>
-          <a:solidFill>
-            <a:srgbClr val="524267"/>
-          </a:solidFill>
-          <a:ln>
-            <a:noFill/>
-          </a:ln>
-        </p:spPr>
-        <p:style>
-          <a:lnRef idx="2">
-            <a:schemeClr val="accent1">
-              <a:shade val="50000"/>
-            </a:schemeClr>
-          </a:lnRef>
-          <a:fillRef idx="1">
-            <a:schemeClr val="accent1"/>
-          </a:fillRef>
-          <a:effectRef idx="0">
-            <a:schemeClr val="accent1"/>
-          </a:effectRef>
-          <a:fontRef idx="minor">
-            <a:schemeClr val="lt1"/>
-          </a:fontRef>
-        </p:style>
-        <p:txBody>
-          <a:bodyPr rtlCol="0" anchor="ctr"/>
-          <a:lstStyle/>
-          <a:p>
-            <a:pPr algn="ctr"/>
-            <a:endParaRPr lang="en-US"/>
-          </a:p>
-        </p:txBody>
-      </p:sp>
-      <p:sp>
-        <p:nvSpPr>
-          <p:cNvPr id="11" name="Oval 10">
-            <a:extLst>
-              <a:ext uri="{FF2B5EF4-FFF2-40B4-BE49-F238E27FC236}">
-                <a16:creationId xmlns:a16="http://schemas.microsoft.com/office/drawing/2014/main" id="{967D8EB6-EAE1-4F9C-B398-83321E287204}"/>
-              </a:ext>
-              <a:ext uri="{C183D7F6-B498-43B3-948B-1728B52AA6E4}">
-                <adec:decorative xmlns:adec="http://schemas.microsoft.com/office/drawing/2017/decorative" val="1"/>
-              </a:ext>
-            </a:extLst>
-          </p:cNvPr>
-          <p:cNvSpPr>
-            <a:spLocks noGrp="1" noRot="1" noChangeAspect="1" noMove="1" noResize="1" noEditPoints="1" noAdjustHandles="1" noChangeArrowheads="1" noChangeShapeType="1" noTextEdit="1"/>
-          </p:cNvSpPr>
-          <p:nvPr>
-            <p:extLst>
-              <p:ext uri="{386F3935-93C4-4BCD-93E2-E3B085C9AB24}">
-                <p16:designElem xmlns:p16="http://schemas.microsoft.com/office/powerpoint/2015/main" val="1"/>
-              </p:ext>
-            </p:extLst>
-          </p:nvPr>
-        </p:nvSpPr>
-        <p:spPr>
-          <a:xfrm>
-            <a:off x="8915400" y="2358913"/>
-            <a:ext cx="2140172" cy="2140172"/>
-          </a:xfrm>
-          <a:prstGeom prst="ellipse">
-            <a:avLst/>
-          </a:prstGeom>
-          <a:solidFill>
-            <a:srgbClr val="FFFFFF"/>
-          </a:solidFill>
-          <a:ln w="22225">
-            <a:solidFill>
-              <a:srgbClr val="FEAD2A"/>
-            </a:solidFill>
-          </a:ln>
-        </p:spPr>
-        <p:style>
-          <a:lnRef idx="2">
-            <a:schemeClr val="accent1">
-              <a:shade val="50000"/>
-            </a:schemeClr>
-          </a:lnRef>
-          <a:fillRef idx="1">
-            <a:schemeClr val="accent1"/>
-          </a:fillRef>
-          <a:effectRef idx="0">
-            <a:schemeClr val="accent1"/>
-          </a:effectRef>
-          <a:fontRef idx="minor">
-            <a:schemeClr val="lt1"/>
-          </a:fontRef>
-        </p:style>
-        <p:txBody>
-          <a:bodyPr rtlCol="0" anchor="ctr"/>
-          <a:lstStyle/>
-          <a:p>
-            <a:pPr algn="ctr"/>
-            <a:endParaRPr lang="en-US"/>
-          </a:p>
-        </p:txBody>
-      </p:sp>
-      <p:pic>
-        <p:nvPicPr>
-          <p:cNvPr id="4" name="Picture 3">
-            <a:extLst>
-              <a:ext uri="{FF2B5EF4-FFF2-40B4-BE49-F238E27FC236}">
-                <a16:creationId xmlns:a16="http://schemas.microsoft.com/office/drawing/2014/main" id="{37E7B464-040D-4F0C-870C-FA433CAE08A1}"/>
-              </a:ext>
-            </a:extLst>
-          </p:cNvPr>
-          <p:cNvPicPr>
-            <a:picLocks noChangeAspect="1"/>
-          </p:cNvPicPr>
-          <p:nvPr/>
-        </p:nvPicPr>
-        <p:blipFill rotWithShape="1">
-          <a:blip r:embed="rId2">
-            <a:alphaModFix/>
-          </a:blip>
-          <a:srcRect l="15620" r="9358" b="3"/>
-          <a:stretch/>
-        </p:blipFill>
-        <p:spPr>
-          <a:xfrm>
-            <a:off x="9030743" y="2474254"/>
-            <a:ext cx="1912560" cy="1909489"/>
-          </a:xfrm>
-          <a:custGeom>
-            <a:avLst/>
-            <a:gdLst/>
-            <a:ahLst/>
-            <a:cxnLst/>
-            <a:rect l="l" t="t" r="r" b="b"/>
-            <a:pathLst>
-              <a:path w="6057610" h="6057610">
-                <a:moveTo>
-                  <a:pt x="3028805" y="0"/>
-                </a:moveTo>
-                <a:cubicBezTo>
-                  <a:pt x="4701568" y="0"/>
-                  <a:pt x="6057610" y="1356042"/>
-                  <a:pt x="6057610" y="3028805"/>
-                </a:cubicBezTo>
-                <a:cubicBezTo>
-                  <a:pt x="6057610" y="4701568"/>
-                  <a:pt x="4701568" y="6057610"/>
-                  <a:pt x="3028805" y="6057610"/>
-                </a:cubicBezTo>
-                <a:cubicBezTo>
-                  <a:pt x="1356042" y="6057610"/>
-                  <a:pt x="0" y="4701568"/>
-                  <a:pt x="0" y="3028805"/>
-                </a:cubicBezTo>
-                <a:cubicBezTo>
-                  <a:pt x="0" y="1356042"/>
-                  <a:pt x="1356042" y="0"/>
-                  <a:pt x="3028805" y="0"/>
-                </a:cubicBezTo>
-                <a:close/>
-              </a:path>
-            </a:pathLst>
-          </a:custGeom>
-          <a:effectLst>
-            <a:softEdge rad="0"/>
-          </a:effectLst>
-        </p:spPr>
-      </p:pic>
-      <p:graphicFrame>
-        <p:nvGraphicFramePr>
-          <p:cNvPr id="12" name="Table 7">
-            <a:extLst>
-              <a:ext uri="{FF2B5EF4-FFF2-40B4-BE49-F238E27FC236}">
-                <a16:creationId xmlns:a16="http://schemas.microsoft.com/office/drawing/2014/main" id="{8035CF60-0DC5-4031-87DF-CDEB323AA169}"/>
-              </a:ext>
-            </a:extLst>
-          </p:cNvPr>
-          <p:cNvGraphicFramePr>
-            <a:graphicFrameLocks noGrp="1"/>
-          </p:cNvGraphicFramePr>
-          <p:nvPr>
-            <p:extLst>
-              <p:ext uri="{D42A27DB-BD31-4B8C-83A1-F6EECF244321}">
-                <p14:modId xmlns:p14="http://schemas.microsoft.com/office/powerpoint/2010/main" val="308187523"/>
-              </p:ext>
-            </p:extLst>
-          </p:nvPr>
-        </p:nvGraphicFramePr>
-        <p:xfrm>
-          <a:off x="787400" y="2158703"/>
-          <a:ext cx="6991572" cy="3261360"/>
-        </p:xfrm>
-        <a:graphic>
-          <a:graphicData uri="http://schemas.openxmlformats.org/drawingml/2006/table">
-            <a:tbl>
-              <a:tblPr firstRow="1" bandRow="1">
-                <a:tableStyleId>{0E3FDE45-AF77-4B5C-9715-49D594BDF05E}</a:tableStyleId>
-              </a:tblPr>
-              <a:tblGrid>
-                <a:gridCol w="1460500">
-                  <a:extLst>
-                    <a:ext uri="{9D8B030D-6E8A-4147-A177-3AD203B41FA5}">
-                      <a16:colId xmlns:a16="http://schemas.microsoft.com/office/drawing/2014/main" val="656384092"/>
-                    </a:ext>
-                  </a:extLst>
-                </a:gridCol>
-                <a:gridCol w="3514725">
-                  <a:extLst>
-                    <a:ext uri="{9D8B030D-6E8A-4147-A177-3AD203B41FA5}">
-                      <a16:colId xmlns:a16="http://schemas.microsoft.com/office/drawing/2014/main" val="1957311934"/>
-                    </a:ext>
-                  </a:extLst>
-                </a:gridCol>
-                <a:gridCol w="2016347">
-                  <a:extLst>
-                    <a:ext uri="{9D8B030D-6E8A-4147-A177-3AD203B41FA5}">
-                      <a16:colId xmlns:a16="http://schemas.microsoft.com/office/drawing/2014/main" val="4073411178"/>
-                    </a:ext>
-                  </a:extLst>
-                </a:gridCol>
-              </a:tblGrid>
-              <a:tr h="370840">
-                <a:tc>
-                  <a:txBody>
-                    <a:bodyPr/>
-                    <a:lstStyle/>
-                    <a:p>
-                      <a:r>
-                        <a:rPr lang="en-AU" dirty="0"/>
-                        <a:t>Step</a:t>
-                      </a:r>
-                    </a:p>
-                  </a:txBody>
-                  <a:tcPr/>
-                </a:tc>
-                <a:tc>
-                  <a:txBody>
-                    <a:bodyPr/>
-                    <a:lstStyle/>
-                    <a:p>
-                      <a:r>
-                        <a:rPr lang="en-AU" dirty="0"/>
-                        <a:t>What</a:t>
-                      </a:r>
-                    </a:p>
-                  </a:txBody>
-                  <a:tcPr/>
-                </a:tc>
-                <a:tc>
-                  <a:txBody>
-                    <a:bodyPr/>
-                    <a:lstStyle/>
-                    <a:p>
-                      <a:r>
-                        <a:rPr lang="en-AU" dirty="0"/>
-                        <a:t>How</a:t>
-                      </a:r>
-                    </a:p>
-                  </a:txBody>
-                  <a:tcPr/>
-                </a:tc>
-                <a:extLst>
-                  <a:ext uri="{0D108BD9-81ED-4DB2-BD59-A6C34878D82A}">
-                    <a16:rowId xmlns:a16="http://schemas.microsoft.com/office/drawing/2014/main" val="2176207386"/>
+                    <a16:rowId xmlns:a16="http://schemas.microsoft.com/office/drawing/2014/main" val="744140509"/>
                   </a:ext>
                 </a:extLst>
               </a:tr>
@@ -10837,7 +13626,7 @@
                       </a:pPr>
                       <a:r>
                         <a:rPr lang="en-AU" sz="1400" dirty="0"/>
-                        <a:t>Transformations</a:t>
+                        <a:t>Transform</a:t>
                       </a:r>
                     </a:p>
                   </a:txBody>
@@ -10850,7 +13639,7 @@
                     <a:p>
                       <a:r>
                         <a:rPr lang="en-AU" sz="1400" dirty="0"/>
-                        <a:t>Checking datatypes</a:t>
+                        <a:t>Check and convert datatypes</a:t>
                       </a:r>
                     </a:p>
                   </a:txBody>
@@ -11225,6 +14014,106 @@
                   </a:ext>
                 </a:extLst>
               </a:tr>
+              <a:tr h="370840">
+                <a:tc>
+                  <a:txBody>
+                    <a:bodyPr/>
+                    <a:lstStyle/>
+                    <a:p>
+                      <a:r>
+                        <a:rPr lang="en-AU" sz="1400" dirty="0"/>
+                        <a:t>Exploratory data analysis</a:t>
+                      </a:r>
+                    </a:p>
+                  </a:txBody>
+                  <a:tcPr/>
+                </a:tc>
+                <a:tc>
+                  <a:txBody>
+                    <a:bodyPr/>
+                    <a:lstStyle/>
+                    <a:p>
+                      <a:r>
+                        <a:rPr lang="en-AU" sz="1400" dirty="0"/>
+                        <a:t>Summary statistics and visualisations</a:t>
+                      </a:r>
+                    </a:p>
+                  </a:txBody>
+                  <a:tcPr/>
+                </a:tc>
+                <a:tc>
+                  <a:txBody>
+                    <a:bodyPr/>
+                    <a:lstStyle/>
+                    <a:p>
+                      <a:r>
+                        <a:rPr lang="en-AU" sz="1400" dirty="0"/>
+                        <a:t>Pandas, Matplotlib</a:t>
+                      </a:r>
+                    </a:p>
+                  </a:txBody>
+                  <a:tcPr/>
+                </a:tc>
+                <a:extLst>
+                  <a:ext uri="{0D108BD9-81ED-4DB2-BD59-A6C34878D82A}">
+                    <a16:rowId xmlns:a16="http://schemas.microsoft.com/office/drawing/2014/main" val="2911652450"/>
+                  </a:ext>
+                </a:extLst>
+              </a:tr>
+              <a:tr h="370840">
+                <a:tc>
+                  <a:txBody>
+                    <a:bodyPr/>
+                    <a:lstStyle/>
+                    <a:p>
+                      <a:r>
+                        <a:rPr lang="en-AU" sz="1400" dirty="0"/>
+                        <a:t>Load</a:t>
+                      </a:r>
+                    </a:p>
+                  </a:txBody>
+                  <a:tcPr/>
+                </a:tc>
+                <a:tc>
+                  <a:txBody>
+                    <a:bodyPr/>
+                    <a:lstStyle/>
+                    <a:p>
+                      <a:r>
+                        <a:rPr lang="en-AU" sz="1400" dirty="0"/>
+                        <a:t>Create database structure and load data</a:t>
+                      </a:r>
+                    </a:p>
+                  </a:txBody>
+                  <a:tcPr/>
+                </a:tc>
+                <a:tc>
+                  <a:txBody>
+                    <a:bodyPr/>
+                    <a:lstStyle/>
+                    <a:p>
+                      <a:r>
+                        <a:rPr lang="en-AU" sz="1400" dirty="0"/>
+                        <a:t>PostgreSQL, </a:t>
+                      </a:r>
+                      <a:r>
+                        <a:rPr lang="en-AU" sz="1400" dirty="0" err="1"/>
+                        <a:t>PgAdmin</a:t>
+                      </a:r>
+                      <a:r>
+                        <a:rPr lang="en-AU" sz="1400" dirty="0"/>
+                        <a:t>, Pandas</a:t>
+                      </a:r>
+                    </a:p>
+                  </a:txBody>
+                  <a:tcPr/>
+                </a:tc>
+                <a:extLst>
+                  <a:ext uri="{0D108BD9-81ED-4DB2-BD59-A6C34878D82A}">
+                    <a16:rowId xmlns:a16="http://schemas.microsoft.com/office/drawing/2014/main" val="1442248988"/>
+                  </a:ext>
+                </a:extLst>
+              </a:tr>
             </a:tbl>
           </a:graphicData>
         </a:graphic>
@@ -11264,7 +14153,7 @@
           <p:cNvPr id="2" name="Title 1">
             <a:extLst>
               <a:ext uri="{FF2B5EF4-FFF2-40B4-BE49-F238E27FC236}">
-                <a16:creationId xmlns:a16="http://schemas.microsoft.com/office/drawing/2014/main" id="{B74D29E5-E187-47E1-BA72-A1F6CA4BA70E}"/>
+                <a16:creationId xmlns:a16="http://schemas.microsoft.com/office/drawing/2014/main" id="{883AF314-110A-449F-8710-10679D2A9648}"/>
               </a:ext>
             </a:extLst>
           </p:cNvPr>
@@ -11288,55 +14177,10 @@
           <a:lstStyle/>
           <a:p>
             <a:r>
-              <a:rPr lang="en-AU" dirty="0"/>
-              <a:t>Snapshots data </a:t>
+              <a:rPr lang="en-US" dirty="0"/>
+              <a:t>Coding approach</a:t>
             </a:r>
-            <a:r>
-              <a:rPr lang="en-AU" dirty="0" err="1"/>
-              <a:t>mungling</a:t>
-            </a:r>
-            <a:r>
-              <a:rPr lang="en-AU" dirty="0"/>
-              <a:t> code and raw data</a:t>
-            </a:r>
-          </a:p>
-        </p:txBody>
-      </p:sp>
-      <p:sp>
-        <p:nvSpPr>
-          <p:cNvPr id="3" name="Content Placeholder 2">
-            <a:extLst>
-              <a:ext uri="{FF2B5EF4-FFF2-40B4-BE49-F238E27FC236}">
-                <a16:creationId xmlns:a16="http://schemas.microsoft.com/office/drawing/2014/main" id="{9CA07059-F776-4046-AB19-7DCDA994B402}"/>
-              </a:ext>
-            </a:extLst>
-          </p:cNvPr>
-          <p:cNvSpPr>
-            <a:spLocks noGrp="1"/>
-          </p:cNvSpPr>
-          <p:nvPr>
-            <p:ph idx="1"/>
-          </p:nvPr>
-        </p:nvSpPr>
-        <p:spPr>
-          <a:xfrm>
-            <a:off x="1136428" y="2278173"/>
-            <a:ext cx="7474171" cy="3450613"/>
-          </a:xfrm>
-        </p:spPr>
-        <p:txBody>
-          <a:bodyPr anchor="t">
-            <a:normAutofit/>
-          </a:bodyPr>
-          <a:lstStyle/>
-          <a:p>
-            <a:pPr marL="0" indent="0">
-              <a:buNone/>
-            </a:pPr>
-            <a:r>
-              <a:rPr lang="en-AU" sz="2400" dirty="0"/>
-              <a:t>The visualisations below are snapshots of the code and raw data of the Marriage Postal Survey results</a:t>
-            </a:r>
+            <a:endParaRPr lang="en-AU" dirty="0"/>
           </a:p>
         </p:txBody>
       </p:sp>
@@ -11473,7 +14317,7 @@
           <p:cNvPr id="4" name="Picture 3">
             <a:extLst>
               <a:ext uri="{FF2B5EF4-FFF2-40B4-BE49-F238E27FC236}">
-                <a16:creationId xmlns:a16="http://schemas.microsoft.com/office/drawing/2014/main" id="{AE3F2B0D-1996-47D3-A8B9-91B93A3C4323}"/>
+                <a16:creationId xmlns:a16="http://schemas.microsoft.com/office/drawing/2014/main" id="{85AB331E-612D-4EF3-A464-A41A0A2B72FB}"/>
               </a:ext>
             </a:extLst>
           </p:cNvPr>
@@ -11534,206 +14378,645 @@
           </a:effectLst>
         </p:spPr>
       </p:pic>
-      <p:pic>
-        <p:nvPicPr>
-          <p:cNvPr id="6" name="Picture 5">
-            <a:extLst>
-              <a:ext uri="{FF2B5EF4-FFF2-40B4-BE49-F238E27FC236}">
-                <a16:creationId xmlns:a16="http://schemas.microsoft.com/office/drawing/2014/main" id="{A4299787-8830-4997-A9EF-779953530A91}"/>
-              </a:ext>
-            </a:extLst>
-          </p:cNvPr>
-          <p:cNvPicPr>
-            <a:picLocks noChangeAspect="1"/>
-          </p:cNvPicPr>
-          <p:nvPr/>
-        </p:nvPicPr>
-        <p:blipFill>
-          <a:blip r:embed="rId3"/>
-          <a:stretch>
-            <a:fillRect/>
-          </a:stretch>
-        </p:blipFill>
-        <p:spPr>
-          <a:xfrm>
-            <a:off x="1248697" y="4915050"/>
-            <a:ext cx="5200491" cy="912887"/>
-          </a:xfrm>
-          <a:prstGeom prst="rect">
-            <a:avLst/>
-          </a:prstGeom>
-        </p:spPr>
-      </p:pic>
-      <p:pic>
-        <p:nvPicPr>
-          <p:cNvPr id="8" name="Picture 7">
-            <a:extLst>
-              <a:ext uri="{FF2B5EF4-FFF2-40B4-BE49-F238E27FC236}">
-                <a16:creationId xmlns:a16="http://schemas.microsoft.com/office/drawing/2014/main" id="{D18C2D1D-5D01-4153-B278-E90B7F4011B0}"/>
-              </a:ext>
-            </a:extLst>
-          </p:cNvPr>
-          <p:cNvPicPr>
-            <a:picLocks noChangeAspect="1"/>
-          </p:cNvPicPr>
-          <p:nvPr/>
-        </p:nvPicPr>
-        <p:blipFill>
-          <a:blip r:embed="rId4"/>
-          <a:stretch>
-            <a:fillRect/>
-          </a:stretch>
-        </p:blipFill>
-        <p:spPr>
-          <a:xfrm>
-            <a:off x="1248697" y="3155061"/>
-            <a:ext cx="5666823" cy="1462535"/>
-          </a:xfrm>
-          <a:prstGeom prst="rect">
-            <a:avLst/>
-          </a:prstGeom>
-        </p:spPr>
-      </p:pic>
+      <p:graphicFrame>
+        <p:nvGraphicFramePr>
+          <p:cNvPr id="6" name="Table 7">
+            <a:extLst>
+              <a:ext uri="{FF2B5EF4-FFF2-40B4-BE49-F238E27FC236}">
+                <a16:creationId xmlns:a16="http://schemas.microsoft.com/office/drawing/2014/main" id="{0D8B3164-51D8-41E1-9DE7-3C8743332858}"/>
+              </a:ext>
+            </a:extLst>
+          </p:cNvPr>
+          <p:cNvGraphicFramePr>
+            <a:graphicFrameLocks noGrp="1"/>
+          </p:cNvGraphicFramePr>
+          <p:nvPr>
+            <p:extLst>
+              <p:ext uri="{D42A27DB-BD31-4B8C-83A1-F6EECF244321}">
+                <p14:modId xmlns:p14="http://schemas.microsoft.com/office/powerpoint/2010/main" val="1530514920"/>
+              </p:ext>
+            </p:extLst>
+          </p:nvPr>
+        </p:nvGraphicFramePr>
+        <p:xfrm>
+          <a:off x="787400" y="2158703"/>
+          <a:ext cx="6991572" cy="2667000"/>
+        </p:xfrm>
+        <a:graphic>
+          <a:graphicData uri="http://schemas.openxmlformats.org/drawingml/2006/table">
+            <a:tbl>
+              <a:tblPr firstRow="1" bandRow="1">
+                <a:tableStyleId>{0E3FDE45-AF77-4B5C-9715-49D594BDF05E}</a:tableStyleId>
+              </a:tblPr>
+              <a:tblGrid>
+                <a:gridCol w="1460500">
+                  <a:extLst>
+                    <a:ext uri="{9D8B030D-6E8A-4147-A177-3AD203B41FA5}">
+                      <a16:colId xmlns:a16="http://schemas.microsoft.com/office/drawing/2014/main" val="656384092"/>
+                    </a:ext>
+                  </a:extLst>
+                </a:gridCol>
+                <a:gridCol w="2914650">
+                  <a:extLst>
+                    <a:ext uri="{9D8B030D-6E8A-4147-A177-3AD203B41FA5}">
+                      <a16:colId xmlns:a16="http://schemas.microsoft.com/office/drawing/2014/main" val="1957311934"/>
+                    </a:ext>
+                  </a:extLst>
+                </a:gridCol>
+                <a:gridCol w="2616422">
+                  <a:extLst>
+                    <a:ext uri="{9D8B030D-6E8A-4147-A177-3AD203B41FA5}">
+                      <a16:colId xmlns:a16="http://schemas.microsoft.com/office/drawing/2014/main" val="4073411178"/>
+                    </a:ext>
+                  </a:extLst>
+                </a:gridCol>
+              </a:tblGrid>
+              <a:tr h="370840">
+                <a:tc>
+                  <a:txBody>
+                    <a:bodyPr/>
+                    <a:lstStyle/>
+                    <a:p>
+                      <a:r>
+                        <a:rPr lang="en-AU" dirty="0"/>
+                        <a:t>Step</a:t>
+                      </a:r>
+                    </a:p>
+                  </a:txBody>
+                  <a:tcPr/>
+                </a:tc>
+                <a:tc>
+                  <a:txBody>
+                    <a:bodyPr/>
+                    <a:lstStyle/>
+                    <a:p>
+                      <a:r>
+                        <a:rPr lang="en-AU" dirty="0"/>
+                        <a:t>What</a:t>
+                      </a:r>
+                    </a:p>
+                  </a:txBody>
+                  <a:tcPr/>
+                </a:tc>
+                <a:tc>
+                  <a:txBody>
+                    <a:bodyPr/>
+                    <a:lstStyle/>
+                    <a:p>
+                      <a:r>
+                        <a:rPr lang="en-AU" dirty="0"/>
+                        <a:t>How</a:t>
+                      </a:r>
+                    </a:p>
+                  </a:txBody>
+                  <a:tcPr/>
+                </a:tc>
+                <a:extLst>
+                  <a:ext uri="{0D108BD9-81ED-4DB2-BD59-A6C34878D82A}">
+                    <a16:rowId xmlns:a16="http://schemas.microsoft.com/office/drawing/2014/main" val="2176207386"/>
+                  </a:ext>
+                </a:extLst>
+              </a:tr>
+              <a:tr h="370840">
+                <a:tc>
+                  <a:txBody>
+                    <a:bodyPr/>
+                    <a:lstStyle/>
+                    <a:p>
+                      <a:pPr marL="0" marR="0" lvl="0" indent="0" algn="l" defTabSz="914400" rtl="0" eaLnBrk="1" fontAlgn="auto" latinLnBrk="0" hangingPunct="1">
+                        <a:lnSpc>
+                          <a:spcPct val="100000"/>
+                        </a:lnSpc>
+                        <a:spcBef>
+                          <a:spcPts val="0"/>
+                        </a:spcBef>
+                        <a:spcAft>
+                          <a:spcPts val="0"/>
+                        </a:spcAft>
+                        <a:buClrTx/>
+                        <a:buSzTx/>
+                        <a:buFontTx/>
+                        <a:buNone/>
+                        <a:tabLst/>
+                        <a:defRPr/>
+                      </a:pPr>
+                      <a:r>
+                        <a:rPr lang="en-AU" sz="1400" dirty="0"/>
+                        <a:t>Flask app</a:t>
+                      </a:r>
+                    </a:p>
+                    <a:p>
+                      <a:endParaRPr lang="en-AU" sz="1400" dirty="0"/>
+                    </a:p>
+                  </a:txBody>
+                  <a:tcPr/>
+                </a:tc>
+                <a:tc>
+                  <a:txBody>
+                    <a:bodyPr/>
+                    <a:lstStyle/>
+                    <a:p>
+                      <a:pPr marL="0" marR="0" lvl="0" indent="0" algn="l" defTabSz="914400" rtl="0" eaLnBrk="1" fontAlgn="auto" latinLnBrk="0" hangingPunct="1">
+                        <a:lnSpc>
+                          <a:spcPct val="100000"/>
+                        </a:lnSpc>
+                        <a:spcBef>
+                          <a:spcPts val="0"/>
+                        </a:spcBef>
+                        <a:spcAft>
+                          <a:spcPts val="0"/>
+                        </a:spcAft>
+                        <a:buClrTx/>
+                        <a:buSzTx/>
+                        <a:buFontTx/>
+                        <a:buNone/>
+                        <a:tabLst/>
+                        <a:defRPr/>
+                      </a:pPr>
+                      <a:r>
+                        <a:rPr lang="en-AU" sz="1400" dirty="0"/>
+                        <a:t>Import modules</a:t>
+                      </a:r>
+                    </a:p>
+                  </a:txBody>
+                  <a:tcPr/>
+                </a:tc>
+                <a:tc rowSpan="5">
+                  <a:txBody>
+                    <a:bodyPr/>
+                    <a:lstStyle/>
+                    <a:p>
+                      <a:pPr marL="285750" marR="0" lvl="0" indent="-285750" algn="l" defTabSz="914400" rtl="0" eaLnBrk="1" fontAlgn="auto" latinLnBrk="0" hangingPunct="1">
+                        <a:lnSpc>
+                          <a:spcPct val="100000"/>
+                        </a:lnSpc>
+                        <a:spcBef>
+                          <a:spcPts val="0"/>
+                        </a:spcBef>
+                        <a:spcAft>
+                          <a:spcPts val="0"/>
+                        </a:spcAft>
+                        <a:buClrTx/>
+                        <a:buSzTx/>
+                        <a:buFontTx/>
+                        <a:buBlip>
+                          <a:blip r:embed="rId3"/>
+                        </a:buBlip>
+                        <a:tabLst/>
+                        <a:defRPr/>
+                      </a:pPr>
+                      <a:r>
+                        <a:rPr lang="en-AU" sz="1400" dirty="0"/>
+                        <a:t>OS</a:t>
+                      </a:r>
+                    </a:p>
+                    <a:p>
+                      <a:pPr marL="285750" marR="0" lvl="0" indent="-285750" algn="l" defTabSz="914400" rtl="0" eaLnBrk="1" fontAlgn="auto" latinLnBrk="0" hangingPunct="1">
+                        <a:lnSpc>
+                          <a:spcPct val="100000"/>
+                        </a:lnSpc>
+                        <a:spcBef>
+                          <a:spcPts val="0"/>
+                        </a:spcBef>
+                        <a:spcAft>
+                          <a:spcPts val="0"/>
+                        </a:spcAft>
+                        <a:buClrTx/>
+                        <a:buSzTx/>
+                        <a:buFontTx/>
+                        <a:buBlip>
+                          <a:blip r:embed="rId3"/>
+                        </a:buBlip>
+                        <a:tabLst/>
+                        <a:defRPr/>
+                      </a:pPr>
+                      <a:r>
+                        <a:rPr lang="en-AU" sz="1400" dirty="0"/>
+                        <a:t>Pandas</a:t>
+                      </a:r>
+                    </a:p>
+                    <a:p>
+                      <a:pPr marL="285750" marR="0" lvl="0" indent="-285750" algn="l" defTabSz="914400" rtl="0" eaLnBrk="1" fontAlgn="auto" latinLnBrk="0" hangingPunct="1">
+                        <a:lnSpc>
+                          <a:spcPct val="100000"/>
+                        </a:lnSpc>
+                        <a:spcBef>
+                          <a:spcPts val="0"/>
+                        </a:spcBef>
+                        <a:spcAft>
+                          <a:spcPts val="0"/>
+                        </a:spcAft>
+                        <a:buClrTx/>
+                        <a:buSzTx/>
+                        <a:buFontTx/>
+                        <a:buBlip>
+                          <a:blip r:embed="rId3"/>
+                        </a:buBlip>
+                        <a:tabLst/>
+                        <a:defRPr/>
+                      </a:pPr>
+                      <a:r>
+                        <a:rPr lang="en-AU" sz="1400" dirty="0" err="1"/>
+                        <a:t>Numpy</a:t>
+                      </a:r>
+                      <a:endParaRPr lang="en-AU" sz="1400" dirty="0"/>
+                    </a:p>
+                    <a:p>
+                      <a:pPr marL="285750" marR="0" lvl="0" indent="-285750" algn="l" defTabSz="914400" rtl="0" eaLnBrk="1" fontAlgn="auto" latinLnBrk="0" hangingPunct="1">
+                        <a:lnSpc>
+                          <a:spcPct val="100000"/>
+                        </a:lnSpc>
+                        <a:spcBef>
+                          <a:spcPts val="0"/>
+                        </a:spcBef>
+                        <a:spcAft>
+                          <a:spcPts val="0"/>
+                        </a:spcAft>
+                        <a:buClrTx/>
+                        <a:buSzTx/>
+                        <a:buFontTx/>
+                        <a:buBlip>
+                          <a:blip r:embed="rId3"/>
+                        </a:buBlip>
+                        <a:tabLst/>
+                        <a:defRPr/>
+                      </a:pPr>
+                      <a:r>
+                        <a:rPr lang="en-AU" sz="1400" dirty="0" err="1"/>
+                        <a:t>SQLAlchemy</a:t>
+                      </a:r>
+                      <a:endParaRPr lang="en-AU" sz="1400" dirty="0"/>
+                    </a:p>
+                    <a:p>
+                      <a:pPr marL="285750" marR="0" lvl="0" indent="-285750" algn="l" defTabSz="914400" rtl="0" eaLnBrk="1" fontAlgn="auto" latinLnBrk="0" hangingPunct="1">
+                        <a:lnSpc>
+                          <a:spcPct val="100000"/>
+                        </a:lnSpc>
+                        <a:spcBef>
+                          <a:spcPts val="0"/>
+                        </a:spcBef>
+                        <a:spcAft>
+                          <a:spcPts val="0"/>
+                        </a:spcAft>
+                        <a:buClrTx/>
+                        <a:buSzTx/>
+                        <a:buFontTx/>
+                        <a:buBlip>
+                          <a:blip r:embed="rId3"/>
+                        </a:buBlip>
+                        <a:tabLst/>
+                        <a:defRPr/>
+                      </a:pPr>
+                      <a:r>
+                        <a:rPr lang="en-AU" sz="1400" dirty="0"/>
+                        <a:t>Flask</a:t>
+                      </a:r>
+                    </a:p>
+                    <a:p>
+                      <a:pPr marL="285750" marR="0" lvl="0" indent="-285750" algn="l" defTabSz="914400" rtl="0" eaLnBrk="1" fontAlgn="auto" latinLnBrk="0" hangingPunct="1">
+                        <a:lnSpc>
+                          <a:spcPct val="100000"/>
+                        </a:lnSpc>
+                        <a:spcBef>
+                          <a:spcPts val="0"/>
+                        </a:spcBef>
+                        <a:spcAft>
+                          <a:spcPts val="0"/>
+                        </a:spcAft>
+                        <a:buClrTx/>
+                        <a:buSzTx/>
+                        <a:buFontTx/>
+                        <a:buBlip>
+                          <a:blip r:embed="rId3"/>
+                        </a:buBlip>
+                        <a:tabLst/>
+                        <a:defRPr/>
+                      </a:pPr>
+                      <a:r>
+                        <a:rPr lang="en-AU" sz="1400" dirty="0" err="1"/>
+                        <a:t>SimpleJson</a:t>
+                      </a:r>
+                      <a:endParaRPr lang="en-AU" sz="1400" dirty="0"/>
+                    </a:p>
+                  </a:txBody>
+                  <a:tcPr/>
+                </a:tc>
+                <a:extLst>
+                  <a:ext uri="{0D108BD9-81ED-4DB2-BD59-A6C34878D82A}">
+                    <a16:rowId xmlns:a16="http://schemas.microsoft.com/office/drawing/2014/main" val="2820448645"/>
+                  </a:ext>
+                </a:extLst>
+              </a:tr>
+              <a:tr h="370840">
+                <a:tc>
+                  <a:txBody>
+                    <a:bodyPr/>
+                    <a:lstStyle/>
+                    <a:p>
+                      <a:endParaRPr lang="en-AU" sz="1400" dirty="0"/>
+                    </a:p>
+                  </a:txBody>
+                  <a:tcPr/>
+                </a:tc>
+                <a:tc>
+                  <a:txBody>
+                    <a:bodyPr/>
+                    <a:lstStyle/>
+                    <a:p>
+                      <a:pPr marL="0" marR="0" lvl="0" indent="0" algn="l" defTabSz="914400" rtl="0" eaLnBrk="1" fontAlgn="auto" latinLnBrk="0" hangingPunct="1">
+                        <a:lnSpc>
+                          <a:spcPct val="100000"/>
+                        </a:lnSpc>
+                        <a:spcBef>
+                          <a:spcPts val="0"/>
+                        </a:spcBef>
+                        <a:spcAft>
+                          <a:spcPts val="0"/>
+                        </a:spcAft>
+                        <a:buClrTx/>
+                        <a:buSzTx/>
+                        <a:buFontTx/>
+                        <a:buNone/>
+                        <a:tabLst/>
+                        <a:defRPr/>
+                      </a:pPr>
+                      <a:r>
+                        <a:rPr lang="en-AU" sz="1400" dirty="0"/>
+                        <a:t>Connect to and reflect database tables</a:t>
+                      </a:r>
+                    </a:p>
+                  </a:txBody>
+                  <a:tcPr/>
+                </a:tc>
+                <a:tc vMerge="1">
+                  <a:txBody>
+                    <a:bodyPr/>
+                    <a:lstStyle/>
+                    <a:p>
+                      <a:pPr marL="285750" marR="0" lvl="0" indent="-285750" algn="l" defTabSz="914400" rtl="0" eaLnBrk="1" fontAlgn="auto" latinLnBrk="0" hangingPunct="1">
+                        <a:lnSpc>
+                          <a:spcPct val="100000"/>
+                        </a:lnSpc>
+                        <a:spcBef>
+                          <a:spcPts val="0"/>
+                        </a:spcBef>
+                        <a:spcAft>
+                          <a:spcPts val="0"/>
+                        </a:spcAft>
+                        <a:buClrTx/>
+                        <a:buSzTx/>
+                        <a:buFont typeface="Arial" panose="020B0604020202020204" pitchFamily="34" charset="0"/>
+                        <a:buChar char="•"/>
+                        <a:tabLst/>
+                        <a:defRPr/>
+                      </a:pPr>
+                      <a:endParaRPr lang="en-AU" sz="1400" dirty="0"/>
+                    </a:p>
+                  </a:txBody>
+                  <a:tcPr/>
+                </a:tc>
+                <a:extLst>
+                  <a:ext uri="{0D108BD9-81ED-4DB2-BD59-A6C34878D82A}">
+                    <a16:rowId xmlns:a16="http://schemas.microsoft.com/office/drawing/2014/main" val="4148937121"/>
+                  </a:ext>
+                </a:extLst>
+              </a:tr>
+              <a:tr h="370840">
+                <a:tc>
+                  <a:txBody>
+                    <a:bodyPr/>
+                    <a:lstStyle/>
+                    <a:p>
+                      <a:endParaRPr lang="en-AU" sz="1400" dirty="0"/>
+                    </a:p>
+                  </a:txBody>
+                  <a:tcPr/>
+                </a:tc>
+                <a:tc>
+                  <a:txBody>
+                    <a:bodyPr/>
+                    <a:lstStyle/>
+                    <a:p>
+                      <a:pPr marL="0" marR="0" lvl="0" indent="0" algn="l" defTabSz="914400" rtl="0" eaLnBrk="1" fontAlgn="auto" latinLnBrk="0" hangingPunct="1">
+                        <a:lnSpc>
+                          <a:spcPct val="100000"/>
+                        </a:lnSpc>
+                        <a:spcBef>
+                          <a:spcPts val="0"/>
+                        </a:spcBef>
+                        <a:spcAft>
+                          <a:spcPts val="0"/>
+                        </a:spcAft>
+                        <a:buClrTx/>
+                        <a:buSzTx/>
+                        <a:buFontTx/>
+                        <a:buNone/>
+                        <a:tabLst/>
+                        <a:defRPr/>
+                      </a:pPr>
+                      <a:r>
+                        <a:rPr lang="en-AU" sz="1400" dirty="0"/>
+                        <a:t>Create session link</a:t>
+                      </a:r>
+                    </a:p>
+                  </a:txBody>
+                  <a:tcPr/>
+                </a:tc>
+                <a:tc vMerge="1">
+                  <a:txBody>
+                    <a:bodyPr/>
+                    <a:lstStyle/>
+                    <a:p>
+                      <a:pPr marL="285750" marR="0" lvl="0" indent="-285750" algn="l" defTabSz="914400" rtl="0" eaLnBrk="1" fontAlgn="auto" latinLnBrk="0" hangingPunct="1">
+                        <a:lnSpc>
+                          <a:spcPct val="100000"/>
+                        </a:lnSpc>
+                        <a:spcBef>
+                          <a:spcPts val="0"/>
+                        </a:spcBef>
+                        <a:spcAft>
+                          <a:spcPts val="0"/>
+                        </a:spcAft>
+                        <a:buClrTx/>
+                        <a:buSzTx/>
+                        <a:buFont typeface="Arial" panose="020B0604020202020204" pitchFamily="34" charset="0"/>
+                        <a:buChar char="•"/>
+                        <a:tabLst/>
+                        <a:defRPr/>
+                      </a:pPr>
+                      <a:endParaRPr lang="en-AU" sz="1400" dirty="0"/>
+                    </a:p>
+                  </a:txBody>
+                  <a:tcPr/>
+                </a:tc>
+                <a:extLst>
+                  <a:ext uri="{0D108BD9-81ED-4DB2-BD59-A6C34878D82A}">
+                    <a16:rowId xmlns:a16="http://schemas.microsoft.com/office/drawing/2014/main" val="1958357620"/>
+                  </a:ext>
+                </a:extLst>
+              </a:tr>
+              <a:tr h="370840">
+                <a:tc>
+                  <a:txBody>
+                    <a:bodyPr/>
+                    <a:lstStyle/>
+                    <a:p>
+                      <a:endParaRPr lang="en-AU" sz="1400" dirty="0"/>
+                    </a:p>
+                  </a:txBody>
+                  <a:tcPr/>
+                </a:tc>
+                <a:tc>
+                  <a:txBody>
+                    <a:bodyPr/>
+                    <a:lstStyle/>
+                    <a:p>
+                      <a:pPr marL="0" marR="0" lvl="0" indent="0" algn="l" defTabSz="914400" rtl="0" eaLnBrk="1" fontAlgn="auto" latinLnBrk="0" hangingPunct="1">
+                        <a:lnSpc>
+                          <a:spcPct val="100000"/>
+                        </a:lnSpc>
+                        <a:spcBef>
+                          <a:spcPts val="0"/>
+                        </a:spcBef>
+                        <a:spcAft>
+                          <a:spcPts val="0"/>
+                        </a:spcAft>
+                        <a:buClrTx/>
+                        <a:buSzTx/>
+                        <a:buFontTx/>
+                        <a:buNone/>
+                        <a:tabLst/>
+                        <a:defRPr/>
+                      </a:pPr>
+                      <a:r>
+                        <a:rPr lang="en-AU" sz="1400" dirty="0"/>
+                        <a:t>Conversion of results to JSON</a:t>
+                      </a:r>
+                    </a:p>
+                  </a:txBody>
+                  <a:tcPr/>
+                </a:tc>
+                <a:tc vMerge="1">
+                  <a:txBody>
+                    <a:bodyPr/>
+                    <a:lstStyle/>
+                    <a:p>
+                      <a:pPr marL="285750" marR="0" lvl="0" indent="-285750" algn="l" defTabSz="914400" rtl="0" eaLnBrk="1" fontAlgn="auto" latinLnBrk="0" hangingPunct="1">
+                        <a:lnSpc>
+                          <a:spcPct val="100000"/>
+                        </a:lnSpc>
+                        <a:spcBef>
+                          <a:spcPts val="0"/>
+                        </a:spcBef>
+                        <a:spcAft>
+                          <a:spcPts val="0"/>
+                        </a:spcAft>
+                        <a:buClrTx/>
+                        <a:buSzTx/>
+                        <a:buFont typeface="Arial" panose="020B0604020202020204" pitchFamily="34" charset="0"/>
+                        <a:buChar char="•"/>
+                        <a:tabLst/>
+                        <a:defRPr/>
+                      </a:pPr>
+                      <a:endParaRPr lang="en-AU" sz="1400" dirty="0"/>
+                    </a:p>
+                  </a:txBody>
+                  <a:tcPr/>
+                </a:tc>
+                <a:extLst>
+                  <a:ext uri="{0D108BD9-81ED-4DB2-BD59-A6C34878D82A}">
+                    <a16:rowId xmlns:a16="http://schemas.microsoft.com/office/drawing/2014/main" val="1406242644"/>
+                  </a:ext>
+                </a:extLst>
+              </a:tr>
+              <a:tr h="370840">
+                <a:tc>
+                  <a:txBody>
+                    <a:bodyPr/>
+                    <a:lstStyle/>
+                    <a:p>
+                      <a:endParaRPr lang="en-AU" sz="1400" dirty="0"/>
+                    </a:p>
+                  </a:txBody>
+                  <a:tcPr/>
+                </a:tc>
+                <a:tc>
+                  <a:txBody>
+                    <a:bodyPr/>
+                    <a:lstStyle/>
+                    <a:p>
+                      <a:pPr marL="0" marR="0" lvl="0" indent="0" algn="l" defTabSz="914400" rtl="0" eaLnBrk="1" fontAlgn="auto" latinLnBrk="0" hangingPunct="1">
+                        <a:lnSpc>
+                          <a:spcPct val="100000"/>
+                        </a:lnSpc>
+                        <a:spcBef>
+                          <a:spcPts val="0"/>
+                        </a:spcBef>
+                        <a:spcAft>
+                          <a:spcPts val="0"/>
+                        </a:spcAft>
+                        <a:buClrTx/>
+                        <a:buSzTx/>
+                        <a:buFontTx/>
+                        <a:buNone/>
+                        <a:tabLst/>
+                        <a:defRPr/>
+                      </a:pPr>
+                      <a:r>
+                        <a:rPr lang="en-AU" sz="1400" dirty="0"/>
+                        <a:t>Creating routes for rendering index.html, tables and visualisations</a:t>
+                      </a:r>
+                    </a:p>
+                  </a:txBody>
+                  <a:tcPr/>
+                </a:tc>
+                <a:tc vMerge="1">
+                  <a:txBody>
+                    <a:bodyPr/>
+                    <a:lstStyle/>
+                    <a:p>
+                      <a:pPr marL="285750" marR="0" lvl="0" indent="-285750" algn="l" defTabSz="914400" rtl="0" eaLnBrk="1" fontAlgn="auto" latinLnBrk="0" hangingPunct="1">
+                        <a:lnSpc>
+                          <a:spcPct val="100000"/>
+                        </a:lnSpc>
+                        <a:spcBef>
+                          <a:spcPts val="0"/>
+                        </a:spcBef>
+                        <a:spcAft>
+                          <a:spcPts val="0"/>
+                        </a:spcAft>
+                        <a:buClrTx/>
+                        <a:buSzTx/>
+                        <a:buFont typeface="Arial" panose="020B0604020202020204" pitchFamily="34" charset="0"/>
+                        <a:buChar char="•"/>
+                        <a:tabLst/>
+                        <a:defRPr/>
+                      </a:pPr>
+                      <a:endParaRPr lang="en-AU" sz="1400" dirty="0"/>
+                    </a:p>
+                  </a:txBody>
+                  <a:tcPr/>
+                </a:tc>
+                <a:extLst>
+                  <a:ext uri="{0D108BD9-81ED-4DB2-BD59-A6C34878D82A}">
+                    <a16:rowId xmlns:a16="http://schemas.microsoft.com/office/drawing/2014/main" val="262634354"/>
+                  </a:ext>
+                </a:extLst>
+              </a:tr>
+            </a:tbl>
+          </a:graphicData>
+        </a:graphic>
+      </p:graphicFrame>
     </p:spTree>
     <p:extLst>
       <p:ext uri="{BB962C8B-B14F-4D97-AF65-F5344CB8AC3E}">
-        <p14:creationId xmlns:p14="http://schemas.microsoft.com/office/powerpoint/2010/main" val="136818763"/>
+        <p14:creationId xmlns:p14="http://schemas.microsoft.com/office/powerpoint/2010/main" val="2561568762"/>
       </p:ext>
     </p:extLst>
   </p:cSld>
   <p:clrMapOvr>
     <a:masterClrMapping/>
   </p:clrMapOvr>
-  <p:timing>
-    <p:tnLst>
-      <p:par>
-        <p:cTn id="1" dur="indefinite" restart="never" nodeType="tmRoot">
-          <p:childTnLst>
-            <p:seq concurrent="1" nextAc="seek">
-              <p:cTn id="2" dur="indefinite" nodeType="mainSeq">
-                <p:childTnLst>
-                  <p:par>
-                    <p:cTn id="3" fill="hold">
-                      <p:stCondLst>
-                        <p:cond delay="indefinite"/>
-                        <p:cond evt="onBegin" delay="0">
-                          <p:tn val="2"/>
-                        </p:cond>
-                      </p:stCondLst>
-                      <p:childTnLst>
-                        <p:par>
-                          <p:cTn id="4" fill="hold">
-                            <p:stCondLst>
-                              <p:cond delay="0"/>
-                            </p:stCondLst>
-                            <p:childTnLst>
-                              <p:par>
-                                <p:cTn id="5" presetID="10" presetClass="entr" presetSubtype="0" fill="hold" nodeType="withEffect">
-                                  <p:stCondLst>
-                                    <p:cond delay="0"/>
-                                  </p:stCondLst>
-                                  <p:iterate>
-                                    <p:tmPct val="10000"/>
-                                  </p:iterate>
-                                  <p:childTnLst>
-                                    <p:set>
-                                      <p:cBhvr>
-                                        <p:cTn id="6" dur="1" fill="hold">
-                                          <p:stCondLst>
-                                            <p:cond delay="0"/>
-                                          </p:stCondLst>
-                                        </p:cTn>
-                                        <p:tgtEl>
-                                          <p:spTgt spid="4"/>
-                                        </p:tgtEl>
-                                        <p:attrNameLst>
-                                          <p:attrName>style.visibility</p:attrName>
-                                        </p:attrNameLst>
-                                      </p:cBhvr>
-                                      <p:to>
-                                        <p:strVal val="visible"/>
-                                      </p:to>
-                                    </p:set>
-                                    <p:animEffect transition="in" filter="fade">
-                                      <p:cBhvr>
-                                        <p:cTn id="7" dur="700"/>
-                                        <p:tgtEl>
-                                          <p:spTgt spid="4"/>
-                                        </p:tgtEl>
-                                      </p:cBhvr>
-                                    </p:animEffect>
-                                  </p:childTnLst>
-                                </p:cTn>
-                              </p:par>
-                              <p:par>
-                                <p:cTn id="8" presetID="10" presetClass="entr" presetSubtype="0" fill="hold" grpId="0" nodeType="withEffect">
-                                  <p:stCondLst>
-                                    <p:cond delay="1000"/>
-                                  </p:stCondLst>
-                                  <p:iterate type="lt">
-                                    <p:tmPct val="10000"/>
-                                  </p:iterate>
-                                  <p:childTnLst>
-                                    <p:set>
-                                      <p:cBhvr>
-                                        <p:cTn id="9" dur="1" fill="hold">
-                                          <p:stCondLst>
-                                            <p:cond delay="0"/>
-                                          </p:stCondLst>
-                                        </p:cTn>
-                                        <p:tgtEl>
-                                          <p:spTgt spid="2"/>
-                                        </p:tgtEl>
-                                        <p:attrNameLst>
-                                          <p:attrName>style.visibility</p:attrName>
-                                        </p:attrNameLst>
-                                      </p:cBhvr>
-                                      <p:to>
-                                        <p:strVal val="visible"/>
-                                      </p:to>
-                                    </p:set>
-                                    <p:animEffect transition="in" filter="fade">
-                                      <p:cBhvr>
-                                        <p:cTn id="10" dur="400"/>
-                                        <p:tgtEl>
-                                          <p:spTgt spid="2"/>
-                                        </p:tgtEl>
-                                      </p:cBhvr>
-                                    </p:animEffect>
-                                  </p:childTnLst>
-                                </p:cTn>
-                              </p:par>
-                            </p:childTnLst>
-                          </p:cTn>
-                        </p:par>
-                      </p:childTnLst>
-                    </p:cTn>
-                  </p:par>
-                </p:childTnLst>
-              </p:cTn>
-              <p:prevCondLst>
-                <p:cond evt="onPrev" delay="0">
-                  <p:tgtEl>
-                    <p:sldTgt/>
-                  </p:tgtEl>
-                </p:cond>
-              </p:prevCondLst>
-              <p:nextCondLst>
-                <p:cond evt="onNext" delay="0">
-                  <p:tgtEl>
-                    <p:sldTgt/>
-                  </p:tgtEl>
-                </p:cond>
-              </p:nextCondLst>
-            </p:seq>
-          </p:childTnLst>
-        </p:cTn>
-      </p:par>
-    </p:tnLst>
-    <p:bldLst>
-      <p:bldP spid="2" grpId="0"/>
-    </p:bldLst>
-  </p:timing>
 </p:sld>
 </file>
 
@@ -11759,7 +15042,7 @@
           <p:cNvPr id="2" name="Title 1">
             <a:extLst>
               <a:ext uri="{FF2B5EF4-FFF2-40B4-BE49-F238E27FC236}">
-                <a16:creationId xmlns:a16="http://schemas.microsoft.com/office/drawing/2014/main" id="{B74D29E5-E187-47E1-BA72-A1F6CA4BA70E}"/>
+                <a16:creationId xmlns:a16="http://schemas.microsoft.com/office/drawing/2014/main" id="{883AF314-110A-449F-8710-10679D2A9648}"/>
               </a:ext>
             </a:extLst>
           </p:cNvPr>
@@ -11783,8 +15066,992 @@
           <a:lstStyle/>
           <a:p>
             <a:r>
+              <a:rPr lang="en-US" dirty="0"/>
+              <a:t>Coding approach</a:t>
+            </a:r>
+            <a:endParaRPr lang="en-AU" dirty="0"/>
+          </a:p>
+        </p:txBody>
+      </p:sp>
+      <p:sp>
+        <p:nvSpPr>
+          <p:cNvPr id="9" name="Rectangle 8">
+            <a:extLst>
+              <a:ext uri="{FF2B5EF4-FFF2-40B4-BE49-F238E27FC236}">
+                <a16:creationId xmlns:a16="http://schemas.microsoft.com/office/drawing/2014/main" id="{59A309A7-1751-4ABE-A3C1-EEC40366AD89}"/>
+              </a:ext>
+              <a:ext uri="{C183D7F6-B498-43B3-948B-1728B52AA6E4}">
+                <adec:decorative xmlns:adec="http://schemas.microsoft.com/office/drawing/2017/decorative" val="1"/>
+              </a:ext>
+            </a:extLst>
+          </p:cNvPr>
+          <p:cNvSpPr>
+            <a:spLocks noGrp="1" noRot="1" noChangeAspect="1" noMove="1" noResize="1" noEditPoints="1" noAdjustHandles="1" noChangeArrowheads="1" noChangeShapeType="1" noTextEdit="1"/>
+          </p:cNvSpPr>
+          <p:nvPr>
+            <p:extLst>
+              <p:ext uri="{386F3935-93C4-4BCD-93E2-E3B085C9AB24}">
+                <p16:designElem xmlns:p16="http://schemas.microsoft.com/office/powerpoint/2015/main" val="1"/>
+              </p:ext>
+            </p:extLst>
+          </p:nvPr>
+        </p:nvSpPr>
+        <p:spPr>
+          <a:xfrm>
+            <a:off x="10088880" y="0"/>
+            <a:ext cx="2103120" cy="6858000"/>
+          </a:xfrm>
+          <a:prstGeom prst="rect">
+            <a:avLst/>
+          </a:prstGeom>
+          <a:solidFill>
+            <a:srgbClr val="524267"/>
+          </a:solidFill>
+          <a:ln>
+            <a:noFill/>
+          </a:ln>
+        </p:spPr>
+        <p:style>
+          <a:lnRef idx="2">
+            <a:schemeClr val="accent1">
+              <a:shade val="50000"/>
+            </a:schemeClr>
+          </a:lnRef>
+          <a:fillRef idx="1">
+            <a:schemeClr val="accent1"/>
+          </a:fillRef>
+          <a:effectRef idx="0">
+            <a:schemeClr val="accent1"/>
+          </a:effectRef>
+          <a:fontRef idx="minor">
+            <a:schemeClr val="lt1"/>
+          </a:fontRef>
+        </p:style>
+        <p:txBody>
+          <a:bodyPr rtlCol="0" anchor="ctr"/>
+          <a:lstStyle/>
+          <a:p>
+            <a:pPr algn="ctr"/>
+            <a:endParaRPr lang="en-US"/>
+          </a:p>
+        </p:txBody>
+      </p:sp>
+      <p:sp>
+        <p:nvSpPr>
+          <p:cNvPr id="11" name="Oval 10">
+            <a:extLst>
+              <a:ext uri="{FF2B5EF4-FFF2-40B4-BE49-F238E27FC236}">
+                <a16:creationId xmlns:a16="http://schemas.microsoft.com/office/drawing/2014/main" id="{967D8EB6-EAE1-4F9C-B398-83321E287204}"/>
+              </a:ext>
+              <a:ext uri="{C183D7F6-B498-43B3-948B-1728B52AA6E4}">
+                <adec:decorative xmlns:adec="http://schemas.microsoft.com/office/drawing/2017/decorative" val="1"/>
+              </a:ext>
+            </a:extLst>
+          </p:cNvPr>
+          <p:cNvSpPr>
+            <a:spLocks noGrp="1" noRot="1" noChangeAspect="1" noMove="1" noResize="1" noEditPoints="1" noAdjustHandles="1" noChangeArrowheads="1" noChangeShapeType="1" noTextEdit="1"/>
+          </p:cNvSpPr>
+          <p:nvPr>
+            <p:extLst>
+              <p:ext uri="{386F3935-93C4-4BCD-93E2-E3B085C9AB24}">
+                <p16:designElem xmlns:p16="http://schemas.microsoft.com/office/powerpoint/2015/main" val="1"/>
+              </p:ext>
+            </p:extLst>
+          </p:nvPr>
+        </p:nvSpPr>
+        <p:spPr>
+          <a:xfrm>
+            <a:off x="8915400" y="2358913"/>
+            <a:ext cx="2140172" cy="2140172"/>
+          </a:xfrm>
+          <a:prstGeom prst="ellipse">
+            <a:avLst/>
+          </a:prstGeom>
+          <a:solidFill>
+            <a:srgbClr val="FFFFFF"/>
+          </a:solidFill>
+          <a:ln w="22225">
+            <a:solidFill>
+              <a:srgbClr val="FEAD2A"/>
+            </a:solidFill>
+          </a:ln>
+        </p:spPr>
+        <p:style>
+          <a:lnRef idx="2">
+            <a:schemeClr val="accent1">
+              <a:shade val="50000"/>
+            </a:schemeClr>
+          </a:lnRef>
+          <a:fillRef idx="1">
+            <a:schemeClr val="accent1"/>
+          </a:fillRef>
+          <a:effectRef idx="0">
+            <a:schemeClr val="accent1"/>
+          </a:effectRef>
+          <a:fontRef idx="minor">
+            <a:schemeClr val="lt1"/>
+          </a:fontRef>
+        </p:style>
+        <p:txBody>
+          <a:bodyPr rtlCol="0" anchor="ctr"/>
+          <a:lstStyle/>
+          <a:p>
+            <a:pPr algn="ctr"/>
+            <a:endParaRPr lang="en-US"/>
+          </a:p>
+        </p:txBody>
+      </p:sp>
+      <p:pic>
+        <p:nvPicPr>
+          <p:cNvPr id="4" name="Picture 3">
+            <a:extLst>
+              <a:ext uri="{FF2B5EF4-FFF2-40B4-BE49-F238E27FC236}">
+                <a16:creationId xmlns:a16="http://schemas.microsoft.com/office/drawing/2014/main" id="{85AB331E-612D-4EF3-A464-A41A0A2B72FB}"/>
+              </a:ext>
+            </a:extLst>
+          </p:cNvPr>
+          <p:cNvPicPr>
+            <a:picLocks noChangeAspect="1"/>
+          </p:cNvPicPr>
+          <p:nvPr/>
+        </p:nvPicPr>
+        <p:blipFill rotWithShape="1">
+          <a:blip r:embed="rId2">
+            <a:alphaModFix/>
+          </a:blip>
+          <a:srcRect l="15620" r="9358" b="3"/>
+          <a:stretch/>
+        </p:blipFill>
+        <p:spPr>
+          <a:xfrm>
+            <a:off x="9030743" y="2474254"/>
+            <a:ext cx="1912560" cy="1909489"/>
+          </a:xfrm>
+          <a:custGeom>
+            <a:avLst/>
+            <a:gdLst/>
+            <a:ahLst/>
+            <a:cxnLst/>
+            <a:rect l="l" t="t" r="r" b="b"/>
+            <a:pathLst>
+              <a:path w="6057610" h="6057610">
+                <a:moveTo>
+                  <a:pt x="3028805" y="0"/>
+                </a:moveTo>
+                <a:cubicBezTo>
+                  <a:pt x="4701568" y="0"/>
+                  <a:pt x="6057610" y="1356042"/>
+                  <a:pt x="6057610" y="3028805"/>
+                </a:cubicBezTo>
+                <a:cubicBezTo>
+                  <a:pt x="6057610" y="4701568"/>
+                  <a:pt x="4701568" y="6057610"/>
+                  <a:pt x="3028805" y="6057610"/>
+                </a:cubicBezTo>
+                <a:cubicBezTo>
+                  <a:pt x="1356042" y="6057610"/>
+                  <a:pt x="0" y="4701568"/>
+                  <a:pt x="0" y="3028805"/>
+                </a:cubicBezTo>
+                <a:cubicBezTo>
+                  <a:pt x="0" y="1356042"/>
+                  <a:pt x="1356042" y="0"/>
+                  <a:pt x="3028805" y="0"/>
+                </a:cubicBezTo>
+                <a:close/>
+              </a:path>
+            </a:pathLst>
+          </a:custGeom>
+          <a:effectLst>
+            <a:softEdge rad="0"/>
+          </a:effectLst>
+        </p:spPr>
+      </p:pic>
+      <p:graphicFrame>
+        <p:nvGraphicFramePr>
+          <p:cNvPr id="6" name="Table 7">
+            <a:extLst>
+              <a:ext uri="{FF2B5EF4-FFF2-40B4-BE49-F238E27FC236}">
+                <a16:creationId xmlns:a16="http://schemas.microsoft.com/office/drawing/2014/main" id="{0D8B3164-51D8-41E1-9DE7-3C8743332858}"/>
+              </a:ext>
+            </a:extLst>
+          </p:cNvPr>
+          <p:cNvGraphicFramePr>
+            <a:graphicFrameLocks noGrp="1"/>
+          </p:cNvGraphicFramePr>
+          <p:nvPr>
+            <p:extLst>
+              <p:ext uri="{D42A27DB-BD31-4B8C-83A1-F6EECF244321}">
+                <p14:modId xmlns:p14="http://schemas.microsoft.com/office/powerpoint/2010/main" val="3341671105"/>
+              </p:ext>
+            </p:extLst>
+          </p:nvPr>
+        </p:nvGraphicFramePr>
+        <p:xfrm>
+          <a:off x="787400" y="2158703"/>
+          <a:ext cx="6991572" cy="2372360"/>
+        </p:xfrm>
+        <a:graphic>
+          <a:graphicData uri="http://schemas.openxmlformats.org/drawingml/2006/table">
+            <a:tbl>
+              <a:tblPr firstRow="1" bandRow="1">
+                <a:tableStyleId>{0E3FDE45-AF77-4B5C-9715-49D594BDF05E}</a:tableStyleId>
+              </a:tblPr>
+              <a:tblGrid>
+                <a:gridCol w="1460500">
+                  <a:extLst>
+                    <a:ext uri="{9D8B030D-6E8A-4147-A177-3AD203B41FA5}">
+                      <a16:colId xmlns:a16="http://schemas.microsoft.com/office/drawing/2014/main" val="656384092"/>
+                    </a:ext>
+                  </a:extLst>
+                </a:gridCol>
+                <a:gridCol w="2914650">
+                  <a:extLst>
+                    <a:ext uri="{9D8B030D-6E8A-4147-A177-3AD203B41FA5}">
+                      <a16:colId xmlns:a16="http://schemas.microsoft.com/office/drawing/2014/main" val="1957311934"/>
+                    </a:ext>
+                  </a:extLst>
+                </a:gridCol>
+                <a:gridCol w="2616422">
+                  <a:extLst>
+                    <a:ext uri="{9D8B030D-6E8A-4147-A177-3AD203B41FA5}">
+                      <a16:colId xmlns:a16="http://schemas.microsoft.com/office/drawing/2014/main" val="4073411178"/>
+                    </a:ext>
+                  </a:extLst>
+                </a:gridCol>
+              </a:tblGrid>
+              <a:tr h="370840">
+                <a:tc>
+                  <a:txBody>
+                    <a:bodyPr/>
+                    <a:lstStyle/>
+                    <a:p>
+                      <a:r>
+                        <a:rPr lang="en-AU" dirty="0"/>
+                        <a:t>Step</a:t>
+                      </a:r>
+                    </a:p>
+                  </a:txBody>
+                  <a:tcPr/>
+                </a:tc>
+                <a:tc>
+                  <a:txBody>
+                    <a:bodyPr/>
+                    <a:lstStyle/>
+                    <a:p>
+                      <a:r>
+                        <a:rPr lang="en-AU" dirty="0"/>
+                        <a:t>What</a:t>
+                      </a:r>
+                    </a:p>
+                  </a:txBody>
+                  <a:tcPr/>
+                </a:tc>
+                <a:tc>
+                  <a:txBody>
+                    <a:bodyPr/>
+                    <a:lstStyle/>
+                    <a:p>
+                      <a:r>
+                        <a:rPr lang="en-AU" dirty="0"/>
+                        <a:t>How</a:t>
+                      </a:r>
+                    </a:p>
+                  </a:txBody>
+                  <a:tcPr/>
+                </a:tc>
+                <a:extLst>
+                  <a:ext uri="{0D108BD9-81ED-4DB2-BD59-A6C34878D82A}">
+                    <a16:rowId xmlns:a16="http://schemas.microsoft.com/office/drawing/2014/main" val="2176207386"/>
+                  </a:ext>
+                </a:extLst>
+              </a:tr>
+              <a:tr h="370840">
+                <a:tc>
+                  <a:txBody>
+                    <a:bodyPr/>
+                    <a:lstStyle/>
+                    <a:p>
+                      <a:pPr marL="0" marR="0" lvl="0" indent="0" algn="l" defTabSz="914400" rtl="0" eaLnBrk="1" fontAlgn="auto" latinLnBrk="0" hangingPunct="1">
+                        <a:lnSpc>
+                          <a:spcPct val="100000"/>
+                        </a:lnSpc>
+                        <a:spcBef>
+                          <a:spcPts val="0"/>
+                        </a:spcBef>
+                        <a:spcAft>
+                          <a:spcPts val="0"/>
+                        </a:spcAft>
+                        <a:buClrTx/>
+                        <a:buSzTx/>
+                        <a:buFontTx/>
+                        <a:buNone/>
+                        <a:tabLst/>
+                        <a:defRPr/>
+                      </a:pPr>
+                      <a:r>
+                        <a:rPr lang="en-AU" sz="1400" dirty="0"/>
+                        <a:t>Visualisations</a:t>
+                      </a:r>
+                    </a:p>
+                    <a:p>
+                      <a:endParaRPr lang="en-AU" sz="1400" dirty="0"/>
+                    </a:p>
+                  </a:txBody>
+                  <a:tcPr/>
+                </a:tc>
+                <a:tc>
+                  <a:txBody>
+                    <a:bodyPr/>
+                    <a:lstStyle/>
+                    <a:p>
+                      <a:pPr marL="0" marR="0" lvl="0" indent="0" algn="l" defTabSz="914400" rtl="0" eaLnBrk="1" fontAlgn="auto" latinLnBrk="0" hangingPunct="1">
+                        <a:lnSpc>
+                          <a:spcPct val="100000"/>
+                        </a:lnSpc>
+                        <a:spcBef>
+                          <a:spcPts val="0"/>
+                        </a:spcBef>
+                        <a:spcAft>
+                          <a:spcPts val="0"/>
+                        </a:spcAft>
+                        <a:buClrTx/>
+                        <a:buSzTx/>
+                        <a:buFontTx/>
+                        <a:buNone/>
+                        <a:tabLst/>
+                        <a:defRPr/>
+                      </a:pPr>
+                      <a:r>
+                        <a:rPr lang="en-AU" sz="1400" dirty="0"/>
+                        <a:t>Dropdown menu</a:t>
+                      </a:r>
+                    </a:p>
+                  </a:txBody>
+                  <a:tcPr/>
+                </a:tc>
+                <a:tc rowSpan="5">
+                  <a:txBody>
+                    <a:bodyPr/>
+                    <a:lstStyle/>
+                    <a:p>
+                      <a:pPr marL="285750" marR="0" lvl="0" indent="-285750" algn="l" defTabSz="914400" rtl="0" eaLnBrk="1" fontAlgn="auto" latinLnBrk="0" hangingPunct="1">
+                        <a:lnSpc>
+                          <a:spcPct val="100000"/>
+                        </a:lnSpc>
+                        <a:spcBef>
+                          <a:spcPts val="0"/>
+                        </a:spcBef>
+                        <a:spcAft>
+                          <a:spcPts val="0"/>
+                        </a:spcAft>
+                        <a:buClrTx/>
+                        <a:buSzTx/>
+                        <a:buFontTx/>
+                        <a:buBlip>
+                          <a:blip r:embed="rId3"/>
+                        </a:buBlip>
+                        <a:tabLst/>
+                        <a:defRPr/>
+                      </a:pPr>
+                      <a:r>
+                        <a:rPr lang="en-AU" sz="1400" kern="1200" dirty="0">
+                          <a:solidFill>
+                            <a:schemeClr val="tx1"/>
+                          </a:solidFill>
+                          <a:latin typeface="+mn-lt"/>
+                          <a:ea typeface="+mn-ea"/>
+                          <a:cs typeface="+mn-cs"/>
+                        </a:rPr>
+                        <a:t>D3</a:t>
+                      </a:r>
+                    </a:p>
+                    <a:p>
+                      <a:pPr marL="285750" marR="0" lvl="0" indent="-285750" algn="l" defTabSz="914400" rtl="0" eaLnBrk="1" fontAlgn="auto" latinLnBrk="0" hangingPunct="1">
+                        <a:lnSpc>
+                          <a:spcPct val="100000"/>
+                        </a:lnSpc>
+                        <a:spcBef>
+                          <a:spcPts val="0"/>
+                        </a:spcBef>
+                        <a:spcAft>
+                          <a:spcPts val="0"/>
+                        </a:spcAft>
+                        <a:buClrTx/>
+                        <a:buSzTx/>
+                        <a:buFontTx/>
+                        <a:buBlip>
+                          <a:blip r:embed="rId3"/>
+                        </a:buBlip>
+                        <a:tabLst/>
+                        <a:defRPr/>
+                      </a:pPr>
+                      <a:r>
+                        <a:rPr lang="en-AU" sz="1400" kern="1200" dirty="0" err="1">
+                          <a:solidFill>
+                            <a:schemeClr val="tx1"/>
+                          </a:solidFill>
+                          <a:latin typeface="+mn-lt"/>
+                          <a:ea typeface="+mn-ea"/>
+                          <a:cs typeface="+mn-cs"/>
+                        </a:rPr>
+                        <a:t>Javascript</a:t>
+                      </a:r>
+                      <a:endParaRPr lang="en-AU" sz="1400" kern="1200" dirty="0">
+                        <a:solidFill>
+                          <a:schemeClr val="tx1"/>
+                        </a:solidFill>
+                        <a:latin typeface="+mn-lt"/>
+                        <a:ea typeface="+mn-ea"/>
+                        <a:cs typeface="+mn-cs"/>
+                      </a:endParaRPr>
+                    </a:p>
+                    <a:p>
+                      <a:pPr marL="285750" marR="0" lvl="0" indent="-285750" algn="l" defTabSz="914400" rtl="0" eaLnBrk="1" fontAlgn="auto" latinLnBrk="0" hangingPunct="1">
+                        <a:lnSpc>
+                          <a:spcPct val="100000"/>
+                        </a:lnSpc>
+                        <a:spcBef>
+                          <a:spcPts val="0"/>
+                        </a:spcBef>
+                        <a:spcAft>
+                          <a:spcPts val="0"/>
+                        </a:spcAft>
+                        <a:buClrTx/>
+                        <a:buSzTx/>
+                        <a:buFontTx/>
+                        <a:buBlip>
+                          <a:blip r:embed="rId3"/>
+                        </a:buBlip>
+                        <a:tabLst/>
+                        <a:defRPr/>
+                      </a:pPr>
+                      <a:r>
+                        <a:rPr lang="en-AU" sz="1400" kern="1200" dirty="0">
+                          <a:solidFill>
+                            <a:schemeClr val="tx1"/>
+                          </a:solidFill>
+                          <a:latin typeface="+mn-lt"/>
+                          <a:ea typeface="+mn-ea"/>
+                          <a:cs typeface="+mn-cs"/>
+                        </a:rPr>
+                        <a:t>CSS</a:t>
+                      </a:r>
+                    </a:p>
+                    <a:p>
+                      <a:pPr marL="285750" marR="0" lvl="0" indent="-285750" algn="l" defTabSz="914400" rtl="0" eaLnBrk="1" fontAlgn="auto" latinLnBrk="0" hangingPunct="1">
+                        <a:lnSpc>
+                          <a:spcPct val="100000"/>
+                        </a:lnSpc>
+                        <a:spcBef>
+                          <a:spcPts val="0"/>
+                        </a:spcBef>
+                        <a:spcAft>
+                          <a:spcPts val="0"/>
+                        </a:spcAft>
+                        <a:buClrTx/>
+                        <a:buSzTx/>
+                        <a:buFontTx/>
+                        <a:buBlip>
+                          <a:blip r:embed="rId3"/>
+                        </a:buBlip>
+                        <a:tabLst/>
+                        <a:defRPr/>
+                      </a:pPr>
+                      <a:r>
+                        <a:rPr lang="en-AU" sz="1400" kern="1200" dirty="0">
+                          <a:solidFill>
+                            <a:schemeClr val="tx1"/>
+                          </a:solidFill>
+                          <a:latin typeface="+mn-lt"/>
+                          <a:ea typeface="+mn-ea"/>
+                          <a:cs typeface="+mn-cs"/>
+                        </a:rPr>
+                        <a:t>Leaflet</a:t>
+                      </a:r>
+                    </a:p>
+                    <a:p>
+                      <a:pPr marL="285750" marR="0" lvl="0" indent="-285750" algn="l" defTabSz="914400" rtl="0" eaLnBrk="1" fontAlgn="auto" latinLnBrk="0" hangingPunct="1">
+                        <a:lnSpc>
+                          <a:spcPct val="100000"/>
+                        </a:lnSpc>
+                        <a:spcBef>
+                          <a:spcPts val="0"/>
+                        </a:spcBef>
+                        <a:spcAft>
+                          <a:spcPts val="0"/>
+                        </a:spcAft>
+                        <a:buClrTx/>
+                        <a:buSzTx/>
+                        <a:buFontTx/>
+                        <a:buBlip>
+                          <a:blip r:embed="rId3"/>
+                        </a:buBlip>
+                        <a:tabLst/>
+                        <a:defRPr/>
+                      </a:pPr>
+                      <a:r>
+                        <a:rPr lang="en-AU" sz="1400" kern="1200" dirty="0" err="1">
+                          <a:solidFill>
+                            <a:schemeClr val="tx1"/>
+                          </a:solidFill>
+                          <a:latin typeface="+mn-lt"/>
+                          <a:ea typeface="+mn-ea"/>
+                          <a:cs typeface="+mn-cs"/>
+                        </a:rPr>
+                        <a:t>Chloropleth</a:t>
+                      </a:r>
+                      <a:endParaRPr lang="en-AU" sz="1400" kern="1200" dirty="0">
+                        <a:solidFill>
+                          <a:schemeClr val="tx1"/>
+                        </a:solidFill>
+                        <a:latin typeface="+mn-lt"/>
+                        <a:ea typeface="+mn-ea"/>
+                        <a:cs typeface="+mn-cs"/>
+                      </a:endParaRPr>
+                    </a:p>
+                    <a:p>
+                      <a:pPr marL="285750" marR="0" lvl="0" indent="-285750" algn="l" defTabSz="914400" rtl="0" eaLnBrk="1" fontAlgn="auto" latinLnBrk="0" hangingPunct="1">
+                        <a:lnSpc>
+                          <a:spcPct val="100000"/>
+                        </a:lnSpc>
+                        <a:spcBef>
+                          <a:spcPts val="0"/>
+                        </a:spcBef>
+                        <a:spcAft>
+                          <a:spcPts val="0"/>
+                        </a:spcAft>
+                        <a:buClrTx/>
+                        <a:buSzTx/>
+                        <a:buFontTx/>
+                        <a:buBlip>
+                          <a:blip r:embed="rId3"/>
+                        </a:buBlip>
+                        <a:tabLst/>
+                        <a:defRPr/>
+                      </a:pPr>
+                      <a:r>
+                        <a:rPr lang="en-AU" sz="1400" kern="1200" dirty="0">
+                          <a:solidFill>
+                            <a:schemeClr val="tx1"/>
+                          </a:solidFill>
+                          <a:latin typeface="+mn-lt"/>
+                          <a:ea typeface="+mn-ea"/>
+                          <a:cs typeface="+mn-cs"/>
+                        </a:rPr>
+                        <a:t>Bootstrap</a:t>
+                      </a:r>
+                    </a:p>
+                    <a:p>
+                      <a:pPr marL="285750" marR="0" lvl="0" indent="-285750" algn="l" defTabSz="914400" rtl="0" eaLnBrk="1" fontAlgn="auto" latinLnBrk="0" hangingPunct="1">
+                        <a:lnSpc>
+                          <a:spcPct val="100000"/>
+                        </a:lnSpc>
+                        <a:spcBef>
+                          <a:spcPts val="0"/>
+                        </a:spcBef>
+                        <a:spcAft>
+                          <a:spcPts val="0"/>
+                        </a:spcAft>
+                        <a:buClrTx/>
+                        <a:buSzTx/>
+                        <a:buFontTx/>
+                        <a:buBlip>
+                          <a:blip r:embed="rId3"/>
+                        </a:buBlip>
+                        <a:tabLst/>
+                        <a:defRPr/>
+                      </a:pPr>
+                      <a:r>
+                        <a:rPr lang="en-AU" sz="1400" kern="1200" dirty="0" err="1">
+                          <a:solidFill>
+                            <a:schemeClr val="tx1"/>
+                          </a:solidFill>
+                          <a:latin typeface="+mn-lt"/>
+                          <a:ea typeface="+mn-ea"/>
+                          <a:cs typeface="+mn-cs"/>
+                        </a:rPr>
+                        <a:t>GeoJSON</a:t>
+                      </a:r>
+                      <a:endParaRPr lang="en-AU" sz="1400" kern="1200" dirty="0">
+                        <a:solidFill>
+                          <a:schemeClr val="tx1"/>
+                        </a:solidFill>
+                        <a:latin typeface="+mn-lt"/>
+                        <a:ea typeface="+mn-ea"/>
+                        <a:cs typeface="+mn-cs"/>
+                      </a:endParaRPr>
+                    </a:p>
+                  </a:txBody>
+                  <a:tcPr/>
+                </a:tc>
+                <a:extLst>
+                  <a:ext uri="{0D108BD9-81ED-4DB2-BD59-A6C34878D82A}">
+                    <a16:rowId xmlns:a16="http://schemas.microsoft.com/office/drawing/2014/main" val="2820448645"/>
+                  </a:ext>
+                </a:extLst>
+              </a:tr>
+              <a:tr h="370840">
+                <a:tc>
+                  <a:txBody>
+                    <a:bodyPr/>
+                    <a:lstStyle/>
+                    <a:p>
+                      <a:endParaRPr lang="en-AU" sz="1400" dirty="0"/>
+                    </a:p>
+                  </a:txBody>
+                  <a:tcPr/>
+                </a:tc>
+                <a:tc>
+                  <a:txBody>
+                    <a:bodyPr/>
+                    <a:lstStyle/>
+                    <a:p>
+                      <a:pPr marL="0" marR="0" lvl="0" indent="0" algn="l" defTabSz="914400" rtl="0" eaLnBrk="1" fontAlgn="auto" latinLnBrk="0" hangingPunct="1">
+                        <a:lnSpc>
+                          <a:spcPct val="100000"/>
+                        </a:lnSpc>
+                        <a:spcBef>
+                          <a:spcPts val="0"/>
+                        </a:spcBef>
+                        <a:spcAft>
+                          <a:spcPts val="0"/>
+                        </a:spcAft>
+                        <a:buClrTx/>
+                        <a:buSzTx/>
+                        <a:buFontTx/>
+                        <a:buNone/>
+                        <a:tabLst/>
+                        <a:defRPr/>
+                      </a:pPr>
+                      <a:r>
+                        <a:rPr lang="en-AU" sz="1400" dirty="0"/>
+                        <a:t>Pie chart</a:t>
+                      </a:r>
+                    </a:p>
+                  </a:txBody>
+                  <a:tcPr/>
+                </a:tc>
+                <a:tc vMerge="1">
+                  <a:txBody>
+                    <a:bodyPr/>
+                    <a:lstStyle/>
+                    <a:p>
+                      <a:pPr marL="285750" marR="0" lvl="0" indent="-285750" algn="l" defTabSz="914400" rtl="0" eaLnBrk="1" fontAlgn="auto" latinLnBrk="0" hangingPunct="1">
+                        <a:lnSpc>
+                          <a:spcPct val="100000"/>
+                        </a:lnSpc>
+                        <a:spcBef>
+                          <a:spcPts val="0"/>
+                        </a:spcBef>
+                        <a:spcAft>
+                          <a:spcPts val="0"/>
+                        </a:spcAft>
+                        <a:buClrTx/>
+                        <a:buSzTx/>
+                        <a:buFont typeface="Arial" panose="020B0604020202020204" pitchFamily="34" charset="0"/>
+                        <a:buChar char="•"/>
+                        <a:tabLst/>
+                        <a:defRPr/>
+                      </a:pPr>
+                      <a:endParaRPr lang="en-AU" sz="1400" dirty="0"/>
+                    </a:p>
+                  </a:txBody>
+                  <a:tcPr/>
+                </a:tc>
+                <a:extLst>
+                  <a:ext uri="{0D108BD9-81ED-4DB2-BD59-A6C34878D82A}">
+                    <a16:rowId xmlns:a16="http://schemas.microsoft.com/office/drawing/2014/main" val="4148937121"/>
+                  </a:ext>
+                </a:extLst>
+              </a:tr>
+              <a:tr h="370840">
+                <a:tc>
+                  <a:txBody>
+                    <a:bodyPr/>
+                    <a:lstStyle/>
+                    <a:p>
+                      <a:endParaRPr lang="en-AU" sz="1400" dirty="0"/>
+                    </a:p>
+                  </a:txBody>
+                  <a:tcPr/>
+                </a:tc>
+                <a:tc>
+                  <a:txBody>
+                    <a:bodyPr/>
+                    <a:lstStyle/>
+                    <a:p>
+                      <a:pPr marL="0" marR="0" lvl="0" indent="0" algn="l" defTabSz="914400" rtl="0" eaLnBrk="1" fontAlgn="auto" latinLnBrk="0" hangingPunct="1">
+                        <a:lnSpc>
+                          <a:spcPct val="100000"/>
+                        </a:lnSpc>
+                        <a:spcBef>
+                          <a:spcPts val="0"/>
+                        </a:spcBef>
+                        <a:spcAft>
+                          <a:spcPts val="0"/>
+                        </a:spcAft>
+                        <a:buClrTx/>
+                        <a:buSzTx/>
+                        <a:buFontTx/>
+                        <a:buNone/>
+                        <a:tabLst/>
+                        <a:defRPr/>
+                      </a:pPr>
+                      <a:r>
+                        <a:rPr lang="en-AU" sz="1400" dirty="0"/>
+                        <a:t>Bar chart</a:t>
+                      </a:r>
+                    </a:p>
+                  </a:txBody>
+                  <a:tcPr/>
+                </a:tc>
+                <a:tc vMerge="1">
+                  <a:txBody>
+                    <a:bodyPr/>
+                    <a:lstStyle/>
+                    <a:p>
+                      <a:pPr marL="285750" marR="0" lvl="0" indent="-285750" algn="l" defTabSz="914400" rtl="0" eaLnBrk="1" fontAlgn="auto" latinLnBrk="0" hangingPunct="1">
+                        <a:lnSpc>
+                          <a:spcPct val="100000"/>
+                        </a:lnSpc>
+                        <a:spcBef>
+                          <a:spcPts val="0"/>
+                        </a:spcBef>
+                        <a:spcAft>
+                          <a:spcPts val="0"/>
+                        </a:spcAft>
+                        <a:buClrTx/>
+                        <a:buSzTx/>
+                        <a:buFont typeface="Arial" panose="020B0604020202020204" pitchFamily="34" charset="0"/>
+                        <a:buChar char="•"/>
+                        <a:tabLst/>
+                        <a:defRPr/>
+                      </a:pPr>
+                      <a:endParaRPr lang="en-AU" sz="1400" dirty="0"/>
+                    </a:p>
+                  </a:txBody>
+                  <a:tcPr/>
+                </a:tc>
+                <a:extLst>
+                  <a:ext uri="{0D108BD9-81ED-4DB2-BD59-A6C34878D82A}">
+                    <a16:rowId xmlns:a16="http://schemas.microsoft.com/office/drawing/2014/main" val="1958357620"/>
+                  </a:ext>
+                </a:extLst>
+              </a:tr>
+              <a:tr h="370840">
+                <a:tc>
+                  <a:txBody>
+                    <a:bodyPr/>
+                    <a:lstStyle/>
+                    <a:p>
+                      <a:endParaRPr lang="en-AU" sz="1400" dirty="0"/>
+                    </a:p>
+                  </a:txBody>
+                  <a:tcPr/>
+                </a:tc>
+                <a:tc>
+                  <a:txBody>
+                    <a:bodyPr/>
+                    <a:lstStyle/>
+                    <a:p>
+                      <a:pPr marL="0" marR="0" lvl="0" indent="0" algn="l" defTabSz="914400" rtl="0" eaLnBrk="1" fontAlgn="auto" latinLnBrk="0" hangingPunct="1">
+                        <a:lnSpc>
+                          <a:spcPct val="100000"/>
+                        </a:lnSpc>
+                        <a:spcBef>
+                          <a:spcPts val="0"/>
+                        </a:spcBef>
+                        <a:spcAft>
+                          <a:spcPts val="0"/>
+                        </a:spcAft>
+                        <a:buClrTx/>
+                        <a:buSzTx/>
+                        <a:buFontTx/>
+                        <a:buNone/>
+                        <a:tabLst/>
+                        <a:defRPr/>
+                      </a:pPr>
+                      <a:r>
+                        <a:rPr lang="en-AU" sz="1400" dirty="0"/>
+                        <a:t>Bubble chart</a:t>
+                      </a:r>
+                    </a:p>
+                  </a:txBody>
+                  <a:tcPr/>
+                </a:tc>
+                <a:tc vMerge="1">
+                  <a:txBody>
+                    <a:bodyPr/>
+                    <a:lstStyle/>
+                    <a:p>
+                      <a:pPr marL="285750" marR="0" lvl="0" indent="-285750" algn="l" defTabSz="914400" rtl="0" eaLnBrk="1" fontAlgn="auto" latinLnBrk="0" hangingPunct="1">
+                        <a:lnSpc>
+                          <a:spcPct val="100000"/>
+                        </a:lnSpc>
+                        <a:spcBef>
+                          <a:spcPts val="0"/>
+                        </a:spcBef>
+                        <a:spcAft>
+                          <a:spcPts val="0"/>
+                        </a:spcAft>
+                        <a:buClrTx/>
+                        <a:buSzTx/>
+                        <a:buFont typeface="Arial" panose="020B0604020202020204" pitchFamily="34" charset="0"/>
+                        <a:buChar char="•"/>
+                        <a:tabLst/>
+                        <a:defRPr/>
+                      </a:pPr>
+                      <a:endParaRPr lang="en-AU" sz="1400" dirty="0"/>
+                    </a:p>
+                  </a:txBody>
+                  <a:tcPr/>
+                </a:tc>
+                <a:extLst>
+                  <a:ext uri="{0D108BD9-81ED-4DB2-BD59-A6C34878D82A}">
+                    <a16:rowId xmlns:a16="http://schemas.microsoft.com/office/drawing/2014/main" val="1406242644"/>
+                  </a:ext>
+                </a:extLst>
+              </a:tr>
+              <a:tr h="370840">
+                <a:tc>
+                  <a:txBody>
+                    <a:bodyPr/>
+                    <a:lstStyle/>
+                    <a:p>
+                      <a:endParaRPr lang="en-AU" sz="1400" dirty="0"/>
+                    </a:p>
+                  </a:txBody>
+                  <a:tcPr/>
+                </a:tc>
+                <a:tc>
+                  <a:txBody>
+                    <a:bodyPr/>
+                    <a:lstStyle/>
+                    <a:p>
+                      <a:pPr marL="0" marR="0" lvl="0" indent="0" algn="l" defTabSz="914400" rtl="0" eaLnBrk="1" fontAlgn="auto" latinLnBrk="0" hangingPunct="1">
+                        <a:lnSpc>
+                          <a:spcPct val="100000"/>
+                        </a:lnSpc>
+                        <a:spcBef>
+                          <a:spcPts val="0"/>
+                        </a:spcBef>
+                        <a:spcAft>
+                          <a:spcPts val="0"/>
+                        </a:spcAft>
+                        <a:buClrTx/>
+                        <a:buSzTx/>
+                        <a:buFontTx/>
+                        <a:buNone/>
+                        <a:tabLst/>
+                        <a:defRPr/>
+                      </a:pPr>
+                      <a:r>
+                        <a:rPr lang="en-AU" sz="1400" dirty="0"/>
+                        <a:t>Map</a:t>
+                      </a:r>
+                    </a:p>
+                  </a:txBody>
+                  <a:tcPr/>
+                </a:tc>
+                <a:tc vMerge="1">
+                  <a:txBody>
+                    <a:bodyPr/>
+                    <a:lstStyle/>
+                    <a:p>
+                      <a:pPr marL="285750" marR="0" lvl="0" indent="-285750" algn="l" defTabSz="914400" rtl="0" eaLnBrk="1" fontAlgn="auto" latinLnBrk="0" hangingPunct="1">
+                        <a:lnSpc>
+                          <a:spcPct val="100000"/>
+                        </a:lnSpc>
+                        <a:spcBef>
+                          <a:spcPts val="0"/>
+                        </a:spcBef>
+                        <a:spcAft>
+                          <a:spcPts val="0"/>
+                        </a:spcAft>
+                        <a:buClrTx/>
+                        <a:buSzTx/>
+                        <a:buFont typeface="Arial" panose="020B0604020202020204" pitchFamily="34" charset="0"/>
+                        <a:buChar char="•"/>
+                        <a:tabLst/>
+                        <a:defRPr/>
+                      </a:pPr>
+                      <a:endParaRPr lang="en-AU" sz="1400" dirty="0"/>
+                    </a:p>
+                  </a:txBody>
+                  <a:tcPr/>
+                </a:tc>
+                <a:extLst>
+                  <a:ext uri="{0D108BD9-81ED-4DB2-BD59-A6C34878D82A}">
+                    <a16:rowId xmlns:a16="http://schemas.microsoft.com/office/drawing/2014/main" val="262634354"/>
+                  </a:ext>
+                </a:extLst>
+              </a:tr>
+            </a:tbl>
+          </a:graphicData>
+        </a:graphic>
+      </p:graphicFrame>
+    </p:spTree>
+    <p:extLst>
+      <p:ext uri="{BB962C8B-B14F-4D97-AF65-F5344CB8AC3E}">
+        <p14:creationId xmlns:p14="http://schemas.microsoft.com/office/powerpoint/2010/main" val="1523979996"/>
+      </p:ext>
+    </p:extLst>
+  </p:cSld>
+  <p:clrMapOvr>
+    <a:masterClrMapping/>
+  </p:clrMapOvr>
+</p:sld>
+</file>
+
+<file path=ppt/slides/slide9.xml><?xml version="1.0" encoding="utf-8"?>
+<p:sld xmlns:a="http://schemas.openxmlformats.org/drawingml/2006/main" xmlns:r="http://schemas.openxmlformats.org/officeDocument/2006/relationships" xmlns:p="http://schemas.openxmlformats.org/presentationml/2006/main">
+  <p:cSld>
+    <p:spTree>
+      <p:nvGrpSpPr>
+        <p:cNvPr id="1" name=""/>
+        <p:cNvGrpSpPr/>
+        <p:nvPr/>
+      </p:nvGrpSpPr>
+      <p:grpSpPr>
+        <a:xfrm>
+          <a:off x="0" y="0"/>
+          <a:ext cx="0" cy="0"/>
+          <a:chOff x="0" y="0"/>
+          <a:chExt cx="0" cy="0"/>
+        </a:xfrm>
+      </p:grpSpPr>
+      <p:sp>
+        <p:nvSpPr>
+          <p:cNvPr id="2" name="Title 1">
+            <a:extLst>
+              <a:ext uri="{FF2B5EF4-FFF2-40B4-BE49-F238E27FC236}">
+                <a16:creationId xmlns:a16="http://schemas.microsoft.com/office/drawing/2014/main" id="{B74D29E5-E187-47E1-BA72-A1F6CA4BA70E}"/>
+              </a:ext>
+            </a:extLst>
+          </p:cNvPr>
+          <p:cNvSpPr>
+            <a:spLocks noGrp="1"/>
+          </p:cNvSpPr>
+          <p:nvPr>
+            <p:ph type="title"/>
+          </p:nvPr>
+        </p:nvSpPr>
+        <p:spPr>
+          <a:xfrm>
+            <a:off x="1136428" y="627564"/>
+            <a:ext cx="7474172" cy="1325563"/>
+          </a:xfrm>
+        </p:spPr>
+        <p:txBody>
+          <a:bodyPr>
+            <a:normAutofit/>
+          </a:bodyPr>
+          <a:lstStyle/>
+          <a:p>
+            <a:r>
               <a:rPr lang="en-AU" dirty="0"/>
-              <a:t>Snapshots code Flask app</a:t>
+              <a:t>Snapshots ETL code</a:t>
             </a:r>
           </a:p>
         </p:txBody>
@@ -11821,9 +16088,14 @@
               <a:buNone/>
             </a:pPr>
             <a:r>
-              <a:rPr lang="en-AU" sz="2400" dirty="0"/>
-              <a:t>The visualisations below are some snapshots of the code to create the Flask app and routes</a:t>
+              <a:rPr lang="en-AU" sz="2400" b="1" dirty="0"/>
+              <a:t>Merging </a:t>
             </a:r>
+            <a:r>
+              <a:rPr lang="en-AU" sz="2400" b="1" dirty="0" err="1"/>
+              <a:t>dataframes</a:t>
+            </a:r>
+            <a:endParaRPr lang="en-AU" sz="2400" b="1" dirty="0"/>
           </a:p>
           <a:p>
             <a:pPr marL="0" indent="0">
@@ -11853,25 +16125,10 @@
             <a:pPr marL="0" indent="0">
               <a:buNone/>
             </a:pPr>
-            <a:endParaRPr lang="en-AU" sz="2400" dirty="0"/>
-          </a:p>
-          <a:p>
-            <a:pPr marL="0" indent="0">
-              <a:buNone/>
-            </a:pPr>
-            <a:endParaRPr lang="en-AU" sz="2400" dirty="0"/>
-          </a:p>
-          <a:p>
-            <a:pPr marL="0" indent="0">
-              <a:buNone/>
-            </a:pPr>
-            <a:endParaRPr lang="en-AU" sz="2400" dirty="0"/>
-          </a:p>
-          <a:p>
-            <a:pPr marL="0" indent="0">
-              <a:buNone/>
-            </a:pPr>
-            <a:endParaRPr lang="en-AU" sz="2400" dirty="0"/>
+            <a:r>
+              <a:rPr lang="en-AU" sz="2400" b="1" dirty="0"/>
+              <a:t>Creating bins</a:t>
+            </a:r>
           </a:p>
         </p:txBody>
       </p:sp>
@@ -12074,7 +16331,7 @@
           <p:cNvPr id="8" name="Picture 7">
             <a:extLst>
               <a:ext uri="{FF2B5EF4-FFF2-40B4-BE49-F238E27FC236}">
-                <a16:creationId xmlns:a16="http://schemas.microsoft.com/office/drawing/2014/main" id="{130D0451-593C-4396-9480-6524F68DD87B}"/>
+                <a16:creationId xmlns:a16="http://schemas.microsoft.com/office/drawing/2014/main" id="{D18C2D1D-5D01-4153-B278-E90B7F4011B0}"/>
               </a:ext>
             </a:extLst>
           </p:cNvPr>
@@ -12091,8 +16348,8 @@
         </p:blipFill>
         <p:spPr>
           <a:xfrm>
-            <a:off x="1136428" y="5251082"/>
-            <a:ext cx="7350934" cy="1304272"/>
+            <a:off x="1248697" y="2697730"/>
+            <a:ext cx="5666823" cy="1462535"/>
           </a:xfrm>
           <a:prstGeom prst="rect">
             <a:avLst/>
@@ -12101,10 +16358,10 @@
       </p:pic>
       <p:pic>
         <p:nvPicPr>
-          <p:cNvPr id="12" name="Picture 11">
-            <a:extLst>
-              <a:ext uri="{FF2B5EF4-FFF2-40B4-BE49-F238E27FC236}">
-                <a16:creationId xmlns:a16="http://schemas.microsoft.com/office/drawing/2014/main" id="{1837204B-A897-4AB3-84C5-580782A0510E}"/>
+          <p:cNvPr id="10" name="Picture 9">
+            <a:extLst>
+              <a:ext uri="{FF2B5EF4-FFF2-40B4-BE49-F238E27FC236}">
+                <a16:creationId xmlns:a16="http://schemas.microsoft.com/office/drawing/2014/main" id="{40624D42-D077-4A3E-AB8F-5C41DF63EAAA}"/>
               </a:ext>
             </a:extLst>
           </p:cNvPr>
@@ -12121,38 +16378,8 @@
         </p:blipFill>
         <p:spPr>
           <a:xfrm>
-            <a:off x="1136428" y="2994588"/>
-            <a:ext cx="3550953" cy="1389155"/>
-          </a:xfrm>
-          <a:prstGeom prst="rect">
-            <a:avLst/>
-          </a:prstGeom>
-        </p:spPr>
-      </p:pic>
-      <p:pic>
-        <p:nvPicPr>
-          <p:cNvPr id="14" name="Picture 13">
-            <a:extLst>
-              <a:ext uri="{FF2B5EF4-FFF2-40B4-BE49-F238E27FC236}">
-                <a16:creationId xmlns:a16="http://schemas.microsoft.com/office/drawing/2014/main" id="{697D7686-CDFB-4F1D-ACB9-28D39B0CB55F}"/>
-              </a:ext>
-            </a:extLst>
-          </p:cNvPr>
-          <p:cNvPicPr>
-            <a:picLocks noChangeAspect="1"/>
-          </p:cNvPicPr>
-          <p:nvPr/>
-        </p:nvPicPr>
-        <p:blipFill>
-          <a:blip r:embed="rId5"/>
-          <a:stretch>
-            <a:fillRect/>
-          </a:stretch>
-        </p:blipFill>
-        <p:spPr>
-          <a:xfrm>
-            <a:off x="4992182" y="2994588"/>
-            <a:ext cx="3495180" cy="2080884"/>
+            <a:off x="1136428" y="4920943"/>
+            <a:ext cx="6229067" cy="1615685"/>
           </a:xfrm>
           <a:prstGeom prst="rect">
             <a:avLst/>
@@ -12162,511 +16389,7 @@
     </p:spTree>
     <p:extLst>
       <p:ext uri="{BB962C8B-B14F-4D97-AF65-F5344CB8AC3E}">
-        <p14:creationId xmlns:p14="http://schemas.microsoft.com/office/powerpoint/2010/main" val="3936000936"/>
-      </p:ext>
-    </p:extLst>
-  </p:cSld>
-  <p:clrMapOvr>
-    <a:masterClrMapping/>
-  </p:clrMapOvr>
-  <p:timing>
-    <p:tnLst>
-      <p:par>
-        <p:cTn id="1" dur="indefinite" restart="never" nodeType="tmRoot">
-          <p:childTnLst>
-            <p:seq concurrent="1" nextAc="seek">
-              <p:cTn id="2" dur="indefinite" nodeType="mainSeq">
-                <p:childTnLst>
-                  <p:par>
-                    <p:cTn id="3" fill="hold">
-                      <p:stCondLst>
-                        <p:cond delay="indefinite"/>
-                        <p:cond evt="onBegin" delay="0">
-                          <p:tn val="2"/>
-                        </p:cond>
-                      </p:stCondLst>
-                      <p:childTnLst>
-                        <p:par>
-                          <p:cTn id="4" fill="hold">
-                            <p:stCondLst>
-                              <p:cond delay="0"/>
-                            </p:stCondLst>
-                            <p:childTnLst>
-                              <p:par>
-                                <p:cTn id="5" presetID="10" presetClass="entr" presetSubtype="0" fill="hold" nodeType="withEffect">
-                                  <p:stCondLst>
-                                    <p:cond delay="0"/>
-                                  </p:stCondLst>
-                                  <p:iterate>
-                                    <p:tmPct val="10000"/>
-                                  </p:iterate>
-                                  <p:childTnLst>
-                                    <p:set>
-                                      <p:cBhvr>
-                                        <p:cTn id="6" dur="1" fill="hold">
-                                          <p:stCondLst>
-                                            <p:cond delay="0"/>
-                                          </p:stCondLst>
-                                        </p:cTn>
-                                        <p:tgtEl>
-                                          <p:spTgt spid="4"/>
-                                        </p:tgtEl>
-                                        <p:attrNameLst>
-                                          <p:attrName>style.visibility</p:attrName>
-                                        </p:attrNameLst>
-                                      </p:cBhvr>
-                                      <p:to>
-                                        <p:strVal val="visible"/>
-                                      </p:to>
-                                    </p:set>
-                                    <p:animEffect transition="in" filter="fade">
-                                      <p:cBhvr>
-                                        <p:cTn id="7" dur="700"/>
-                                        <p:tgtEl>
-                                          <p:spTgt spid="4"/>
-                                        </p:tgtEl>
-                                      </p:cBhvr>
-                                    </p:animEffect>
-                                  </p:childTnLst>
-                                </p:cTn>
-                              </p:par>
-                              <p:par>
-                                <p:cTn id="8" presetID="10" presetClass="entr" presetSubtype="0" fill="hold" grpId="0" nodeType="withEffect">
-                                  <p:stCondLst>
-                                    <p:cond delay="1000"/>
-                                  </p:stCondLst>
-                                  <p:iterate type="lt">
-                                    <p:tmPct val="10000"/>
-                                  </p:iterate>
-                                  <p:childTnLst>
-                                    <p:set>
-                                      <p:cBhvr>
-                                        <p:cTn id="9" dur="1" fill="hold">
-                                          <p:stCondLst>
-                                            <p:cond delay="0"/>
-                                          </p:stCondLst>
-                                        </p:cTn>
-                                        <p:tgtEl>
-                                          <p:spTgt spid="2"/>
-                                        </p:tgtEl>
-                                        <p:attrNameLst>
-                                          <p:attrName>style.visibility</p:attrName>
-                                        </p:attrNameLst>
-                                      </p:cBhvr>
-                                      <p:to>
-                                        <p:strVal val="visible"/>
-                                      </p:to>
-                                    </p:set>
-                                    <p:animEffect transition="in" filter="fade">
-                                      <p:cBhvr>
-                                        <p:cTn id="10" dur="400"/>
-                                        <p:tgtEl>
-                                          <p:spTgt spid="2"/>
-                                        </p:tgtEl>
-                                      </p:cBhvr>
-                                    </p:animEffect>
-                                  </p:childTnLst>
-                                </p:cTn>
-                              </p:par>
-                            </p:childTnLst>
-                          </p:cTn>
-                        </p:par>
-                      </p:childTnLst>
-                    </p:cTn>
-                  </p:par>
-                </p:childTnLst>
-              </p:cTn>
-              <p:prevCondLst>
-                <p:cond evt="onPrev" delay="0">
-                  <p:tgtEl>
-                    <p:sldTgt/>
-                  </p:tgtEl>
-                </p:cond>
-              </p:prevCondLst>
-              <p:nextCondLst>
-                <p:cond evt="onNext" delay="0">
-                  <p:tgtEl>
-                    <p:sldTgt/>
-                  </p:tgtEl>
-                </p:cond>
-              </p:nextCondLst>
-            </p:seq>
-          </p:childTnLst>
-        </p:cTn>
-      </p:par>
-    </p:tnLst>
-    <p:bldLst>
-      <p:bldP spid="2" grpId="0"/>
-    </p:bldLst>
-  </p:timing>
-</p:sld>
-</file>
-
-<file path=ppt/slides/slide9.xml><?xml version="1.0" encoding="utf-8"?>
-<p:sld xmlns:a="http://schemas.openxmlformats.org/drawingml/2006/main" xmlns:r="http://schemas.openxmlformats.org/officeDocument/2006/relationships" xmlns:p="http://schemas.openxmlformats.org/presentationml/2006/main">
-  <p:cSld>
-    <p:spTree>
-      <p:nvGrpSpPr>
-        <p:cNvPr id="1" name=""/>
-        <p:cNvGrpSpPr/>
-        <p:nvPr/>
-      </p:nvGrpSpPr>
-      <p:grpSpPr>
-        <a:xfrm>
-          <a:off x="0" y="0"/>
-          <a:ext cx="0" cy="0"/>
-          <a:chOff x="0" y="0"/>
-          <a:chExt cx="0" cy="0"/>
-        </a:xfrm>
-      </p:grpSpPr>
-      <p:sp>
-        <p:nvSpPr>
-          <p:cNvPr id="2" name="Title 1">
-            <a:extLst>
-              <a:ext uri="{FF2B5EF4-FFF2-40B4-BE49-F238E27FC236}">
-                <a16:creationId xmlns:a16="http://schemas.microsoft.com/office/drawing/2014/main" id="{B74D29E5-E187-47E1-BA72-A1F6CA4BA70E}"/>
-              </a:ext>
-            </a:extLst>
-          </p:cNvPr>
-          <p:cNvSpPr>
-            <a:spLocks noGrp="1"/>
-          </p:cNvSpPr>
-          <p:nvPr>
-            <p:ph type="title"/>
-          </p:nvPr>
-        </p:nvSpPr>
-        <p:spPr>
-          <a:xfrm>
-            <a:off x="1136428" y="627564"/>
-            <a:ext cx="7474172" cy="1325563"/>
-          </a:xfrm>
-        </p:spPr>
-        <p:txBody>
-          <a:bodyPr>
-            <a:normAutofit/>
-          </a:bodyPr>
-          <a:lstStyle/>
-          <a:p>
-            <a:r>
-              <a:rPr lang="en-AU" dirty="0"/>
-              <a:t>Snapshots code visualisations</a:t>
-            </a:r>
-          </a:p>
-        </p:txBody>
-      </p:sp>
-      <p:sp>
-        <p:nvSpPr>
-          <p:cNvPr id="3" name="Content Placeholder 2">
-            <a:extLst>
-              <a:ext uri="{FF2B5EF4-FFF2-40B4-BE49-F238E27FC236}">
-                <a16:creationId xmlns:a16="http://schemas.microsoft.com/office/drawing/2014/main" id="{9CA07059-F776-4046-AB19-7DCDA994B402}"/>
-              </a:ext>
-            </a:extLst>
-          </p:cNvPr>
-          <p:cNvSpPr>
-            <a:spLocks noGrp="1"/>
-          </p:cNvSpPr>
-          <p:nvPr>
-            <p:ph idx="1"/>
-          </p:nvPr>
-        </p:nvSpPr>
-        <p:spPr>
-          <a:xfrm>
-            <a:off x="1136428" y="2278173"/>
-            <a:ext cx="7474171" cy="3450613"/>
-          </a:xfrm>
-        </p:spPr>
-        <p:txBody>
-          <a:bodyPr anchor="t">
-            <a:normAutofit/>
-          </a:bodyPr>
-          <a:lstStyle/>
-          <a:p>
-            <a:pPr marL="0" indent="0">
-              <a:buNone/>
-            </a:pPr>
-            <a:r>
-              <a:rPr lang="en-AU" sz="2400" dirty="0"/>
-              <a:t>The visualisations below are some snapshots of the code written to create charts using </a:t>
-            </a:r>
-            <a:r>
-              <a:rPr lang="en-AU" sz="2400" dirty="0" err="1"/>
-              <a:t>Javascript</a:t>
-            </a:r>
-            <a:endParaRPr lang="en-AU" sz="2400" dirty="0"/>
-          </a:p>
-          <a:p>
-            <a:pPr marL="0" indent="0">
-              <a:buNone/>
-            </a:pPr>
-            <a:endParaRPr lang="en-AU" sz="2400" dirty="0"/>
-          </a:p>
-          <a:p>
-            <a:pPr marL="0" indent="0">
-              <a:buNone/>
-            </a:pPr>
-            <a:endParaRPr lang="en-AU" sz="2400" dirty="0"/>
-          </a:p>
-        </p:txBody>
-      </p:sp>
-      <p:sp>
-        <p:nvSpPr>
-          <p:cNvPr id="9" name="Rectangle 8">
-            <a:extLst>
-              <a:ext uri="{FF2B5EF4-FFF2-40B4-BE49-F238E27FC236}">
-                <a16:creationId xmlns:a16="http://schemas.microsoft.com/office/drawing/2014/main" id="{59A309A7-1751-4ABE-A3C1-EEC40366AD89}"/>
-              </a:ext>
-              <a:ext uri="{C183D7F6-B498-43B3-948B-1728B52AA6E4}">
-                <adec:decorative xmlns:adec="http://schemas.microsoft.com/office/drawing/2017/decorative" val="1"/>
-              </a:ext>
-            </a:extLst>
-          </p:cNvPr>
-          <p:cNvSpPr>
-            <a:spLocks noGrp="1" noRot="1" noChangeAspect="1" noMove="1" noResize="1" noEditPoints="1" noAdjustHandles="1" noChangeArrowheads="1" noChangeShapeType="1" noTextEdit="1"/>
-          </p:cNvSpPr>
-          <p:nvPr>
-            <p:extLst>
-              <p:ext uri="{386F3935-93C4-4BCD-93E2-E3B085C9AB24}">
-                <p16:designElem xmlns:p16="http://schemas.microsoft.com/office/powerpoint/2015/main" val="1"/>
-              </p:ext>
-            </p:extLst>
-          </p:nvPr>
-        </p:nvSpPr>
-        <p:spPr>
-          <a:xfrm>
-            <a:off x="10088880" y="0"/>
-            <a:ext cx="2103120" cy="6858000"/>
-          </a:xfrm>
-          <a:prstGeom prst="rect">
-            <a:avLst/>
-          </a:prstGeom>
-          <a:solidFill>
-            <a:srgbClr val="524267"/>
-          </a:solidFill>
-          <a:ln>
-            <a:noFill/>
-          </a:ln>
-        </p:spPr>
-        <p:style>
-          <a:lnRef idx="2">
-            <a:schemeClr val="accent1">
-              <a:shade val="50000"/>
-            </a:schemeClr>
-          </a:lnRef>
-          <a:fillRef idx="1">
-            <a:schemeClr val="accent1"/>
-          </a:fillRef>
-          <a:effectRef idx="0">
-            <a:schemeClr val="accent1"/>
-          </a:effectRef>
-          <a:fontRef idx="minor">
-            <a:schemeClr val="lt1"/>
-          </a:fontRef>
-        </p:style>
-        <p:txBody>
-          <a:bodyPr rtlCol="0" anchor="ctr"/>
-          <a:lstStyle/>
-          <a:p>
-            <a:pPr algn="ctr"/>
-            <a:endParaRPr lang="en-US"/>
-          </a:p>
-        </p:txBody>
-      </p:sp>
-      <p:sp>
-        <p:nvSpPr>
-          <p:cNvPr id="11" name="Oval 10">
-            <a:extLst>
-              <a:ext uri="{FF2B5EF4-FFF2-40B4-BE49-F238E27FC236}">
-                <a16:creationId xmlns:a16="http://schemas.microsoft.com/office/drawing/2014/main" id="{967D8EB6-EAE1-4F9C-B398-83321E287204}"/>
-              </a:ext>
-              <a:ext uri="{C183D7F6-B498-43B3-948B-1728B52AA6E4}">
-                <adec:decorative xmlns:adec="http://schemas.microsoft.com/office/drawing/2017/decorative" val="1"/>
-              </a:ext>
-            </a:extLst>
-          </p:cNvPr>
-          <p:cNvSpPr>
-            <a:spLocks noGrp="1" noRot="1" noChangeAspect="1" noMove="1" noResize="1" noEditPoints="1" noAdjustHandles="1" noChangeArrowheads="1" noChangeShapeType="1" noTextEdit="1"/>
-          </p:cNvSpPr>
-          <p:nvPr>
-            <p:extLst>
-              <p:ext uri="{386F3935-93C4-4BCD-93E2-E3B085C9AB24}">
-                <p16:designElem xmlns:p16="http://schemas.microsoft.com/office/powerpoint/2015/main" val="1"/>
-              </p:ext>
-            </p:extLst>
-          </p:nvPr>
-        </p:nvSpPr>
-        <p:spPr>
-          <a:xfrm>
-            <a:off x="8915400" y="2358913"/>
-            <a:ext cx="2140172" cy="2140172"/>
-          </a:xfrm>
-          <a:prstGeom prst="ellipse">
-            <a:avLst/>
-          </a:prstGeom>
-          <a:solidFill>
-            <a:srgbClr val="FFFFFF"/>
-          </a:solidFill>
-          <a:ln w="22225">
-            <a:solidFill>
-              <a:srgbClr val="FEAD2A"/>
-            </a:solidFill>
-          </a:ln>
-        </p:spPr>
-        <p:style>
-          <a:lnRef idx="2">
-            <a:schemeClr val="accent1">
-              <a:shade val="50000"/>
-            </a:schemeClr>
-          </a:lnRef>
-          <a:fillRef idx="1">
-            <a:schemeClr val="accent1"/>
-          </a:fillRef>
-          <a:effectRef idx="0">
-            <a:schemeClr val="accent1"/>
-          </a:effectRef>
-          <a:fontRef idx="minor">
-            <a:schemeClr val="lt1"/>
-          </a:fontRef>
-        </p:style>
-        <p:txBody>
-          <a:bodyPr rtlCol="0" anchor="ctr"/>
-          <a:lstStyle/>
-          <a:p>
-            <a:pPr algn="ctr"/>
-            <a:endParaRPr lang="en-US"/>
-          </a:p>
-        </p:txBody>
-      </p:sp>
-      <p:pic>
-        <p:nvPicPr>
-          <p:cNvPr id="4" name="Picture 3">
-            <a:extLst>
-              <a:ext uri="{FF2B5EF4-FFF2-40B4-BE49-F238E27FC236}">
-                <a16:creationId xmlns:a16="http://schemas.microsoft.com/office/drawing/2014/main" id="{AE3F2B0D-1996-47D3-A8B9-91B93A3C4323}"/>
-              </a:ext>
-            </a:extLst>
-          </p:cNvPr>
-          <p:cNvPicPr>
-            <a:picLocks noChangeAspect="1"/>
-          </p:cNvPicPr>
-          <p:nvPr/>
-        </p:nvPicPr>
-        <p:blipFill rotWithShape="1">
-          <a:blip r:embed="rId2">
-            <a:alphaModFix/>
-          </a:blip>
-          <a:srcRect l="15620" r="9358" b="3"/>
-          <a:stretch/>
-        </p:blipFill>
-        <p:spPr>
-          <a:xfrm>
-            <a:off x="9030743" y="2474254"/>
-            <a:ext cx="1912560" cy="1909489"/>
-          </a:xfrm>
-          <a:custGeom>
-            <a:avLst/>
-            <a:gdLst/>
-            <a:ahLst/>
-            <a:cxnLst/>
-            <a:rect l="l" t="t" r="r" b="b"/>
-            <a:pathLst>
-              <a:path w="6057610" h="6057610">
-                <a:moveTo>
-                  <a:pt x="3028805" y="0"/>
-                </a:moveTo>
-                <a:cubicBezTo>
-                  <a:pt x="4701568" y="0"/>
-                  <a:pt x="6057610" y="1356042"/>
-                  <a:pt x="6057610" y="3028805"/>
-                </a:cubicBezTo>
-                <a:cubicBezTo>
-                  <a:pt x="6057610" y="4701568"/>
-                  <a:pt x="4701568" y="6057610"/>
-                  <a:pt x="3028805" y="6057610"/>
-                </a:cubicBezTo>
-                <a:cubicBezTo>
-                  <a:pt x="1356042" y="6057610"/>
-                  <a:pt x="0" y="4701568"/>
-                  <a:pt x="0" y="3028805"/>
-                </a:cubicBezTo>
-                <a:cubicBezTo>
-                  <a:pt x="0" y="1356042"/>
-                  <a:pt x="1356042" y="0"/>
-                  <a:pt x="3028805" y="0"/>
-                </a:cubicBezTo>
-                <a:close/>
-              </a:path>
-            </a:pathLst>
-          </a:custGeom>
-          <a:effectLst>
-            <a:softEdge rad="0"/>
-          </a:effectLst>
-        </p:spPr>
-      </p:pic>
-      <p:pic>
-        <p:nvPicPr>
-          <p:cNvPr id="10" name="Content Placeholder 4">
-            <a:extLst>
-              <a:ext uri="{FF2B5EF4-FFF2-40B4-BE49-F238E27FC236}">
-                <a16:creationId xmlns:a16="http://schemas.microsoft.com/office/drawing/2014/main" id="{DA7057D3-10A7-48FD-8D1D-C4FB9AFCBBBC}"/>
-              </a:ext>
-            </a:extLst>
-          </p:cNvPr>
-          <p:cNvPicPr>
-            <a:picLocks noChangeAspect="1"/>
-          </p:cNvPicPr>
-          <p:nvPr/>
-        </p:nvPicPr>
-        <p:blipFill>
-          <a:blip r:embed="rId3"/>
-          <a:stretch>
-            <a:fillRect/>
-          </a:stretch>
-        </p:blipFill>
-        <p:spPr>
-          <a:xfrm>
-            <a:off x="1242395" y="3163656"/>
-            <a:ext cx="3486373" cy="2890176"/>
-          </a:xfrm>
-          <a:prstGeom prst="rect">
-            <a:avLst/>
-          </a:prstGeom>
-        </p:spPr>
-      </p:pic>
-      <p:pic>
-        <p:nvPicPr>
-          <p:cNvPr id="6" name="Picture 5">
-            <a:extLst>
-              <a:ext uri="{FF2B5EF4-FFF2-40B4-BE49-F238E27FC236}">
-                <a16:creationId xmlns:a16="http://schemas.microsoft.com/office/drawing/2014/main" id="{595D6E61-3B52-4ED1-B8BF-8C7B205B7256}"/>
-              </a:ext>
-            </a:extLst>
-          </p:cNvPr>
-          <p:cNvPicPr>
-            <a:picLocks noChangeAspect="1"/>
-          </p:cNvPicPr>
-          <p:nvPr/>
-        </p:nvPicPr>
-        <p:blipFill>
-          <a:blip r:embed="rId4"/>
-          <a:stretch>
-            <a:fillRect/>
-          </a:stretch>
-        </p:blipFill>
-        <p:spPr>
-          <a:xfrm>
-            <a:off x="4918226" y="3163656"/>
-            <a:ext cx="2483109" cy="2890176"/>
-          </a:xfrm>
-          <a:prstGeom prst="rect">
-            <a:avLst/>
-          </a:prstGeom>
-        </p:spPr>
-      </p:pic>
-    </p:spTree>
-    <p:extLst>
-      <p:ext uri="{BB962C8B-B14F-4D97-AF65-F5344CB8AC3E}">
-        <p14:creationId xmlns:p14="http://schemas.microsoft.com/office/powerpoint/2010/main" val="1934387114"/>
+        <p14:creationId xmlns:p14="http://schemas.microsoft.com/office/powerpoint/2010/main" val="136818763"/>
       </p:ext>
     </p:extLst>
   </p:cSld>

--- a/Australian Marriage Law Postal Survey 2017.pptx
+++ b/Australian Marriage Law Postal Survey 2017.pptx
@@ -13,8 +13,8 @@
     <p:sldId id="263" r:id="rId7"/>
     <p:sldId id="286" r:id="rId8"/>
     <p:sldId id="287" r:id="rId9"/>
-    <p:sldId id="262" r:id="rId10"/>
-    <p:sldId id="288" r:id="rId11"/>
+    <p:sldId id="288" r:id="rId10"/>
+    <p:sldId id="262" r:id="rId11"/>
     <p:sldId id="272" r:id="rId12"/>
     <p:sldId id="273" r:id="rId13"/>
     <p:sldId id="282" r:id="rId14"/>
@@ -6038,7 +6038,7 @@
           <a:p>
             <a:r>
               <a:rPr lang="en-AU" dirty="0"/>
-              <a:t>Snapshots raw data</a:t>
+              <a:t>Snapshots ETL code</a:t>
             </a:r>
           </a:p>
         </p:txBody>
@@ -6076,8 +6076,13 @@
             </a:pPr>
             <a:r>
               <a:rPr lang="en-AU" sz="2400" b="1" dirty="0"/>
-              <a:t>Commonwealth electorate data</a:t>
+              <a:t>Merging </a:t>
             </a:r>
+            <a:r>
+              <a:rPr lang="en-AU" sz="2400" b="1" dirty="0" err="1"/>
+              <a:t>dataframes</a:t>
+            </a:r>
+            <a:endParaRPr lang="en-AU" sz="2400" b="1" dirty="0"/>
           </a:p>
           <a:p>
             <a:pPr marL="0" indent="0">
@@ -6102,6 +6107,15 @@
               <a:buNone/>
             </a:pPr>
             <a:endParaRPr lang="en-AU" sz="2400" dirty="0"/>
+          </a:p>
+          <a:p>
+            <a:pPr marL="0" indent="0">
+              <a:buNone/>
+            </a:pPr>
+            <a:r>
+              <a:rPr lang="en-AU" sz="2400" b="1" dirty="0"/>
+              <a:t>Creating bins</a:t>
+            </a:r>
           </a:p>
         </p:txBody>
       </p:sp>
@@ -6301,10 +6315,10 @@
       </p:pic>
       <p:pic>
         <p:nvPicPr>
-          <p:cNvPr id="12" name="Picture 11">
-            <a:extLst>
-              <a:ext uri="{FF2B5EF4-FFF2-40B4-BE49-F238E27FC236}">
-                <a16:creationId xmlns:a16="http://schemas.microsoft.com/office/drawing/2014/main" id="{7618771A-4C34-43F7-BA2D-9646500EABF1}"/>
+          <p:cNvPr id="8" name="Picture 7">
+            <a:extLst>
+              <a:ext uri="{FF2B5EF4-FFF2-40B4-BE49-F238E27FC236}">
+                <a16:creationId xmlns:a16="http://schemas.microsoft.com/office/drawing/2014/main" id="{D18C2D1D-5D01-4153-B278-E90B7F4011B0}"/>
               </a:ext>
             </a:extLst>
           </p:cNvPr>
@@ -6321,8 +6335,8 @@
         </p:blipFill>
         <p:spPr>
           <a:xfrm>
-            <a:off x="1134922" y="2719018"/>
-            <a:ext cx="3738591" cy="2322683"/>
+            <a:off x="1248697" y="2697730"/>
+            <a:ext cx="5666823" cy="1462535"/>
           </a:xfrm>
           <a:prstGeom prst="rect">
             <a:avLst/>
@@ -6331,10 +6345,10 @@
       </p:pic>
       <p:pic>
         <p:nvPicPr>
-          <p:cNvPr id="13" name="Picture 12">
-            <a:extLst>
-              <a:ext uri="{FF2B5EF4-FFF2-40B4-BE49-F238E27FC236}">
-                <a16:creationId xmlns:a16="http://schemas.microsoft.com/office/drawing/2014/main" id="{1D0EC4CA-EDB6-4DAC-8105-793B4E21C9B3}"/>
+          <p:cNvPr id="10" name="Picture 9">
+            <a:extLst>
+              <a:ext uri="{FF2B5EF4-FFF2-40B4-BE49-F238E27FC236}">
+                <a16:creationId xmlns:a16="http://schemas.microsoft.com/office/drawing/2014/main" id="{40624D42-D077-4A3E-AB8F-5C41DF63EAAA}"/>
               </a:ext>
             </a:extLst>
           </p:cNvPr>
@@ -6351,8 +6365,8 @@
         </p:blipFill>
         <p:spPr>
           <a:xfrm>
-            <a:off x="3556785" y="4357732"/>
-            <a:ext cx="5053814" cy="1921674"/>
+            <a:off x="1136428" y="4920943"/>
+            <a:ext cx="6229067" cy="1615685"/>
           </a:xfrm>
           <a:prstGeom prst="rect">
             <a:avLst/>
@@ -6362,7 +6376,7 @@
     </p:spTree>
     <p:extLst>
       <p:ext uri="{BB962C8B-B14F-4D97-AF65-F5344CB8AC3E}">
-        <p14:creationId xmlns:p14="http://schemas.microsoft.com/office/powerpoint/2010/main" val="367704311"/>
+        <p14:creationId xmlns:p14="http://schemas.microsoft.com/office/powerpoint/2010/main" val="136818763"/>
       </p:ext>
     </p:extLst>
   </p:cSld>
@@ -9025,8 +9039,13 @@
             </a:pPr>
             <a:r>
               <a:rPr lang="en-AU" sz="2400" b="1" dirty="0"/>
-              <a:t>Bubble chart</a:t>
+              <a:t>Bubble chart, pie chart </a:t>
             </a:r>
+            <a:r>
+              <a:rPr lang="en-AU" sz="2400" b="1"/>
+              <a:t>and bar chart	</a:t>
+            </a:r>
+            <a:endParaRPr lang="en-AU" sz="2400" b="1" dirty="0"/>
           </a:p>
           <a:p>
             <a:pPr marL="0" indent="0">
@@ -11245,7 +11264,7 @@
         </p:spPr>
         <p:txBody>
           <a:bodyPr vert="horz" lIns="91440" tIns="45720" rIns="91440" bIns="45720" rtlCol="0" anchor="t">
-            <a:normAutofit/>
+            <a:normAutofit fontScale="85000" lnSpcReduction="10000"/>
           </a:bodyPr>
           <a:lstStyle>
             <a:lvl1pPr marL="228600" indent="-228600" algn="l" defTabSz="914400" rtl="0" eaLnBrk="1" latinLnBrk="0" hangingPunct="1">
@@ -11420,7 +11439,111 @@
             </a:pPr>
             <a:r>
               <a:rPr lang="en-AU" sz="1700" dirty="0"/>
-              <a:t>TBD</a:t>
+              <a:t>For states with a very few electorates, it can be easily observed whether electorates with a higher % of education tend to vote Liberal or </a:t>
+            </a:r>
+            <a:r>
+              <a:rPr lang="en-AU" sz="1700" dirty="0" err="1"/>
+              <a:t>Labor</a:t>
+            </a:r>
+            <a:r>
+              <a:rPr lang="en-AU" sz="1700" dirty="0"/>
+              <a:t>, and whether these this depends on the amount of elderly people or younger people. 	</a:t>
+            </a:r>
+          </a:p>
+          <a:p>
+            <a:pPr lvl="1">
+              <a:buBlip>
+                <a:blip r:embed="rId3"/>
+              </a:buBlip>
+            </a:pPr>
+            <a:r>
+              <a:rPr lang="en-AU" sz="1700" dirty="0"/>
+              <a:t>This does not seem to be consistent across states (compare NT/ACT vs. TAS)</a:t>
+            </a:r>
+          </a:p>
+          <a:p>
+            <a:pPr lvl="1">
+              <a:buBlip>
+                <a:blip r:embed="rId3"/>
+              </a:buBlip>
+            </a:pPr>
+            <a:r>
+              <a:rPr lang="en-AU" sz="1700" dirty="0"/>
+              <a:t>TAS: majority elderly people and most electorates vote Liberal and are less highly educated.</a:t>
+            </a:r>
+          </a:p>
+          <a:p>
+            <a:pPr lvl="1">
+              <a:buBlip>
+                <a:blip r:embed="rId3"/>
+              </a:buBlip>
+            </a:pPr>
+            <a:r>
+              <a:rPr lang="en-AU" sz="1700" dirty="0"/>
+              <a:t>NT/ACT: majority elderly people and most electorates with people voting </a:t>
+            </a:r>
+            <a:r>
+              <a:rPr lang="en-AU" sz="1700" dirty="0" err="1"/>
+              <a:t>Labor</a:t>
+            </a:r>
+            <a:r>
+              <a:rPr lang="en-AU" sz="1700" dirty="0"/>
+              <a:t> are less highly educated that people voting Liberal</a:t>
+            </a:r>
+          </a:p>
+          <a:p>
+            <a:pPr>
+              <a:buBlip>
+                <a:blip r:embed="rId3"/>
+              </a:buBlip>
+            </a:pPr>
+            <a:r>
+              <a:rPr lang="en-AU" sz="1600" dirty="0"/>
+              <a:t>The map shows the elected party within each electorate, as well as the yes votes and participation rate. </a:t>
+            </a:r>
+          </a:p>
+          <a:p>
+            <a:pPr>
+              <a:buBlip>
+                <a:blip r:embed="rId3"/>
+              </a:buBlip>
+            </a:pPr>
+            <a:r>
+              <a:rPr lang="en-AU" sz="1700" dirty="0"/>
+              <a:t>This allows politicians and campaign runners to target their campaigns to specific electorates based on </a:t>
+            </a:r>
+          </a:p>
+          <a:p>
+            <a:pPr lvl="1">
+              <a:buBlip>
+                <a:blip r:embed="rId3"/>
+              </a:buBlip>
+            </a:pPr>
+            <a:r>
+              <a:rPr lang="en-AU" sz="1600" dirty="0"/>
+              <a:t>voting preferences </a:t>
+            </a:r>
+          </a:p>
+          <a:p>
+            <a:pPr lvl="1">
+              <a:buBlip>
+                <a:blip r:embed="rId3"/>
+              </a:buBlip>
+            </a:pPr>
+            <a:r>
+              <a:rPr lang="en-AU" sz="1600" dirty="0"/>
+              <a:t>participation rate</a:t>
+            </a:r>
+          </a:p>
+          <a:p>
+            <a:pPr lvl="1">
+              <a:buBlip>
+                <a:blip r:embed="rId3"/>
+              </a:buBlip>
+            </a:pPr>
+            <a:r>
+              <a:rPr lang="en-AU" sz="1700" dirty="0"/>
+              <a:t>people in specific age categories or with a specific level of education</a:t>
             </a:r>
             <a:endParaRPr lang="en-US" sz="1700" dirty="0"/>
           </a:p>
@@ -11616,7 +11739,7 @@
           <a:p>
             <a:r>
               <a:rPr lang="en-AU" dirty="0"/>
-              <a:t>Enhancements/challenges</a:t>
+              <a:t>Challenges and improvements</a:t>
             </a:r>
           </a:p>
         </p:txBody>
@@ -11865,14 +11988,14 @@
           <p:nvPr>
             <p:extLst>
               <p:ext uri="{D42A27DB-BD31-4B8C-83A1-F6EECF244321}">
-                <p14:modId xmlns:p14="http://schemas.microsoft.com/office/powerpoint/2010/main" val="2273533780"/>
+                <p14:modId xmlns:p14="http://schemas.microsoft.com/office/powerpoint/2010/main" val="2447790520"/>
               </p:ext>
             </p:extLst>
           </p:nvPr>
         </p:nvGraphicFramePr>
         <p:xfrm>
           <a:off x="787400" y="2158703"/>
-          <a:ext cx="6746875" cy="3418840"/>
+          <a:ext cx="6746875" cy="2778760"/>
         </p:xfrm>
         <a:graphic>
           <a:graphicData uri="http://schemas.openxmlformats.org/drawingml/2006/table">
@@ -12043,10 +12166,7 @@
                         <a:tabLst/>
                         <a:defRPr/>
                       </a:pPr>
-                      <a:r>
-                        <a:rPr lang="en-AU" sz="1400" dirty="0"/>
-                        <a:t>Trend analysis at a glance whether a similar trend can be identified between age, education and voting behaviour across all states or whether the trend is different within each state</a:t>
-                      </a:r>
+                      <a:endParaRPr lang="en-AU" sz="1400" dirty="0"/>
                     </a:p>
                   </a:txBody>
                   <a:tcPr/>
@@ -12352,105 +12472,105 @@
         </p:spPr>
         <p:txBody>
           <a:bodyPr anchor="t">
-            <a:normAutofit fontScale="92500" lnSpcReduction="20000"/>
+            <a:normAutofit/>
           </a:bodyPr>
           <a:lstStyle/>
           <a:p>
-            <a:pPr>
+            <a:pPr lvl="1">
               <a:buBlip>
                 <a:blip r:embed="rId2"/>
               </a:buBlip>
             </a:pPr>
             <a:r>
-              <a:rPr lang="en-AU" sz="2400" dirty="0"/>
+              <a:rPr lang="en-AU" sz="2000" dirty="0"/>
               <a:t>Theme and purpose </a:t>
             </a:r>
           </a:p>
           <a:p>
-            <a:pPr>
+            <a:pPr lvl="1">
               <a:buBlip>
                 <a:blip r:embed="rId2"/>
               </a:buBlip>
             </a:pPr>
             <a:r>
-              <a:rPr lang="en-AU" sz="2400" dirty="0"/>
+              <a:rPr lang="en-AU" sz="2000" dirty="0"/>
               <a:t>Project overview </a:t>
             </a:r>
           </a:p>
           <a:p>
-            <a:pPr>
+            <a:pPr lvl="1">
               <a:buBlip>
                 <a:blip r:embed="rId2"/>
               </a:buBlip>
             </a:pPr>
             <a:r>
-              <a:rPr lang="en-AU" sz="2400" dirty="0"/>
+              <a:rPr lang="en-AU" sz="2000" dirty="0"/>
               <a:t>Data sources</a:t>
             </a:r>
           </a:p>
           <a:p>
-            <a:pPr>
+            <a:pPr lvl="1">
               <a:buBlip>
                 <a:blip r:embed="rId2"/>
               </a:buBlip>
             </a:pPr>
             <a:r>
-              <a:rPr lang="en-AU" sz="2400" dirty="0"/>
+              <a:rPr lang="en-AU" sz="2000" dirty="0"/>
               <a:t>Extract, Transform and Load</a:t>
             </a:r>
           </a:p>
           <a:p>
-            <a:pPr>
+            <a:pPr lvl="1">
               <a:buBlip>
                 <a:blip r:embed="rId2"/>
               </a:buBlip>
             </a:pPr>
             <a:r>
-              <a:rPr lang="en-AU" sz="2400" dirty="0"/>
+              <a:rPr lang="en-AU" sz="2000" dirty="0"/>
               <a:t>Coding approach </a:t>
             </a:r>
           </a:p>
           <a:p>
-            <a:pPr>
+            <a:pPr lvl="1">
               <a:buBlip>
                 <a:blip r:embed="rId2"/>
               </a:buBlip>
             </a:pPr>
             <a:r>
-              <a:rPr lang="en-AU" sz="2400" dirty="0"/>
+              <a:rPr lang="en-AU" sz="2000" dirty="0"/>
               <a:t>Snapshots code, raw data and visualisations</a:t>
             </a:r>
           </a:p>
           <a:p>
-            <a:pPr>
+            <a:pPr lvl="1">
               <a:buBlip>
                 <a:blip r:embed="rId2"/>
               </a:buBlip>
             </a:pPr>
             <a:r>
-              <a:rPr lang="en-AU" sz="2400" dirty="0"/>
+              <a:rPr lang="en-AU" sz="2000" dirty="0"/>
               <a:t>Demonstration and observations</a:t>
             </a:r>
           </a:p>
           <a:p>
-            <a:pPr>
+            <a:pPr lvl="1">
               <a:buBlip>
                 <a:blip r:embed="rId2"/>
               </a:buBlip>
             </a:pPr>
             <a:r>
-              <a:rPr lang="en-AU" sz="2400" dirty="0"/>
+              <a:rPr lang="en-AU" sz="2000" dirty="0"/>
               <a:t>Enhancements and challenges</a:t>
             </a:r>
           </a:p>
           <a:p>
-            <a:pPr>
+            <a:pPr lvl="1">
               <a:buBlip>
                 <a:blip r:embed="rId2"/>
               </a:buBlip>
             </a:pPr>
             <a:r>
-              <a:rPr lang="en-AU" sz="2400" dirty="0"/>
+              <a:rPr lang="en-AU" sz="2000" dirty="0"/>
               <a:t>Questions</a:t>
             </a:r>
           </a:p>
@@ -16050,7 +16170,7 @@
           <a:p>
             <a:r>
               <a:rPr lang="en-AU" dirty="0"/>
-              <a:t>Snapshots ETL code</a:t>
+              <a:t>Snapshots raw data</a:t>
             </a:r>
           </a:p>
         </p:txBody>
@@ -16088,13 +16208,8 @@
             </a:pPr>
             <a:r>
               <a:rPr lang="en-AU" sz="2400" b="1" dirty="0"/>
-              <a:t>Merging </a:t>
+              <a:t>Commonwealth electorate data</a:t>
             </a:r>
-            <a:r>
-              <a:rPr lang="en-AU" sz="2400" b="1" dirty="0" err="1"/>
-              <a:t>dataframes</a:t>
-            </a:r>
-            <a:endParaRPr lang="en-AU" sz="2400" b="1" dirty="0"/>
           </a:p>
           <a:p>
             <a:pPr marL="0" indent="0">
@@ -16119,15 +16234,6 @@
               <a:buNone/>
             </a:pPr>
             <a:endParaRPr lang="en-AU" sz="2400" dirty="0"/>
-          </a:p>
-          <a:p>
-            <a:pPr marL="0" indent="0">
-              <a:buNone/>
-            </a:pPr>
-            <a:r>
-              <a:rPr lang="en-AU" sz="2400" b="1" dirty="0"/>
-              <a:t>Creating bins</a:t>
-            </a:r>
           </a:p>
         </p:txBody>
       </p:sp>
@@ -16327,10 +16433,10 @@
       </p:pic>
       <p:pic>
         <p:nvPicPr>
-          <p:cNvPr id="8" name="Picture 7">
-            <a:extLst>
-              <a:ext uri="{FF2B5EF4-FFF2-40B4-BE49-F238E27FC236}">
-                <a16:creationId xmlns:a16="http://schemas.microsoft.com/office/drawing/2014/main" id="{D18C2D1D-5D01-4153-B278-E90B7F4011B0}"/>
+          <p:cNvPr id="12" name="Picture 11">
+            <a:extLst>
+              <a:ext uri="{FF2B5EF4-FFF2-40B4-BE49-F238E27FC236}">
+                <a16:creationId xmlns:a16="http://schemas.microsoft.com/office/drawing/2014/main" id="{7618771A-4C34-43F7-BA2D-9646500EABF1}"/>
               </a:ext>
             </a:extLst>
           </p:cNvPr>
@@ -16347,8 +16453,8 @@
         </p:blipFill>
         <p:spPr>
           <a:xfrm>
-            <a:off x="1248697" y="2697730"/>
-            <a:ext cx="5666823" cy="1462535"/>
+            <a:off x="1134922" y="2719018"/>
+            <a:ext cx="3738591" cy="2322683"/>
           </a:xfrm>
           <a:prstGeom prst="rect">
             <a:avLst/>
@@ -16357,10 +16463,10 @@
       </p:pic>
       <p:pic>
         <p:nvPicPr>
-          <p:cNvPr id="10" name="Picture 9">
-            <a:extLst>
-              <a:ext uri="{FF2B5EF4-FFF2-40B4-BE49-F238E27FC236}">
-                <a16:creationId xmlns:a16="http://schemas.microsoft.com/office/drawing/2014/main" id="{40624D42-D077-4A3E-AB8F-5C41DF63EAAA}"/>
+          <p:cNvPr id="13" name="Picture 12">
+            <a:extLst>
+              <a:ext uri="{FF2B5EF4-FFF2-40B4-BE49-F238E27FC236}">
+                <a16:creationId xmlns:a16="http://schemas.microsoft.com/office/drawing/2014/main" id="{1D0EC4CA-EDB6-4DAC-8105-793B4E21C9B3}"/>
               </a:ext>
             </a:extLst>
           </p:cNvPr>
@@ -16377,8 +16483,8 @@
         </p:blipFill>
         <p:spPr>
           <a:xfrm>
-            <a:off x="1136428" y="4920943"/>
-            <a:ext cx="6229067" cy="1615685"/>
+            <a:off x="3556785" y="4357732"/>
+            <a:ext cx="5053814" cy="1921674"/>
           </a:xfrm>
           <a:prstGeom prst="rect">
             <a:avLst/>
@@ -16388,7 +16494,7 @@
     </p:spTree>
     <p:extLst>
       <p:ext uri="{BB962C8B-B14F-4D97-AF65-F5344CB8AC3E}">
-        <p14:creationId xmlns:p14="http://schemas.microsoft.com/office/powerpoint/2010/main" val="136818763"/>
+        <p14:creationId xmlns:p14="http://schemas.microsoft.com/office/powerpoint/2010/main" val="367704311"/>
       </p:ext>
     </p:extLst>
   </p:cSld>
